--- a/210201_React.pptx
+++ b/210201_React.pptx
@@ -5,10 +5,10 @@
     <p:sldMasterId id="2147483648" r:id="rId1"/>
   </p:sldMasterIdLst>
   <p:notesMasterIdLst>
-    <p:notesMasterId r:id="rId40"/>
+    <p:notesMasterId r:id="rId42"/>
   </p:notesMasterIdLst>
   <p:handoutMasterIdLst>
-    <p:handoutMasterId r:id="rId41"/>
+    <p:handoutMasterId r:id="rId43"/>
   </p:handoutMasterIdLst>
   <p:sldIdLst>
     <p:sldId id="256" r:id="rId2"/>
@@ -48,23 +48,21 @@
     <p:sldId id="388" r:id="rId36"/>
     <p:sldId id="389" r:id="rId37"/>
     <p:sldId id="390" r:id="rId38"/>
-    <p:sldId id="262" r:id="rId39"/>
+    <p:sldId id="391" r:id="rId39"/>
+    <p:sldId id="392" r:id="rId40"/>
+    <p:sldId id="262" r:id="rId41"/>
   </p:sldIdLst>
   <p:sldSz cx="12192000" cy="6858000"/>
   <p:notesSz cx="6858000" cy="9144000"/>
   <p:embeddedFontLst>
     <p:embeddedFont>
-      <p:font typeface="Abadi" panose="020B0604020104020204" pitchFamily="34" charset="0"/>
-      <p:regular r:id="rId42"/>
-    </p:embeddedFont>
-    <p:embeddedFont>
       <p:font typeface="배달의민족 주아" panose="02020603020101020101" pitchFamily="18" charset="-127"/>
-      <p:regular r:id="rId43"/>
+      <p:regular r:id="rId44"/>
     </p:embeddedFont>
     <p:embeddedFont>
       <p:font typeface="빙그레 메로나체" panose="020B0503000000000000" pitchFamily="50" charset="-127"/>
-      <p:regular r:id="rId44"/>
-      <p:bold r:id="rId45"/>
+      <p:regular r:id="rId45"/>
+      <p:bold r:id="rId46"/>
     </p:embeddedFont>
   </p:embeddedFontLst>
   <p:defaultTextStyle>
@@ -5522,7 +5520,6 @@
                   <a:srgbClr val="FFFFFF"/>
                 </a:solidFill>
                 <a:effectLst/>
-                <a:latin typeface="Abadi" panose="020B0604020104020204" pitchFamily="34" charset="0"/>
               </a:rPr>
               <a:t>Facebook</a:t>
             </a:r>
@@ -5532,7 +5529,6 @@
                   <a:srgbClr val="FFFFFF"/>
                 </a:solidFill>
                 <a:effectLst/>
-                <a:latin typeface="Abadi" panose="020B0604020104020204" pitchFamily="34" charset="0"/>
               </a:rPr>
               <a:t>의 공식 </a:t>
             </a:r>
@@ -5542,7 +5538,6 @@
                   <a:srgbClr val="FFFFFF"/>
                 </a:solidFill>
                 <a:effectLst/>
-                <a:latin typeface="Abadi" panose="020B0604020104020204" pitchFamily="34" charset="0"/>
               </a:rPr>
               <a:t>React </a:t>
             </a:r>
@@ -5552,7 +5547,6 @@
                   <a:srgbClr val="FFFFFF"/>
                 </a:solidFill>
                 <a:effectLst/>
-                <a:latin typeface="Abadi" panose="020B0604020104020204" pitchFamily="34" charset="0"/>
               </a:rPr>
               <a:t>웹 개발을위한 보일러 플레이트</a:t>
             </a:r>
@@ -5561,7 +5555,6 @@
                 <a:srgbClr val="FFFFFF"/>
               </a:solidFill>
               <a:effectLst/>
-              <a:latin typeface="Abadi" panose="020B0604020104020204" pitchFamily="34" charset="0"/>
             </a:endParaRPr>
           </a:p>
           <a:p>
@@ -5571,101 +5564,9 @@
                   <a:srgbClr val="222426"/>
                 </a:solidFill>
                 <a:effectLst/>
-                <a:latin typeface="Abadi" panose="020B0604020104020204" pitchFamily="34" charset="0"/>
               </a:rPr>
               <a:t>모든 개발환경을 설정하지 않아도 되고 페이스북이라는 거대한 기업에서 지속적으로 업데이트를 해주기에 많은 사람들이 사용</a:t>
             </a:r>
-            <a:endParaRPr lang="en-US" altLang="ko-KR" b="0" i="0">
-              <a:solidFill>
-                <a:srgbClr val="222426"/>
-              </a:solidFill>
-              <a:effectLst/>
-              <a:latin typeface="Abadi" panose="020B0604020104020204" pitchFamily="34" charset="0"/>
-            </a:endParaRPr>
-          </a:p>
-          <a:p>
-            <a:r>
-              <a:rPr lang="ko-KR" altLang="en-US" b="0" i="0">
-                <a:solidFill>
-                  <a:srgbClr val="303030"/>
-                </a:solidFill>
-                <a:effectLst/>
-                <a:latin typeface="Abadi" panose="020B0604020104020204" pitchFamily="34" charset="0"/>
-              </a:rPr>
-              <a:t>원래 리액트 앱 실행을 하기 위해선 </a:t>
-            </a:r>
-            <a:r>
-              <a:rPr lang="en-US" altLang="ko-KR" b="0" i="0">
-                <a:solidFill>
-                  <a:srgbClr val="303030"/>
-                </a:solidFill>
-                <a:effectLst/>
-                <a:latin typeface="Abadi" panose="020B0604020104020204" pitchFamily="34" charset="0"/>
-              </a:rPr>
-              <a:t>webpack(</a:t>
-            </a:r>
-            <a:r>
-              <a:rPr lang="ko-KR" altLang="en-US" b="0" i="0">
-                <a:solidFill>
-                  <a:srgbClr val="303030"/>
-                </a:solidFill>
-                <a:effectLst/>
-                <a:latin typeface="Abadi" panose="020B0604020104020204" pitchFamily="34" charset="0"/>
-              </a:rPr>
-              <a:t>번들화</a:t>
-            </a:r>
-            <a:r>
-              <a:rPr lang="en-US" altLang="ko-KR" b="0" i="0">
-                <a:solidFill>
-                  <a:srgbClr val="303030"/>
-                </a:solidFill>
-                <a:effectLst/>
-                <a:latin typeface="Abadi" panose="020B0604020104020204" pitchFamily="34" charset="0"/>
-              </a:rPr>
-              <a:t>), babel(</a:t>
-            </a:r>
-            <a:r>
-              <a:rPr lang="ko-KR" altLang="en-US" b="0" i="0">
-                <a:solidFill>
-                  <a:srgbClr val="303030"/>
-                </a:solidFill>
-                <a:effectLst/>
-                <a:latin typeface="Abadi" panose="020B0604020104020204" pitchFamily="34" charset="0"/>
-              </a:rPr>
-              <a:t>최신 자바스크립트 문법 지원</a:t>
-            </a:r>
-            <a:r>
-              <a:rPr lang="en-US" altLang="ko-KR" b="0" i="0">
-                <a:solidFill>
-                  <a:srgbClr val="303030"/>
-                </a:solidFill>
-                <a:effectLst/>
-                <a:latin typeface="Abadi" panose="020B0604020104020204" pitchFamily="34" charset="0"/>
-              </a:rPr>
-              <a:t>) </a:t>
-            </a:r>
-            <a:r>
-              <a:rPr lang="ko-KR" altLang="en-US" b="0" i="0">
-                <a:solidFill>
-                  <a:srgbClr val="303030"/>
-                </a:solidFill>
-                <a:effectLst/>
-                <a:latin typeface="Abadi" panose="020B0604020104020204" pitchFamily="34" charset="0"/>
-              </a:rPr>
-              <a:t>설정을 위한 시간이 많이 소요됨</a:t>
-            </a:r>
-            <a:r>
-              <a:rPr lang="en-US" altLang="ko-KR" b="0" i="0">
-                <a:solidFill>
-                  <a:srgbClr val="303030"/>
-                </a:solidFill>
-                <a:effectLst/>
-                <a:latin typeface="Abadi" panose="020B0604020104020204" pitchFamily="34" charset="0"/>
-              </a:rPr>
-              <a:t>.</a:t>
-            </a:r>
-          </a:p>
-          <a:p>
             <a:endParaRPr lang="en-US" altLang="ko-KR" b="0" i="0">
               <a:solidFill>
                 <a:srgbClr val="222426"/>
@@ -5677,12 +5578,77 @@
             <a:r>
               <a:rPr lang="ko-KR" altLang="en-US" b="0" i="0">
                 <a:solidFill>
-                  <a:srgbClr val="222426"/>
-                </a:solidFill>
-                <a:effectLst/>
-              </a:rPr>
-              <a:t>포함</a:t>
-            </a:r>
+                  <a:srgbClr val="303030"/>
+                </a:solidFill>
+                <a:effectLst/>
+              </a:rPr>
+              <a:t>원래 리액트 앱 실행을 하기 위해선 </a:t>
+            </a:r>
+            <a:r>
+              <a:rPr lang="en-US" altLang="ko-KR" b="0" i="0">
+                <a:solidFill>
+                  <a:srgbClr val="303030"/>
+                </a:solidFill>
+                <a:effectLst/>
+              </a:rPr>
+              <a:t>webpack(</a:t>
+            </a:r>
+            <a:r>
+              <a:rPr lang="ko-KR" altLang="en-US" b="0" i="0">
+                <a:solidFill>
+                  <a:srgbClr val="303030"/>
+                </a:solidFill>
+                <a:effectLst/>
+              </a:rPr>
+              <a:t>번들화</a:t>
+            </a:r>
+            <a:r>
+              <a:rPr lang="en-US" altLang="ko-KR" b="0" i="0">
+                <a:solidFill>
+                  <a:srgbClr val="303030"/>
+                </a:solidFill>
+                <a:effectLst/>
+              </a:rPr>
+              <a:t>), babel(</a:t>
+            </a:r>
+            <a:r>
+              <a:rPr lang="ko-KR" altLang="en-US" b="0" i="0">
+                <a:solidFill>
+                  <a:srgbClr val="303030"/>
+                </a:solidFill>
+                <a:effectLst/>
+              </a:rPr>
+              <a:t>최신 자바스크립트 문법 지원</a:t>
+            </a:r>
+            <a:r>
+              <a:rPr lang="en-US" altLang="ko-KR" b="0" i="0">
+                <a:solidFill>
+                  <a:srgbClr val="303030"/>
+                </a:solidFill>
+                <a:effectLst/>
+              </a:rPr>
+              <a:t>) </a:t>
+            </a:r>
+            <a:r>
+              <a:rPr lang="ko-KR" altLang="en-US" b="0" i="0">
+                <a:solidFill>
+                  <a:srgbClr val="303030"/>
+                </a:solidFill>
+                <a:effectLst/>
+              </a:rPr>
+              <a:t>설정을 위한 시간이 많이 소요됨</a:t>
+            </a:r>
+            <a:r>
+              <a:rPr lang="en-US" altLang="ko-KR" b="0" i="0">
+                <a:solidFill>
+                  <a:srgbClr val="303030"/>
+                </a:solidFill>
+                <a:effectLst/>
+              </a:rPr>
+              <a:t>.</a:t>
+            </a:r>
+          </a:p>
+          <a:p>
             <a:endParaRPr lang="en-US" altLang="ko-KR" b="0" i="0">
               <a:solidFill>
                 <a:srgbClr val="222426"/>
@@ -5691,292 +5657,15 @@
             </a:endParaRPr>
           </a:p>
           <a:p>
-            <a:pPr algn="l" fontAlgn="base">
-              <a:buFont typeface="Arial" panose="020B0604020202020204" pitchFamily="34" charset="0"/>
-              <a:buChar char="•"/>
-            </a:pPr>
-            <a:r>
-              <a:rPr lang="en-US" altLang="ko-KR" b="0" i="0">
-                <a:solidFill>
-                  <a:srgbClr val="333333"/>
-                </a:solidFill>
-                <a:effectLst/>
-                <a:latin typeface="Times New Roman" panose="02020603050405020304" pitchFamily="18" charset="0"/>
-              </a:rPr>
-              <a:t>Webpack : minify, uglify </a:t>
-            </a:r>
             <a:r>
               <a:rPr lang="ko-KR" altLang="en-US" b="0" i="0">
                 <a:solidFill>
-                  <a:srgbClr val="333333"/>
-                </a:solidFill>
-                <a:effectLst/>
-                <a:latin typeface="Times New Roman" panose="02020603050405020304" pitchFamily="18" charset="0"/>
-              </a:rPr>
-              <a:t>등을 포함한 모듈 번들링 도구</a:t>
-            </a:r>
-          </a:p>
-          <a:p>
-            <a:pPr algn="l" fontAlgn="base">
-              <a:buFont typeface="Arial" panose="020B0604020202020204" pitchFamily="34" charset="0"/>
-              <a:buChar char="•"/>
-            </a:pPr>
-            <a:r>
-              <a:rPr lang="en-US" altLang="ko-KR" b="0" i="0">
-                <a:solidFill>
-                  <a:srgbClr val="333333"/>
-                </a:solidFill>
-                <a:effectLst/>
-                <a:latin typeface="Times New Roman" panose="02020603050405020304" pitchFamily="18" charset="0"/>
-              </a:rPr>
-              <a:t>Babel : ES6, React </a:t>
-            </a:r>
-            <a:r>
-              <a:rPr lang="ko-KR" altLang="en-US" b="0" i="0">
-                <a:solidFill>
-                  <a:srgbClr val="333333"/>
-                </a:solidFill>
-                <a:effectLst/>
-                <a:latin typeface="Times New Roman" panose="02020603050405020304" pitchFamily="18" charset="0"/>
-              </a:rPr>
-              <a:t>등의 문법을 </a:t>
-            </a:r>
-            <a:r>
-              <a:rPr lang="en-US" altLang="ko-KR" b="0" i="0">
-                <a:solidFill>
-                  <a:srgbClr val="333333"/>
-                </a:solidFill>
-                <a:effectLst/>
-                <a:latin typeface="Times New Roman" panose="02020603050405020304" pitchFamily="18" charset="0"/>
-              </a:rPr>
-              <a:t>ES5 </a:t>
-            </a:r>
-            <a:r>
-              <a:rPr lang="ko-KR" altLang="en-US" b="0" i="0">
-                <a:solidFill>
-                  <a:srgbClr val="333333"/>
-                </a:solidFill>
-                <a:effectLst/>
-                <a:latin typeface="Times New Roman" panose="02020603050405020304" pitchFamily="18" charset="0"/>
-              </a:rPr>
-              <a:t>코드로 변환시켜주는 트랜스파일러</a:t>
-            </a:r>
-          </a:p>
-          <a:p>
-            <a:pPr algn="l" fontAlgn="base">
-              <a:buFont typeface="Arial" panose="020B0604020202020204" pitchFamily="34" charset="0"/>
-              <a:buChar char="•"/>
-            </a:pPr>
-            <a:r>
-              <a:rPr lang="en-US" altLang="ko-KR" b="0" i="0">
-                <a:solidFill>
-                  <a:srgbClr val="333333"/>
-                </a:solidFill>
-                <a:effectLst/>
-                <a:latin typeface="Times New Roman" panose="02020603050405020304" pitchFamily="18" charset="0"/>
-              </a:rPr>
-              <a:t>Autoprefixer : </a:t>
-            </a:r>
-            <a:r>
-              <a:rPr lang="ko-KR" altLang="en-US" b="0" i="0">
-                <a:solidFill>
-                  <a:srgbClr val="333333"/>
-                </a:solidFill>
-                <a:effectLst/>
-                <a:latin typeface="Times New Roman" panose="02020603050405020304" pitchFamily="18" charset="0"/>
-              </a:rPr>
-              <a:t>다양한 벤더</a:t>
-            </a:r>
-            <a:r>
-              <a:rPr lang="en-US" altLang="ko-KR" b="0" i="0">
-                <a:solidFill>
-                  <a:srgbClr val="333333"/>
-                </a:solidFill>
-                <a:effectLst/>
-                <a:latin typeface="Times New Roman" panose="02020603050405020304" pitchFamily="18" charset="0"/>
-              </a:rPr>
-              <a:t>(</a:t>
-            </a:r>
-            <a:r>
-              <a:rPr lang="ko-KR" altLang="en-US" b="0" i="0">
-                <a:solidFill>
-                  <a:srgbClr val="333333"/>
-                </a:solidFill>
-                <a:effectLst/>
-                <a:latin typeface="Times New Roman" panose="02020603050405020304" pitchFamily="18" charset="0"/>
-              </a:rPr>
-              <a:t>브라우저</a:t>
-            </a:r>
-            <a:r>
-              <a:rPr lang="en-US" altLang="ko-KR" b="0" i="0">
-                <a:solidFill>
-                  <a:srgbClr val="333333"/>
-                </a:solidFill>
-                <a:effectLst/>
-                <a:latin typeface="Times New Roman" panose="02020603050405020304" pitchFamily="18" charset="0"/>
-              </a:rPr>
-              <a:t>)</a:t>
-            </a:r>
-            <a:r>
-              <a:rPr lang="ko-KR" altLang="en-US" b="0" i="0">
-                <a:solidFill>
-                  <a:srgbClr val="333333"/>
-                </a:solidFill>
-                <a:effectLst/>
-                <a:latin typeface="Times New Roman" panose="02020603050405020304" pitchFamily="18" charset="0"/>
-              </a:rPr>
-              <a:t>들에게 적절한 </a:t>
-            </a:r>
-            <a:r>
-              <a:rPr lang="en-US" altLang="ko-KR" b="0" i="0">
-                <a:solidFill>
-                  <a:srgbClr val="333333"/>
-                </a:solidFill>
-                <a:effectLst/>
-                <a:latin typeface="Times New Roman" panose="02020603050405020304" pitchFamily="18" charset="0"/>
-              </a:rPr>
-              <a:t>CSS </a:t>
-            </a:r>
-            <a:r>
-              <a:rPr lang="ko-KR" altLang="en-US" b="0" i="0">
-                <a:solidFill>
-                  <a:srgbClr val="333333"/>
-                </a:solidFill>
-                <a:effectLst/>
-                <a:latin typeface="Times New Roman" panose="02020603050405020304" pitchFamily="18" charset="0"/>
-              </a:rPr>
-              <a:t>가 적용될 수 있도록 </a:t>
-            </a:r>
-            <a:r>
-              <a:rPr lang="en-US" altLang="ko-KR" b="0" i="0">
-                <a:solidFill>
-                  <a:srgbClr val="333333"/>
-                </a:solidFill>
-                <a:effectLst/>
-                <a:latin typeface="Times New Roman" panose="02020603050405020304" pitchFamily="18" charset="0"/>
-              </a:rPr>
-              <a:t>prefix </a:t>
-            </a:r>
-            <a:r>
-              <a:rPr lang="ko-KR" altLang="en-US" b="0" i="0">
-                <a:solidFill>
-                  <a:srgbClr val="333333"/>
-                </a:solidFill>
-                <a:effectLst/>
-                <a:latin typeface="Times New Roman" panose="02020603050405020304" pitchFamily="18" charset="0"/>
-              </a:rPr>
-              <a:t>를 붙여준다</a:t>
-            </a:r>
-            <a:r>
-              <a:rPr lang="en-US" altLang="ko-KR" b="0" i="0">
-                <a:solidFill>
-                  <a:srgbClr val="333333"/>
-                </a:solidFill>
-                <a:effectLst/>
-                <a:latin typeface="Times New Roman" panose="02020603050405020304" pitchFamily="18" charset="0"/>
-              </a:rPr>
-              <a:t>.</a:t>
-            </a:r>
-          </a:p>
-          <a:p>
-            <a:pPr algn="l" fontAlgn="base">
-              <a:buFont typeface="Arial" panose="020B0604020202020204" pitchFamily="34" charset="0"/>
-              <a:buChar char="•"/>
-            </a:pPr>
-            <a:r>
-              <a:rPr lang="en-US" altLang="ko-KR" b="0" i="0">
-                <a:solidFill>
-                  <a:srgbClr val="333333"/>
-                </a:solidFill>
-                <a:effectLst/>
-                <a:latin typeface="Times New Roman" panose="02020603050405020304" pitchFamily="18" charset="0"/>
-              </a:rPr>
-              <a:t>ESLint : </a:t>
-            </a:r>
-            <a:r>
-              <a:rPr lang="ko-KR" altLang="en-US" b="0" i="0">
-                <a:solidFill>
-                  <a:srgbClr val="333333"/>
-                </a:solidFill>
-                <a:effectLst/>
-                <a:latin typeface="Times New Roman" panose="02020603050405020304" pitchFamily="18" charset="0"/>
-              </a:rPr>
-              <a:t>자바스크립트 </a:t>
-            </a:r>
-            <a:r>
-              <a:rPr lang="en-US" altLang="ko-KR" b="0" i="0">
-                <a:solidFill>
-                  <a:srgbClr val="333333"/>
-                </a:solidFill>
-                <a:effectLst/>
-                <a:latin typeface="Times New Roman" panose="02020603050405020304" pitchFamily="18" charset="0"/>
-              </a:rPr>
-              <a:t>lint, </a:t>
-            </a:r>
-            <a:r>
-              <a:rPr lang="ko-KR" altLang="en-US" b="0" i="0">
-                <a:solidFill>
-                  <a:srgbClr val="333333"/>
-                </a:solidFill>
-                <a:effectLst/>
-                <a:latin typeface="Times New Roman" panose="02020603050405020304" pitchFamily="18" charset="0"/>
-              </a:rPr>
-              <a:t>코드 컨벤션과 오류 등을 잡아준다</a:t>
-            </a:r>
-            <a:r>
-              <a:rPr lang="en-US" altLang="ko-KR" b="0" i="0">
-                <a:solidFill>
-                  <a:srgbClr val="333333"/>
-                </a:solidFill>
-                <a:effectLst/>
-                <a:latin typeface="Times New Roman" panose="02020603050405020304" pitchFamily="18" charset="0"/>
-              </a:rPr>
-              <a:t>.</a:t>
-            </a:r>
-          </a:p>
-          <a:p>
-            <a:pPr algn="l" fontAlgn="base">
-              <a:buFont typeface="Arial" panose="020B0604020202020204" pitchFamily="34" charset="0"/>
-              <a:buChar char="•"/>
-            </a:pPr>
-            <a:r>
-              <a:rPr lang="en-US" altLang="ko-KR" b="0" i="0">
-                <a:solidFill>
-                  <a:srgbClr val="333333"/>
-                </a:solidFill>
-                <a:effectLst/>
-                <a:latin typeface="Times New Roman" panose="02020603050405020304" pitchFamily="18" charset="0"/>
-              </a:rPr>
-              <a:t>Jest : </a:t>
-            </a:r>
-            <a:r>
-              <a:rPr lang="ko-KR" altLang="en-US" b="0" i="0">
-                <a:solidFill>
-                  <a:srgbClr val="333333"/>
-                </a:solidFill>
-                <a:effectLst/>
-                <a:latin typeface="Times New Roman" panose="02020603050405020304" pitchFamily="18" charset="0"/>
-              </a:rPr>
-              <a:t>자바스크립트 테스트 도구</a:t>
-            </a:r>
-          </a:p>
-          <a:p>
-            <a:pPr algn="l" fontAlgn="base">
-              <a:buFont typeface="Arial" panose="020B0604020202020204" pitchFamily="34" charset="0"/>
-              <a:buChar char="•"/>
-            </a:pPr>
-            <a:r>
-              <a:rPr lang="ko-KR" altLang="en-US" b="0" i="0">
-                <a:solidFill>
-                  <a:srgbClr val="333333"/>
-                </a:solidFill>
-                <a:effectLst/>
-                <a:latin typeface="Times New Roman" panose="02020603050405020304" pitchFamily="18" charset="0"/>
-              </a:rPr>
-              <a:t>이외에 여러개</a:t>
-            </a:r>
-          </a:p>
-          <a:p>
+                  <a:srgbClr val="222426"/>
+                </a:solidFill>
+                <a:effectLst/>
+              </a:rPr>
+              <a:t>포함</a:t>
+            </a:r>
             <a:endParaRPr lang="en-US" altLang="ko-KR" b="0" i="0">
               <a:solidFill>
                 <a:srgbClr val="222426"/>
@@ -5985,33 +5674,267 @@
             </a:endParaRPr>
           </a:p>
           <a:p>
+            <a:pPr algn="l" fontAlgn="base">
+              <a:buFont typeface="Arial" panose="020B0604020202020204" pitchFamily="34" charset="0"/>
+              <a:buChar char="•"/>
+            </a:pPr>
+            <a:r>
+              <a:rPr lang="en-US" altLang="ko-KR" b="0" i="0">
+                <a:solidFill>
+                  <a:srgbClr val="333333"/>
+                </a:solidFill>
+                <a:effectLst/>
+              </a:rPr>
+              <a:t>Webpack : minify, uglify </a:t>
+            </a:r>
             <a:r>
               <a:rPr lang="ko-KR" altLang="en-US" b="0" i="0">
                 <a:solidFill>
-                  <a:srgbClr val="222426"/>
-                </a:solidFill>
-                <a:effectLst/>
-              </a:rPr>
-              <a:t>보일러 플레이트 </a:t>
-            </a:r>
+                  <a:srgbClr val="333333"/>
+                </a:solidFill>
+                <a:effectLst/>
+              </a:rPr>
+              <a:t>등을 포함한 모듈 번들링 도구</a:t>
+            </a:r>
+          </a:p>
+          <a:p>
+            <a:pPr algn="l" fontAlgn="base">
+              <a:buFont typeface="Arial" panose="020B0604020202020204" pitchFamily="34" charset="0"/>
+              <a:buChar char="•"/>
+            </a:pPr>
             <a:r>
               <a:rPr lang="en-US" altLang="ko-KR" b="0" i="0">
                 <a:solidFill>
-                  <a:srgbClr val="222426"/>
-                </a:solidFill>
-                <a:effectLst/>
-              </a:rPr>
-              <a:t>: </a:t>
+                  <a:srgbClr val="333333"/>
+                </a:solidFill>
+                <a:effectLst/>
+              </a:rPr>
+              <a:t>Babel : ES6, React </a:t>
             </a:r>
             <a:r>
               <a:rPr lang="ko-KR" altLang="en-US" b="0" i="0">
                 <a:solidFill>
-                  <a:srgbClr val="222426"/>
-                </a:solidFill>
-                <a:effectLst/>
-              </a:rPr>
-              <a:t>변형이 거의 또는 전혀없이 여러 위치에서 반복되는 코드 섹션</a:t>
-            </a:r>
+                  <a:srgbClr val="333333"/>
+                </a:solidFill>
+                <a:effectLst/>
+              </a:rPr>
+              <a:t>등의 문법을 </a:t>
+            </a:r>
+            <a:r>
+              <a:rPr lang="en-US" altLang="ko-KR" b="0" i="0">
+                <a:solidFill>
+                  <a:srgbClr val="333333"/>
+                </a:solidFill>
+                <a:effectLst/>
+              </a:rPr>
+              <a:t>ES5 </a:t>
+            </a:r>
+            <a:r>
+              <a:rPr lang="ko-KR" altLang="en-US" b="0" i="0">
+                <a:solidFill>
+                  <a:srgbClr val="333333"/>
+                </a:solidFill>
+                <a:effectLst/>
+              </a:rPr>
+              <a:t>코드로 변환시켜주는 트랜스파일러</a:t>
+            </a:r>
+          </a:p>
+          <a:p>
+            <a:pPr algn="l" fontAlgn="base">
+              <a:buFont typeface="Arial" panose="020B0604020202020204" pitchFamily="34" charset="0"/>
+              <a:buChar char="•"/>
+            </a:pPr>
+            <a:r>
+              <a:rPr lang="en-US" altLang="ko-KR" b="0" i="0">
+                <a:solidFill>
+                  <a:srgbClr val="333333"/>
+                </a:solidFill>
+                <a:effectLst/>
+              </a:rPr>
+              <a:t>Autoprefixer : </a:t>
+            </a:r>
+            <a:r>
+              <a:rPr lang="ko-KR" altLang="en-US" b="0" i="0">
+                <a:solidFill>
+                  <a:srgbClr val="333333"/>
+                </a:solidFill>
+                <a:effectLst/>
+              </a:rPr>
+              <a:t>다양한 벤더</a:t>
+            </a:r>
+            <a:r>
+              <a:rPr lang="en-US" altLang="ko-KR" b="0" i="0">
+                <a:solidFill>
+                  <a:srgbClr val="333333"/>
+                </a:solidFill>
+                <a:effectLst/>
+              </a:rPr>
+              <a:t>(</a:t>
+            </a:r>
+            <a:r>
+              <a:rPr lang="ko-KR" altLang="en-US" b="0" i="0">
+                <a:solidFill>
+                  <a:srgbClr val="333333"/>
+                </a:solidFill>
+                <a:effectLst/>
+              </a:rPr>
+              <a:t>브라우저</a:t>
+            </a:r>
+            <a:r>
+              <a:rPr lang="en-US" altLang="ko-KR" b="0" i="0">
+                <a:solidFill>
+                  <a:srgbClr val="333333"/>
+                </a:solidFill>
+                <a:effectLst/>
+              </a:rPr>
+              <a:t>)</a:t>
+            </a:r>
+            <a:r>
+              <a:rPr lang="ko-KR" altLang="en-US" b="0" i="0">
+                <a:solidFill>
+                  <a:srgbClr val="333333"/>
+                </a:solidFill>
+                <a:effectLst/>
+              </a:rPr>
+              <a:t>들에게 적절한 </a:t>
+            </a:r>
+            <a:r>
+              <a:rPr lang="en-US" altLang="ko-KR" b="0" i="0">
+                <a:solidFill>
+                  <a:srgbClr val="333333"/>
+                </a:solidFill>
+                <a:effectLst/>
+              </a:rPr>
+              <a:t>CSS </a:t>
+            </a:r>
+            <a:r>
+              <a:rPr lang="ko-KR" altLang="en-US" b="0" i="0">
+                <a:solidFill>
+                  <a:srgbClr val="333333"/>
+                </a:solidFill>
+                <a:effectLst/>
+              </a:rPr>
+              <a:t>가 적용될 수 있도록 </a:t>
+            </a:r>
+            <a:r>
+              <a:rPr lang="en-US" altLang="ko-KR" b="0" i="0">
+                <a:solidFill>
+                  <a:srgbClr val="333333"/>
+                </a:solidFill>
+                <a:effectLst/>
+              </a:rPr>
+              <a:t>prefix </a:t>
+            </a:r>
+            <a:r>
+              <a:rPr lang="ko-KR" altLang="en-US" b="0" i="0">
+                <a:solidFill>
+                  <a:srgbClr val="333333"/>
+                </a:solidFill>
+                <a:effectLst/>
+              </a:rPr>
+              <a:t>를 붙여준다</a:t>
+            </a:r>
+            <a:r>
+              <a:rPr lang="en-US" altLang="ko-KR" b="0" i="0">
+                <a:solidFill>
+                  <a:srgbClr val="333333"/>
+                </a:solidFill>
+                <a:effectLst/>
+              </a:rPr>
+              <a:t>.</a:t>
+            </a:r>
+          </a:p>
+          <a:p>
+            <a:pPr algn="l" fontAlgn="base">
+              <a:buFont typeface="Arial" panose="020B0604020202020204" pitchFamily="34" charset="0"/>
+              <a:buChar char="•"/>
+            </a:pPr>
+            <a:r>
+              <a:rPr lang="en-US" altLang="ko-KR" b="0" i="0">
+                <a:solidFill>
+                  <a:srgbClr val="333333"/>
+                </a:solidFill>
+                <a:effectLst/>
+              </a:rPr>
+              <a:t>ESLint : </a:t>
+            </a:r>
+            <a:r>
+              <a:rPr lang="ko-KR" altLang="en-US" b="0" i="0">
+                <a:solidFill>
+                  <a:srgbClr val="333333"/>
+                </a:solidFill>
+                <a:effectLst/>
+              </a:rPr>
+              <a:t>자바스크립트 </a:t>
+            </a:r>
+            <a:r>
+              <a:rPr lang="en-US" altLang="ko-KR" b="0" i="0">
+                <a:solidFill>
+                  <a:srgbClr val="333333"/>
+                </a:solidFill>
+                <a:effectLst/>
+              </a:rPr>
+              <a:t>lint, </a:t>
+            </a:r>
+            <a:r>
+              <a:rPr lang="ko-KR" altLang="en-US" b="0" i="0">
+                <a:solidFill>
+                  <a:srgbClr val="333333"/>
+                </a:solidFill>
+                <a:effectLst/>
+              </a:rPr>
+              <a:t>코드 컨벤션과 오류 등을 잡아준다</a:t>
+            </a:r>
+            <a:r>
+              <a:rPr lang="en-US" altLang="ko-KR" b="0" i="0">
+                <a:solidFill>
+                  <a:srgbClr val="333333"/>
+                </a:solidFill>
+                <a:effectLst/>
+              </a:rPr>
+              <a:t>.</a:t>
+            </a:r>
+          </a:p>
+          <a:p>
+            <a:pPr algn="l" fontAlgn="base">
+              <a:buFont typeface="Arial" panose="020B0604020202020204" pitchFamily="34" charset="0"/>
+              <a:buChar char="•"/>
+            </a:pPr>
+            <a:r>
+              <a:rPr lang="en-US" altLang="ko-KR" b="0" i="0">
+                <a:solidFill>
+                  <a:srgbClr val="333333"/>
+                </a:solidFill>
+                <a:effectLst/>
+              </a:rPr>
+              <a:t>Jest : </a:t>
+            </a:r>
+            <a:r>
+              <a:rPr lang="ko-KR" altLang="en-US" b="0" i="0">
+                <a:solidFill>
+                  <a:srgbClr val="333333"/>
+                </a:solidFill>
+                <a:effectLst/>
+              </a:rPr>
+              <a:t>자바스크립트 테스트 도구</a:t>
+            </a:r>
+          </a:p>
+          <a:p>
+            <a:pPr algn="l" fontAlgn="base">
+              <a:buFont typeface="Arial" panose="020B0604020202020204" pitchFamily="34" charset="0"/>
+              <a:buChar char="•"/>
+            </a:pPr>
+            <a:r>
+              <a:rPr lang="ko-KR" altLang="en-US" b="0" i="0">
+                <a:solidFill>
+                  <a:srgbClr val="333333"/>
+                </a:solidFill>
+                <a:effectLst/>
+              </a:rPr>
+              <a:t>이외에 여러개</a:t>
+            </a:r>
+          </a:p>
+          <a:p>
             <a:endParaRPr lang="en-US" altLang="ko-KR" b="0" i="0">
               <a:solidFill>
                 <a:srgbClr val="222426"/>
@@ -6020,6 +5943,33 @@
             </a:endParaRPr>
           </a:p>
           <a:p>
+            <a:r>
+              <a:rPr lang="ko-KR" altLang="en-US" b="0" i="0">
+                <a:solidFill>
+                  <a:srgbClr val="222426"/>
+                </a:solidFill>
+                <a:effectLst/>
+              </a:rPr>
+              <a:t>보일러 플레이트 </a:t>
+            </a:r>
+            <a:r>
+              <a:rPr lang="en-US" altLang="ko-KR" b="0" i="0">
+                <a:solidFill>
+                  <a:srgbClr val="222426"/>
+                </a:solidFill>
+                <a:effectLst/>
+              </a:rPr>
+              <a:t>: </a:t>
+            </a:r>
+            <a:r>
+              <a:rPr lang="ko-KR" altLang="en-US" b="0" i="0">
+                <a:solidFill>
+                  <a:srgbClr val="222426"/>
+                </a:solidFill>
+                <a:effectLst/>
+              </a:rPr>
+              <a:t>변형이 거의 또는 전혀없이 여러 위치에서 반복되는 코드 섹션</a:t>
+            </a:r>
             <a:endParaRPr lang="en-US" altLang="ko-KR" b="0" i="0">
               <a:solidFill>
                 <a:srgbClr val="222426"/>
@@ -6027,12 +5977,434 @@
               <a:effectLst/>
             </a:endParaRPr>
           </a:p>
+          <a:p>
+            <a:endParaRPr lang="en-US" altLang="ko-KR" b="0" i="0">
+              <a:solidFill>
+                <a:srgbClr val="222426"/>
+              </a:solidFill>
+              <a:effectLst/>
+            </a:endParaRPr>
+          </a:p>
         </p:txBody>
       </p:sp>
     </p:spTree>
     <p:extLst>
       <p:ext uri="{BB962C8B-B14F-4D97-AF65-F5344CB8AC3E}">
         <p14:creationId xmlns:p14="http://schemas.microsoft.com/office/powerpoint/2010/main" val="2924714942"/>
+      </p:ext>
+    </p:extLst>
+  </p:cSld>
+  <p:clrMapOvr>
+    <a:masterClrMapping/>
+  </p:clrMapOvr>
+</p:notes>
+</file>
+
+<file path=ppt/notesSlides/notesSlide36.xml><?xml version="1.0" encoding="utf-8"?>
+<p:notes xmlns:a="http://schemas.openxmlformats.org/drawingml/2006/main" xmlns:r="http://schemas.openxmlformats.org/officeDocument/2006/relationships" xmlns:p="http://schemas.openxmlformats.org/presentationml/2006/main">
+  <p:cSld>
+    <p:spTree>
+      <p:nvGrpSpPr>
+        <p:cNvPr id="1" name=""/>
+        <p:cNvGrpSpPr/>
+        <p:nvPr/>
+      </p:nvGrpSpPr>
+      <p:grpSpPr>
+        <a:xfrm>
+          <a:off x="0" y="0"/>
+          <a:ext cx="0" cy="0"/>
+          <a:chOff x="0" y="0"/>
+          <a:chExt cx="0" cy="0"/>
+        </a:xfrm>
+      </p:grpSpPr>
+      <p:sp>
+        <p:nvSpPr>
+          <p:cNvPr id="2" name="슬라이드 이미지 개체 틀 1"/>
+          <p:cNvSpPr>
+            <a:spLocks noGrp="1" noRot="1" noChangeAspect="1"/>
+          </p:cNvSpPr>
+          <p:nvPr>
+            <p:ph type="sldImg"/>
+          </p:nvPr>
+        </p:nvSpPr>
+        <p:spPr/>
+      </p:sp>
+      <p:sp>
+        <p:nvSpPr>
+          <p:cNvPr id="3" name="슬라이드 노트 개체 틀 2"/>
+          <p:cNvSpPr>
+            <a:spLocks noGrp="1"/>
+          </p:cNvSpPr>
+          <p:nvPr>
+            <p:ph type="body" idx="1"/>
+          </p:nvPr>
+        </p:nvSpPr>
+        <p:spPr/>
+        <p:txBody>
+          <a:bodyPr/>
+          <a:lstStyle/>
+          <a:p>
+            <a:r>
+              <a:rPr lang="ko-KR" altLang="en-US" b="0" i="0">
+                <a:solidFill>
+                  <a:srgbClr val="222426"/>
+                </a:solidFill>
+                <a:effectLst/>
+              </a:rPr>
+              <a:t>함수형 컴포넌트가 선언이 더 편함</a:t>
+            </a:r>
+            <a:endParaRPr lang="en-US" altLang="ko-KR" b="0" i="0">
+              <a:solidFill>
+                <a:srgbClr val="222426"/>
+              </a:solidFill>
+              <a:effectLst/>
+            </a:endParaRPr>
+          </a:p>
+          <a:p>
+            <a:endParaRPr lang="en-US" altLang="ko-KR" b="0" i="0">
+              <a:solidFill>
+                <a:srgbClr val="222426"/>
+              </a:solidFill>
+              <a:effectLst/>
+            </a:endParaRPr>
+          </a:p>
+          <a:p>
+            <a:r>
+              <a:rPr lang="en-US" altLang="ko-KR" b="0" i="0">
+                <a:solidFill>
+                  <a:srgbClr val="222426"/>
+                </a:solidFill>
+                <a:effectLst/>
+              </a:rPr>
+              <a:t>class component</a:t>
+            </a:r>
+            <a:r>
+              <a:rPr lang="ko-KR" altLang="en-US" b="0" i="0">
+                <a:solidFill>
+                  <a:srgbClr val="222426"/>
+                </a:solidFill>
+                <a:effectLst/>
+              </a:rPr>
+              <a:t>는</a:t>
+            </a:r>
+            <a:endParaRPr lang="en-US" altLang="ko-KR" b="0" i="0">
+              <a:solidFill>
+                <a:srgbClr val="222426"/>
+              </a:solidFill>
+              <a:effectLst/>
+            </a:endParaRPr>
+          </a:p>
+          <a:p>
+            <a:r>
+              <a:rPr lang="en-US" altLang="ko-KR" b="0" i="0">
+                <a:solidFill>
+                  <a:srgbClr val="222426"/>
+                </a:solidFill>
+                <a:effectLst/>
+              </a:rPr>
+              <a:t>  class </a:t>
+            </a:r>
+            <a:r>
+              <a:rPr lang="ko-KR" altLang="en-US" b="0" i="0">
+                <a:solidFill>
+                  <a:srgbClr val="222426"/>
+                </a:solidFill>
+                <a:effectLst/>
+              </a:rPr>
+              <a:t>키워드 필요</a:t>
+            </a:r>
+            <a:endParaRPr lang="en-US" altLang="ko-KR" b="0" i="0">
+              <a:solidFill>
+                <a:srgbClr val="222426"/>
+              </a:solidFill>
+              <a:effectLst/>
+            </a:endParaRPr>
+          </a:p>
+          <a:p>
+            <a:r>
+              <a:rPr lang="en-US" altLang="ko-KR" b="0" i="0">
+                <a:solidFill>
+                  <a:srgbClr val="222426"/>
+                </a:solidFill>
+                <a:effectLst/>
+              </a:rPr>
+              <a:t>  Component</a:t>
+            </a:r>
+            <a:r>
+              <a:rPr lang="ko-KR" altLang="en-US" b="0" i="0">
+                <a:solidFill>
+                  <a:srgbClr val="222426"/>
+                </a:solidFill>
+                <a:effectLst/>
+              </a:rPr>
+              <a:t>로 상속을 받아야함</a:t>
+            </a:r>
+            <a:endParaRPr lang="en-US" altLang="ko-KR" b="0" i="0">
+              <a:solidFill>
+                <a:srgbClr val="222426"/>
+              </a:solidFill>
+              <a:effectLst/>
+            </a:endParaRPr>
+          </a:p>
+          <a:p>
+            <a:r>
+              <a:rPr lang="en-US" altLang="ko-KR" b="0" i="0">
+                <a:solidFill>
+                  <a:srgbClr val="222426"/>
+                </a:solidFill>
+                <a:effectLst/>
+              </a:rPr>
+              <a:t>  render() </a:t>
+            </a:r>
+            <a:r>
+              <a:rPr lang="ko-KR" altLang="en-US" b="0" i="0">
+                <a:solidFill>
+                  <a:srgbClr val="222426"/>
+                </a:solidFill>
+                <a:effectLst/>
+              </a:rPr>
+              <a:t>메소드가 필요</a:t>
+            </a:r>
+            <a:endParaRPr lang="en-US" altLang="ko-KR" b="0" i="0">
+              <a:solidFill>
+                <a:srgbClr val="222426"/>
+              </a:solidFill>
+              <a:effectLst/>
+            </a:endParaRPr>
+          </a:p>
+        </p:txBody>
+      </p:sp>
+    </p:spTree>
+    <p:extLst>
+      <p:ext uri="{BB962C8B-B14F-4D97-AF65-F5344CB8AC3E}">
+        <p14:creationId xmlns:p14="http://schemas.microsoft.com/office/powerpoint/2010/main" val="4241106486"/>
+      </p:ext>
+    </p:extLst>
+  </p:cSld>
+  <p:clrMapOvr>
+    <a:masterClrMapping/>
+  </p:clrMapOvr>
+</p:notes>
+</file>
+
+<file path=ppt/notesSlides/notesSlide37.xml><?xml version="1.0" encoding="utf-8"?>
+<p:notes xmlns:a="http://schemas.openxmlformats.org/drawingml/2006/main" xmlns:r="http://schemas.openxmlformats.org/officeDocument/2006/relationships" xmlns:p="http://schemas.openxmlformats.org/presentationml/2006/main">
+  <p:cSld>
+    <p:spTree>
+      <p:nvGrpSpPr>
+        <p:cNvPr id="1" name=""/>
+        <p:cNvGrpSpPr/>
+        <p:nvPr/>
+      </p:nvGrpSpPr>
+      <p:grpSpPr>
+        <a:xfrm>
+          <a:off x="0" y="0"/>
+          <a:ext cx="0" cy="0"/>
+          <a:chOff x="0" y="0"/>
+          <a:chExt cx="0" cy="0"/>
+        </a:xfrm>
+      </p:grpSpPr>
+      <p:sp>
+        <p:nvSpPr>
+          <p:cNvPr id="2" name="슬라이드 이미지 개체 틀 1"/>
+          <p:cNvSpPr>
+            <a:spLocks noGrp="1" noRot="1" noChangeAspect="1"/>
+          </p:cNvSpPr>
+          <p:nvPr>
+            <p:ph type="sldImg"/>
+          </p:nvPr>
+        </p:nvSpPr>
+        <p:spPr/>
+      </p:sp>
+      <p:sp>
+        <p:nvSpPr>
+          <p:cNvPr id="3" name="슬라이드 노트 개체 틀 2"/>
+          <p:cNvSpPr>
+            <a:spLocks noGrp="1"/>
+          </p:cNvSpPr>
+          <p:nvPr>
+            <p:ph type="body" idx="1"/>
+          </p:nvPr>
+        </p:nvSpPr>
+        <p:spPr/>
+        <p:txBody>
+          <a:bodyPr/>
+          <a:lstStyle/>
+          <a:p>
+            <a:r>
+              <a:rPr lang="ko-KR" altLang="en-US" b="0" i="0">
+                <a:solidFill>
+                  <a:srgbClr val="333333"/>
+                </a:solidFill>
+                <a:effectLst/>
+              </a:rPr>
+              <a:t>클래스형 컴포넌트의 경우 </a:t>
+            </a:r>
+            <a:r>
+              <a:rPr lang="en-US" altLang="ko-KR" b="0" i="0">
+                <a:solidFill>
+                  <a:srgbClr val="333333"/>
+                </a:solidFill>
+                <a:effectLst/>
+              </a:rPr>
+              <a:t>state </a:t>
+            </a:r>
+            <a:r>
+              <a:rPr lang="ko-KR" altLang="en-US" b="0" i="0">
+                <a:solidFill>
+                  <a:srgbClr val="333333"/>
+                </a:solidFill>
+                <a:effectLst/>
+              </a:rPr>
+              <a:t>기능 및 라이프 사이클 기능을 사용 </a:t>
+            </a:r>
+            <a:r>
+              <a:rPr lang="en-US" altLang="ko-KR" b="0" i="0">
+                <a:solidFill>
+                  <a:srgbClr val="333333"/>
+                </a:solidFill>
+                <a:effectLst/>
+              </a:rPr>
+              <a:t>(</a:t>
+            </a:r>
+            <a:r>
+              <a:rPr lang="ko-KR" altLang="en-US" b="0" i="0">
+                <a:solidFill>
+                  <a:srgbClr val="333333"/>
+                </a:solidFill>
+                <a:effectLst/>
+              </a:rPr>
+              <a:t>함수형 컴포넌트는 훅스로 해결</a:t>
+            </a:r>
+            <a:r>
+              <a:rPr lang="en-US" altLang="ko-KR" b="0" i="0">
+                <a:solidFill>
+                  <a:srgbClr val="333333"/>
+                </a:solidFill>
+                <a:effectLst/>
+              </a:rPr>
+              <a:t>)</a:t>
+            </a:r>
+          </a:p>
+          <a:p>
+            <a:r>
+              <a:rPr lang="ko-KR" altLang="en-US" b="0" i="0">
+                <a:solidFill>
+                  <a:srgbClr val="000000"/>
+                </a:solidFill>
+                <a:effectLst/>
+              </a:rPr>
+              <a:t>함수형 컴포넌트는 메모리 자원을 덜 사용한다는 장점</a:t>
+            </a:r>
+            <a:endParaRPr lang="en-US" altLang="ko-KR" b="0" i="0">
+              <a:solidFill>
+                <a:srgbClr val="000000"/>
+              </a:solidFill>
+              <a:effectLst/>
+            </a:endParaRPr>
+          </a:p>
+          <a:p>
+            <a:r>
+              <a:rPr lang="en-US" altLang="ko-KR" b="0" i="0">
+                <a:solidFill>
+                  <a:srgbClr val="000000"/>
+                </a:solidFill>
+                <a:effectLst/>
+              </a:rPr>
+              <a:t>state</a:t>
+            </a:r>
+            <a:r>
+              <a:rPr lang="ko-KR" altLang="en-US" b="0" i="0">
+                <a:solidFill>
+                  <a:srgbClr val="000000"/>
+                </a:solidFill>
+                <a:effectLst/>
+              </a:rPr>
+              <a:t>선언 방식</a:t>
+            </a:r>
+            <a:r>
+              <a:rPr lang="en-US" altLang="ko-KR" b="0" i="0">
+                <a:solidFill>
+                  <a:srgbClr val="000000"/>
+                </a:solidFill>
+                <a:effectLst/>
+              </a:rPr>
+              <a:t>, props</a:t>
+            </a:r>
+            <a:r>
+              <a:rPr lang="ko-KR" altLang="en-US" b="0" i="0">
+                <a:solidFill>
+                  <a:srgbClr val="000000"/>
+                </a:solidFill>
+                <a:effectLst/>
+              </a:rPr>
+              <a:t>를 가져오는 방식</a:t>
+            </a:r>
+            <a:r>
+              <a:rPr lang="en-US" altLang="ko-KR" b="0" i="0">
+                <a:solidFill>
+                  <a:srgbClr val="000000"/>
+                </a:solidFill>
+                <a:effectLst/>
+              </a:rPr>
+              <a:t>, event handling</a:t>
+            </a:r>
+            <a:r>
+              <a:rPr lang="ko-KR" altLang="en-US" b="0" i="0">
+                <a:solidFill>
+                  <a:srgbClr val="000000"/>
+                </a:solidFill>
+                <a:effectLst/>
+              </a:rPr>
+              <a:t>을 하는 방식이 조금씩 다름</a:t>
+            </a:r>
+            <a:endParaRPr lang="en-US" altLang="ko-KR" b="0" i="0">
+              <a:solidFill>
+                <a:srgbClr val="000000"/>
+              </a:solidFill>
+              <a:effectLst/>
+            </a:endParaRPr>
+          </a:p>
+          <a:p>
+            <a:endParaRPr lang="en-US" altLang="ko-KR" b="0" i="0">
+              <a:solidFill>
+                <a:srgbClr val="000000"/>
+              </a:solidFill>
+              <a:effectLst/>
+            </a:endParaRPr>
+          </a:p>
+          <a:p>
+            <a:r>
+              <a:rPr lang="en-US" altLang="ko-KR" b="0" i="0">
+                <a:solidFill>
+                  <a:srgbClr val="000000"/>
+                </a:solidFill>
+                <a:effectLst/>
+              </a:rPr>
+              <a:t>props : </a:t>
+            </a:r>
+            <a:r>
+              <a:rPr lang="ko-KR" altLang="en-US" b="0" i="0">
+                <a:solidFill>
+                  <a:srgbClr val="000000"/>
+                </a:solidFill>
+                <a:effectLst/>
+              </a:rPr>
+              <a:t>상위 컴포넌트에서 하위 컴포넌트로 데이터를 전달할 때 사용</a:t>
+            </a:r>
+            <a:endParaRPr lang="en-US" altLang="ko-KR" b="0" i="0">
+              <a:solidFill>
+                <a:srgbClr val="222426"/>
+              </a:solidFill>
+              <a:effectLst/>
+            </a:endParaRPr>
+          </a:p>
+        </p:txBody>
+      </p:sp>
+    </p:spTree>
+    <p:extLst>
+      <p:ext uri="{BB962C8B-B14F-4D97-AF65-F5344CB8AC3E}">
+        <p14:creationId xmlns:p14="http://schemas.microsoft.com/office/powerpoint/2010/main" val="3905469373"/>
       </p:ext>
     </p:extLst>
   </p:cSld>
@@ -35235,7 +35607,7 @@
                   <a:srgbClr val="202122"/>
                 </a:solidFill>
                 <a:effectLst/>
-                <a:latin typeface="Arial" panose="020B0604020202020204" pitchFamily="34" charset="0"/>
+                <a:latin typeface="빙그레 메로나체" panose="020B0503000000000000" pitchFamily="50" charset="-127"/>
               </a:rPr>
               <a:t>boilerplate </a:t>
             </a:r>
@@ -35270,204 +35642,6 @@
 </file>
 
 <file path=ppt/slides/slide38.xml><?xml version="1.0" encoding="utf-8"?>
-<p:sld xmlns:a="http://schemas.openxmlformats.org/drawingml/2006/main" xmlns:r="http://schemas.openxmlformats.org/officeDocument/2006/relationships" xmlns:p="http://schemas.openxmlformats.org/presentationml/2006/main">
-  <p:cSld>
-    <p:spTree>
-      <p:nvGrpSpPr>
-        <p:cNvPr id="1" name=""/>
-        <p:cNvGrpSpPr/>
-        <p:nvPr/>
-      </p:nvGrpSpPr>
-      <p:grpSpPr>
-        <a:xfrm>
-          <a:off x="0" y="0"/>
-          <a:ext cx="0" cy="0"/>
-          <a:chOff x="0" y="0"/>
-          <a:chExt cx="0" cy="0"/>
-        </a:xfrm>
-      </p:grpSpPr>
-      <p:sp>
-        <p:nvSpPr>
-          <p:cNvPr id="2" name="TextBox 1">
-            <a:extLst>
-              <a:ext uri="{FF2B5EF4-FFF2-40B4-BE49-F238E27FC236}">
-                <a16:creationId xmlns:a16="http://schemas.microsoft.com/office/drawing/2014/main" id="{8C8FCD74-879C-42EB-8E54-8521F532144E}"/>
-              </a:ext>
-            </a:extLst>
-          </p:cNvPr>
-          <p:cNvSpPr txBox="1"/>
-          <p:nvPr/>
-        </p:nvSpPr>
-        <p:spPr>
-          <a:xfrm>
-            <a:off x="4625886" y="2693849"/>
-            <a:ext cx="2824171" cy="769441"/>
-          </a:xfrm>
-          <a:prstGeom prst="rect">
-            <a:avLst/>
-          </a:prstGeom>
-          <a:noFill/>
-        </p:spPr>
-        <p:txBody>
-          <a:bodyPr wrap="none" rtlCol="0">
-            <a:spAutoFit/>
-          </a:bodyPr>
-          <a:lstStyle/>
-          <a:p>
-            <a:r>
-              <a:rPr lang="en-US" altLang="ko-KR" sz="4400">
-                <a:latin typeface="배달의민족 주아" panose="02020603020101020101" pitchFamily="18" charset="-127"/>
-                <a:ea typeface="배달의민족 주아" panose="02020603020101020101" pitchFamily="18" charset="-127"/>
-              </a:rPr>
-              <a:t>Thank you </a:t>
-            </a:r>
-            <a:endParaRPr lang="ko-KR" altLang="en-US" sz="4400">
-              <a:latin typeface="배달의민족 주아" panose="02020603020101020101" pitchFamily="18" charset="-127"/>
-              <a:ea typeface="배달의민족 주아" panose="02020603020101020101" pitchFamily="18" charset="-127"/>
-            </a:endParaRPr>
-          </a:p>
-        </p:txBody>
-      </p:sp>
-      <p:sp>
-        <p:nvSpPr>
-          <p:cNvPr id="6" name="슬라이드 번호 개체 틀 5">
-            <a:extLst>
-              <a:ext uri="{FF2B5EF4-FFF2-40B4-BE49-F238E27FC236}">
-                <a16:creationId xmlns:a16="http://schemas.microsoft.com/office/drawing/2014/main" id="{60BB1EEC-2CE0-4A53-94FF-AB309AB632BB}"/>
-              </a:ext>
-            </a:extLst>
-          </p:cNvPr>
-          <p:cNvSpPr>
-            <a:spLocks noGrp="1"/>
-          </p:cNvSpPr>
-          <p:nvPr>
-            <p:ph type="sldNum" sz="quarter" idx="12"/>
-          </p:nvPr>
-        </p:nvSpPr>
-        <p:spPr/>
-        <p:txBody>
-          <a:bodyPr/>
-          <a:lstStyle/>
-          <a:p>
-            <a:pPr algn="ctr"/>
-            <a:fld id="{4AE1E1EF-90A0-4171-8CF9-B3BC5042A8FC}" type="slidenum">
-              <a:rPr lang="ko-KR" altLang="en-US" smtClean="0"/>
-              <a:pPr algn="ctr"/>
-              <a:t>38</a:t>
-            </a:fld>
-            <a:endParaRPr lang="ko-KR" altLang="en-US"/>
-          </a:p>
-        </p:txBody>
-      </p:sp>
-      <p:sp>
-        <p:nvSpPr>
-          <p:cNvPr id="7" name="TextBox 6">
-            <a:extLst>
-              <a:ext uri="{FF2B5EF4-FFF2-40B4-BE49-F238E27FC236}">
-                <a16:creationId xmlns:a16="http://schemas.microsoft.com/office/drawing/2014/main" id="{187BCD44-0BE8-4084-A9EE-E0E118B2044A}"/>
-              </a:ext>
-            </a:extLst>
-          </p:cNvPr>
-          <p:cNvSpPr txBox="1"/>
-          <p:nvPr/>
-        </p:nvSpPr>
-        <p:spPr>
-          <a:xfrm>
-            <a:off x="582516" y="6127918"/>
-            <a:ext cx="10656712" cy="307777"/>
-          </a:xfrm>
-          <a:prstGeom prst="rect">
-            <a:avLst/>
-          </a:prstGeom>
-          <a:noFill/>
-        </p:spPr>
-        <p:txBody>
-          <a:bodyPr wrap="square">
-            <a:spAutoFit/>
-          </a:bodyPr>
-          <a:lstStyle/>
-          <a:p>
-            <a:r>
-              <a:rPr lang="en-US" altLang="ko-KR" sz="1400">
-                <a:ln>
-                  <a:solidFill>
-                    <a:schemeClr val="tx1">
-                      <a:alpha val="30000"/>
-                    </a:schemeClr>
-                  </a:solidFill>
-                </a:ln>
-                <a:latin typeface="빙그레 메로나체" panose="020B0503000000000000" pitchFamily="50" charset="-127"/>
-                <a:ea typeface="빙그레 메로나체" panose="020B0503000000000000" pitchFamily="50" charset="-127"/>
-              </a:rPr>
-              <a:t>* expression : any valid set of literals, variables, operators, and expressions that evaluates to a single value.</a:t>
-            </a:r>
-          </a:p>
-        </p:txBody>
-      </p:sp>
-      <p:sp>
-        <p:nvSpPr>
-          <p:cNvPr id="8" name="TextBox 7">
-            <a:extLst>
-              <a:ext uri="{FF2B5EF4-FFF2-40B4-BE49-F238E27FC236}">
-                <a16:creationId xmlns:a16="http://schemas.microsoft.com/office/drawing/2014/main" id="{D46A6CCE-B802-43A6-9923-3BA8094A3E3D}"/>
-              </a:ext>
-            </a:extLst>
-          </p:cNvPr>
-          <p:cNvSpPr txBox="1"/>
-          <p:nvPr/>
-        </p:nvSpPr>
-        <p:spPr>
-          <a:xfrm>
-            <a:off x="0" y="6562722"/>
-            <a:ext cx="7608858" cy="307777"/>
-          </a:xfrm>
-          <a:prstGeom prst="rect">
-            <a:avLst/>
-          </a:prstGeom>
-          <a:noFill/>
-        </p:spPr>
-        <p:txBody>
-          <a:bodyPr wrap="square" rtlCol="0">
-            <a:spAutoFit/>
-          </a:bodyPr>
-          <a:lstStyle/>
-          <a:p>
-            <a:r>
-              <a:rPr lang="en-US" altLang="ko-KR" sz="1400">
-                <a:ln>
-                  <a:solidFill>
-                    <a:schemeClr val="tx1">
-                      <a:alpha val="30000"/>
-                    </a:schemeClr>
-                  </a:solidFill>
-                </a:ln>
-                <a:solidFill>
-                  <a:schemeClr val="bg1">
-                    <a:lumMod val="65000"/>
-                  </a:schemeClr>
-                </a:solidFill>
-                <a:latin typeface="빙그레 메로나체" panose="020B0503000000000000" pitchFamily="50" charset="-127"/>
-                <a:ea typeface="빙그레 메로나체" panose="020B0503000000000000" pitchFamily="50" charset="-127"/>
-              </a:rPr>
-              <a:t>source : https://2019.stateofjs.com/front-end-frameworks/</a:t>
-            </a:r>
-          </a:p>
-        </p:txBody>
-      </p:sp>
-    </p:spTree>
-    <p:extLst>
-      <p:ext uri="{BB962C8B-B14F-4D97-AF65-F5344CB8AC3E}">
-        <p14:creationId xmlns:p14="http://schemas.microsoft.com/office/powerpoint/2010/main" val="1028503942"/>
-      </p:ext>
-    </p:extLst>
-  </p:cSld>
-  <p:clrMapOvr>
-    <a:masterClrMapping/>
-  </p:clrMapOvr>
-</p:sld>
-</file>
-
-<file path=ppt/slides/slide4.xml><?xml version="1.0" encoding="utf-8"?>
 <p:sld xmlns:a="http://schemas.openxmlformats.org/drawingml/2006/main" xmlns:r="http://schemas.openxmlformats.org/officeDocument/2006/relationships" xmlns:p="http://schemas.openxmlformats.org/presentationml/2006/main">
   <p:cSld>
     <p:spTree>
@@ -35620,6 +35794,2317 @@
         </p:nvSpPr>
         <p:spPr>
           <a:xfrm>
+            <a:off x="2497154" y="414543"/>
+            <a:ext cx="4132245" cy="369332"/>
+          </a:xfrm>
+          <a:prstGeom prst="rect">
+            <a:avLst/>
+          </a:prstGeom>
+          <a:noFill/>
+          <a:ln>
+            <a:noFill/>
+          </a:ln>
+        </p:spPr>
+        <p:txBody>
+          <a:bodyPr wrap="square" rtlCol="0">
+            <a:spAutoFit/>
+          </a:bodyPr>
+          <a:lstStyle/>
+          <a:p>
+            <a:r>
+              <a:rPr lang="en-US" altLang="ko-KR">
+                <a:ln>
+                  <a:solidFill>
+                    <a:schemeClr val="tx1">
+                      <a:alpha val="30000"/>
+                    </a:schemeClr>
+                  </a:solidFill>
+                </a:ln>
+                <a:latin typeface="빙그레 메로나체" panose="020B0503000000000000" pitchFamily="50" charset="-127"/>
+                <a:ea typeface="빙그레 메로나체" panose="020B0503000000000000" pitchFamily="50" charset="-127"/>
+              </a:rPr>
+              <a:t>class component, function component</a:t>
+            </a:r>
+          </a:p>
+        </p:txBody>
+      </p:sp>
+      <p:sp>
+        <p:nvSpPr>
+          <p:cNvPr id="10" name="슬라이드 번호 개체 틀 9">
+            <a:extLst>
+              <a:ext uri="{FF2B5EF4-FFF2-40B4-BE49-F238E27FC236}">
+                <a16:creationId xmlns:a16="http://schemas.microsoft.com/office/drawing/2014/main" id="{6F1C1DC9-3B79-47A0-95A5-B5A14A6B4906}"/>
+              </a:ext>
+            </a:extLst>
+          </p:cNvPr>
+          <p:cNvSpPr>
+            <a:spLocks noGrp="1"/>
+          </p:cNvSpPr>
+          <p:nvPr>
+            <p:ph type="sldNum" sz="quarter" idx="12"/>
+          </p:nvPr>
+        </p:nvSpPr>
+        <p:spPr/>
+        <p:txBody>
+          <a:bodyPr/>
+          <a:lstStyle/>
+          <a:p>
+            <a:pPr algn="ctr"/>
+            <a:fld id="{4AE1E1EF-90A0-4171-8CF9-B3BC5042A8FC}" type="slidenum">
+              <a:rPr lang="ko-KR" altLang="en-US" smtClean="0"/>
+              <a:pPr algn="ctr"/>
+              <a:t>38</a:t>
+            </a:fld>
+            <a:endParaRPr lang="ko-KR" altLang="en-US"/>
+          </a:p>
+        </p:txBody>
+      </p:sp>
+      <p:sp>
+        <p:nvSpPr>
+          <p:cNvPr id="15" name="TextBox 14">
+            <a:extLst>
+              <a:ext uri="{FF2B5EF4-FFF2-40B4-BE49-F238E27FC236}">
+                <a16:creationId xmlns:a16="http://schemas.microsoft.com/office/drawing/2014/main" id="{6B861D45-A875-4DB0-B2FF-051A4BAC2D3E}"/>
+              </a:ext>
+            </a:extLst>
+          </p:cNvPr>
+          <p:cNvSpPr txBox="1"/>
+          <p:nvPr/>
+        </p:nvSpPr>
+        <p:spPr>
+          <a:xfrm>
+            <a:off x="6283384" y="2766643"/>
+            <a:ext cx="5459446" cy="2862322"/>
+          </a:xfrm>
+          <a:prstGeom prst="rect">
+            <a:avLst/>
+          </a:prstGeom>
+          <a:solidFill>
+            <a:schemeClr val="tx1"/>
+          </a:solidFill>
+          <a:ln>
+            <a:noFill/>
+          </a:ln>
+        </p:spPr>
+        <p:txBody>
+          <a:bodyPr wrap="square" rtlCol="0">
+            <a:spAutoFit/>
+          </a:bodyPr>
+          <a:lstStyle/>
+          <a:p>
+            <a:r>
+              <a:rPr lang="en-US" altLang="ko-KR" b="0" i="1">
+                <a:solidFill>
+                  <a:srgbClr val="89DDFF"/>
+                </a:solidFill>
+                <a:effectLst/>
+                <a:latin typeface="빙그레 메로나체" panose="020B0503000000000000" pitchFamily="50" charset="-127"/>
+              </a:rPr>
+              <a:t>import</a:t>
+            </a:r>
+            <a:r>
+              <a:rPr lang="en-US" altLang="ko-KR" b="0">
+                <a:solidFill>
+                  <a:srgbClr val="EEFFFF"/>
+                </a:solidFill>
+                <a:effectLst/>
+                <a:latin typeface="빙그레 메로나체" panose="020B0503000000000000" pitchFamily="50" charset="-127"/>
+              </a:rPr>
+              <a:t> React </a:t>
+            </a:r>
+            <a:r>
+              <a:rPr lang="en-US" altLang="ko-KR" b="0" i="1">
+                <a:solidFill>
+                  <a:srgbClr val="89DDFF"/>
+                </a:solidFill>
+                <a:effectLst/>
+                <a:latin typeface="빙그레 메로나체" panose="020B0503000000000000" pitchFamily="50" charset="-127"/>
+              </a:rPr>
+              <a:t>from</a:t>
+            </a:r>
+            <a:r>
+              <a:rPr lang="en-US" altLang="ko-KR" b="0">
+                <a:solidFill>
+                  <a:srgbClr val="EEFFFF"/>
+                </a:solidFill>
+                <a:effectLst/>
+                <a:latin typeface="빙그레 메로나체" panose="020B0503000000000000" pitchFamily="50" charset="-127"/>
+              </a:rPr>
+              <a:t> </a:t>
+            </a:r>
+            <a:r>
+              <a:rPr lang="en-US" altLang="ko-KR" b="0">
+                <a:solidFill>
+                  <a:srgbClr val="89DDFF"/>
+                </a:solidFill>
+                <a:effectLst/>
+                <a:latin typeface="빙그레 메로나체" panose="020B0503000000000000" pitchFamily="50" charset="-127"/>
+              </a:rPr>
+              <a:t>'</a:t>
+            </a:r>
+            <a:r>
+              <a:rPr lang="en-US" altLang="ko-KR" b="0">
+                <a:solidFill>
+                  <a:srgbClr val="C3E88D"/>
+                </a:solidFill>
+                <a:effectLst/>
+                <a:latin typeface="빙그레 메로나체" panose="020B0503000000000000" pitchFamily="50" charset="-127"/>
+              </a:rPr>
+              <a:t>react</a:t>
+            </a:r>
+            <a:r>
+              <a:rPr lang="en-US" altLang="ko-KR" b="0">
+                <a:solidFill>
+                  <a:srgbClr val="89DDFF"/>
+                </a:solidFill>
+                <a:effectLst/>
+                <a:latin typeface="빙그레 메로나체" panose="020B0503000000000000" pitchFamily="50" charset="-127"/>
+              </a:rPr>
+              <a:t>';</a:t>
+            </a:r>
+            <a:endParaRPr lang="en-US" altLang="ko-KR" b="0">
+              <a:solidFill>
+                <a:srgbClr val="EEFFFF"/>
+              </a:solidFill>
+              <a:effectLst/>
+              <a:latin typeface="빙그레 메로나체" panose="020B0503000000000000" pitchFamily="50" charset="-127"/>
+            </a:endParaRPr>
+          </a:p>
+          <a:p>
+            <a:br>
+              <a:rPr lang="en-US" altLang="ko-KR" b="0">
+                <a:solidFill>
+                  <a:srgbClr val="EEFFFF"/>
+                </a:solidFill>
+                <a:effectLst/>
+                <a:latin typeface="빙그레 메로나체" panose="020B0503000000000000" pitchFamily="50" charset="-127"/>
+              </a:rPr>
+            </a:br>
+            <a:r>
+              <a:rPr lang="en-US" altLang="ko-KR" b="0">
+                <a:solidFill>
+                  <a:srgbClr val="C792EA"/>
+                </a:solidFill>
+                <a:effectLst/>
+                <a:latin typeface="빙그레 메로나체" panose="020B0503000000000000" pitchFamily="50" charset="-127"/>
+              </a:rPr>
+              <a:t>function</a:t>
+            </a:r>
+            <a:r>
+              <a:rPr lang="en-US" altLang="ko-KR" b="0">
+                <a:solidFill>
+                  <a:srgbClr val="EEFFFF"/>
+                </a:solidFill>
+                <a:effectLst/>
+                <a:latin typeface="빙그레 메로나체" panose="020B0503000000000000" pitchFamily="50" charset="-127"/>
+              </a:rPr>
+              <a:t> </a:t>
+            </a:r>
+            <a:r>
+              <a:rPr lang="en-US" altLang="ko-KR" b="0">
+                <a:solidFill>
+                  <a:srgbClr val="82AAFF"/>
+                </a:solidFill>
+                <a:effectLst/>
+                <a:latin typeface="빙그레 메로나체" panose="020B0503000000000000" pitchFamily="50" charset="-127"/>
+              </a:rPr>
+              <a:t>App</a:t>
+            </a:r>
+            <a:r>
+              <a:rPr lang="en-US" altLang="ko-KR" b="0">
+                <a:solidFill>
+                  <a:srgbClr val="89DDFF"/>
+                </a:solidFill>
+                <a:effectLst/>
+                <a:latin typeface="빙그레 메로나체" panose="020B0503000000000000" pitchFamily="50" charset="-127"/>
+              </a:rPr>
+              <a:t>()</a:t>
+            </a:r>
+            <a:r>
+              <a:rPr lang="en-US" altLang="ko-KR" b="0">
+                <a:solidFill>
+                  <a:srgbClr val="EEFFFF"/>
+                </a:solidFill>
+                <a:effectLst/>
+                <a:latin typeface="빙그레 메로나체" panose="020B0503000000000000" pitchFamily="50" charset="-127"/>
+              </a:rPr>
+              <a:t> </a:t>
+            </a:r>
+            <a:r>
+              <a:rPr lang="en-US" altLang="ko-KR" b="0">
+                <a:solidFill>
+                  <a:srgbClr val="89DDFF"/>
+                </a:solidFill>
+                <a:effectLst/>
+                <a:latin typeface="빙그레 메로나체" panose="020B0503000000000000" pitchFamily="50" charset="-127"/>
+              </a:rPr>
+              <a:t>{</a:t>
+            </a:r>
+            <a:endParaRPr lang="en-US" altLang="ko-KR" b="0">
+              <a:solidFill>
+                <a:srgbClr val="EEFFFF"/>
+              </a:solidFill>
+              <a:effectLst/>
+              <a:latin typeface="빙그레 메로나체" panose="020B0503000000000000" pitchFamily="50" charset="-127"/>
+            </a:endParaRPr>
+          </a:p>
+          <a:p>
+            <a:r>
+              <a:rPr lang="en-US" altLang="ko-KR" b="0">
+                <a:solidFill>
+                  <a:srgbClr val="F07178"/>
+                </a:solidFill>
+                <a:effectLst/>
+                <a:latin typeface="빙그레 메로나체" panose="020B0503000000000000" pitchFamily="50" charset="-127"/>
+              </a:rPr>
+              <a:t>  </a:t>
+            </a:r>
+            <a:r>
+              <a:rPr lang="en-US" altLang="ko-KR" b="0">
+                <a:solidFill>
+                  <a:srgbClr val="C792EA"/>
+                </a:solidFill>
+                <a:effectLst/>
+                <a:latin typeface="빙그레 메로나체" panose="020B0503000000000000" pitchFamily="50" charset="-127"/>
+              </a:rPr>
+              <a:t>const</a:t>
+            </a:r>
+            <a:r>
+              <a:rPr lang="en-US" altLang="ko-KR" b="0">
+                <a:solidFill>
+                  <a:srgbClr val="F07178"/>
+                </a:solidFill>
+                <a:effectLst/>
+                <a:latin typeface="빙그레 메로나체" panose="020B0503000000000000" pitchFamily="50" charset="-127"/>
+              </a:rPr>
+              <a:t> </a:t>
+            </a:r>
+            <a:r>
+              <a:rPr lang="en-US" altLang="ko-KR" b="0">
+                <a:solidFill>
+                  <a:srgbClr val="EEFFFF"/>
+                </a:solidFill>
+                <a:effectLst/>
+                <a:latin typeface="빙그레 메로나체" panose="020B0503000000000000" pitchFamily="50" charset="-127"/>
+              </a:rPr>
+              <a:t>name</a:t>
+            </a:r>
+            <a:r>
+              <a:rPr lang="en-US" altLang="ko-KR" b="0">
+                <a:solidFill>
+                  <a:srgbClr val="F07178"/>
+                </a:solidFill>
+                <a:effectLst/>
+                <a:latin typeface="빙그레 메로나체" panose="020B0503000000000000" pitchFamily="50" charset="-127"/>
+              </a:rPr>
+              <a:t> </a:t>
+            </a:r>
+            <a:r>
+              <a:rPr lang="en-US" altLang="ko-KR" b="0">
+                <a:solidFill>
+                  <a:srgbClr val="89DDFF"/>
+                </a:solidFill>
+                <a:effectLst/>
+                <a:latin typeface="빙그레 메로나체" panose="020B0503000000000000" pitchFamily="50" charset="-127"/>
+              </a:rPr>
+              <a:t>=</a:t>
+            </a:r>
+            <a:r>
+              <a:rPr lang="en-US" altLang="ko-KR" b="0">
+                <a:solidFill>
+                  <a:srgbClr val="F07178"/>
+                </a:solidFill>
+                <a:effectLst/>
+                <a:latin typeface="빙그레 메로나체" panose="020B0503000000000000" pitchFamily="50" charset="-127"/>
+              </a:rPr>
+              <a:t> </a:t>
+            </a:r>
+            <a:r>
+              <a:rPr lang="en-US" altLang="ko-KR" b="0">
+                <a:solidFill>
+                  <a:srgbClr val="89DDFF"/>
+                </a:solidFill>
+                <a:effectLst/>
+                <a:latin typeface="빙그레 메로나체" panose="020B0503000000000000" pitchFamily="50" charset="-127"/>
+              </a:rPr>
+              <a:t>'</a:t>
+            </a:r>
+            <a:r>
+              <a:rPr lang="en-US" altLang="ko-KR" b="0">
+                <a:solidFill>
+                  <a:srgbClr val="C3E88D"/>
+                </a:solidFill>
+                <a:effectLst/>
+                <a:latin typeface="빙그레 메로나체" panose="020B0503000000000000" pitchFamily="50" charset="-127"/>
+              </a:rPr>
+              <a:t>react</a:t>
+            </a:r>
+            <a:r>
+              <a:rPr lang="en-US" altLang="ko-KR" b="0">
+                <a:solidFill>
+                  <a:srgbClr val="89DDFF"/>
+                </a:solidFill>
+                <a:effectLst/>
+                <a:latin typeface="빙그레 메로나체" panose="020B0503000000000000" pitchFamily="50" charset="-127"/>
+              </a:rPr>
+              <a:t>';</a:t>
+            </a:r>
+            <a:endParaRPr lang="en-US" altLang="ko-KR" b="0">
+              <a:solidFill>
+                <a:srgbClr val="EEFFFF"/>
+              </a:solidFill>
+              <a:effectLst/>
+              <a:latin typeface="빙그레 메로나체" panose="020B0503000000000000" pitchFamily="50" charset="-127"/>
+            </a:endParaRPr>
+          </a:p>
+          <a:p>
+            <a:r>
+              <a:rPr lang="en-US" altLang="ko-KR" b="0">
+                <a:solidFill>
+                  <a:srgbClr val="F07178"/>
+                </a:solidFill>
+                <a:effectLst/>
+                <a:latin typeface="빙그레 메로나체" panose="020B0503000000000000" pitchFamily="50" charset="-127"/>
+              </a:rPr>
+              <a:t>  </a:t>
+            </a:r>
+            <a:r>
+              <a:rPr lang="en-US" altLang="ko-KR" b="0" i="1">
+                <a:solidFill>
+                  <a:srgbClr val="89DDFF"/>
+                </a:solidFill>
+                <a:effectLst/>
+                <a:latin typeface="빙그레 메로나체" panose="020B0503000000000000" pitchFamily="50" charset="-127"/>
+              </a:rPr>
+              <a:t>return</a:t>
+            </a:r>
+            <a:r>
+              <a:rPr lang="en-US" altLang="ko-KR" b="0">
+                <a:solidFill>
+                  <a:srgbClr val="F07178"/>
+                </a:solidFill>
+                <a:effectLst/>
+                <a:latin typeface="빙그레 메로나체" panose="020B0503000000000000" pitchFamily="50" charset="-127"/>
+              </a:rPr>
+              <a:t> </a:t>
+            </a:r>
+            <a:r>
+              <a:rPr lang="en-US" altLang="ko-KR" b="0">
+                <a:solidFill>
+                  <a:srgbClr val="89DDFF"/>
+                </a:solidFill>
+                <a:effectLst/>
+                <a:latin typeface="빙그레 메로나체" panose="020B0503000000000000" pitchFamily="50" charset="-127"/>
+              </a:rPr>
+              <a:t>&lt;</a:t>
+            </a:r>
+            <a:r>
+              <a:rPr lang="en-US" altLang="ko-KR" b="0">
+                <a:solidFill>
+                  <a:srgbClr val="F07178"/>
+                </a:solidFill>
+                <a:effectLst/>
+                <a:latin typeface="빙그레 메로나체" panose="020B0503000000000000" pitchFamily="50" charset="-127"/>
+              </a:rPr>
+              <a:t>div</a:t>
+            </a:r>
+            <a:r>
+              <a:rPr lang="en-US" altLang="ko-KR" b="0">
+                <a:solidFill>
+                  <a:srgbClr val="89DDFF"/>
+                </a:solidFill>
+                <a:effectLst/>
+                <a:latin typeface="빙그레 메로나체" panose="020B0503000000000000" pitchFamily="50" charset="-127"/>
+              </a:rPr>
+              <a:t> </a:t>
+            </a:r>
+            <a:r>
+              <a:rPr lang="en-US" altLang="ko-KR" b="0">
+                <a:solidFill>
+                  <a:srgbClr val="C792EA"/>
+                </a:solidFill>
+                <a:effectLst/>
+                <a:latin typeface="빙그레 메로나체" panose="020B0503000000000000" pitchFamily="50" charset="-127"/>
+              </a:rPr>
+              <a:t>className</a:t>
+            </a:r>
+            <a:r>
+              <a:rPr lang="en-US" altLang="ko-KR" b="0">
+                <a:solidFill>
+                  <a:srgbClr val="89DDFF"/>
+                </a:solidFill>
+                <a:effectLst/>
+                <a:latin typeface="빙그레 메로나체" panose="020B0503000000000000" pitchFamily="50" charset="-127"/>
+              </a:rPr>
+              <a:t> = "</a:t>
+            </a:r>
+            <a:r>
+              <a:rPr lang="en-US" altLang="ko-KR" b="0">
+                <a:solidFill>
+                  <a:srgbClr val="C3E88D"/>
+                </a:solidFill>
+                <a:effectLst/>
+                <a:latin typeface="빙그레 메로나체" panose="020B0503000000000000" pitchFamily="50" charset="-127"/>
+              </a:rPr>
+              <a:t>react</a:t>
+            </a:r>
+            <a:r>
+              <a:rPr lang="en-US" altLang="ko-KR" b="0">
+                <a:solidFill>
+                  <a:srgbClr val="89DDFF"/>
+                </a:solidFill>
+                <a:effectLst/>
+                <a:latin typeface="빙그레 메로나체" panose="020B0503000000000000" pitchFamily="50" charset="-127"/>
+              </a:rPr>
+              <a:t>"&gt;{</a:t>
+            </a:r>
+            <a:r>
+              <a:rPr lang="en-US" altLang="ko-KR" b="0">
+                <a:solidFill>
+                  <a:srgbClr val="EEFFFF"/>
+                </a:solidFill>
+                <a:effectLst/>
+                <a:latin typeface="빙그레 메로나체" panose="020B0503000000000000" pitchFamily="50" charset="-127"/>
+              </a:rPr>
+              <a:t>name</a:t>
+            </a:r>
+            <a:r>
+              <a:rPr lang="en-US" altLang="ko-KR" b="0">
+                <a:solidFill>
+                  <a:srgbClr val="89DDFF"/>
+                </a:solidFill>
+                <a:effectLst/>
+                <a:latin typeface="빙그레 메로나체" panose="020B0503000000000000" pitchFamily="50" charset="-127"/>
+              </a:rPr>
+              <a:t>}&lt;/</a:t>
+            </a:r>
+            <a:r>
+              <a:rPr lang="en-US" altLang="ko-KR" b="0">
+                <a:solidFill>
+                  <a:srgbClr val="F07178"/>
+                </a:solidFill>
+                <a:effectLst/>
+                <a:latin typeface="빙그레 메로나체" panose="020B0503000000000000" pitchFamily="50" charset="-127"/>
+              </a:rPr>
+              <a:t>div</a:t>
+            </a:r>
+            <a:r>
+              <a:rPr lang="en-US" altLang="ko-KR" b="0">
+                <a:solidFill>
+                  <a:srgbClr val="89DDFF"/>
+                </a:solidFill>
+                <a:effectLst/>
+                <a:latin typeface="빙그레 메로나체" panose="020B0503000000000000" pitchFamily="50" charset="-127"/>
+              </a:rPr>
+              <a:t>&gt;</a:t>
+            </a:r>
+            <a:endParaRPr lang="en-US" altLang="ko-KR" b="0">
+              <a:solidFill>
+                <a:srgbClr val="EEFFFF"/>
+              </a:solidFill>
+              <a:effectLst/>
+              <a:latin typeface="빙그레 메로나체" panose="020B0503000000000000" pitchFamily="50" charset="-127"/>
+            </a:endParaRPr>
+          </a:p>
+          <a:p>
+            <a:r>
+              <a:rPr lang="en-US" altLang="ko-KR" b="0">
+                <a:solidFill>
+                  <a:srgbClr val="89DDFF"/>
+                </a:solidFill>
+                <a:effectLst/>
+                <a:latin typeface="빙그레 메로나체" panose="020B0503000000000000" pitchFamily="50" charset="-127"/>
+              </a:rPr>
+              <a:t>}</a:t>
+            </a:r>
+            <a:endParaRPr lang="en-US" altLang="ko-KR" b="0">
+              <a:solidFill>
+                <a:srgbClr val="EEFFFF"/>
+              </a:solidFill>
+              <a:effectLst/>
+              <a:latin typeface="빙그레 메로나체" panose="020B0503000000000000" pitchFamily="50" charset="-127"/>
+            </a:endParaRPr>
+          </a:p>
+          <a:p>
+            <a:br>
+              <a:rPr lang="en-US" altLang="ko-KR" b="0">
+                <a:solidFill>
+                  <a:srgbClr val="EEFFFF"/>
+                </a:solidFill>
+                <a:effectLst/>
+                <a:latin typeface="빙그레 메로나체" panose="020B0503000000000000" pitchFamily="50" charset="-127"/>
+              </a:rPr>
+            </a:br>
+            <a:r>
+              <a:rPr lang="en-US" altLang="ko-KR" b="0" i="1">
+                <a:solidFill>
+                  <a:srgbClr val="89DDFF"/>
+                </a:solidFill>
+                <a:effectLst/>
+                <a:latin typeface="빙그레 메로나체" panose="020B0503000000000000" pitchFamily="50" charset="-127"/>
+              </a:rPr>
+              <a:t>export</a:t>
+            </a:r>
+            <a:r>
+              <a:rPr lang="en-US" altLang="ko-KR" b="0">
+                <a:solidFill>
+                  <a:srgbClr val="EEFFFF"/>
+                </a:solidFill>
+                <a:effectLst/>
+                <a:latin typeface="빙그레 메로나체" panose="020B0503000000000000" pitchFamily="50" charset="-127"/>
+              </a:rPr>
+              <a:t> </a:t>
+            </a:r>
+            <a:r>
+              <a:rPr lang="en-US" altLang="ko-KR" b="0" i="1">
+                <a:solidFill>
+                  <a:srgbClr val="89DDFF"/>
+                </a:solidFill>
+                <a:effectLst/>
+                <a:latin typeface="빙그레 메로나체" panose="020B0503000000000000" pitchFamily="50" charset="-127"/>
+              </a:rPr>
+              <a:t>default</a:t>
+            </a:r>
+            <a:r>
+              <a:rPr lang="en-US" altLang="ko-KR" b="0">
+                <a:solidFill>
+                  <a:srgbClr val="EEFFFF"/>
+                </a:solidFill>
+                <a:effectLst/>
+                <a:latin typeface="빙그레 메로나체" panose="020B0503000000000000" pitchFamily="50" charset="-127"/>
+              </a:rPr>
+              <a:t> App</a:t>
+            </a:r>
+            <a:r>
+              <a:rPr lang="en-US" altLang="ko-KR" b="0">
+                <a:solidFill>
+                  <a:srgbClr val="89DDFF"/>
+                </a:solidFill>
+                <a:effectLst/>
+                <a:latin typeface="빙그레 메로나체" panose="020B0503000000000000" pitchFamily="50" charset="-127"/>
+              </a:rPr>
+              <a:t>;</a:t>
+            </a:r>
+          </a:p>
+          <a:p>
+            <a:endParaRPr lang="en-US" altLang="ko-KR">
+              <a:solidFill>
+                <a:srgbClr val="89DDFF"/>
+              </a:solidFill>
+              <a:latin typeface="빙그레 메로나체" panose="020B0503000000000000" pitchFamily="50" charset="-127"/>
+            </a:endParaRPr>
+          </a:p>
+          <a:p>
+            <a:endParaRPr lang="en-US" altLang="ko-KR" b="0">
+              <a:solidFill>
+                <a:srgbClr val="EEFFFF"/>
+              </a:solidFill>
+              <a:effectLst/>
+              <a:latin typeface="빙그레 메로나체" panose="020B0503000000000000" pitchFamily="50" charset="-127"/>
+            </a:endParaRPr>
+          </a:p>
+        </p:txBody>
+      </p:sp>
+      <p:sp>
+        <p:nvSpPr>
+          <p:cNvPr id="12" name="TextBox 11">
+            <a:extLst>
+              <a:ext uri="{FF2B5EF4-FFF2-40B4-BE49-F238E27FC236}">
+                <a16:creationId xmlns:a16="http://schemas.microsoft.com/office/drawing/2014/main" id="{2FF25EB2-1E28-4FF4-805E-4836DA7B2A37}"/>
+              </a:ext>
+            </a:extLst>
+          </p:cNvPr>
+          <p:cNvSpPr txBox="1"/>
+          <p:nvPr/>
+        </p:nvSpPr>
+        <p:spPr>
+          <a:xfrm>
+            <a:off x="520256" y="2766643"/>
+            <a:ext cx="5558031" cy="2862322"/>
+          </a:xfrm>
+          <a:prstGeom prst="rect">
+            <a:avLst/>
+          </a:prstGeom>
+          <a:solidFill>
+            <a:schemeClr val="tx1"/>
+          </a:solidFill>
+          <a:ln>
+            <a:noFill/>
+          </a:ln>
+        </p:spPr>
+        <p:txBody>
+          <a:bodyPr wrap="square" rtlCol="0">
+            <a:spAutoFit/>
+          </a:bodyPr>
+          <a:lstStyle/>
+          <a:p>
+            <a:r>
+              <a:rPr lang="en-US" altLang="ko-KR" b="0" i="1">
+                <a:solidFill>
+                  <a:srgbClr val="89DDFF"/>
+                </a:solidFill>
+                <a:effectLst/>
+                <a:latin typeface="빙그레 메로나체" panose="020B0503000000000000" pitchFamily="50" charset="-127"/>
+              </a:rPr>
+              <a:t>import</a:t>
+            </a:r>
+            <a:r>
+              <a:rPr lang="en-US" altLang="ko-KR" b="0">
+                <a:solidFill>
+                  <a:srgbClr val="EEFFFF"/>
+                </a:solidFill>
+                <a:effectLst/>
+                <a:latin typeface="빙그레 메로나체" panose="020B0503000000000000" pitchFamily="50" charset="-127"/>
+              </a:rPr>
+              <a:t> React</a:t>
+            </a:r>
+            <a:r>
+              <a:rPr lang="en-US" altLang="ko-KR" b="0">
+                <a:solidFill>
+                  <a:srgbClr val="89DDFF"/>
+                </a:solidFill>
+                <a:effectLst/>
+                <a:latin typeface="빙그레 메로나체" panose="020B0503000000000000" pitchFamily="50" charset="-127"/>
+              </a:rPr>
+              <a:t>,</a:t>
+            </a:r>
+            <a:r>
+              <a:rPr lang="en-US" altLang="ko-KR" b="0">
+                <a:solidFill>
+                  <a:srgbClr val="EEFFFF"/>
+                </a:solidFill>
+                <a:effectLst/>
+                <a:latin typeface="빙그레 메로나체" panose="020B0503000000000000" pitchFamily="50" charset="-127"/>
+              </a:rPr>
+              <a:t> </a:t>
+            </a:r>
+            <a:r>
+              <a:rPr lang="en-US" altLang="ko-KR" b="0">
+                <a:solidFill>
+                  <a:srgbClr val="89DDFF"/>
+                </a:solidFill>
+                <a:effectLst/>
+                <a:latin typeface="빙그레 메로나체" panose="020B0503000000000000" pitchFamily="50" charset="-127"/>
+              </a:rPr>
+              <a:t>{</a:t>
+            </a:r>
+            <a:r>
+              <a:rPr lang="en-US" altLang="ko-KR" b="0">
+                <a:solidFill>
+                  <a:srgbClr val="EEFFFF"/>
+                </a:solidFill>
+                <a:effectLst/>
+                <a:latin typeface="빙그레 메로나체" panose="020B0503000000000000" pitchFamily="50" charset="-127"/>
+              </a:rPr>
+              <a:t>Component</a:t>
+            </a:r>
+            <a:r>
+              <a:rPr lang="en-US" altLang="ko-KR" b="0">
+                <a:solidFill>
+                  <a:srgbClr val="89DDFF"/>
+                </a:solidFill>
+                <a:effectLst/>
+                <a:latin typeface="빙그레 메로나체" panose="020B0503000000000000" pitchFamily="50" charset="-127"/>
+              </a:rPr>
+              <a:t>}</a:t>
+            </a:r>
+            <a:r>
+              <a:rPr lang="en-US" altLang="ko-KR" b="0">
+                <a:solidFill>
+                  <a:srgbClr val="EEFFFF"/>
+                </a:solidFill>
+                <a:effectLst/>
+                <a:latin typeface="빙그레 메로나체" panose="020B0503000000000000" pitchFamily="50" charset="-127"/>
+              </a:rPr>
+              <a:t> </a:t>
+            </a:r>
+            <a:r>
+              <a:rPr lang="en-US" altLang="ko-KR" b="0" i="1">
+                <a:solidFill>
+                  <a:srgbClr val="89DDFF"/>
+                </a:solidFill>
+                <a:effectLst/>
+                <a:latin typeface="빙그레 메로나체" panose="020B0503000000000000" pitchFamily="50" charset="-127"/>
+              </a:rPr>
+              <a:t>from</a:t>
+            </a:r>
+            <a:r>
+              <a:rPr lang="en-US" altLang="ko-KR" b="0">
+                <a:solidFill>
+                  <a:srgbClr val="EEFFFF"/>
+                </a:solidFill>
+                <a:effectLst/>
+                <a:latin typeface="빙그레 메로나체" panose="020B0503000000000000" pitchFamily="50" charset="-127"/>
+              </a:rPr>
+              <a:t> </a:t>
+            </a:r>
+            <a:r>
+              <a:rPr lang="en-US" altLang="ko-KR" b="0">
+                <a:solidFill>
+                  <a:srgbClr val="89DDFF"/>
+                </a:solidFill>
+                <a:effectLst/>
+                <a:latin typeface="빙그레 메로나체" panose="020B0503000000000000" pitchFamily="50" charset="-127"/>
+              </a:rPr>
+              <a:t>'</a:t>
+            </a:r>
+            <a:r>
+              <a:rPr lang="en-US" altLang="ko-KR" b="0">
+                <a:solidFill>
+                  <a:srgbClr val="C3E88D"/>
+                </a:solidFill>
+                <a:effectLst/>
+                <a:latin typeface="빙그레 메로나체" panose="020B0503000000000000" pitchFamily="50" charset="-127"/>
+              </a:rPr>
+              <a:t>react</a:t>
+            </a:r>
+            <a:r>
+              <a:rPr lang="en-US" altLang="ko-KR" b="0">
+                <a:solidFill>
+                  <a:srgbClr val="89DDFF"/>
+                </a:solidFill>
+                <a:effectLst/>
+                <a:latin typeface="빙그레 메로나체" panose="020B0503000000000000" pitchFamily="50" charset="-127"/>
+              </a:rPr>
+              <a:t>';</a:t>
+            </a:r>
+            <a:endParaRPr lang="en-US" altLang="ko-KR" b="0">
+              <a:solidFill>
+                <a:srgbClr val="EEFFFF"/>
+              </a:solidFill>
+              <a:effectLst/>
+              <a:latin typeface="빙그레 메로나체" panose="020B0503000000000000" pitchFamily="50" charset="-127"/>
+            </a:endParaRPr>
+          </a:p>
+          <a:p>
+            <a:br>
+              <a:rPr lang="en-US" altLang="ko-KR" b="0">
+                <a:solidFill>
+                  <a:srgbClr val="EEFFFF"/>
+                </a:solidFill>
+                <a:effectLst/>
+                <a:latin typeface="빙그레 메로나체" panose="020B0503000000000000" pitchFamily="50" charset="-127"/>
+              </a:rPr>
+            </a:br>
+            <a:r>
+              <a:rPr lang="en-US" altLang="ko-KR" b="0">
+                <a:solidFill>
+                  <a:srgbClr val="C792EA"/>
+                </a:solidFill>
+                <a:effectLst/>
+                <a:latin typeface="빙그레 메로나체" panose="020B0503000000000000" pitchFamily="50" charset="-127"/>
+              </a:rPr>
+              <a:t>class</a:t>
+            </a:r>
+            <a:r>
+              <a:rPr lang="en-US" altLang="ko-KR" b="0">
+                <a:solidFill>
+                  <a:srgbClr val="EEFFFF"/>
+                </a:solidFill>
+                <a:effectLst/>
+                <a:latin typeface="빙그레 메로나체" panose="020B0503000000000000" pitchFamily="50" charset="-127"/>
+              </a:rPr>
+              <a:t> </a:t>
+            </a:r>
+            <a:r>
+              <a:rPr lang="en-US" altLang="ko-KR" b="0">
+                <a:solidFill>
+                  <a:srgbClr val="FFCB6B"/>
+                </a:solidFill>
+                <a:effectLst/>
+                <a:latin typeface="빙그레 메로나체" panose="020B0503000000000000" pitchFamily="50" charset="-127"/>
+              </a:rPr>
+              <a:t>App</a:t>
+            </a:r>
+            <a:r>
+              <a:rPr lang="en-US" altLang="ko-KR" b="0">
+                <a:solidFill>
+                  <a:srgbClr val="EEFFFF"/>
+                </a:solidFill>
+                <a:effectLst/>
+                <a:latin typeface="빙그레 메로나체" panose="020B0503000000000000" pitchFamily="50" charset="-127"/>
+              </a:rPr>
+              <a:t> </a:t>
+            </a:r>
+            <a:r>
+              <a:rPr lang="en-US" altLang="ko-KR" b="0">
+                <a:solidFill>
+                  <a:srgbClr val="C792EA"/>
+                </a:solidFill>
+                <a:effectLst/>
+                <a:latin typeface="빙그레 메로나체" panose="020B0503000000000000" pitchFamily="50" charset="-127"/>
+              </a:rPr>
+              <a:t>extends</a:t>
+            </a:r>
+            <a:r>
+              <a:rPr lang="en-US" altLang="ko-KR" b="0">
+                <a:solidFill>
+                  <a:srgbClr val="EEFFFF"/>
+                </a:solidFill>
+                <a:effectLst/>
+                <a:latin typeface="빙그레 메로나체" panose="020B0503000000000000" pitchFamily="50" charset="-127"/>
+              </a:rPr>
+              <a:t> </a:t>
+            </a:r>
+            <a:r>
+              <a:rPr lang="en-US" altLang="ko-KR" b="0">
+                <a:solidFill>
+                  <a:srgbClr val="FFCB6B"/>
+                </a:solidFill>
+                <a:effectLst/>
+                <a:latin typeface="빙그레 메로나체" panose="020B0503000000000000" pitchFamily="50" charset="-127"/>
+              </a:rPr>
+              <a:t>Component</a:t>
+            </a:r>
+            <a:r>
+              <a:rPr lang="en-US" altLang="ko-KR" b="0">
+                <a:solidFill>
+                  <a:srgbClr val="EEFFFF"/>
+                </a:solidFill>
+                <a:effectLst/>
+                <a:latin typeface="빙그레 메로나체" panose="020B0503000000000000" pitchFamily="50" charset="-127"/>
+              </a:rPr>
+              <a:t> </a:t>
+            </a:r>
+            <a:r>
+              <a:rPr lang="en-US" altLang="ko-KR" b="0">
+                <a:solidFill>
+                  <a:srgbClr val="89DDFF"/>
+                </a:solidFill>
+                <a:effectLst/>
+                <a:latin typeface="빙그레 메로나체" panose="020B0503000000000000" pitchFamily="50" charset="-127"/>
+              </a:rPr>
+              <a:t>{</a:t>
+            </a:r>
+            <a:endParaRPr lang="en-US" altLang="ko-KR" b="0">
+              <a:solidFill>
+                <a:srgbClr val="EEFFFF"/>
+              </a:solidFill>
+              <a:effectLst/>
+              <a:latin typeface="빙그레 메로나체" panose="020B0503000000000000" pitchFamily="50" charset="-127"/>
+            </a:endParaRPr>
+          </a:p>
+          <a:p>
+            <a:r>
+              <a:rPr lang="en-US" altLang="ko-KR" b="0">
+                <a:solidFill>
+                  <a:srgbClr val="EEFFFF"/>
+                </a:solidFill>
+                <a:effectLst/>
+                <a:latin typeface="빙그레 메로나체" panose="020B0503000000000000" pitchFamily="50" charset="-127"/>
+              </a:rPr>
+              <a:t>  </a:t>
+            </a:r>
+            <a:r>
+              <a:rPr lang="en-US" altLang="ko-KR" b="0">
+                <a:solidFill>
+                  <a:srgbClr val="82AAFF"/>
+                </a:solidFill>
+                <a:effectLst/>
+                <a:latin typeface="빙그레 메로나체" panose="020B0503000000000000" pitchFamily="50" charset="-127"/>
+              </a:rPr>
+              <a:t>render</a:t>
+            </a:r>
+            <a:r>
+              <a:rPr lang="en-US" altLang="ko-KR" b="0">
+                <a:solidFill>
+                  <a:srgbClr val="89DDFF"/>
+                </a:solidFill>
+                <a:effectLst/>
+                <a:latin typeface="빙그레 메로나체" panose="020B0503000000000000" pitchFamily="50" charset="-127"/>
+              </a:rPr>
+              <a:t>()</a:t>
+            </a:r>
+            <a:r>
+              <a:rPr lang="en-US" altLang="ko-KR" b="0">
+                <a:solidFill>
+                  <a:srgbClr val="EEFFFF"/>
+                </a:solidFill>
+                <a:effectLst/>
+                <a:latin typeface="빙그레 메로나체" panose="020B0503000000000000" pitchFamily="50" charset="-127"/>
+              </a:rPr>
+              <a:t> </a:t>
+            </a:r>
+            <a:r>
+              <a:rPr lang="en-US" altLang="ko-KR" b="0">
+                <a:solidFill>
+                  <a:srgbClr val="89DDFF"/>
+                </a:solidFill>
+                <a:effectLst/>
+                <a:latin typeface="빙그레 메로나체" panose="020B0503000000000000" pitchFamily="50" charset="-127"/>
+              </a:rPr>
+              <a:t>{</a:t>
+            </a:r>
+            <a:endParaRPr lang="en-US" altLang="ko-KR" b="0">
+              <a:solidFill>
+                <a:srgbClr val="EEFFFF"/>
+              </a:solidFill>
+              <a:effectLst/>
+              <a:latin typeface="빙그레 메로나체" panose="020B0503000000000000" pitchFamily="50" charset="-127"/>
+            </a:endParaRPr>
+          </a:p>
+          <a:p>
+            <a:r>
+              <a:rPr lang="en-US" altLang="ko-KR" b="0">
+                <a:solidFill>
+                  <a:srgbClr val="F07178"/>
+                </a:solidFill>
+                <a:effectLst/>
+                <a:latin typeface="빙그레 메로나체" panose="020B0503000000000000" pitchFamily="50" charset="-127"/>
+              </a:rPr>
+              <a:t>    </a:t>
+            </a:r>
+            <a:r>
+              <a:rPr lang="en-US" altLang="ko-KR" b="0">
+                <a:solidFill>
+                  <a:srgbClr val="C792EA"/>
+                </a:solidFill>
+                <a:effectLst/>
+                <a:latin typeface="빙그레 메로나체" panose="020B0503000000000000" pitchFamily="50" charset="-127"/>
+              </a:rPr>
+              <a:t>const</a:t>
+            </a:r>
+            <a:r>
+              <a:rPr lang="en-US" altLang="ko-KR" b="0">
+                <a:solidFill>
+                  <a:srgbClr val="F07178"/>
+                </a:solidFill>
+                <a:effectLst/>
+                <a:latin typeface="빙그레 메로나체" panose="020B0503000000000000" pitchFamily="50" charset="-127"/>
+              </a:rPr>
+              <a:t> </a:t>
+            </a:r>
+            <a:r>
+              <a:rPr lang="en-US" altLang="ko-KR" b="0">
+                <a:solidFill>
+                  <a:srgbClr val="EEFFFF"/>
+                </a:solidFill>
+                <a:effectLst/>
+                <a:latin typeface="빙그레 메로나체" panose="020B0503000000000000" pitchFamily="50" charset="-127"/>
+              </a:rPr>
+              <a:t>name</a:t>
+            </a:r>
+            <a:r>
+              <a:rPr lang="en-US" altLang="ko-KR" b="0">
+                <a:solidFill>
+                  <a:srgbClr val="F07178"/>
+                </a:solidFill>
+                <a:effectLst/>
+                <a:latin typeface="빙그레 메로나체" panose="020B0503000000000000" pitchFamily="50" charset="-127"/>
+              </a:rPr>
+              <a:t> </a:t>
+            </a:r>
+            <a:r>
+              <a:rPr lang="en-US" altLang="ko-KR" b="0">
+                <a:solidFill>
+                  <a:srgbClr val="89DDFF"/>
+                </a:solidFill>
+                <a:effectLst/>
+                <a:latin typeface="빙그레 메로나체" panose="020B0503000000000000" pitchFamily="50" charset="-127"/>
+              </a:rPr>
+              <a:t>=</a:t>
+            </a:r>
+            <a:r>
+              <a:rPr lang="en-US" altLang="ko-KR" b="0">
+                <a:solidFill>
+                  <a:srgbClr val="F07178"/>
+                </a:solidFill>
+                <a:effectLst/>
+                <a:latin typeface="빙그레 메로나체" panose="020B0503000000000000" pitchFamily="50" charset="-127"/>
+              </a:rPr>
+              <a:t> </a:t>
+            </a:r>
+            <a:r>
+              <a:rPr lang="en-US" altLang="ko-KR" b="0">
+                <a:solidFill>
+                  <a:srgbClr val="89DDFF"/>
+                </a:solidFill>
+                <a:effectLst/>
+                <a:latin typeface="빙그레 메로나체" panose="020B0503000000000000" pitchFamily="50" charset="-127"/>
+              </a:rPr>
+              <a:t>'</a:t>
+            </a:r>
+            <a:r>
+              <a:rPr lang="en-US" altLang="ko-KR" b="0">
+                <a:solidFill>
+                  <a:srgbClr val="C3E88D"/>
+                </a:solidFill>
+                <a:effectLst/>
+                <a:latin typeface="빙그레 메로나체" panose="020B0503000000000000" pitchFamily="50" charset="-127"/>
+              </a:rPr>
+              <a:t>react</a:t>
+            </a:r>
+            <a:r>
+              <a:rPr lang="en-US" altLang="ko-KR" b="0">
+                <a:solidFill>
+                  <a:srgbClr val="89DDFF"/>
+                </a:solidFill>
+                <a:effectLst/>
+                <a:latin typeface="빙그레 메로나체" panose="020B0503000000000000" pitchFamily="50" charset="-127"/>
+              </a:rPr>
+              <a:t>';</a:t>
+            </a:r>
+            <a:endParaRPr lang="en-US" altLang="ko-KR" b="0">
+              <a:solidFill>
+                <a:srgbClr val="EEFFFF"/>
+              </a:solidFill>
+              <a:effectLst/>
+              <a:latin typeface="빙그레 메로나체" panose="020B0503000000000000" pitchFamily="50" charset="-127"/>
+            </a:endParaRPr>
+          </a:p>
+          <a:p>
+            <a:r>
+              <a:rPr lang="en-US" altLang="ko-KR" b="0">
+                <a:solidFill>
+                  <a:srgbClr val="F07178"/>
+                </a:solidFill>
+                <a:effectLst/>
+                <a:latin typeface="빙그레 메로나체" panose="020B0503000000000000" pitchFamily="50" charset="-127"/>
+              </a:rPr>
+              <a:t>    </a:t>
+            </a:r>
+            <a:r>
+              <a:rPr lang="en-US" altLang="ko-KR" b="0" i="1">
+                <a:solidFill>
+                  <a:srgbClr val="89DDFF"/>
+                </a:solidFill>
+                <a:effectLst/>
+                <a:latin typeface="빙그레 메로나체" panose="020B0503000000000000" pitchFamily="50" charset="-127"/>
+              </a:rPr>
+              <a:t>return</a:t>
+            </a:r>
+            <a:r>
+              <a:rPr lang="en-US" altLang="ko-KR" b="0">
+                <a:solidFill>
+                  <a:srgbClr val="F07178"/>
+                </a:solidFill>
+                <a:effectLst/>
+                <a:latin typeface="빙그레 메로나체" panose="020B0503000000000000" pitchFamily="50" charset="-127"/>
+              </a:rPr>
+              <a:t> </a:t>
+            </a:r>
+            <a:r>
+              <a:rPr lang="en-US" altLang="ko-KR" b="0">
+                <a:solidFill>
+                  <a:srgbClr val="89DDFF"/>
+                </a:solidFill>
+                <a:effectLst/>
+                <a:latin typeface="빙그레 메로나체" panose="020B0503000000000000" pitchFamily="50" charset="-127"/>
+              </a:rPr>
+              <a:t>&lt;</a:t>
+            </a:r>
+            <a:r>
+              <a:rPr lang="en-US" altLang="ko-KR" b="0">
+                <a:solidFill>
+                  <a:srgbClr val="F07178"/>
+                </a:solidFill>
+                <a:effectLst/>
+                <a:latin typeface="빙그레 메로나체" panose="020B0503000000000000" pitchFamily="50" charset="-127"/>
+              </a:rPr>
+              <a:t>div</a:t>
+            </a:r>
+            <a:r>
+              <a:rPr lang="en-US" altLang="ko-KR" b="0">
+                <a:solidFill>
+                  <a:srgbClr val="89DDFF"/>
+                </a:solidFill>
+                <a:effectLst/>
+                <a:latin typeface="빙그레 메로나체" panose="020B0503000000000000" pitchFamily="50" charset="-127"/>
+              </a:rPr>
+              <a:t> </a:t>
+            </a:r>
+            <a:r>
+              <a:rPr lang="en-US" altLang="ko-KR" b="0">
+                <a:solidFill>
+                  <a:srgbClr val="C792EA"/>
+                </a:solidFill>
+                <a:effectLst/>
+                <a:latin typeface="빙그레 메로나체" panose="020B0503000000000000" pitchFamily="50" charset="-127"/>
+              </a:rPr>
+              <a:t>className</a:t>
+            </a:r>
+            <a:r>
+              <a:rPr lang="en-US" altLang="ko-KR" b="0">
+                <a:solidFill>
+                  <a:srgbClr val="89DDFF"/>
+                </a:solidFill>
+                <a:effectLst/>
+                <a:latin typeface="빙그레 메로나체" panose="020B0503000000000000" pitchFamily="50" charset="-127"/>
+              </a:rPr>
+              <a:t>="</a:t>
+            </a:r>
+            <a:r>
+              <a:rPr lang="en-US" altLang="ko-KR" b="0">
+                <a:solidFill>
+                  <a:srgbClr val="C3E88D"/>
+                </a:solidFill>
+                <a:effectLst/>
+                <a:latin typeface="빙그레 메로나체" panose="020B0503000000000000" pitchFamily="50" charset="-127"/>
+              </a:rPr>
+              <a:t>react</a:t>
+            </a:r>
+            <a:r>
+              <a:rPr lang="en-US" altLang="ko-KR" b="0">
+                <a:solidFill>
+                  <a:srgbClr val="89DDFF"/>
+                </a:solidFill>
+                <a:effectLst/>
+                <a:latin typeface="빙그레 메로나체" panose="020B0503000000000000" pitchFamily="50" charset="-127"/>
+              </a:rPr>
+              <a:t>"&gt;{</a:t>
+            </a:r>
+            <a:r>
+              <a:rPr lang="en-US" altLang="ko-KR" b="0">
+                <a:solidFill>
+                  <a:srgbClr val="EEFFFF"/>
+                </a:solidFill>
+                <a:effectLst/>
+                <a:latin typeface="빙그레 메로나체" panose="020B0503000000000000" pitchFamily="50" charset="-127"/>
+              </a:rPr>
+              <a:t>name</a:t>
+            </a:r>
+            <a:r>
+              <a:rPr lang="en-US" altLang="ko-KR" b="0">
+                <a:solidFill>
+                  <a:srgbClr val="89DDFF"/>
+                </a:solidFill>
+                <a:effectLst/>
+                <a:latin typeface="빙그레 메로나체" panose="020B0503000000000000" pitchFamily="50" charset="-127"/>
+              </a:rPr>
+              <a:t>}&lt;/</a:t>
+            </a:r>
+            <a:r>
+              <a:rPr lang="en-US" altLang="ko-KR" b="0">
+                <a:solidFill>
+                  <a:srgbClr val="F07178"/>
+                </a:solidFill>
+                <a:effectLst/>
+                <a:latin typeface="빙그레 메로나체" panose="020B0503000000000000" pitchFamily="50" charset="-127"/>
+              </a:rPr>
+              <a:t>div</a:t>
+            </a:r>
+            <a:r>
+              <a:rPr lang="en-US" altLang="ko-KR" b="0">
+                <a:solidFill>
+                  <a:srgbClr val="89DDFF"/>
+                </a:solidFill>
+                <a:effectLst/>
+                <a:latin typeface="빙그레 메로나체" panose="020B0503000000000000" pitchFamily="50" charset="-127"/>
+              </a:rPr>
+              <a:t>&gt;</a:t>
+            </a:r>
+            <a:endParaRPr lang="en-US" altLang="ko-KR" b="0">
+              <a:solidFill>
+                <a:srgbClr val="EEFFFF"/>
+              </a:solidFill>
+              <a:effectLst/>
+              <a:latin typeface="빙그레 메로나체" panose="020B0503000000000000" pitchFamily="50" charset="-127"/>
+            </a:endParaRPr>
+          </a:p>
+          <a:p>
+            <a:r>
+              <a:rPr lang="en-US" altLang="ko-KR" b="0">
+                <a:solidFill>
+                  <a:srgbClr val="F07178"/>
+                </a:solidFill>
+                <a:effectLst/>
+                <a:latin typeface="빙그레 메로나체" panose="020B0503000000000000" pitchFamily="50" charset="-127"/>
+              </a:rPr>
+              <a:t>  </a:t>
+            </a:r>
+            <a:r>
+              <a:rPr lang="en-US" altLang="ko-KR" b="0">
+                <a:solidFill>
+                  <a:srgbClr val="89DDFF"/>
+                </a:solidFill>
+                <a:effectLst/>
+                <a:latin typeface="빙그레 메로나체" panose="020B0503000000000000" pitchFamily="50" charset="-127"/>
+              </a:rPr>
+              <a:t>}</a:t>
+            </a:r>
+            <a:endParaRPr lang="en-US" altLang="ko-KR" b="0">
+              <a:solidFill>
+                <a:srgbClr val="EEFFFF"/>
+              </a:solidFill>
+              <a:effectLst/>
+              <a:latin typeface="빙그레 메로나체" panose="020B0503000000000000" pitchFamily="50" charset="-127"/>
+            </a:endParaRPr>
+          </a:p>
+          <a:p>
+            <a:r>
+              <a:rPr lang="en-US" altLang="ko-KR" b="0">
+                <a:solidFill>
+                  <a:srgbClr val="89DDFF"/>
+                </a:solidFill>
+                <a:effectLst/>
+                <a:latin typeface="빙그레 메로나체" panose="020B0503000000000000" pitchFamily="50" charset="-127"/>
+              </a:rPr>
+              <a:t>}</a:t>
+            </a:r>
+            <a:endParaRPr lang="en-US" altLang="ko-KR" b="0">
+              <a:solidFill>
+                <a:srgbClr val="EEFFFF"/>
+              </a:solidFill>
+              <a:effectLst/>
+              <a:latin typeface="빙그레 메로나체" panose="020B0503000000000000" pitchFamily="50" charset="-127"/>
+            </a:endParaRPr>
+          </a:p>
+          <a:p>
+            <a:br>
+              <a:rPr lang="en-US" altLang="ko-KR" b="0">
+                <a:solidFill>
+                  <a:srgbClr val="EEFFFF"/>
+                </a:solidFill>
+                <a:effectLst/>
+                <a:latin typeface="빙그레 메로나체" panose="020B0503000000000000" pitchFamily="50" charset="-127"/>
+              </a:rPr>
+            </a:br>
+            <a:r>
+              <a:rPr lang="en-US" altLang="ko-KR" b="0" i="1">
+                <a:solidFill>
+                  <a:srgbClr val="89DDFF"/>
+                </a:solidFill>
+                <a:effectLst/>
+                <a:latin typeface="빙그레 메로나체" panose="020B0503000000000000" pitchFamily="50" charset="-127"/>
+              </a:rPr>
+              <a:t>export</a:t>
+            </a:r>
+            <a:r>
+              <a:rPr lang="en-US" altLang="ko-KR" b="0">
+                <a:solidFill>
+                  <a:srgbClr val="EEFFFF"/>
+                </a:solidFill>
+                <a:effectLst/>
+                <a:latin typeface="빙그레 메로나체" panose="020B0503000000000000" pitchFamily="50" charset="-127"/>
+              </a:rPr>
+              <a:t> </a:t>
+            </a:r>
+            <a:r>
+              <a:rPr lang="en-US" altLang="ko-KR" b="0" i="1">
+                <a:solidFill>
+                  <a:srgbClr val="89DDFF"/>
+                </a:solidFill>
+                <a:effectLst/>
+                <a:latin typeface="빙그레 메로나체" panose="020B0503000000000000" pitchFamily="50" charset="-127"/>
+              </a:rPr>
+              <a:t>default</a:t>
+            </a:r>
+            <a:r>
+              <a:rPr lang="en-US" altLang="ko-KR" b="0">
+                <a:solidFill>
+                  <a:srgbClr val="EEFFFF"/>
+                </a:solidFill>
+                <a:effectLst/>
+                <a:latin typeface="빙그레 메로나체" panose="020B0503000000000000" pitchFamily="50" charset="-127"/>
+              </a:rPr>
+              <a:t> </a:t>
+            </a:r>
+            <a:r>
+              <a:rPr lang="en-US" altLang="ko-KR" b="0">
+                <a:solidFill>
+                  <a:srgbClr val="FFCB6B"/>
+                </a:solidFill>
+                <a:effectLst/>
+                <a:latin typeface="빙그레 메로나체" panose="020B0503000000000000" pitchFamily="50" charset="-127"/>
+              </a:rPr>
+              <a:t>App</a:t>
+            </a:r>
+            <a:r>
+              <a:rPr lang="en-US" altLang="ko-KR" b="0">
+                <a:solidFill>
+                  <a:srgbClr val="89DDFF"/>
+                </a:solidFill>
+                <a:effectLst/>
+                <a:latin typeface="빙그레 메로나체" panose="020B0503000000000000" pitchFamily="50" charset="-127"/>
+              </a:rPr>
+              <a:t>;</a:t>
+            </a:r>
+            <a:endParaRPr lang="en-US" altLang="ko-KR" b="0">
+              <a:solidFill>
+                <a:srgbClr val="EEFFFF"/>
+              </a:solidFill>
+              <a:effectLst/>
+              <a:latin typeface="빙그레 메로나체" panose="020B0503000000000000" pitchFamily="50" charset="-127"/>
+            </a:endParaRPr>
+          </a:p>
+        </p:txBody>
+      </p:sp>
+      <p:sp>
+        <p:nvSpPr>
+          <p:cNvPr id="16" name="TextBox 15">
+            <a:extLst>
+              <a:ext uri="{FF2B5EF4-FFF2-40B4-BE49-F238E27FC236}">
+                <a16:creationId xmlns:a16="http://schemas.microsoft.com/office/drawing/2014/main" id="{946F797A-78C0-44E0-A419-151263592016}"/>
+              </a:ext>
+            </a:extLst>
+          </p:cNvPr>
+          <p:cNvSpPr txBox="1"/>
+          <p:nvPr/>
+        </p:nvSpPr>
+        <p:spPr>
+          <a:xfrm>
+            <a:off x="2019412" y="5619718"/>
+            <a:ext cx="2559719" cy="461665"/>
+          </a:xfrm>
+          <a:prstGeom prst="rect">
+            <a:avLst/>
+          </a:prstGeom>
+        </p:spPr>
+        <p:txBody>
+          <a:bodyPr wrap="square">
+            <a:spAutoFit/>
+          </a:bodyPr>
+          <a:lstStyle/>
+          <a:p>
+            <a:pPr algn="ctr"/>
+            <a:r>
+              <a:rPr lang="en-US" altLang="ko-KR" sz="2400">
+                <a:ln>
+                  <a:solidFill>
+                    <a:schemeClr val="tx1">
+                      <a:alpha val="30000"/>
+                    </a:schemeClr>
+                  </a:solidFill>
+                </a:ln>
+                <a:latin typeface="빙그레 메로나체" panose="020B0503000000000000" pitchFamily="50" charset="-127"/>
+                <a:ea typeface="빙그레 메로나체" panose="020B0503000000000000" pitchFamily="50" charset="-127"/>
+              </a:rPr>
+              <a:t>class component</a:t>
+            </a:r>
+            <a:endParaRPr lang="ko-KR" altLang="en-US" sz="2400">
+              <a:ln>
+                <a:solidFill>
+                  <a:schemeClr val="tx1">
+                    <a:alpha val="30000"/>
+                  </a:schemeClr>
+                </a:solidFill>
+              </a:ln>
+              <a:latin typeface="빙그레 메로나체" panose="020B0503000000000000" pitchFamily="50" charset="-127"/>
+              <a:ea typeface="빙그레 메로나체" panose="020B0503000000000000" pitchFamily="50" charset="-127"/>
+            </a:endParaRPr>
+          </a:p>
+        </p:txBody>
+      </p:sp>
+      <p:sp>
+        <p:nvSpPr>
+          <p:cNvPr id="17" name="TextBox 16">
+            <a:extLst>
+              <a:ext uri="{FF2B5EF4-FFF2-40B4-BE49-F238E27FC236}">
+                <a16:creationId xmlns:a16="http://schemas.microsoft.com/office/drawing/2014/main" id="{311ED8E3-EF38-4B97-A6EB-79F49A24BB22}"/>
+              </a:ext>
+            </a:extLst>
+          </p:cNvPr>
+          <p:cNvSpPr txBox="1"/>
+          <p:nvPr/>
+        </p:nvSpPr>
+        <p:spPr>
+          <a:xfrm>
+            <a:off x="7251985" y="5619718"/>
+            <a:ext cx="3522245" cy="461665"/>
+          </a:xfrm>
+          <a:prstGeom prst="rect">
+            <a:avLst/>
+          </a:prstGeom>
+        </p:spPr>
+        <p:txBody>
+          <a:bodyPr wrap="square">
+            <a:spAutoFit/>
+          </a:bodyPr>
+          <a:lstStyle/>
+          <a:p>
+            <a:pPr algn="ctr"/>
+            <a:r>
+              <a:rPr lang="en-US" altLang="ko-KR" sz="2400">
+                <a:ln>
+                  <a:solidFill>
+                    <a:schemeClr val="tx1">
+                      <a:alpha val="30000"/>
+                    </a:schemeClr>
+                  </a:solidFill>
+                </a:ln>
+                <a:latin typeface="빙그레 메로나체" panose="020B0503000000000000" pitchFamily="50" charset="-127"/>
+                <a:ea typeface="빙그레 메로나체" panose="020B0503000000000000" pitchFamily="50" charset="-127"/>
+              </a:rPr>
+              <a:t>functional component</a:t>
+            </a:r>
+          </a:p>
+        </p:txBody>
+      </p:sp>
+      <p:sp>
+        <p:nvSpPr>
+          <p:cNvPr id="21" name="TextBox 20">
+            <a:extLst>
+              <a:ext uri="{FF2B5EF4-FFF2-40B4-BE49-F238E27FC236}">
+                <a16:creationId xmlns:a16="http://schemas.microsoft.com/office/drawing/2014/main" id="{05EF44D7-7BDB-413C-9046-0483C4DEDC69}"/>
+              </a:ext>
+            </a:extLst>
+          </p:cNvPr>
+          <p:cNvSpPr txBox="1"/>
+          <p:nvPr/>
+        </p:nvSpPr>
+        <p:spPr>
+          <a:xfrm>
+            <a:off x="610597" y="1658596"/>
+            <a:ext cx="4226098" cy="523220"/>
+          </a:xfrm>
+          <a:prstGeom prst="rect">
+            <a:avLst/>
+          </a:prstGeom>
+          <a:solidFill>
+            <a:srgbClr val="FFCCCC"/>
+          </a:solidFill>
+        </p:spPr>
+        <p:txBody>
+          <a:bodyPr wrap="square">
+            <a:spAutoFit/>
+          </a:bodyPr>
+          <a:lstStyle/>
+          <a:p>
+            <a:pPr algn="ctr"/>
+            <a:r>
+              <a:rPr lang="en-US" altLang="ko-KR" sz="2800">
+                <a:ln>
+                  <a:solidFill>
+                    <a:schemeClr val="tx1">
+                      <a:alpha val="30000"/>
+                    </a:schemeClr>
+                  </a:solidFill>
+                </a:ln>
+                <a:latin typeface="빙그레 메로나체" panose="020B0503000000000000" pitchFamily="50" charset="-127"/>
+                <a:ea typeface="빙그레 메로나체" panose="020B0503000000000000" pitchFamily="50" charset="-127"/>
+              </a:rPr>
+              <a:t>Declaration method</a:t>
+            </a:r>
+            <a:endParaRPr lang="ko-KR" altLang="en-US" sz="2800">
+              <a:ln>
+                <a:solidFill>
+                  <a:schemeClr val="tx1">
+                    <a:alpha val="30000"/>
+                  </a:schemeClr>
+                </a:solidFill>
+              </a:ln>
+              <a:latin typeface="빙그레 메로나체" panose="020B0503000000000000" pitchFamily="50" charset="-127"/>
+              <a:ea typeface="빙그레 메로나체" panose="020B0503000000000000" pitchFamily="50" charset="-127"/>
+            </a:endParaRPr>
+          </a:p>
+        </p:txBody>
+      </p:sp>
+      <p:sp>
+        <p:nvSpPr>
+          <p:cNvPr id="22" name="TextBox 21">
+            <a:extLst>
+              <a:ext uri="{FF2B5EF4-FFF2-40B4-BE49-F238E27FC236}">
+                <a16:creationId xmlns:a16="http://schemas.microsoft.com/office/drawing/2014/main" id="{B60E60E9-9A06-4733-9DD1-01067BA13439}"/>
+              </a:ext>
+            </a:extLst>
+          </p:cNvPr>
+          <p:cNvSpPr txBox="1"/>
+          <p:nvPr/>
+        </p:nvSpPr>
+        <p:spPr>
+          <a:xfrm>
+            <a:off x="582516" y="6229518"/>
+            <a:ext cx="10656712" cy="307777"/>
+          </a:xfrm>
+          <a:prstGeom prst="rect">
+            <a:avLst/>
+          </a:prstGeom>
+          <a:noFill/>
+        </p:spPr>
+        <p:txBody>
+          <a:bodyPr wrap="square">
+            <a:spAutoFit/>
+          </a:bodyPr>
+          <a:lstStyle/>
+          <a:p>
+            <a:r>
+              <a:rPr lang="en-US" altLang="ko-KR" sz="1400">
+                <a:ln>
+                  <a:solidFill>
+                    <a:schemeClr val="tx1">
+                      <a:alpha val="30000"/>
+                    </a:schemeClr>
+                  </a:solidFill>
+                </a:ln>
+                <a:latin typeface="빙그레 메로나체" panose="020B0503000000000000" pitchFamily="50" charset="-127"/>
+                <a:ea typeface="빙그레 메로나체" panose="020B0503000000000000" pitchFamily="50" charset="-127"/>
+              </a:rPr>
+              <a:t>* component : A function to create a UI according to the data given</a:t>
+            </a:r>
+          </a:p>
+        </p:txBody>
+      </p:sp>
+    </p:spTree>
+    <p:extLst>
+      <p:ext uri="{BB962C8B-B14F-4D97-AF65-F5344CB8AC3E}">
+        <p14:creationId xmlns:p14="http://schemas.microsoft.com/office/powerpoint/2010/main" val="2212106523"/>
+      </p:ext>
+    </p:extLst>
+  </p:cSld>
+  <p:clrMapOvr>
+    <a:masterClrMapping/>
+  </p:clrMapOvr>
+</p:sld>
+</file>
+
+<file path=ppt/slides/slide39.xml><?xml version="1.0" encoding="utf-8"?>
+<p:sld xmlns:a="http://schemas.openxmlformats.org/drawingml/2006/main" xmlns:r="http://schemas.openxmlformats.org/officeDocument/2006/relationships" xmlns:p="http://schemas.openxmlformats.org/presentationml/2006/main">
+  <p:cSld>
+    <p:spTree>
+      <p:nvGrpSpPr>
+        <p:cNvPr id="1" name=""/>
+        <p:cNvGrpSpPr/>
+        <p:nvPr/>
+      </p:nvGrpSpPr>
+      <p:grpSpPr>
+        <a:xfrm>
+          <a:off x="0" y="0"/>
+          <a:ext cx="0" cy="0"/>
+          <a:chOff x="0" y="0"/>
+          <a:chExt cx="0" cy="0"/>
+        </a:xfrm>
+      </p:grpSpPr>
+      <p:grpSp>
+        <p:nvGrpSpPr>
+          <p:cNvPr id="6" name="그룹 5">
+            <a:extLst>
+              <a:ext uri="{FF2B5EF4-FFF2-40B4-BE49-F238E27FC236}">
+                <a16:creationId xmlns:a16="http://schemas.microsoft.com/office/drawing/2014/main" id="{CA7BD838-D4FB-4EA7-B68C-FA7B6D147BA2}"/>
+              </a:ext>
+            </a:extLst>
+          </p:cNvPr>
+          <p:cNvGrpSpPr/>
+          <p:nvPr/>
+        </p:nvGrpSpPr>
+        <p:grpSpPr>
+          <a:xfrm>
+            <a:off x="159192" y="182880"/>
+            <a:ext cx="1852488" cy="854227"/>
+            <a:chOff x="640080" y="-971550"/>
+            <a:chExt cx="1660746" cy="765810"/>
+          </a:xfrm>
+        </p:grpSpPr>
+        <p:sp>
+          <p:nvSpPr>
+            <p:cNvPr id="18" name="TextBox 17">
+              <a:extLst>
+                <a:ext uri="{FF2B5EF4-FFF2-40B4-BE49-F238E27FC236}">
+                  <a16:creationId xmlns:a16="http://schemas.microsoft.com/office/drawing/2014/main" id="{D7B7EE40-BAD9-4569-9BF6-F6E9ACA78A3C}"/>
+                </a:ext>
+              </a:extLst>
+            </p:cNvPr>
+            <p:cNvSpPr txBox="1"/>
+            <p:nvPr/>
+          </p:nvSpPr>
+          <p:spPr>
+            <a:xfrm>
+              <a:off x="683325" y="-770703"/>
+              <a:ext cx="1576513" cy="358697"/>
+            </a:xfrm>
+            <a:prstGeom prst="rect">
+              <a:avLst/>
+            </a:prstGeom>
+            <a:noFill/>
+          </p:spPr>
+          <p:txBody>
+            <a:bodyPr wrap="square" rtlCol="0" anchor="ctr">
+              <a:spAutoFit/>
+            </a:bodyPr>
+            <a:lstStyle/>
+            <a:p>
+              <a:pPr algn="ctr"/>
+              <a:r>
+                <a:rPr lang="en-US" altLang="ko-KR" sz="2000">
+                  <a:ln>
+                    <a:solidFill>
+                      <a:schemeClr val="tx1">
+                        <a:alpha val="30000"/>
+                      </a:schemeClr>
+                    </a:solidFill>
+                  </a:ln>
+                  <a:latin typeface="빙그레 메로나체" panose="020B0503000000000000" pitchFamily="50" charset="-127"/>
+                  <a:ea typeface="빙그레 메로나체" panose="020B0503000000000000" pitchFamily="50" charset="-127"/>
+                </a:rPr>
+                <a:t>React</a:t>
+              </a:r>
+            </a:p>
+          </p:txBody>
+        </p:sp>
+        <p:sp>
+          <p:nvSpPr>
+            <p:cNvPr id="5" name="직사각형 4">
+              <a:extLst>
+                <a:ext uri="{FF2B5EF4-FFF2-40B4-BE49-F238E27FC236}">
+                  <a16:creationId xmlns:a16="http://schemas.microsoft.com/office/drawing/2014/main" id="{AB4C8245-D0E4-4D79-B3E9-2FB89CE6FE84}"/>
+                </a:ext>
+              </a:extLst>
+            </p:cNvPr>
+            <p:cNvSpPr/>
+            <p:nvPr/>
+          </p:nvSpPr>
+          <p:spPr>
+            <a:xfrm>
+              <a:off x="640080" y="-971550"/>
+              <a:ext cx="1660746" cy="765810"/>
+            </a:xfrm>
+            <a:prstGeom prst="rect">
+              <a:avLst/>
+            </a:prstGeom>
+            <a:noFill/>
+            <a:ln w="25400">
+              <a:solidFill>
+                <a:schemeClr val="tx1"/>
+              </a:solidFill>
+            </a:ln>
+          </p:spPr>
+          <p:style>
+            <a:lnRef idx="2">
+              <a:schemeClr val="accent1">
+                <a:shade val="50000"/>
+              </a:schemeClr>
+            </a:lnRef>
+            <a:fillRef idx="1">
+              <a:schemeClr val="accent1"/>
+            </a:fillRef>
+            <a:effectRef idx="0">
+              <a:schemeClr val="accent1"/>
+            </a:effectRef>
+            <a:fontRef idx="minor">
+              <a:schemeClr val="lt1"/>
+            </a:fontRef>
+          </p:style>
+          <p:txBody>
+            <a:bodyPr rtlCol="0" anchor="ctr"/>
+            <a:lstStyle/>
+            <a:p>
+              <a:pPr algn="ctr"/>
+              <a:endParaRPr lang="ko-KR" altLang="en-US">
+                <a:latin typeface="빙그레 메로나체" panose="020B0503000000000000" pitchFamily="50" charset="-127"/>
+                <a:ea typeface="빙그레 메로나체" panose="020B0503000000000000" pitchFamily="50" charset="-127"/>
+              </a:endParaRPr>
+            </a:p>
+          </p:txBody>
+        </p:sp>
+      </p:grpSp>
+      <p:sp>
+        <p:nvSpPr>
+          <p:cNvPr id="30" name="TextBox 29">
+            <a:extLst>
+              <a:ext uri="{FF2B5EF4-FFF2-40B4-BE49-F238E27FC236}">
+                <a16:creationId xmlns:a16="http://schemas.microsoft.com/office/drawing/2014/main" id="{706566D1-60CB-4C10-9859-0656D082B2B7}"/>
+              </a:ext>
+            </a:extLst>
+          </p:cNvPr>
+          <p:cNvSpPr txBox="1"/>
+          <p:nvPr/>
+        </p:nvSpPr>
+        <p:spPr>
+          <a:xfrm>
+            <a:off x="2497154" y="414543"/>
+            <a:ext cx="4132245" cy="369332"/>
+          </a:xfrm>
+          <a:prstGeom prst="rect">
+            <a:avLst/>
+          </a:prstGeom>
+          <a:noFill/>
+          <a:ln>
+            <a:noFill/>
+          </a:ln>
+        </p:spPr>
+        <p:txBody>
+          <a:bodyPr wrap="square" rtlCol="0">
+            <a:spAutoFit/>
+          </a:bodyPr>
+          <a:lstStyle/>
+          <a:p>
+            <a:r>
+              <a:rPr lang="en-US" altLang="ko-KR">
+                <a:ln>
+                  <a:solidFill>
+                    <a:schemeClr val="tx1">
+                      <a:alpha val="30000"/>
+                    </a:schemeClr>
+                  </a:solidFill>
+                </a:ln>
+                <a:latin typeface="빙그레 메로나체" panose="020B0503000000000000" pitchFamily="50" charset="-127"/>
+                <a:ea typeface="빙그레 메로나체" panose="020B0503000000000000" pitchFamily="50" charset="-127"/>
+              </a:rPr>
+              <a:t>class component, function component</a:t>
+            </a:r>
+          </a:p>
+        </p:txBody>
+      </p:sp>
+      <p:sp>
+        <p:nvSpPr>
+          <p:cNvPr id="10" name="슬라이드 번호 개체 틀 9">
+            <a:extLst>
+              <a:ext uri="{FF2B5EF4-FFF2-40B4-BE49-F238E27FC236}">
+                <a16:creationId xmlns:a16="http://schemas.microsoft.com/office/drawing/2014/main" id="{6F1C1DC9-3B79-47A0-95A5-B5A14A6B4906}"/>
+              </a:ext>
+            </a:extLst>
+          </p:cNvPr>
+          <p:cNvSpPr>
+            <a:spLocks noGrp="1"/>
+          </p:cNvSpPr>
+          <p:nvPr>
+            <p:ph type="sldNum" sz="quarter" idx="12"/>
+          </p:nvPr>
+        </p:nvSpPr>
+        <p:spPr/>
+        <p:txBody>
+          <a:bodyPr/>
+          <a:lstStyle/>
+          <a:p>
+            <a:pPr algn="ctr"/>
+            <a:fld id="{4AE1E1EF-90A0-4171-8CF9-B3BC5042A8FC}" type="slidenum">
+              <a:rPr lang="ko-KR" altLang="en-US" smtClean="0"/>
+              <a:pPr algn="ctr"/>
+              <a:t>39</a:t>
+            </a:fld>
+            <a:endParaRPr lang="ko-KR" altLang="en-US"/>
+          </a:p>
+        </p:txBody>
+      </p:sp>
+      <p:sp>
+        <p:nvSpPr>
+          <p:cNvPr id="21" name="TextBox 20">
+            <a:extLst>
+              <a:ext uri="{FF2B5EF4-FFF2-40B4-BE49-F238E27FC236}">
+                <a16:creationId xmlns:a16="http://schemas.microsoft.com/office/drawing/2014/main" id="{05EF44D7-7BDB-413C-9046-0483C4DEDC69}"/>
+              </a:ext>
+            </a:extLst>
+          </p:cNvPr>
+          <p:cNvSpPr txBox="1"/>
+          <p:nvPr/>
+        </p:nvSpPr>
+        <p:spPr>
+          <a:xfrm>
+            <a:off x="610597" y="1658596"/>
+            <a:ext cx="4226098" cy="523220"/>
+          </a:xfrm>
+          <a:prstGeom prst="rect">
+            <a:avLst/>
+          </a:prstGeom>
+          <a:solidFill>
+            <a:srgbClr val="FFCCCC"/>
+          </a:solidFill>
+        </p:spPr>
+        <p:txBody>
+          <a:bodyPr wrap="square">
+            <a:spAutoFit/>
+          </a:bodyPr>
+          <a:lstStyle/>
+          <a:p>
+            <a:pPr algn="ctr"/>
+            <a:r>
+              <a:rPr lang="en-US" altLang="ko-KR" sz="2800">
+                <a:ln>
+                  <a:solidFill>
+                    <a:schemeClr val="tx1">
+                      <a:alpha val="30000"/>
+                    </a:schemeClr>
+                  </a:solidFill>
+                </a:ln>
+                <a:latin typeface="빙그레 메로나체" panose="020B0503000000000000" pitchFamily="50" charset="-127"/>
+                <a:ea typeface="빙그레 메로나체" panose="020B0503000000000000" pitchFamily="50" charset="-127"/>
+              </a:rPr>
+              <a:t>General difference</a:t>
+            </a:r>
+            <a:endParaRPr lang="ko-KR" altLang="en-US" sz="2800">
+              <a:ln>
+                <a:solidFill>
+                  <a:schemeClr val="tx1">
+                    <a:alpha val="30000"/>
+                  </a:schemeClr>
+                </a:solidFill>
+              </a:ln>
+              <a:latin typeface="빙그레 메로나체" panose="020B0503000000000000" pitchFamily="50" charset="-127"/>
+              <a:ea typeface="빙그레 메로나체" panose="020B0503000000000000" pitchFamily="50" charset="-127"/>
+            </a:endParaRPr>
+          </a:p>
+        </p:txBody>
+      </p:sp>
+      <p:sp>
+        <p:nvSpPr>
+          <p:cNvPr id="4" name="사각형: 둥근 모서리 3">
+            <a:extLst>
+              <a:ext uri="{FF2B5EF4-FFF2-40B4-BE49-F238E27FC236}">
+                <a16:creationId xmlns:a16="http://schemas.microsoft.com/office/drawing/2014/main" id="{245D727B-8426-4733-9A0F-80517D9FD24D}"/>
+              </a:ext>
+            </a:extLst>
+          </p:cNvPr>
+          <p:cNvSpPr/>
+          <p:nvPr/>
+        </p:nvSpPr>
+        <p:spPr>
+          <a:xfrm>
+            <a:off x="2769402" y="2703898"/>
+            <a:ext cx="6059638" cy="782052"/>
+          </a:xfrm>
+          <a:prstGeom prst="roundRect">
+            <a:avLst/>
+          </a:prstGeom>
+          <a:solidFill>
+            <a:srgbClr val="FFCCCC">
+              <a:alpha val="50196"/>
+            </a:srgbClr>
+          </a:solidFill>
+          <a:ln>
+            <a:noFill/>
+          </a:ln>
+        </p:spPr>
+        <p:style>
+          <a:lnRef idx="2">
+            <a:schemeClr val="accent1">
+              <a:shade val="50000"/>
+            </a:schemeClr>
+          </a:lnRef>
+          <a:fillRef idx="1">
+            <a:schemeClr val="accent1"/>
+          </a:fillRef>
+          <a:effectRef idx="0">
+            <a:schemeClr val="accent1"/>
+          </a:effectRef>
+          <a:fontRef idx="minor">
+            <a:schemeClr val="lt1"/>
+          </a:fontRef>
+        </p:style>
+        <p:txBody>
+          <a:bodyPr rtlCol="0" anchor="ctr"/>
+          <a:lstStyle/>
+          <a:p>
+            <a:pPr algn="ctr"/>
+            <a:r>
+              <a:rPr lang="en-US" altLang="ko-KR" sz="2800">
+                <a:solidFill>
+                  <a:sysClr val="windowText" lastClr="000000"/>
+                </a:solidFill>
+                <a:latin typeface="빙그레 메로나체" panose="020B0503000000000000" pitchFamily="50" charset="-127"/>
+                <a:ea typeface="빙그레 메로나체" panose="020B0503000000000000" pitchFamily="50" charset="-127"/>
+              </a:rPr>
+              <a:t>state,</a:t>
+            </a:r>
+            <a:r>
+              <a:rPr lang="ko-KR" altLang="en-US" sz="2800">
+                <a:solidFill>
+                  <a:sysClr val="windowText" lastClr="000000"/>
+                </a:solidFill>
+                <a:latin typeface="빙그레 메로나체" panose="020B0503000000000000" pitchFamily="50" charset="-127"/>
+                <a:ea typeface="빙그레 메로나체" panose="020B0503000000000000" pitchFamily="50" charset="-127"/>
+              </a:rPr>
+              <a:t> </a:t>
+            </a:r>
+            <a:r>
+              <a:rPr lang="en-US" altLang="ko-KR" sz="2800">
+                <a:solidFill>
+                  <a:sysClr val="windowText" lastClr="000000"/>
+                </a:solidFill>
+                <a:latin typeface="빙그레 메로나체" panose="020B0503000000000000" pitchFamily="50" charset="-127"/>
+                <a:ea typeface="빙그레 메로나체" panose="020B0503000000000000" pitchFamily="50" charset="-127"/>
+              </a:rPr>
+              <a:t>lifeCycle</a:t>
+            </a:r>
+            <a:endParaRPr lang="ko-KR" altLang="en-US" sz="2800">
+              <a:solidFill>
+                <a:sysClr val="windowText" lastClr="000000"/>
+              </a:solidFill>
+              <a:latin typeface="빙그레 메로나체" panose="020B0503000000000000" pitchFamily="50" charset="-127"/>
+              <a:ea typeface="빙그레 메로나체" panose="020B0503000000000000" pitchFamily="50" charset="-127"/>
+            </a:endParaRPr>
+          </a:p>
+        </p:txBody>
+      </p:sp>
+      <p:sp>
+        <p:nvSpPr>
+          <p:cNvPr id="19" name="사각형: 둥근 모서리 18">
+            <a:extLst>
+              <a:ext uri="{FF2B5EF4-FFF2-40B4-BE49-F238E27FC236}">
+                <a16:creationId xmlns:a16="http://schemas.microsoft.com/office/drawing/2014/main" id="{3A5B00DD-3672-472C-9968-E83153614929}"/>
+              </a:ext>
+            </a:extLst>
+          </p:cNvPr>
+          <p:cNvSpPr/>
+          <p:nvPr/>
+        </p:nvSpPr>
+        <p:spPr>
+          <a:xfrm>
+            <a:off x="2769402" y="3860846"/>
+            <a:ext cx="6059638" cy="782052"/>
+          </a:xfrm>
+          <a:prstGeom prst="roundRect">
+            <a:avLst/>
+          </a:prstGeom>
+          <a:solidFill>
+            <a:srgbClr val="FFCCCC">
+              <a:alpha val="50196"/>
+            </a:srgbClr>
+          </a:solidFill>
+          <a:ln>
+            <a:noFill/>
+          </a:ln>
+        </p:spPr>
+        <p:style>
+          <a:lnRef idx="2">
+            <a:schemeClr val="accent1">
+              <a:shade val="50000"/>
+            </a:schemeClr>
+          </a:lnRef>
+          <a:fillRef idx="1">
+            <a:schemeClr val="accent1"/>
+          </a:fillRef>
+          <a:effectRef idx="0">
+            <a:schemeClr val="accent1"/>
+          </a:effectRef>
+          <a:fontRef idx="minor">
+            <a:schemeClr val="lt1"/>
+          </a:fontRef>
+        </p:style>
+        <p:txBody>
+          <a:bodyPr rtlCol="0" anchor="ctr"/>
+          <a:lstStyle/>
+          <a:p>
+            <a:pPr algn="ctr"/>
+            <a:r>
+              <a:rPr lang="en-US" altLang="ko-KR" sz="2800">
+                <a:solidFill>
+                  <a:sysClr val="windowText" lastClr="000000"/>
+                </a:solidFill>
+                <a:latin typeface="빙그레 메로나체" panose="020B0503000000000000" pitchFamily="50" charset="-127"/>
+                <a:ea typeface="빙그레 메로나체" panose="020B0503000000000000" pitchFamily="50" charset="-127"/>
+              </a:rPr>
+              <a:t>memory source</a:t>
+            </a:r>
+            <a:endParaRPr lang="ko-KR" altLang="en-US" sz="2800">
+              <a:solidFill>
+                <a:sysClr val="windowText" lastClr="000000"/>
+              </a:solidFill>
+              <a:latin typeface="빙그레 메로나체" panose="020B0503000000000000" pitchFamily="50" charset="-127"/>
+              <a:ea typeface="빙그레 메로나체" panose="020B0503000000000000" pitchFamily="50" charset="-127"/>
+            </a:endParaRPr>
+          </a:p>
+        </p:txBody>
+      </p:sp>
+      <p:sp>
+        <p:nvSpPr>
+          <p:cNvPr id="20" name="사각형: 둥근 모서리 19">
+            <a:extLst>
+              <a:ext uri="{FF2B5EF4-FFF2-40B4-BE49-F238E27FC236}">
+                <a16:creationId xmlns:a16="http://schemas.microsoft.com/office/drawing/2014/main" id="{512BD13B-A5A3-4043-AC40-3BD677F1AA53}"/>
+              </a:ext>
+            </a:extLst>
+          </p:cNvPr>
+          <p:cNvSpPr/>
+          <p:nvPr/>
+        </p:nvSpPr>
+        <p:spPr>
+          <a:xfrm>
+            <a:off x="2769402" y="5017794"/>
+            <a:ext cx="6059638" cy="782052"/>
+          </a:xfrm>
+          <a:prstGeom prst="roundRect">
+            <a:avLst/>
+          </a:prstGeom>
+          <a:solidFill>
+            <a:srgbClr val="FFCCCC">
+              <a:alpha val="50196"/>
+            </a:srgbClr>
+          </a:solidFill>
+          <a:ln>
+            <a:noFill/>
+          </a:ln>
+        </p:spPr>
+        <p:style>
+          <a:lnRef idx="2">
+            <a:schemeClr val="accent1">
+              <a:shade val="50000"/>
+            </a:schemeClr>
+          </a:lnRef>
+          <a:fillRef idx="1">
+            <a:schemeClr val="accent1"/>
+          </a:fillRef>
+          <a:effectRef idx="0">
+            <a:schemeClr val="accent1"/>
+          </a:effectRef>
+          <a:fontRef idx="minor">
+            <a:schemeClr val="lt1"/>
+          </a:fontRef>
+        </p:style>
+        <p:txBody>
+          <a:bodyPr rtlCol="0" anchor="ctr"/>
+          <a:lstStyle/>
+          <a:p>
+            <a:pPr algn="ctr"/>
+            <a:r>
+              <a:rPr lang="en-US" altLang="ko-KR" sz="2800">
+                <a:solidFill>
+                  <a:sysClr val="windowText" lastClr="000000"/>
+                </a:solidFill>
+                <a:latin typeface="빙그레 메로나체" panose="020B0503000000000000" pitchFamily="50" charset="-127"/>
+                <a:ea typeface="빙그레 메로나체" panose="020B0503000000000000" pitchFamily="50" charset="-127"/>
+              </a:rPr>
+              <a:t>state,</a:t>
+            </a:r>
+            <a:r>
+              <a:rPr lang="ko-KR" altLang="en-US" sz="2800">
+                <a:solidFill>
+                  <a:sysClr val="windowText" lastClr="000000"/>
+                </a:solidFill>
+                <a:latin typeface="빙그레 메로나체" panose="020B0503000000000000" pitchFamily="50" charset="-127"/>
+                <a:ea typeface="빙그레 메로나체" panose="020B0503000000000000" pitchFamily="50" charset="-127"/>
+              </a:rPr>
+              <a:t> </a:t>
+            </a:r>
+            <a:r>
+              <a:rPr lang="en-US" altLang="ko-KR" sz="2800">
+                <a:solidFill>
+                  <a:sysClr val="windowText" lastClr="000000"/>
+                </a:solidFill>
+                <a:latin typeface="빙그레 메로나체" panose="020B0503000000000000" pitchFamily="50" charset="-127"/>
+                <a:ea typeface="빙그레 메로나체" panose="020B0503000000000000" pitchFamily="50" charset="-127"/>
+              </a:rPr>
+              <a:t>props,</a:t>
+            </a:r>
+            <a:r>
+              <a:rPr lang="ko-KR" altLang="en-US" sz="2800">
+                <a:solidFill>
+                  <a:sysClr val="windowText" lastClr="000000"/>
+                </a:solidFill>
+                <a:latin typeface="빙그레 메로나체" panose="020B0503000000000000" pitchFamily="50" charset="-127"/>
+                <a:ea typeface="빙그레 메로나체" panose="020B0503000000000000" pitchFamily="50" charset="-127"/>
+              </a:rPr>
+              <a:t> </a:t>
+            </a:r>
+            <a:r>
+              <a:rPr lang="en-US" altLang="ko-KR" sz="2800">
+                <a:solidFill>
+                  <a:sysClr val="windowText" lastClr="000000"/>
+                </a:solidFill>
+                <a:latin typeface="빙그레 메로나체" panose="020B0503000000000000" pitchFamily="50" charset="-127"/>
+                <a:ea typeface="빙그레 메로나체" panose="020B0503000000000000" pitchFamily="50" charset="-127"/>
+              </a:rPr>
+              <a:t>event handling</a:t>
+            </a:r>
+            <a:endParaRPr lang="ko-KR" altLang="en-US" sz="2800">
+              <a:solidFill>
+                <a:sysClr val="windowText" lastClr="000000"/>
+              </a:solidFill>
+              <a:latin typeface="빙그레 메로나체" panose="020B0503000000000000" pitchFamily="50" charset="-127"/>
+              <a:ea typeface="빙그레 메로나체" panose="020B0503000000000000" pitchFamily="50" charset="-127"/>
+            </a:endParaRPr>
+          </a:p>
+        </p:txBody>
+      </p:sp>
+      <p:sp>
+        <p:nvSpPr>
+          <p:cNvPr id="22" name="TextBox 21">
+            <a:extLst>
+              <a:ext uri="{FF2B5EF4-FFF2-40B4-BE49-F238E27FC236}">
+                <a16:creationId xmlns:a16="http://schemas.microsoft.com/office/drawing/2014/main" id="{F4EFB0EE-C44B-4C5C-9483-FAEB550954EB}"/>
+              </a:ext>
+            </a:extLst>
+          </p:cNvPr>
+          <p:cNvSpPr txBox="1"/>
+          <p:nvPr/>
+        </p:nvSpPr>
+        <p:spPr>
+          <a:xfrm>
+            <a:off x="582516" y="6127918"/>
+            <a:ext cx="10656712" cy="307777"/>
+          </a:xfrm>
+          <a:prstGeom prst="rect">
+            <a:avLst/>
+          </a:prstGeom>
+          <a:noFill/>
+        </p:spPr>
+        <p:txBody>
+          <a:bodyPr wrap="square">
+            <a:spAutoFit/>
+          </a:bodyPr>
+          <a:lstStyle/>
+          <a:p>
+            <a:r>
+              <a:rPr lang="en-US" altLang="ko-KR" sz="1400">
+                <a:ln>
+                  <a:solidFill>
+                    <a:schemeClr val="tx1">
+                      <a:alpha val="30000"/>
+                    </a:schemeClr>
+                  </a:solidFill>
+                </a:ln>
+                <a:latin typeface="빙그레 메로나체" panose="020B0503000000000000" pitchFamily="50" charset="-127"/>
+                <a:ea typeface="빙그레 메로나체" panose="020B0503000000000000" pitchFamily="50" charset="-127"/>
+              </a:rPr>
+              <a:t>* props : Used to pass data from parent component to child component</a:t>
+            </a:r>
+          </a:p>
+        </p:txBody>
+      </p:sp>
+    </p:spTree>
+    <p:extLst>
+      <p:ext uri="{BB962C8B-B14F-4D97-AF65-F5344CB8AC3E}">
+        <p14:creationId xmlns:p14="http://schemas.microsoft.com/office/powerpoint/2010/main" val="2650913108"/>
+      </p:ext>
+    </p:extLst>
+  </p:cSld>
+  <p:clrMapOvr>
+    <a:masterClrMapping/>
+  </p:clrMapOvr>
+</p:sld>
+</file>
+
+<file path=ppt/slides/slide4.xml><?xml version="1.0" encoding="utf-8"?>
+<p:sld xmlns:a="http://schemas.openxmlformats.org/drawingml/2006/main" xmlns:r="http://schemas.openxmlformats.org/officeDocument/2006/relationships" xmlns:p="http://schemas.openxmlformats.org/presentationml/2006/main">
+  <p:cSld>
+    <p:spTree>
+      <p:nvGrpSpPr>
+        <p:cNvPr id="1" name=""/>
+        <p:cNvGrpSpPr/>
+        <p:nvPr/>
+      </p:nvGrpSpPr>
+      <p:grpSpPr>
+        <a:xfrm>
+          <a:off x="0" y="0"/>
+          <a:ext cx="0" cy="0"/>
+          <a:chOff x="0" y="0"/>
+          <a:chExt cx="0" cy="0"/>
+        </a:xfrm>
+      </p:grpSpPr>
+      <p:grpSp>
+        <p:nvGrpSpPr>
+          <p:cNvPr id="6" name="그룹 5">
+            <a:extLst>
+              <a:ext uri="{FF2B5EF4-FFF2-40B4-BE49-F238E27FC236}">
+                <a16:creationId xmlns:a16="http://schemas.microsoft.com/office/drawing/2014/main" id="{CA7BD838-D4FB-4EA7-B68C-FA7B6D147BA2}"/>
+              </a:ext>
+            </a:extLst>
+          </p:cNvPr>
+          <p:cNvGrpSpPr/>
+          <p:nvPr/>
+        </p:nvGrpSpPr>
+        <p:grpSpPr>
+          <a:xfrm>
+            <a:off x="159192" y="182880"/>
+            <a:ext cx="1852488" cy="854227"/>
+            <a:chOff x="640080" y="-971550"/>
+            <a:chExt cx="1660746" cy="765810"/>
+          </a:xfrm>
+        </p:grpSpPr>
+        <p:sp>
+          <p:nvSpPr>
+            <p:cNvPr id="18" name="TextBox 17">
+              <a:extLst>
+                <a:ext uri="{FF2B5EF4-FFF2-40B4-BE49-F238E27FC236}">
+                  <a16:creationId xmlns:a16="http://schemas.microsoft.com/office/drawing/2014/main" id="{D7B7EE40-BAD9-4569-9BF6-F6E9ACA78A3C}"/>
+                </a:ext>
+              </a:extLst>
+            </p:cNvPr>
+            <p:cNvSpPr txBox="1"/>
+            <p:nvPr/>
+          </p:nvSpPr>
+          <p:spPr>
+            <a:xfrm>
+              <a:off x="683325" y="-770703"/>
+              <a:ext cx="1576513" cy="358697"/>
+            </a:xfrm>
+            <a:prstGeom prst="rect">
+              <a:avLst/>
+            </a:prstGeom>
+            <a:noFill/>
+          </p:spPr>
+          <p:txBody>
+            <a:bodyPr wrap="square" rtlCol="0" anchor="ctr">
+              <a:spAutoFit/>
+            </a:bodyPr>
+            <a:lstStyle/>
+            <a:p>
+              <a:pPr algn="ctr"/>
+              <a:r>
+                <a:rPr lang="en-US" altLang="ko-KR" sz="2000">
+                  <a:ln>
+                    <a:solidFill>
+                      <a:schemeClr val="tx1">
+                        <a:alpha val="30000"/>
+                      </a:schemeClr>
+                    </a:solidFill>
+                  </a:ln>
+                  <a:latin typeface="빙그레 메로나체" panose="020B0503000000000000" pitchFamily="50" charset="-127"/>
+                  <a:ea typeface="빙그레 메로나체" panose="020B0503000000000000" pitchFamily="50" charset="-127"/>
+                </a:rPr>
+                <a:t>React</a:t>
+              </a:r>
+            </a:p>
+          </p:txBody>
+        </p:sp>
+        <p:sp>
+          <p:nvSpPr>
+            <p:cNvPr id="5" name="직사각형 4">
+              <a:extLst>
+                <a:ext uri="{FF2B5EF4-FFF2-40B4-BE49-F238E27FC236}">
+                  <a16:creationId xmlns:a16="http://schemas.microsoft.com/office/drawing/2014/main" id="{AB4C8245-D0E4-4D79-B3E9-2FB89CE6FE84}"/>
+                </a:ext>
+              </a:extLst>
+            </p:cNvPr>
+            <p:cNvSpPr/>
+            <p:nvPr/>
+          </p:nvSpPr>
+          <p:spPr>
+            <a:xfrm>
+              <a:off x="640080" y="-971550"/>
+              <a:ext cx="1660746" cy="765810"/>
+            </a:xfrm>
+            <a:prstGeom prst="rect">
+              <a:avLst/>
+            </a:prstGeom>
+            <a:noFill/>
+            <a:ln w="25400">
+              <a:solidFill>
+                <a:schemeClr val="tx1"/>
+              </a:solidFill>
+            </a:ln>
+          </p:spPr>
+          <p:style>
+            <a:lnRef idx="2">
+              <a:schemeClr val="accent1">
+                <a:shade val="50000"/>
+              </a:schemeClr>
+            </a:lnRef>
+            <a:fillRef idx="1">
+              <a:schemeClr val="accent1"/>
+            </a:fillRef>
+            <a:effectRef idx="0">
+              <a:schemeClr val="accent1"/>
+            </a:effectRef>
+            <a:fontRef idx="minor">
+              <a:schemeClr val="lt1"/>
+            </a:fontRef>
+          </p:style>
+          <p:txBody>
+            <a:bodyPr rtlCol="0" anchor="ctr"/>
+            <a:lstStyle/>
+            <a:p>
+              <a:pPr algn="ctr"/>
+              <a:endParaRPr lang="ko-KR" altLang="en-US">
+                <a:latin typeface="빙그레 메로나체" panose="020B0503000000000000" pitchFamily="50" charset="-127"/>
+                <a:ea typeface="빙그레 메로나체" panose="020B0503000000000000" pitchFamily="50" charset="-127"/>
+              </a:endParaRPr>
+            </a:p>
+          </p:txBody>
+        </p:sp>
+      </p:grpSp>
+      <p:sp>
+        <p:nvSpPr>
+          <p:cNvPr id="30" name="TextBox 29">
+            <a:extLst>
+              <a:ext uri="{FF2B5EF4-FFF2-40B4-BE49-F238E27FC236}">
+                <a16:creationId xmlns:a16="http://schemas.microsoft.com/office/drawing/2014/main" id="{706566D1-60CB-4C10-9859-0656D082B2B7}"/>
+              </a:ext>
+            </a:extLst>
+          </p:cNvPr>
+          <p:cNvSpPr txBox="1"/>
+          <p:nvPr/>
+        </p:nvSpPr>
+        <p:spPr>
+          <a:xfrm>
             <a:off x="2388870" y="422305"/>
             <a:ext cx="3326130" cy="369332"/>
           </a:xfrm>
@@ -36092,6 +38577,204 @@
     <p:extLst>
       <p:ext uri="{BB962C8B-B14F-4D97-AF65-F5344CB8AC3E}">
         <p14:creationId xmlns:p14="http://schemas.microsoft.com/office/powerpoint/2010/main" val="3007783644"/>
+      </p:ext>
+    </p:extLst>
+  </p:cSld>
+  <p:clrMapOvr>
+    <a:masterClrMapping/>
+  </p:clrMapOvr>
+</p:sld>
+</file>
+
+<file path=ppt/slides/slide40.xml><?xml version="1.0" encoding="utf-8"?>
+<p:sld xmlns:a="http://schemas.openxmlformats.org/drawingml/2006/main" xmlns:r="http://schemas.openxmlformats.org/officeDocument/2006/relationships" xmlns:p="http://schemas.openxmlformats.org/presentationml/2006/main">
+  <p:cSld>
+    <p:spTree>
+      <p:nvGrpSpPr>
+        <p:cNvPr id="1" name=""/>
+        <p:cNvGrpSpPr/>
+        <p:nvPr/>
+      </p:nvGrpSpPr>
+      <p:grpSpPr>
+        <a:xfrm>
+          <a:off x="0" y="0"/>
+          <a:ext cx="0" cy="0"/>
+          <a:chOff x="0" y="0"/>
+          <a:chExt cx="0" cy="0"/>
+        </a:xfrm>
+      </p:grpSpPr>
+      <p:sp>
+        <p:nvSpPr>
+          <p:cNvPr id="2" name="TextBox 1">
+            <a:extLst>
+              <a:ext uri="{FF2B5EF4-FFF2-40B4-BE49-F238E27FC236}">
+                <a16:creationId xmlns:a16="http://schemas.microsoft.com/office/drawing/2014/main" id="{8C8FCD74-879C-42EB-8E54-8521F532144E}"/>
+              </a:ext>
+            </a:extLst>
+          </p:cNvPr>
+          <p:cNvSpPr txBox="1"/>
+          <p:nvPr/>
+        </p:nvSpPr>
+        <p:spPr>
+          <a:xfrm>
+            <a:off x="4625886" y="2693849"/>
+            <a:ext cx="2824171" cy="769441"/>
+          </a:xfrm>
+          <a:prstGeom prst="rect">
+            <a:avLst/>
+          </a:prstGeom>
+          <a:noFill/>
+        </p:spPr>
+        <p:txBody>
+          <a:bodyPr wrap="none" rtlCol="0">
+            <a:spAutoFit/>
+          </a:bodyPr>
+          <a:lstStyle/>
+          <a:p>
+            <a:r>
+              <a:rPr lang="en-US" altLang="ko-KR" sz="4400">
+                <a:latin typeface="배달의민족 주아" panose="02020603020101020101" pitchFamily="18" charset="-127"/>
+                <a:ea typeface="배달의민족 주아" panose="02020603020101020101" pitchFamily="18" charset="-127"/>
+              </a:rPr>
+              <a:t>Thank you </a:t>
+            </a:r>
+            <a:endParaRPr lang="ko-KR" altLang="en-US" sz="4400">
+              <a:latin typeface="배달의민족 주아" panose="02020603020101020101" pitchFamily="18" charset="-127"/>
+              <a:ea typeface="배달의민족 주아" panose="02020603020101020101" pitchFamily="18" charset="-127"/>
+            </a:endParaRPr>
+          </a:p>
+        </p:txBody>
+      </p:sp>
+      <p:sp>
+        <p:nvSpPr>
+          <p:cNvPr id="6" name="슬라이드 번호 개체 틀 5">
+            <a:extLst>
+              <a:ext uri="{FF2B5EF4-FFF2-40B4-BE49-F238E27FC236}">
+                <a16:creationId xmlns:a16="http://schemas.microsoft.com/office/drawing/2014/main" id="{60BB1EEC-2CE0-4A53-94FF-AB309AB632BB}"/>
+              </a:ext>
+            </a:extLst>
+          </p:cNvPr>
+          <p:cNvSpPr>
+            <a:spLocks noGrp="1"/>
+          </p:cNvSpPr>
+          <p:nvPr>
+            <p:ph type="sldNum" sz="quarter" idx="12"/>
+          </p:nvPr>
+        </p:nvSpPr>
+        <p:spPr/>
+        <p:txBody>
+          <a:bodyPr/>
+          <a:lstStyle/>
+          <a:p>
+            <a:pPr algn="ctr"/>
+            <a:fld id="{4AE1E1EF-90A0-4171-8CF9-B3BC5042A8FC}" type="slidenum">
+              <a:rPr lang="ko-KR" altLang="en-US" smtClean="0"/>
+              <a:pPr algn="ctr"/>
+              <a:t>40</a:t>
+            </a:fld>
+            <a:endParaRPr lang="ko-KR" altLang="en-US"/>
+          </a:p>
+        </p:txBody>
+      </p:sp>
+      <p:sp>
+        <p:nvSpPr>
+          <p:cNvPr id="7" name="TextBox 6">
+            <a:extLst>
+              <a:ext uri="{FF2B5EF4-FFF2-40B4-BE49-F238E27FC236}">
+                <a16:creationId xmlns:a16="http://schemas.microsoft.com/office/drawing/2014/main" id="{187BCD44-0BE8-4084-A9EE-E0E118B2044A}"/>
+              </a:ext>
+            </a:extLst>
+          </p:cNvPr>
+          <p:cNvSpPr txBox="1"/>
+          <p:nvPr/>
+        </p:nvSpPr>
+        <p:spPr>
+          <a:xfrm>
+            <a:off x="582516" y="6127918"/>
+            <a:ext cx="10656712" cy="307777"/>
+          </a:xfrm>
+          <a:prstGeom prst="rect">
+            <a:avLst/>
+          </a:prstGeom>
+          <a:noFill/>
+        </p:spPr>
+        <p:txBody>
+          <a:bodyPr wrap="square">
+            <a:spAutoFit/>
+          </a:bodyPr>
+          <a:lstStyle/>
+          <a:p>
+            <a:r>
+              <a:rPr lang="en-US" altLang="ko-KR" sz="1400">
+                <a:ln>
+                  <a:solidFill>
+                    <a:schemeClr val="tx1">
+                      <a:alpha val="30000"/>
+                    </a:schemeClr>
+                  </a:solidFill>
+                </a:ln>
+                <a:latin typeface="빙그레 메로나체" panose="020B0503000000000000" pitchFamily="50" charset="-127"/>
+                <a:ea typeface="빙그레 메로나체" panose="020B0503000000000000" pitchFamily="50" charset="-127"/>
+              </a:rPr>
+              <a:t>* expression : any valid set of literals, variables, operators, and expressions that evaluates to a single value.</a:t>
+            </a:r>
+          </a:p>
+        </p:txBody>
+      </p:sp>
+      <p:sp>
+        <p:nvSpPr>
+          <p:cNvPr id="8" name="TextBox 7">
+            <a:extLst>
+              <a:ext uri="{FF2B5EF4-FFF2-40B4-BE49-F238E27FC236}">
+                <a16:creationId xmlns:a16="http://schemas.microsoft.com/office/drawing/2014/main" id="{D46A6CCE-B802-43A6-9923-3BA8094A3E3D}"/>
+              </a:ext>
+            </a:extLst>
+          </p:cNvPr>
+          <p:cNvSpPr txBox="1"/>
+          <p:nvPr/>
+        </p:nvSpPr>
+        <p:spPr>
+          <a:xfrm>
+            <a:off x="0" y="6562722"/>
+            <a:ext cx="7608858" cy="307777"/>
+          </a:xfrm>
+          <a:prstGeom prst="rect">
+            <a:avLst/>
+          </a:prstGeom>
+          <a:noFill/>
+        </p:spPr>
+        <p:txBody>
+          <a:bodyPr wrap="square" rtlCol="0">
+            <a:spAutoFit/>
+          </a:bodyPr>
+          <a:lstStyle/>
+          <a:p>
+            <a:r>
+              <a:rPr lang="en-US" altLang="ko-KR" sz="1400">
+                <a:ln>
+                  <a:solidFill>
+                    <a:schemeClr val="tx1">
+                      <a:alpha val="30000"/>
+                    </a:schemeClr>
+                  </a:solidFill>
+                </a:ln>
+                <a:solidFill>
+                  <a:schemeClr val="bg1">
+                    <a:lumMod val="65000"/>
+                  </a:schemeClr>
+                </a:solidFill>
+                <a:latin typeface="빙그레 메로나체" panose="020B0503000000000000" pitchFamily="50" charset="-127"/>
+                <a:ea typeface="빙그레 메로나체" panose="020B0503000000000000" pitchFamily="50" charset="-127"/>
+              </a:rPr>
+              <a:t>source : https://2019.stateofjs.com/front-end-frameworks/</a:t>
+            </a:r>
+          </a:p>
+        </p:txBody>
+      </p:sp>
+    </p:spTree>
+    <p:extLst>
+      <p:ext uri="{BB962C8B-B14F-4D97-AF65-F5344CB8AC3E}">
+        <p14:creationId xmlns:p14="http://schemas.microsoft.com/office/powerpoint/2010/main" val="1028503942"/>
       </p:ext>
     </p:extLst>
   </p:cSld>

--- a/210201_React.pptx
+++ b/210201_React.pptx
@@ -5,10 +5,10 @@
     <p:sldMasterId id="2147483648" r:id="rId1"/>
   </p:sldMasterIdLst>
   <p:notesMasterIdLst>
-    <p:notesMasterId r:id="rId42"/>
+    <p:notesMasterId r:id="rId44"/>
   </p:notesMasterIdLst>
   <p:handoutMasterIdLst>
-    <p:handoutMasterId r:id="rId43"/>
+    <p:handoutMasterId r:id="rId45"/>
   </p:handoutMasterIdLst>
   <p:sldIdLst>
     <p:sldId id="256" r:id="rId2"/>
@@ -50,19 +50,21 @@
     <p:sldId id="390" r:id="rId38"/>
     <p:sldId id="391" r:id="rId39"/>
     <p:sldId id="392" r:id="rId40"/>
-    <p:sldId id="262" r:id="rId41"/>
+    <p:sldId id="393" r:id="rId41"/>
+    <p:sldId id="394" r:id="rId42"/>
+    <p:sldId id="262" r:id="rId43"/>
   </p:sldIdLst>
   <p:sldSz cx="12192000" cy="6858000"/>
   <p:notesSz cx="6858000" cy="9144000"/>
   <p:embeddedFontLst>
     <p:embeddedFont>
       <p:font typeface="배달의민족 주아" panose="02020603020101020101" pitchFamily="18" charset="-127"/>
-      <p:regular r:id="rId44"/>
+      <p:regular r:id="rId46"/>
     </p:embeddedFont>
     <p:embeddedFont>
       <p:font typeface="빙그레 메로나체" panose="020B0503000000000000" pitchFamily="50" charset="-127"/>
-      <p:regular r:id="rId45"/>
-      <p:bold r:id="rId46"/>
+      <p:regular r:id="rId47"/>
+      <p:bold r:id="rId48"/>
     </p:embeddedFont>
   </p:embeddedFontLst>
   <p:defaultTextStyle>
@@ -6366,6 +6368,26 @@
             </a:endParaRPr>
           </a:p>
           <a:p>
+            <a:r>
+              <a:rPr lang="ko-KR" altLang="en-US" b="0" i="0">
+                <a:solidFill>
+                  <a:srgbClr val="000000"/>
+                </a:solidFill>
+                <a:effectLst/>
+              </a:rPr>
+              <a:t>주요 훅스 </a:t>
+            </a:r>
+            <a:r>
+              <a:rPr lang="en-US" altLang="ko-KR" b="0" i="0">
+                <a:solidFill>
+                  <a:srgbClr val="000000"/>
+                </a:solidFill>
+                <a:effectLst/>
+              </a:rPr>
+              <a:t>: useState, useEffect, useRef, useContext, useReducer, useCallback, useMemo</a:t>
+            </a:r>
+          </a:p>
+          <a:p>
             <a:endParaRPr lang="en-US" altLang="ko-KR" b="0" i="0">
               <a:solidFill>
                 <a:srgbClr val="000000"/>
@@ -6394,6 +6416,68 @@
             </a:r>
             <a:endParaRPr lang="en-US" altLang="ko-KR" b="0" i="0">
               <a:solidFill>
+                <a:srgbClr val="000000"/>
+              </a:solidFill>
+              <a:effectLst/>
+            </a:endParaRPr>
+          </a:p>
+          <a:p>
+            <a:r>
+              <a:rPr lang="en-US" altLang="ko-KR" b="0" i="0">
+                <a:solidFill>
+                  <a:srgbClr val="000000"/>
+                </a:solidFill>
+                <a:effectLst/>
+              </a:rPr>
+              <a:t>hook : </a:t>
+            </a:r>
+            <a:r>
+              <a:rPr lang="ko-KR" altLang="en-US" b="0" i="0">
+                <a:solidFill>
+                  <a:srgbClr val="000000"/>
+                </a:solidFill>
+                <a:effectLst/>
+              </a:rPr>
+              <a:t>함수컴포넌트에서 클래스 구성 요소처럼 </a:t>
+            </a:r>
+            <a:r>
+              <a:rPr lang="en-US" altLang="ko-KR" b="0" i="0">
+                <a:solidFill>
+                  <a:srgbClr val="000000"/>
+                </a:solidFill>
+                <a:effectLst/>
+              </a:rPr>
+              <a:t>&lt;state&gt; </a:t>
+            </a:r>
+            <a:r>
+              <a:rPr lang="ko-KR" altLang="en-US" b="0" i="0">
+                <a:solidFill>
+                  <a:srgbClr val="000000"/>
+                </a:solidFill>
+                <a:effectLst/>
+              </a:rPr>
+              <a:t>및 </a:t>
+            </a:r>
+            <a:r>
+              <a:rPr lang="en-US" altLang="ko-KR" b="0" i="0">
+                <a:solidFill>
+                  <a:srgbClr val="000000"/>
+                </a:solidFill>
+                <a:effectLst/>
+              </a:rPr>
+              <a:t>&lt;lifecycle features&gt;</a:t>
+            </a:r>
+            <a:r>
+              <a:rPr lang="ko-KR" altLang="en-US" b="0" i="0">
+                <a:solidFill>
+                  <a:srgbClr val="000000"/>
+                </a:solidFill>
+                <a:effectLst/>
+              </a:rPr>
+              <a:t>를 사용할 수 있도록하는 함수</a:t>
+            </a:r>
+            <a:endParaRPr lang="en-US" altLang="ko-KR" b="0" i="0">
+              <a:solidFill>
                 <a:srgbClr val="222426"/>
               </a:solidFill>
               <a:effectLst/>
@@ -6405,6 +6489,466 @@
     <p:extLst>
       <p:ext uri="{BB962C8B-B14F-4D97-AF65-F5344CB8AC3E}">
         <p14:creationId xmlns:p14="http://schemas.microsoft.com/office/powerpoint/2010/main" val="3905469373"/>
+      </p:ext>
+    </p:extLst>
+  </p:cSld>
+  <p:clrMapOvr>
+    <a:masterClrMapping/>
+  </p:clrMapOvr>
+</p:notes>
+</file>
+
+<file path=ppt/notesSlides/notesSlide38.xml><?xml version="1.0" encoding="utf-8"?>
+<p:notes xmlns:a="http://schemas.openxmlformats.org/drawingml/2006/main" xmlns:r="http://schemas.openxmlformats.org/officeDocument/2006/relationships" xmlns:p="http://schemas.openxmlformats.org/presentationml/2006/main">
+  <p:cSld>
+    <p:spTree>
+      <p:nvGrpSpPr>
+        <p:cNvPr id="1" name=""/>
+        <p:cNvGrpSpPr/>
+        <p:nvPr/>
+      </p:nvGrpSpPr>
+      <p:grpSpPr>
+        <a:xfrm>
+          <a:off x="0" y="0"/>
+          <a:ext cx="0" cy="0"/>
+          <a:chOff x="0" y="0"/>
+          <a:chExt cx="0" cy="0"/>
+        </a:xfrm>
+      </p:grpSpPr>
+      <p:sp>
+        <p:nvSpPr>
+          <p:cNvPr id="2" name="슬라이드 이미지 개체 틀 1"/>
+          <p:cNvSpPr>
+            <a:spLocks noGrp="1" noRot="1" noChangeAspect="1"/>
+          </p:cNvSpPr>
+          <p:nvPr>
+            <p:ph type="sldImg"/>
+          </p:nvPr>
+        </p:nvSpPr>
+        <p:spPr/>
+      </p:sp>
+      <p:sp>
+        <p:nvSpPr>
+          <p:cNvPr id="3" name="슬라이드 노트 개체 틀 2"/>
+          <p:cNvSpPr>
+            <a:spLocks noGrp="1"/>
+          </p:cNvSpPr>
+          <p:nvPr>
+            <p:ph type="body" idx="1"/>
+          </p:nvPr>
+        </p:nvSpPr>
+        <p:spPr/>
+        <p:txBody>
+          <a:bodyPr/>
+          <a:lstStyle/>
+          <a:p>
+            <a:r>
+              <a:rPr lang="en-US" altLang="ko-KR" b="0" i="0">
+                <a:solidFill>
+                  <a:srgbClr val="222426"/>
+                </a:solidFill>
+                <a:effectLst/>
+              </a:rPr>
+              <a:t>props, state</a:t>
+            </a:r>
+            <a:r>
+              <a:rPr lang="ko-KR" altLang="en-US" b="0" i="0">
+                <a:solidFill>
+                  <a:srgbClr val="222426"/>
+                </a:solidFill>
+                <a:effectLst/>
+              </a:rPr>
+              <a:t>가 변경되거나 </a:t>
+            </a:r>
+            <a:r>
+              <a:rPr lang="en-US" altLang="ko-KR" b="0" i="0">
+                <a:solidFill>
+                  <a:srgbClr val="222426"/>
+                </a:solidFill>
+                <a:effectLst/>
+              </a:rPr>
+              <a:t>forceUpdate()</a:t>
+            </a:r>
+          </a:p>
+          <a:p>
+            <a:r>
+              <a:rPr lang="en-US" altLang="ko-KR" b="0" i="0">
+                <a:solidFill>
+                  <a:srgbClr val="222426"/>
+                </a:solidFill>
+                <a:effectLst/>
+              </a:rPr>
+              <a:t>forceUpdate - </a:t>
+            </a:r>
+            <a:r>
+              <a:rPr lang="ko-KR" altLang="en-US" b="0" i="0">
+                <a:solidFill>
+                  <a:srgbClr val="212529"/>
+                </a:solidFill>
+                <a:effectLst/>
+              </a:rPr>
+              <a:t>출력 검증 작업 없이 함수가 호출될 때마다 새롭게 화면을 출력 </a:t>
+            </a:r>
+            <a:r>
+              <a:rPr lang="en-US" altLang="ko-KR" b="0" i="0">
+                <a:solidFill>
+                  <a:srgbClr val="212529"/>
+                </a:solidFill>
+                <a:effectLst/>
+              </a:rPr>
+              <a:t>(</a:t>
+            </a:r>
+            <a:r>
+              <a:rPr lang="ko-KR" altLang="en-US" b="0" i="0">
+                <a:solidFill>
+                  <a:srgbClr val="212529"/>
+                </a:solidFill>
+                <a:effectLst/>
+              </a:rPr>
+              <a:t>클래스 인스턴스 변수와 화면을 강제로 출력</a:t>
+            </a:r>
+            <a:r>
+              <a:rPr lang="en-US" altLang="ko-KR" b="0" i="0">
+                <a:solidFill>
+                  <a:srgbClr val="212529"/>
+                </a:solidFill>
+                <a:effectLst/>
+              </a:rPr>
+              <a:t>)</a:t>
+            </a:r>
+          </a:p>
+        </p:txBody>
+      </p:sp>
+    </p:spTree>
+    <p:extLst>
+      <p:ext uri="{BB962C8B-B14F-4D97-AF65-F5344CB8AC3E}">
+        <p14:creationId xmlns:p14="http://schemas.microsoft.com/office/powerpoint/2010/main" val="1765329827"/>
+      </p:ext>
+    </p:extLst>
+  </p:cSld>
+  <p:clrMapOvr>
+    <a:masterClrMapping/>
+  </p:clrMapOvr>
+</p:notes>
+</file>
+
+<file path=ppt/notesSlides/notesSlide39.xml><?xml version="1.0" encoding="utf-8"?>
+<p:notes xmlns:a="http://schemas.openxmlformats.org/drawingml/2006/main" xmlns:r="http://schemas.openxmlformats.org/officeDocument/2006/relationships" xmlns:p="http://schemas.openxmlformats.org/presentationml/2006/main">
+  <p:cSld>
+    <p:spTree>
+      <p:nvGrpSpPr>
+        <p:cNvPr id="1" name=""/>
+        <p:cNvGrpSpPr/>
+        <p:nvPr/>
+      </p:nvGrpSpPr>
+      <p:grpSpPr>
+        <a:xfrm>
+          <a:off x="0" y="0"/>
+          <a:ext cx="0" cy="0"/>
+          <a:chOff x="0" y="0"/>
+          <a:chExt cx="0" cy="0"/>
+        </a:xfrm>
+      </p:grpSpPr>
+      <p:sp>
+        <p:nvSpPr>
+          <p:cNvPr id="2" name="슬라이드 이미지 개체 틀 1"/>
+          <p:cNvSpPr>
+            <a:spLocks noGrp="1" noRot="1" noChangeAspect="1"/>
+          </p:cNvSpPr>
+          <p:nvPr>
+            <p:ph type="sldImg"/>
+          </p:nvPr>
+        </p:nvSpPr>
+        <p:spPr/>
+      </p:sp>
+      <p:sp>
+        <p:nvSpPr>
+          <p:cNvPr id="3" name="슬라이드 노트 개체 틀 2"/>
+          <p:cNvSpPr>
+            <a:spLocks noGrp="1"/>
+          </p:cNvSpPr>
+          <p:nvPr>
+            <p:ph type="body" idx="1"/>
+          </p:nvPr>
+        </p:nvSpPr>
+        <p:spPr/>
+        <p:txBody>
+          <a:bodyPr/>
+          <a:lstStyle/>
+          <a:p>
+            <a:r>
+              <a:rPr lang="en-US" altLang="ko-KR" b="0" i="0">
+                <a:solidFill>
+                  <a:srgbClr val="222426"/>
+                </a:solidFill>
+                <a:effectLst/>
+              </a:rPr>
+              <a:t>useState - </a:t>
+            </a:r>
+            <a:r>
+              <a:rPr lang="ko-KR" altLang="en-US" b="0" i="0">
+                <a:solidFill>
+                  <a:srgbClr val="222426"/>
+                </a:solidFill>
+                <a:effectLst/>
+              </a:rPr>
+              <a:t>가장 기본적인 </a:t>
+            </a:r>
+            <a:r>
+              <a:rPr lang="en-US" altLang="ko-KR" b="0" i="0">
+                <a:solidFill>
+                  <a:srgbClr val="222426"/>
+                </a:solidFill>
+                <a:effectLst/>
+              </a:rPr>
+              <a:t>Hook </a:t>
+            </a:r>
+            <a:r>
+              <a:rPr lang="ko-KR" altLang="en-US" b="0" i="0">
+                <a:solidFill>
+                  <a:srgbClr val="222426"/>
+                </a:solidFill>
+                <a:effectLst/>
+              </a:rPr>
+              <a:t>으로서</a:t>
+            </a:r>
+            <a:r>
+              <a:rPr lang="en-US" altLang="ko-KR" b="0" i="0">
+                <a:solidFill>
+                  <a:srgbClr val="222426"/>
+                </a:solidFill>
+                <a:effectLst/>
+              </a:rPr>
+              <a:t>, </a:t>
+            </a:r>
+            <a:r>
+              <a:rPr lang="ko-KR" altLang="en-US" b="0" i="0">
+                <a:solidFill>
+                  <a:srgbClr val="222426"/>
+                </a:solidFill>
+                <a:effectLst/>
+              </a:rPr>
+              <a:t>함수형 컴포넌트에서도 가변적인 상태를 지니고 있을 수 있게 해줌</a:t>
+            </a:r>
+            <a:endParaRPr lang="en-US" altLang="ko-KR" b="0" i="0">
+              <a:solidFill>
+                <a:srgbClr val="222426"/>
+              </a:solidFill>
+              <a:effectLst/>
+            </a:endParaRPr>
+          </a:p>
+          <a:p>
+            <a:r>
+              <a:rPr lang="en-US" altLang="ko-KR" b="0" i="0">
+                <a:solidFill>
+                  <a:srgbClr val="222426"/>
+                </a:solidFill>
+                <a:effectLst/>
+              </a:rPr>
+              <a:t>useEffect - </a:t>
+            </a:r>
+            <a:r>
+              <a:rPr lang="ko-KR" altLang="en-US" b="0" i="0">
+                <a:solidFill>
+                  <a:srgbClr val="222426"/>
+                </a:solidFill>
+                <a:effectLst/>
+              </a:rPr>
+              <a:t>리액트 컴포넌트가 렌더링 될 때마다 특정 작업을 수행하도록 설정 할 수 있는 </a:t>
+            </a:r>
+            <a:r>
+              <a:rPr lang="en-US" altLang="ko-KR" b="0" i="0">
+                <a:solidFill>
+                  <a:srgbClr val="222426"/>
+                </a:solidFill>
+                <a:effectLst/>
+              </a:rPr>
+              <a:t>Hook</a:t>
+            </a:r>
+          </a:p>
+          <a:p>
+            <a:r>
+              <a:rPr lang="en-US" altLang="ko-KR" b="0" i="0">
+                <a:solidFill>
+                  <a:srgbClr val="222426"/>
+                </a:solidFill>
+                <a:effectLst/>
+              </a:rPr>
+              <a:t>useContext - </a:t>
+            </a:r>
+            <a:r>
+              <a:rPr lang="ko-KR" altLang="en-US" b="0" i="0">
+                <a:solidFill>
+                  <a:srgbClr val="222426"/>
+                </a:solidFill>
+                <a:effectLst/>
+              </a:rPr>
+              <a:t>함수형 컴포넌트에서 </a:t>
+            </a:r>
+            <a:r>
+              <a:rPr lang="en-US" altLang="ko-KR" b="0" i="0">
+                <a:solidFill>
+                  <a:srgbClr val="222426"/>
+                </a:solidFill>
+                <a:effectLst/>
+              </a:rPr>
+              <a:t>Context </a:t>
+            </a:r>
+            <a:r>
+              <a:rPr lang="ko-KR" altLang="en-US" b="0" i="0">
+                <a:solidFill>
+                  <a:srgbClr val="222426"/>
+                </a:solidFill>
+                <a:effectLst/>
+              </a:rPr>
+              <a:t>를 보다 더 쉽게 사용 할 수 있음</a:t>
+            </a:r>
+            <a:endParaRPr lang="en-US" altLang="ko-KR" b="0" i="0">
+              <a:solidFill>
+                <a:srgbClr val="222426"/>
+              </a:solidFill>
+              <a:effectLst/>
+            </a:endParaRPr>
+          </a:p>
+          <a:p>
+            <a:r>
+              <a:rPr lang="en-US" altLang="ko-KR" b="0" i="0">
+                <a:solidFill>
+                  <a:srgbClr val="222426"/>
+                </a:solidFill>
+                <a:effectLst/>
+              </a:rPr>
+              <a:t>useReducer - useState </a:t>
+            </a:r>
+            <a:r>
+              <a:rPr lang="ko-KR" altLang="en-US" b="0" i="0">
+                <a:solidFill>
+                  <a:srgbClr val="222426"/>
+                </a:solidFill>
+                <a:effectLst/>
+              </a:rPr>
+              <a:t>보다 컴포넌트에서 더 다양한 상황에 따라 다양한 상태를 다른 값으로 업데이트해주고 싶을 때 사용하는 </a:t>
+            </a:r>
+            <a:r>
+              <a:rPr lang="en-US" altLang="ko-KR" b="0" i="0">
+                <a:solidFill>
+                  <a:srgbClr val="222426"/>
+                </a:solidFill>
+                <a:effectLst/>
+              </a:rPr>
+              <a:t>Hook</a:t>
+            </a:r>
+          </a:p>
+          <a:p>
+            <a:r>
+              <a:rPr lang="en-US" altLang="ko-KR" b="0" i="0">
+                <a:solidFill>
+                  <a:srgbClr val="222426"/>
+                </a:solidFill>
+                <a:effectLst/>
+              </a:rPr>
+              <a:t>useMemo -</a:t>
+            </a:r>
+            <a:r>
+              <a:rPr lang="ko-KR" altLang="en-US" b="0" i="0">
+                <a:solidFill>
+                  <a:srgbClr val="222426"/>
+                </a:solidFill>
+                <a:effectLst/>
+              </a:rPr>
+              <a:t> 함수형 컴포넌트 내부에서 발생하는 연산을 최적화</a:t>
+            </a:r>
+            <a:endParaRPr lang="en-US" altLang="ko-KR" b="0" i="0">
+              <a:solidFill>
+                <a:srgbClr val="222426"/>
+              </a:solidFill>
+              <a:effectLst/>
+            </a:endParaRPr>
+          </a:p>
+          <a:p>
+            <a:r>
+              <a:rPr lang="en-US" altLang="ko-KR" b="0" i="0">
+                <a:solidFill>
+                  <a:srgbClr val="222426"/>
+                </a:solidFill>
+                <a:effectLst/>
+              </a:rPr>
+              <a:t>useCallback - </a:t>
+            </a:r>
+            <a:r>
+              <a:rPr lang="ko-KR" altLang="en-US" b="0" i="0">
+                <a:solidFill>
+                  <a:srgbClr val="222426"/>
+                </a:solidFill>
+                <a:effectLst/>
+              </a:rPr>
+              <a:t>렌더링 성능을 최적화</a:t>
+            </a:r>
+            <a:endParaRPr lang="en-US" altLang="ko-KR" b="0" i="0">
+              <a:solidFill>
+                <a:srgbClr val="222426"/>
+              </a:solidFill>
+              <a:effectLst/>
+            </a:endParaRPr>
+          </a:p>
+          <a:p>
+            <a:r>
+              <a:rPr lang="en-US" altLang="ko-KR" b="0" i="0">
+                <a:solidFill>
+                  <a:srgbClr val="222426"/>
+                </a:solidFill>
+                <a:effectLst/>
+              </a:rPr>
+              <a:t>useRef - </a:t>
+            </a:r>
+            <a:r>
+              <a:rPr lang="ko-KR" altLang="en-US" b="0" i="0">
+                <a:solidFill>
+                  <a:srgbClr val="222426"/>
+                </a:solidFill>
+                <a:effectLst/>
+              </a:rPr>
+              <a:t>함수형 컴포넌트에서 </a:t>
+            </a:r>
+            <a:r>
+              <a:rPr lang="en-US" altLang="ko-KR" b="0" i="0">
+                <a:solidFill>
+                  <a:srgbClr val="222426"/>
+                </a:solidFill>
+                <a:effectLst/>
+              </a:rPr>
+              <a:t>ref </a:t>
+            </a:r>
+            <a:r>
+              <a:rPr lang="ko-KR" altLang="en-US" b="0" i="0">
+                <a:solidFill>
+                  <a:srgbClr val="222426"/>
+                </a:solidFill>
+                <a:effectLst/>
+              </a:rPr>
+              <a:t>를 쉽게 사용 할 수 있게 해줌</a:t>
+            </a:r>
+            <a:endParaRPr lang="en-US" altLang="ko-KR" b="0" i="0">
+              <a:solidFill>
+                <a:srgbClr val="222426"/>
+              </a:solidFill>
+              <a:effectLst/>
+            </a:endParaRPr>
+          </a:p>
+          <a:p>
+            <a:endParaRPr lang="en-US" altLang="ko-KR" b="0" i="0">
+              <a:solidFill>
+                <a:srgbClr val="222426"/>
+              </a:solidFill>
+              <a:effectLst/>
+            </a:endParaRPr>
+          </a:p>
+        </p:txBody>
+      </p:sp>
+    </p:spTree>
+    <p:extLst>
+      <p:ext uri="{BB962C8B-B14F-4D97-AF65-F5344CB8AC3E}">
+        <p14:creationId xmlns:p14="http://schemas.microsoft.com/office/powerpoint/2010/main" val="3799933800"/>
       </p:ext>
     </p:extLst>
   </p:cSld>
@@ -37909,7 +38453,7 @@
         <p:spPr>
           <a:xfrm>
             <a:off x="582516" y="6127918"/>
-            <a:ext cx="10656712" cy="307777"/>
+            <a:ext cx="10656712" cy="523220"/>
           </a:xfrm>
           <a:prstGeom prst="rect">
             <a:avLst/>
@@ -37935,6 +38479,22 @@
                 <a:ea typeface="빙그레 메로나체" panose="020B0503000000000000" pitchFamily="50" charset="-127"/>
               </a:rPr>
               <a:t>* props : Used to pass data from parent component to child component</a:t>
+            </a:r>
+          </a:p>
+          <a:p>
+            <a:r>
+              <a:rPr lang="en-US" altLang="ko-KR" sz="1400">
+                <a:ln>
+                  <a:solidFill>
+                    <a:schemeClr val="tx1">
+                      <a:alpha val="30000"/>
+                    </a:schemeClr>
+                  </a:solidFill>
+                </a:ln>
+                <a:latin typeface="빙그레 메로나체" panose="020B0503000000000000" pitchFamily="50" charset="-127"/>
+                <a:ea typeface="빙그레 메로나체" panose="020B0503000000000000" pitchFamily="50" charset="-127"/>
+              </a:rPr>
+              <a:t>* hook : A function that allows you to use &lt;state&gt; and &lt;lifecycle features&gt; like a class component</a:t>
             </a:r>
           </a:p>
         </p:txBody>
@@ -38603,6 +39163,603 @@
           <a:chExt cx="0" cy="0"/>
         </a:xfrm>
       </p:grpSpPr>
+      <p:grpSp>
+        <p:nvGrpSpPr>
+          <p:cNvPr id="6" name="그룹 5">
+            <a:extLst>
+              <a:ext uri="{FF2B5EF4-FFF2-40B4-BE49-F238E27FC236}">
+                <a16:creationId xmlns:a16="http://schemas.microsoft.com/office/drawing/2014/main" id="{CA7BD838-D4FB-4EA7-B68C-FA7B6D147BA2}"/>
+              </a:ext>
+            </a:extLst>
+          </p:cNvPr>
+          <p:cNvGrpSpPr/>
+          <p:nvPr/>
+        </p:nvGrpSpPr>
+        <p:grpSpPr>
+          <a:xfrm>
+            <a:off x="159192" y="182880"/>
+            <a:ext cx="1852488" cy="854227"/>
+            <a:chOff x="640080" y="-971550"/>
+            <a:chExt cx="1660746" cy="765810"/>
+          </a:xfrm>
+        </p:grpSpPr>
+        <p:sp>
+          <p:nvSpPr>
+            <p:cNvPr id="18" name="TextBox 17">
+              <a:extLst>
+                <a:ext uri="{FF2B5EF4-FFF2-40B4-BE49-F238E27FC236}">
+                  <a16:creationId xmlns:a16="http://schemas.microsoft.com/office/drawing/2014/main" id="{D7B7EE40-BAD9-4569-9BF6-F6E9ACA78A3C}"/>
+                </a:ext>
+              </a:extLst>
+            </p:cNvPr>
+            <p:cNvSpPr txBox="1"/>
+            <p:nvPr/>
+          </p:nvSpPr>
+          <p:spPr>
+            <a:xfrm>
+              <a:off x="683325" y="-770703"/>
+              <a:ext cx="1576513" cy="358697"/>
+            </a:xfrm>
+            <a:prstGeom prst="rect">
+              <a:avLst/>
+            </a:prstGeom>
+            <a:noFill/>
+          </p:spPr>
+          <p:txBody>
+            <a:bodyPr wrap="square" rtlCol="0" anchor="ctr">
+              <a:spAutoFit/>
+            </a:bodyPr>
+            <a:lstStyle/>
+            <a:p>
+              <a:pPr algn="ctr"/>
+              <a:r>
+                <a:rPr lang="en-US" altLang="ko-KR" sz="2000">
+                  <a:ln>
+                    <a:solidFill>
+                      <a:schemeClr val="tx1">
+                        <a:alpha val="30000"/>
+                      </a:schemeClr>
+                    </a:solidFill>
+                  </a:ln>
+                  <a:latin typeface="빙그레 메로나체" panose="020B0503000000000000" pitchFamily="50" charset="-127"/>
+                  <a:ea typeface="빙그레 메로나체" panose="020B0503000000000000" pitchFamily="50" charset="-127"/>
+                </a:rPr>
+                <a:t>React</a:t>
+              </a:r>
+            </a:p>
+          </p:txBody>
+        </p:sp>
+        <p:sp>
+          <p:nvSpPr>
+            <p:cNvPr id="5" name="직사각형 4">
+              <a:extLst>
+                <a:ext uri="{FF2B5EF4-FFF2-40B4-BE49-F238E27FC236}">
+                  <a16:creationId xmlns:a16="http://schemas.microsoft.com/office/drawing/2014/main" id="{AB4C8245-D0E4-4D79-B3E9-2FB89CE6FE84}"/>
+                </a:ext>
+              </a:extLst>
+            </p:cNvPr>
+            <p:cNvSpPr/>
+            <p:nvPr/>
+          </p:nvSpPr>
+          <p:spPr>
+            <a:xfrm>
+              <a:off x="640080" y="-971550"/>
+              <a:ext cx="1660746" cy="765810"/>
+            </a:xfrm>
+            <a:prstGeom prst="rect">
+              <a:avLst/>
+            </a:prstGeom>
+            <a:noFill/>
+            <a:ln w="25400">
+              <a:solidFill>
+                <a:schemeClr val="tx1"/>
+              </a:solidFill>
+            </a:ln>
+          </p:spPr>
+          <p:style>
+            <a:lnRef idx="2">
+              <a:schemeClr val="accent1">
+                <a:shade val="50000"/>
+              </a:schemeClr>
+            </a:lnRef>
+            <a:fillRef idx="1">
+              <a:schemeClr val="accent1"/>
+            </a:fillRef>
+            <a:effectRef idx="0">
+              <a:schemeClr val="accent1"/>
+            </a:effectRef>
+            <a:fontRef idx="minor">
+              <a:schemeClr val="lt1"/>
+            </a:fontRef>
+          </p:style>
+          <p:txBody>
+            <a:bodyPr rtlCol="0" anchor="ctr"/>
+            <a:lstStyle/>
+            <a:p>
+              <a:pPr algn="ctr"/>
+              <a:endParaRPr lang="ko-KR" altLang="en-US">
+                <a:latin typeface="빙그레 메로나체" panose="020B0503000000000000" pitchFamily="50" charset="-127"/>
+                <a:ea typeface="빙그레 메로나체" panose="020B0503000000000000" pitchFamily="50" charset="-127"/>
+              </a:endParaRPr>
+            </a:p>
+          </p:txBody>
+        </p:sp>
+      </p:grpSp>
+      <p:sp>
+        <p:nvSpPr>
+          <p:cNvPr id="30" name="TextBox 29">
+            <a:extLst>
+              <a:ext uri="{FF2B5EF4-FFF2-40B4-BE49-F238E27FC236}">
+                <a16:creationId xmlns:a16="http://schemas.microsoft.com/office/drawing/2014/main" id="{706566D1-60CB-4C10-9859-0656D082B2B7}"/>
+              </a:ext>
+            </a:extLst>
+          </p:cNvPr>
+          <p:cNvSpPr txBox="1"/>
+          <p:nvPr/>
+        </p:nvSpPr>
+        <p:spPr>
+          <a:xfrm>
+            <a:off x="2497154" y="414543"/>
+            <a:ext cx="4132245" cy="369332"/>
+          </a:xfrm>
+          <a:prstGeom prst="rect">
+            <a:avLst/>
+          </a:prstGeom>
+          <a:noFill/>
+          <a:ln>
+            <a:noFill/>
+          </a:ln>
+        </p:spPr>
+        <p:txBody>
+          <a:bodyPr wrap="square" rtlCol="0">
+            <a:spAutoFit/>
+          </a:bodyPr>
+          <a:lstStyle/>
+          <a:p>
+            <a:r>
+              <a:rPr lang="en-US" altLang="ko-KR">
+                <a:ln>
+                  <a:solidFill>
+                    <a:schemeClr val="tx1">
+                      <a:alpha val="30000"/>
+                    </a:schemeClr>
+                  </a:solidFill>
+                </a:ln>
+                <a:latin typeface="빙그레 메로나체" panose="020B0503000000000000" pitchFamily="50" charset="-127"/>
+                <a:ea typeface="빙그레 메로나체" panose="020B0503000000000000" pitchFamily="50" charset="-127"/>
+              </a:rPr>
+              <a:t>Lifecycle</a:t>
+            </a:r>
+          </a:p>
+        </p:txBody>
+      </p:sp>
+      <p:sp>
+        <p:nvSpPr>
+          <p:cNvPr id="10" name="슬라이드 번호 개체 틀 9">
+            <a:extLst>
+              <a:ext uri="{FF2B5EF4-FFF2-40B4-BE49-F238E27FC236}">
+                <a16:creationId xmlns:a16="http://schemas.microsoft.com/office/drawing/2014/main" id="{6F1C1DC9-3B79-47A0-95A5-B5A14A6B4906}"/>
+              </a:ext>
+            </a:extLst>
+          </p:cNvPr>
+          <p:cNvSpPr>
+            <a:spLocks noGrp="1"/>
+          </p:cNvSpPr>
+          <p:nvPr>
+            <p:ph type="sldNum" sz="quarter" idx="12"/>
+          </p:nvPr>
+        </p:nvSpPr>
+        <p:spPr/>
+        <p:txBody>
+          <a:bodyPr/>
+          <a:lstStyle/>
+          <a:p>
+            <a:pPr algn="ctr"/>
+            <a:fld id="{4AE1E1EF-90A0-4171-8CF9-B3BC5042A8FC}" type="slidenum">
+              <a:rPr lang="ko-KR" altLang="en-US" smtClean="0"/>
+              <a:pPr algn="ctr"/>
+              <a:t>40</a:t>
+            </a:fld>
+            <a:endParaRPr lang="ko-KR" altLang="en-US"/>
+          </a:p>
+        </p:txBody>
+      </p:sp>
+      <p:pic>
+        <p:nvPicPr>
+          <p:cNvPr id="1026" name="Picture 2" descr="Common React Lifecycle Methods">
+            <a:extLst>
+              <a:ext uri="{FF2B5EF4-FFF2-40B4-BE49-F238E27FC236}">
+                <a16:creationId xmlns:a16="http://schemas.microsoft.com/office/drawing/2014/main" id="{2333B308-8851-41A1-8B8D-1671B76F9CCA}"/>
+              </a:ext>
+            </a:extLst>
+          </p:cNvPr>
+          <p:cNvPicPr>
+            <a:picLocks noChangeAspect="1" noChangeArrowheads="1"/>
+          </p:cNvPicPr>
+          <p:nvPr/>
+        </p:nvPicPr>
+        <p:blipFill rotWithShape="1">
+          <a:blip r:embed="rId3">
+            <a:extLst>
+              <a:ext uri="{28A0092B-C50C-407E-A947-70E740481C1C}">
+                <a14:useLocalDpi xmlns:a14="http://schemas.microsoft.com/office/drawing/2010/main" val="0"/>
+              </a:ext>
+            </a:extLst>
+          </a:blip>
+          <a:srcRect l="15009"/>
+          <a:stretch/>
+        </p:blipFill>
+        <p:spPr bwMode="auto">
+          <a:xfrm>
+            <a:off x="1118940" y="1696453"/>
+            <a:ext cx="9692578" cy="4171126"/>
+          </a:xfrm>
+          <a:prstGeom prst="rect">
+            <a:avLst/>
+          </a:prstGeom>
+          <a:noFill/>
+          <a:extLst>
+            <a:ext uri="{909E8E84-426E-40DD-AFC4-6F175D3DCCD1}">
+              <a14:hiddenFill xmlns:a14="http://schemas.microsoft.com/office/drawing/2010/main">
+                <a:solidFill>
+                  <a:srgbClr val="FFFFFF"/>
+                </a:solidFill>
+              </a14:hiddenFill>
+            </a:ext>
+          </a:extLst>
+        </p:spPr>
+      </p:pic>
+      <p:sp>
+        <p:nvSpPr>
+          <p:cNvPr id="13" name="TextBox 12">
+            <a:extLst>
+              <a:ext uri="{FF2B5EF4-FFF2-40B4-BE49-F238E27FC236}">
+                <a16:creationId xmlns:a16="http://schemas.microsoft.com/office/drawing/2014/main" id="{730C9634-46C0-4B48-A8ED-24A026A77B80}"/>
+              </a:ext>
+            </a:extLst>
+          </p:cNvPr>
+          <p:cNvSpPr txBox="1"/>
+          <p:nvPr/>
+        </p:nvSpPr>
+        <p:spPr>
+          <a:xfrm>
+            <a:off x="582516" y="6127918"/>
+            <a:ext cx="10656712" cy="307777"/>
+          </a:xfrm>
+          <a:prstGeom prst="rect">
+            <a:avLst/>
+          </a:prstGeom>
+          <a:noFill/>
+        </p:spPr>
+        <p:txBody>
+          <a:bodyPr wrap="square">
+            <a:spAutoFit/>
+          </a:bodyPr>
+          <a:lstStyle/>
+          <a:p>
+            <a:r>
+              <a:rPr lang="en-US" altLang="ko-KR" sz="1400">
+                <a:ln>
+                  <a:solidFill>
+                    <a:schemeClr val="tx1">
+                      <a:alpha val="30000"/>
+                    </a:schemeClr>
+                  </a:solidFill>
+                </a:ln>
+                <a:latin typeface="빙그레 메로나체" panose="020B0503000000000000" pitchFamily="50" charset="-127"/>
+                <a:ea typeface="빙그레 메로나체" panose="020B0503000000000000" pitchFamily="50" charset="-127"/>
+              </a:rPr>
+              <a:t>* Mount : means when the component is first executed</a:t>
+            </a:r>
+          </a:p>
+        </p:txBody>
+      </p:sp>
+    </p:spTree>
+    <p:extLst>
+      <p:ext uri="{BB962C8B-B14F-4D97-AF65-F5344CB8AC3E}">
+        <p14:creationId xmlns:p14="http://schemas.microsoft.com/office/powerpoint/2010/main" val="5998362"/>
+      </p:ext>
+    </p:extLst>
+  </p:cSld>
+  <p:clrMapOvr>
+    <a:masterClrMapping/>
+  </p:clrMapOvr>
+</p:sld>
+</file>
+
+<file path=ppt/slides/slide41.xml><?xml version="1.0" encoding="utf-8"?>
+<p:sld xmlns:a="http://schemas.openxmlformats.org/drawingml/2006/main" xmlns:r="http://schemas.openxmlformats.org/officeDocument/2006/relationships" xmlns:p="http://schemas.openxmlformats.org/presentationml/2006/main">
+  <p:cSld>
+    <p:spTree>
+      <p:nvGrpSpPr>
+        <p:cNvPr id="1" name=""/>
+        <p:cNvGrpSpPr/>
+        <p:nvPr/>
+      </p:nvGrpSpPr>
+      <p:grpSpPr>
+        <a:xfrm>
+          <a:off x="0" y="0"/>
+          <a:ext cx="0" cy="0"/>
+          <a:chOff x="0" y="0"/>
+          <a:chExt cx="0" cy="0"/>
+        </a:xfrm>
+      </p:grpSpPr>
+      <p:grpSp>
+        <p:nvGrpSpPr>
+          <p:cNvPr id="6" name="그룹 5">
+            <a:extLst>
+              <a:ext uri="{FF2B5EF4-FFF2-40B4-BE49-F238E27FC236}">
+                <a16:creationId xmlns:a16="http://schemas.microsoft.com/office/drawing/2014/main" id="{CA7BD838-D4FB-4EA7-B68C-FA7B6D147BA2}"/>
+              </a:ext>
+            </a:extLst>
+          </p:cNvPr>
+          <p:cNvGrpSpPr/>
+          <p:nvPr/>
+        </p:nvGrpSpPr>
+        <p:grpSpPr>
+          <a:xfrm>
+            <a:off x="159192" y="182880"/>
+            <a:ext cx="1852488" cy="854227"/>
+            <a:chOff x="640080" y="-971550"/>
+            <a:chExt cx="1660746" cy="765810"/>
+          </a:xfrm>
+        </p:grpSpPr>
+        <p:sp>
+          <p:nvSpPr>
+            <p:cNvPr id="18" name="TextBox 17">
+              <a:extLst>
+                <a:ext uri="{FF2B5EF4-FFF2-40B4-BE49-F238E27FC236}">
+                  <a16:creationId xmlns:a16="http://schemas.microsoft.com/office/drawing/2014/main" id="{D7B7EE40-BAD9-4569-9BF6-F6E9ACA78A3C}"/>
+                </a:ext>
+              </a:extLst>
+            </p:cNvPr>
+            <p:cNvSpPr txBox="1"/>
+            <p:nvPr/>
+          </p:nvSpPr>
+          <p:spPr>
+            <a:xfrm>
+              <a:off x="683325" y="-770703"/>
+              <a:ext cx="1576513" cy="358697"/>
+            </a:xfrm>
+            <a:prstGeom prst="rect">
+              <a:avLst/>
+            </a:prstGeom>
+            <a:noFill/>
+          </p:spPr>
+          <p:txBody>
+            <a:bodyPr wrap="square" rtlCol="0" anchor="ctr">
+              <a:spAutoFit/>
+            </a:bodyPr>
+            <a:lstStyle/>
+            <a:p>
+              <a:pPr algn="ctr"/>
+              <a:r>
+                <a:rPr lang="en-US" altLang="ko-KR" sz="2000">
+                  <a:ln>
+                    <a:solidFill>
+                      <a:schemeClr val="tx1">
+                        <a:alpha val="30000"/>
+                      </a:schemeClr>
+                    </a:solidFill>
+                  </a:ln>
+                  <a:latin typeface="빙그레 메로나체" panose="020B0503000000000000" pitchFamily="50" charset="-127"/>
+                  <a:ea typeface="빙그레 메로나체" panose="020B0503000000000000" pitchFamily="50" charset="-127"/>
+                </a:rPr>
+                <a:t>React</a:t>
+              </a:r>
+            </a:p>
+          </p:txBody>
+        </p:sp>
+        <p:sp>
+          <p:nvSpPr>
+            <p:cNvPr id="5" name="직사각형 4">
+              <a:extLst>
+                <a:ext uri="{FF2B5EF4-FFF2-40B4-BE49-F238E27FC236}">
+                  <a16:creationId xmlns:a16="http://schemas.microsoft.com/office/drawing/2014/main" id="{AB4C8245-D0E4-4D79-B3E9-2FB89CE6FE84}"/>
+                </a:ext>
+              </a:extLst>
+            </p:cNvPr>
+            <p:cNvSpPr/>
+            <p:nvPr/>
+          </p:nvSpPr>
+          <p:spPr>
+            <a:xfrm>
+              <a:off x="640080" y="-971550"/>
+              <a:ext cx="1660746" cy="765810"/>
+            </a:xfrm>
+            <a:prstGeom prst="rect">
+              <a:avLst/>
+            </a:prstGeom>
+            <a:noFill/>
+            <a:ln w="25400">
+              <a:solidFill>
+                <a:schemeClr val="tx1"/>
+              </a:solidFill>
+            </a:ln>
+          </p:spPr>
+          <p:style>
+            <a:lnRef idx="2">
+              <a:schemeClr val="accent1">
+                <a:shade val="50000"/>
+              </a:schemeClr>
+            </a:lnRef>
+            <a:fillRef idx="1">
+              <a:schemeClr val="accent1"/>
+            </a:fillRef>
+            <a:effectRef idx="0">
+              <a:schemeClr val="accent1"/>
+            </a:effectRef>
+            <a:fontRef idx="minor">
+              <a:schemeClr val="lt1"/>
+            </a:fontRef>
+          </p:style>
+          <p:txBody>
+            <a:bodyPr rtlCol="0" anchor="ctr"/>
+            <a:lstStyle/>
+            <a:p>
+              <a:pPr algn="ctr"/>
+              <a:endParaRPr lang="ko-KR" altLang="en-US">
+                <a:latin typeface="빙그레 메로나체" panose="020B0503000000000000" pitchFamily="50" charset="-127"/>
+                <a:ea typeface="빙그레 메로나체" panose="020B0503000000000000" pitchFamily="50" charset="-127"/>
+              </a:endParaRPr>
+            </a:p>
+          </p:txBody>
+        </p:sp>
+      </p:grpSp>
+      <p:sp>
+        <p:nvSpPr>
+          <p:cNvPr id="30" name="TextBox 29">
+            <a:extLst>
+              <a:ext uri="{FF2B5EF4-FFF2-40B4-BE49-F238E27FC236}">
+                <a16:creationId xmlns:a16="http://schemas.microsoft.com/office/drawing/2014/main" id="{706566D1-60CB-4C10-9859-0656D082B2B7}"/>
+              </a:ext>
+            </a:extLst>
+          </p:cNvPr>
+          <p:cNvSpPr txBox="1"/>
+          <p:nvPr/>
+        </p:nvSpPr>
+        <p:spPr>
+          <a:xfrm>
+            <a:off x="2497154" y="414543"/>
+            <a:ext cx="4132245" cy="369332"/>
+          </a:xfrm>
+          <a:prstGeom prst="rect">
+            <a:avLst/>
+          </a:prstGeom>
+          <a:noFill/>
+          <a:ln>
+            <a:noFill/>
+          </a:ln>
+        </p:spPr>
+        <p:txBody>
+          <a:bodyPr wrap="square" rtlCol="0">
+            <a:spAutoFit/>
+          </a:bodyPr>
+          <a:lstStyle/>
+          <a:p>
+            <a:r>
+              <a:rPr lang="en-US" altLang="ko-KR">
+                <a:ln>
+                  <a:solidFill>
+                    <a:schemeClr val="tx1">
+                      <a:alpha val="30000"/>
+                    </a:schemeClr>
+                  </a:solidFill>
+                </a:ln>
+                <a:latin typeface="빙그레 메로나체" panose="020B0503000000000000" pitchFamily="50" charset="-127"/>
+                <a:ea typeface="빙그레 메로나체" panose="020B0503000000000000" pitchFamily="50" charset="-127"/>
+              </a:rPr>
+              <a:t>Lifecycle - Hooks</a:t>
+            </a:r>
+          </a:p>
+        </p:txBody>
+      </p:sp>
+      <p:sp>
+        <p:nvSpPr>
+          <p:cNvPr id="10" name="슬라이드 번호 개체 틀 9">
+            <a:extLst>
+              <a:ext uri="{FF2B5EF4-FFF2-40B4-BE49-F238E27FC236}">
+                <a16:creationId xmlns:a16="http://schemas.microsoft.com/office/drawing/2014/main" id="{6F1C1DC9-3B79-47A0-95A5-B5A14A6B4906}"/>
+              </a:ext>
+            </a:extLst>
+          </p:cNvPr>
+          <p:cNvSpPr>
+            <a:spLocks noGrp="1"/>
+          </p:cNvSpPr>
+          <p:nvPr>
+            <p:ph type="sldNum" sz="quarter" idx="12"/>
+          </p:nvPr>
+        </p:nvSpPr>
+        <p:spPr/>
+        <p:txBody>
+          <a:bodyPr/>
+          <a:lstStyle/>
+          <a:p>
+            <a:pPr algn="ctr"/>
+            <a:fld id="{4AE1E1EF-90A0-4171-8CF9-B3BC5042A8FC}" type="slidenum">
+              <a:rPr lang="ko-KR" altLang="en-US" smtClean="0"/>
+              <a:pPr algn="ctr"/>
+              <a:t>41</a:t>
+            </a:fld>
+            <a:endParaRPr lang="ko-KR" altLang="en-US"/>
+          </a:p>
+        </p:txBody>
+      </p:sp>
+      <p:pic>
+        <p:nvPicPr>
+          <p:cNvPr id="2050" name="Picture 2" descr="React Hooks 라이프 사이클의 다이어그램">
+            <a:extLst>
+              <a:ext uri="{FF2B5EF4-FFF2-40B4-BE49-F238E27FC236}">
+                <a16:creationId xmlns:a16="http://schemas.microsoft.com/office/drawing/2014/main" id="{C2913CAD-2428-4C28-9E8D-542F395F3C8B}"/>
+              </a:ext>
+            </a:extLst>
+          </p:cNvPr>
+          <p:cNvPicPr>
+            <a:picLocks noChangeAspect="1" noChangeArrowheads="1"/>
+          </p:cNvPicPr>
+          <p:nvPr/>
+        </p:nvPicPr>
+        <p:blipFill rotWithShape="1">
+          <a:blip r:embed="rId3">
+            <a:extLst>
+              <a:ext uri="{28A0092B-C50C-407E-A947-70E740481C1C}">
+                <a14:useLocalDpi xmlns:a14="http://schemas.microsoft.com/office/drawing/2010/main" val="0"/>
+              </a:ext>
+            </a:extLst>
+          </a:blip>
+          <a:srcRect l="17552" t="13828"/>
+          <a:stretch/>
+        </p:blipFill>
+        <p:spPr bwMode="auto">
+          <a:xfrm>
+            <a:off x="2057400" y="1273176"/>
+            <a:ext cx="7326917" cy="5276566"/>
+          </a:xfrm>
+          <a:prstGeom prst="rect">
+            <a:avLst/>
+          </a:prstGeom>
+          <a:noFill/>
+          <a:extLst>
+            <a:ext uri="{909E8E84-426E-40DD-AFC4-6F175D3DCCD1}">
+              <a14:hiddenFill xmlns:a14="http://schemas.microsoft.com/office/drawing/2010/main">
+                <a:solidFill>
+                  <a:srgbClr val="FFFFFF"/>
+                </a:solidFill>
+              </a14:hiddenFill>
+            </a:ext>
+          </a:extLst>
+        </p:spPr>
+      </p:pic>
+    </p:spTree>
+    <p:extLst>
+      <p:ext uri="{BB962C8B-B14F-4D97-AF65-F5344CB8AC3E}">
+        <p14:creationId xmlns:p14="http://schemas.microsoft.com/office/powerpoint/2010/main" val="2835335914"/>
+      </p:ext>
+    </p:extLst>
+  </p:cSld>
+  <p:clrMapOvr>
+    <a:masterClrMapping/>
+  </p:clrMapOvr>
+</p:sld>
+</file>
+
+<file path=ppt/slides/slide42.xml><?xml version="1.0" encoding="utf-8"?>
+<p:sld xmlns:a="http://schemas.openxmlformats.org/drawingml/2006/main" xmlns:r="http://schemas.openxmlformats.org/officeDocument/2006/relationships" xmlns:p="http://schemas.openxmlformats.org/presentationml/2006/main">
+  <p:cSld>
+    <p:spTree>
+      <p:nvGrpSpPr>
+        <p:cNvPr id="1" name=""/>
+        <p:cNvGrpSpPr/>
+        <p:nvPr/>
+      </p:nvGrpSpPr>
+      <p:grpSpPr>
+        <a:xfrm>
+          <a:off x="0" y="0"/>
+          <a:ext cx="0" cy="0"/>
+          <a:chOff x="0" y="0"/>
+          <a:chExt cx="0" cy="0"/>
+        </a:xfrm>
+      </p:grpSpPr>
       <p:sp>
         <p:nvSpPr>
           <p:cNvPr id="2" name="TextBox 1">
@@ -38670,7 +39827,7 @@
             <a:fld id="{4AE1E1EF-90A0-4171-8CF9-B3BC5042A8FC}" type="slidenum">
               <a:rPr lang="ko-KR" altLang="en-US" smtClean="0"/>
               <a:pPr algn="ctr"/>
-              <a:t>40</a:t>
+              <a:t>42</a:t>
             </a:fld>
             <a:endParaRPr lang="ko-KR" altLang="en-US"/>
           </a:p>

--- a/210201_React.pptx
+++ b/210201_React.pptx
@@ -24339,7 +24339,7 @@
           <a:p>
             <a:pPr algn="ctr"/>
             <a:r>
-              <a:rPr lang="ko-KR" altLang="en-US" sz="2800" b="1">
+              <a:rPr lang="en-US" altLang="ko-KR" sz="2800" b="1">
                 <a:ln>
                   <a:solidFill>
                     <a:schemeClr val="tx1">
@@ -24350,7 +24350,7 @@
                 <a:latin typeface="빙그레 메로나체" panose="020B0503000000000000" pitchFamily="50" charset="-127"/>
                 <a:ea typeface="빙그레 메로나체" panose="020B0503000000000000" pitchFamily="50" charset="-127"/>
               </a:rPr>
-              <a:t>목차 넣기</a:t>
+              <a:t>Index</a:t>
             </a:r>
             <a:endParaRPr lang="ko-KR" altLang="en-US" sz="3000">
               <a:ln>

--- a/210201_React.pptx
+++ b/210201_React.pptx
@@ -58,13 +58,18 @@
   <p:notesSz cx="6858000" cy="9144000"/>
   <p:embeddedFontLst>
     <p:embeddedFont>
+      <p:font typeface="맑은 고딕" panose="020B0503020000020004" pitchFamily="50" charset="-127"/>
+      <p:regular r:id="rId46"/>
+      <p:bold r:id="rId47"/>
+    </p:embeddedFont>
+    <p:embeddedFont>
       <p:font typeface="배달의민족 주아" panose="02020603020101020101" pitchFamily="18" charset="-127"/>
-      <p:regular r:id="rId46"/>
+      <p:regular r:id="rId48"/>
     </p:embeddedFont>
     <p:embeddedFont>
       <p:font typeface="빙그레 메로나체" panose="020B0503000000000000" pitchFamily="50" charset="-127"/>
-      <p:regular r:id="rId47"/>
-      <p:bold r:id="rId48"/>
+      <p:regular r:id="rId49"/>
+      <p:bold r:id="rId50"/>
     </p:embeddedFont>
   </p:embeddedFontLst>
   <p:defaultTextStyle>
@@ -24323,7 +24328,7 @@
         </p:nvSpPr>
         <p:spPr>
           <a:xfrm>
-            <a:off x="4098191" y="2233183"/>
+            <a:off x="4119850" y="1210498"/>
             <a:ext cx="3952300" cy="523220"/>
           </a:xfrm>
           <a:prstGeom prst="rect">
@@ -24363,6 +24368,317 @@
               <a:latin typeface="빙그레 메로나체" panose="020B0503000000000000" pitchFamily="50" charset="-127"/>
               <a:ea typeface="빙그레 메로나체" panose="020B0503000000000000" pitchFamily="50" charset="-127"/>
             </a:endParaRPr>
+          </a:p>
+        </p:txBody>
+      </p:sp>
+      <p:sp>
+        <p:nvSpPr>
+          <p:cNvPr id="3" name="TextBox 2">
+            <a:extLst>
+              <a:ext uri="{FF2B5EF4-FFF2-40B4-BE49-F238E27FC236}">
+                <a16:creationId xmlns:a16="http://schemas.microsoft.com/office/drawing/2014/main" id="{0DE1F84E-4DA8-476E-973E-AB5EA9003819}"/>
+              </a:ext>
+            </a:extLst>
+          </p:cNvPr>
+          <p:cNvSpPr txBox="1"/>
+          <p:nvPr/>
+        </p:nvSpPr>
+        <p:spPr>
+          <a:xfrm>
+            <a:off x="923183" y="2605846"/>
+            <a:ext cx="1860061" cy="830997"/>
+          </a:xfrm>
+          <a:prstGeom prst="rect">
+            <a:avLst/>
+          </a:prstGeom>
+          <a:noFill/>
+        </p:spPr>
+        <p:txBody>
+          <a:bodyPr wrap="none" rtlCol="0">
+            <a:spAutoFit/>
+          </a:bodyPr>
+          <a:lstStyle/>
+          <a:p>
+            <a:r>
+              <a:rPr lang="en-US" altLang="ko-KR" sz="2400">
+                <a:ln>
+                  <a:solidFill>
+                    <a:schemeClr val="tx1">
+                      <a:alpha val="30000"/>
+                    </a:schemeClr>
+                  </a:solidFill>
+                </a:ln>
+                <a:latin typeface="빙그레 메로나체" panose="020B0503000000000000" pitchFamily="50" charset="-127"/>
+                <a:ea typeface="빙그레 메로나체" panose="020B0503000000000000" pitchFamily="50" charset="-127"/>
+              </a:rPr>
+              <a:t>1. React?</a:t>
+            </a:r>
+          </a:p>
+          <a:p>
+            <a:r>
+              <a:rPr lang="en-US" altLang="ko-KR" sz="2400">
+                <a:ln>
+                  <a:solidFill>
+                    <a:schemeClr val="tx1">
+                      <a:alpha val="30000"/>
+                    </a:schemeClr>
+                  </a:solidFill>
+                </a:ln>
+                <a:latin typeface="빙그레 메로나체" panose="020B0503000000000000" pitchFamily="50" charset="-127"/>
+                <a:ea typeface="빙그레 메로나체" panose="020B0503000000000000" pitchFamily="50" charset="-127"/>
+              </a:rPr>
+              <a:t>2. Front end</a:t>
+            </a:r>
+          </a:p>
+        </p:txBody>
+      </p:sp>
+      <p:sp>
+        <p:nvSpPr>
+          <p:cNvPr id="5" name="TextBox 4">
+            <a:extLst>
+              <a:ext uri="{FF2B5EF4-FFF2-40B4-BE49-F238E27FC236}">
+                <a16:creationId xmlns:a16="http://schemas.microsoft.com/office/drawing/2014/main" id="{D136EB0E-8409-4864-997F-3EFAAC164948}"/>
+              </a:ext>
+            </a:extLst>
+          </p:cNvPr>
+          <p:cNvSpPr txBox="1"/>
+          <p:nvPr/>
+        </p:nvSpPr>
+        <p:spPr>
+          <a:xfrm>
+            <a:off x="7469160" y="2605846"/>
+            <a:ext cx="4400547" cy="1938992"/>
+          </a:xfrm>
+          <a:prstGeom prst="rect">
+            <a:avLst/>
+          </a:prstGeom>
+          <a:noFill/>
+        </p:spPr>
+        <p:txBody>
+          <a:bodyPr wrap="square">
+            <a:spAutoFit/>
+          </a:bodyPr>
+          <a:lstStyle/>
+          <a:p>
+            <a:r>
+              <a:rPr lang="en-US" altLang="ko-KR" sz="2400">
+                <a:ln>
+                  <a:solidFill>
+                    <a:schemeClr val="tx1">
+                      <a:alpha val="30000"/>
+                    </a:schemeClr>
+                  </a:solidFill>
+                </a:ln>
+                <a:latin typeface="빙그레 메로나체" panose="020B0503000000000000" pitchFamily="50" charset="-127"/>
+                <a:ea typeface="빙그레 메로나체" panose="020B0503000000000000" pitchFamily="50" charset="-127"/>
+              </a:rPr>
+              <a:t>4. Webpack</a:t>
+            </a:r>
+          </a:p>
+          <a:p>
+            <a:r>
+              <a:rPr lang="en-US" altLang="ko-KR" sz="2400">
+                <a:ln>
+                  <a:solidFill>
+                    <a:schemeClr val="tx1">
+                      <a:alpha val="30000"/>
+                    </a:schemeClr>
+                  </a:solidFill>
+                </a:ln>
+                <a:latin typeface="빙그레 메로나체" panose="020B0503000000000000" pitchFamily="50" charset="-127"/>
+                <a:ea typeface="빙그레 메로나체" panose="020B0503000000000000" pitchFamily="50" charset="-127"/>
+              </a:rPr>
+              <a:t>5. Babel</a:t>
+            </a:r>
+          </a:p>
+          <a:p>
+            <a:r>
+              <a:rPr lang="en-US" altLang="ko-KR" sz="2400">
+                <a:ln>
+                  <a:solidFill>
+                    <a:schemeClr val="tx1">
+                      <a:alpha val="30000"/>
+                    </a:schemeClr>
+                  </a:solidFill>
+                </a:ln>
+                <a:latin typeface="빙그레 메로나체" panose="020B0503000000000000" pitchFamily="50" charset="-127"/>
+                <a:ea typeface="빙그레 메로나체" panose="020B0503000000000000" pitchFamily="50" charset="-127"/>
+              </a:rPr>
+              <a:t>6. Create React App</a:t>
+            </a:r>
+          </a:p>
+          <a:p>
+            <a:r>
+              <a:rPr lang="en-US" altLang="ko-KR" sz="2400">
+                <a:ln>
+                  <a:solidFill>
+                    <a:schemeClr val="tx1">
+                      <a:alpha val="30000"/>
+                    </a:schemeClr>
+                  </a:solidFill>
+                </a:ln>
+                <a:latin typeface="빙그레 메로나체" panose="020B0503000000000000" pitchFamily="50" charset="-127"/>
+                <a:ea typeface="빙그레 메로나체" panose="020B0503000000000000" pitchFamily="50" charset="-127"/>
+              </a:rPr>
+              <a:t>7. Class, Function Component</a:t>
+            </a:r>
+          </a:p>
+          <a:p>
+            <a:r>
+              <a:rPr lang="en-US" altLang="ko-KR" sz="2400">
+                <a:ln>
+                  <a:solidFill>
+                    <a:schemeClr val="tx1">
+                      <a:alpha val="30000"/>
+                    </a:schemeClr>
+                  </a:solidFill>
+                </a:ln>
+                <a:latin typeface="빙그레 메로나체" panose="020B0503000000000000" pitchFamily="50" charset="-127"/>
+                <a:ea typeface="빙그레 메로나체" panose="020B0503000000000000" pitchFamily="50" charset="-127"/>
+              </a:rPr>
+              <a:t>8. Lifecycle</a:t>
+            </a:r>
+          </a:p>
+        </p:txBody>
+      </p:sp>
+      <p:sp>
+        <p:nvSpPr>
+          <p:cNvPr id="11" name="TextBox 10">
+            <a:extLst>
+              <a:ext uri="{FF2B5EF4-FFF2-40B4-BE49-F238E27FC236}">
+                <a16:creationId xmlns:a16="http://schemas.microsoft.com/office/drawing/2014/main" id="{CAE5FA18-B0F3-4C41-95CB-31125F24D9FD}"/>
+              </a:ext>
+            </a:extLst>
+          </p:cNvPr>
+          <p:cNvSpPr txBox="1"/>
+          <p:nvPr/>
+        </p:nvSpPr>
+        <p:spPr>
+          <a:xfrm>
+            <a:off x="3301537" y="2605846"/>
+            <a:ext cx="3649330" cy="2677656"/>
+          </a:xfrm>
+          <a:prstGeom prst="rect">
+            <a:avLst/>
+          </a:prstGeom>
+          <a:noFill/>
+        </p:spPr>
+        <p:txBody>
+          <a:bodyPr wrap="square">
+            <a:spAutoFit/>
+          </a:bodyPr>
+          <a:lstStyle/>
+          <a:p>
+            <a:r>
+              <a:rPr lang="en-US" altLang="ko-KR" sz="2400">
+                <a:ln>
+                  <a:solidFill>
+                    <a:schemeClr val="tx1">
+                      <a:alpha val="30000"/>
+                    </a:schemeClr>
+                  </a:solidFill>
+                </a:ln>
+                <a:latin typeface="빙그레 메로나체" panose="020B0503000000000000" pitchFamily="50" charset="-127"/>
+                <a:ea typeface="빙그레 메로나체" panose="020B0503000000000000" pitchFamily="50" charset="-127"/>
+              </a:rPr>
+              <a:t>3. Characteristic</a:t>
+            </a:r>
+          </a:p>
+          <a:p>
+            <a:r>
+              <a:rPr lang="en-US" altLang="ko-KR" sz="2400">
+                <a:ln>
+                  <a:solidFill>
+                    <a:schemeClr val="tx1">
+                      <a:alpha val="30000"/>
+                    </a:schemeClr>
+                  </a:solidFill>
+                </a:ln>
+                <a:latin typeface="빙그레 메로나체" panose="020B0503000000000000" pitchFamily="50" charset="-127"/>
+                <a:ea typeface="빙그레 메로나체" panose="020B0503000000000000" pitchFamily="50" charset="-127"/>
+              </a:rPr>
+              <a:t>  - Component</a:t>
+            </a:r>
+          </a:p>
+          <a:p>
+            <a:r>
+              <a:rPr lang="en-US" altLang="ko-KR" sz="2400">
+                <a:ln>
+                  <a:solidFill>
+                    <a:schemeClr val="tx1">
+                      <a:alpha val="30000"/>
+                    </a:schemeClr>
+                  </a:solidFill>
+                </a:ln>
+                <a:latin typeface="빙그레 메로나체" panose="020B0503000000000000" pitchFamily="50" charset="-127"/>
+                <a:ea typeface="빙그레 메로나체" panose="020B0503000000000000" pitchFamily="50" charset="-127"/>
+              </a:rPr>
+              <a:t>  - JSX</a:t>
+            </a:r>
+          </a:p>
+          <a:p>
+            <a:r>
+              <a:rPr lang="en-US" altLang="ko-KR" sz="2400">
+                <a:ln>
+                  <a:solidFill>
+                    <a:schemeClr val="tx1">
+                      <a:alpha val="30000"/>
+                    </a:schemeClr>
+                  </a:solidFill>
+                </a:ln>
+                <a:latin typeface="빙그레 메로나체" panose="020B0503000000000000" pitchFamily="50" charset="-127"/>
+                <a:ea typeface="빙그레 메로나체" panose="020B0503000000000000" pitchFamily="50" charset="-127"/>
+              </a:rPr>
+              <a:t>  - Virtual DOM</a:t>
+            </a:r>
+          </a:p>
+          <a:p>
+            <a:r>
+              <a:rPr lang="en-US" altLang="ko-KR" sz="2400">
+                <a:ln>
+                  <a:solidFill>
+                    <a:schemeClr val="tx1">
+                      <a:alpha val="30000"/>
+                    </a:schemeClr>
+                  </a:solidFill>
+                </a:ln>
+                <a:latin typeface="빙그레 메로나체" panose="020B0503000000000000" pitchFamily="50" charset="-127"/>
+                <a:ea typeface="빙그레 메로나체" panose="020B0503000000000000" pitchFamily="50" charset="-127"/>
+              </a:rPr>
+              <a:t>  - One way data binding</a:t>
+            </a:r>
+          </a:p>
+          <a:p>
+            <a:r>
+              <a:rPr lang="en-US" altLang="ko-KR" sz="2400">
+                <a:ln>
+                  <a:solidFill>
+                    <a:schemeClr val="tx1">
+                      <a:alpha val="30000"/>
+                    </a:schemeClr>
+                  </a:solidFill>
+                </a:ln>
+                <a:latin typeface="빙그레 메로나체" panose="020B0503000000000000" pitchFamily="50" charset="-127"/>
+                <a:ea typeface="빙그레 메로나체" panose="020B0503000000000000" pitchFamily="50" charset="-127"/>
+              </a:rPr>
+              <a:t>  - Community</a:t>
+            </a:r>
+          </a:p>
+          <a:p>
+            <a:r>
+              <a:rPr lang="en-US" altLang="ko-KR" sz="2400">
+                <a:ln>
+                  <a:solidFill>
+                    <a:schemeClr val="tx1">
+                      <a:alpha val="30000"/>
+                    </a:schemeClr>
+                  </a:solidFill>
+                </a:ln>
+                <a:latin typeface="빙그레 메로나체" panose="020B0503000000000000" pitchFamily="50" charset="-127"/>
+                <a:ea typeface="빙그레 메로나체" panose="020B0503000000000000" pitchFamily="50" charset="-127"/>
+              </a:rPr>
+              <a:t>  - React Native</a:t>
+            </a:r>
           </a:p>
         </p:txBody>
       </p:sp>
@@ -35550,7 +35866,7 @@
                 <a:latin typeface="빙그레 메로나체" panose="020B0503000000000000" pitchFamily="50" charset="-127"/>
                 <a:ea typeface="빙그레 메로나체" panose="020B0503000000000000" pitchFamily="50" charset="-127"/>
               </a:rPr>
-              <a:t>BABEL</a:t>
+              <a:t>Babel</a:t>
             </a:r>
           </a:p>
         </p:txBody>
@@ -35938,7 +36254,7 @@
                 <a:latin typeface="빙그레 메로나체" panose="020B0503000000000000" pitchFamily="50" charset="-127"/>
                 <a:ea typeface="빙그레 메로나체" panose="020B0503000000000000" pitchFamily="50" charset="-127"/>
               </a:rPr>
-              <a:t>create-react-app</a:t>
+              <a:t>Create React App</a:t>
             </a:r>
           </a:p>
         </p:txBody>
@@ -36367,7 +36683,7 @@
                 <a:latin typeface="빙그레 메로나체" panose="020B0503000000000000" pitchFamily="50" charset="-127"/>
                 <a:ea typeface="빙그레 메로나체" panose="020B0503000000000000" pitchFamily="50" charset="-127"/>
               </a:rPr>
-              <a:t>class component, function component</a:t>
+              <a:t>Class Component, Function Component</a:t>
             </a:r>
           </a:p>
         </p:txBody>
@@ -38073,7 +38389,7 @@
                 <a:latin typeface="빙그레 메로나체" panose="020B0503000000000000" pitchFamily="50" charset="-127"/>
                 <a:ea typeface="빙그레 메로나체" panose="020B0503000000000000" pitchFamily="50" charset="-127"/>
               </a:rPr>
-              <a:t>class component, function component</a:t>
+              <a:t>Class Component, Function Component</a:t>
             </a:r>
           </a:p>
         </p:txBody>
@@ -39391,7 +39707,7 @@
         </p:blipFill>
         <p:spPr bwMode="auto">
           <a:xfrm>
-            <a:off x="1118940" y="1696453"/>
+            <a:off x="1783110" y="1696453"/>
             <a:ext cx="9692578" cy="4171126"/>
           </a:xfrm>
           <a:prstGeom prst="rect">
@@ -39649,7 +39965,7 @@
                 <a:latin typeface="빙그레 메로나체" panose="020B0503000000000000" pitchFamily="50" charset="-127"/>
                 <a:ea typeface="빙그레 메로나체" panose="020B0503000000000000" pitchFamily="50" charset="-127"/>
               </a:rPr>
-              <a:t>Lifecycle - Hooks</a:t>
+              <a:t>Lifecycle</a:t>
             </a:r>
           </a:p>
         </p:txBody>
@@ -39712,7 +40028,7 @@
         </p:blipFill>
         <p:spPr bwMode="auto">
           <a:xfrm>
-            <a:off x="2057400" y="1273176"/>
+            <a:off x="2839448" y="1393493"/>
             <a:ext cx="7326917" cy="5276566"/>
           </a:xfrm>
           <a:prstGeom prst="rect">
@@ -39730,6 +40046,58 @@
           </a:extLst>
         </p:spPr>
       </p:pic>
+      <p:sp>
+        <p:nvSpPr>
+          <p:cNvPr id="13" name="TextBox 12">
+            <a:extLst>
+              <a:ext uri="{FF2B5EF4-FFF2-40B4-BE49-F238E27FC236}">
+                <a16:creationId xmlns:a16="http://schemas.microsoft.com/office/drawing/2014/main" id="{32582ECC-2D55-45DC-87A1-62E252FC1A3A}"/>
+              </a:ext>
+            </a:extLst>
+          </p:cNvPr>
+          <p:cNvSpPr txBox="1"/>
+          <p:nvPr/>
+        </p:nvSpPr>
+        <p:spPr>
+          <a:xfrm>
+            <a:off x="509536" y="1393493"/>
+            <a:ext cx="2018298" cy="461665"/>
+          </a:xfrm>
+          <a:prstGeom prst="rect">
+            <a:avLst/>
+          </a:prstGeom>
+          <a:solidFill>
+            <a:schemeClr val="accent2">
+              <a:lumMod val="20000"/>
+              <a:lumOff val="80000"/>
+            </a:schemeClr>
+          </a:solidFill>
+        </p:spPr>
+        <p:txBody>
+          <a:bodyPr wrap="square">
+            <a:spAutoFit/>
+          </a:bodyPr>
+          <a:lstStyle/>
+          <a:p>
+            <a:pPr algn="ctr"/>
+            <a:r>
+              <a:rPr lang="en-US" altLang="ko-KR" sz="2400">
+                <a:ln>
+                  <a:solidFill>
+                    <a:schemeClr val="tx1">
+                      <a:alpha val="30000"/>
+                    </a:schemeClr>
+                  </a:solidFill>
+                </a:ln>
+                <a:latin typeface="빙그레 메로나체" panose="020B0503000000000000" pitchFamily="50" charset="-127"/>
+                <a:ea typeface="빙그레 메로나체" panose="020B0503000000000000" pitchFamily="50" charset="-127"/>
+              </a:rPr>
+              <a:t>Hooks</a:t>
+            </a:r>
+            <a:endParaRPr lang="ko-KR" altLang="en-US" sz="2400"/>
+          </a:p>
+        </p:txBody>
+      </p:sp>
     </p:spTree>
     <p:extLst>
       <p:ext uri="{BB962C8B-B14F-4D97-AF65-F5344CB8AC3E}">

--- a/210201_React.pptx
+++ b/210201_React.pptx
@@ -275,7 +275,7 @@
                 <a:latin typeface="빙그레 메로나체" panose="020B0503000000000000" pitchFamily="50" charset="-127"/>
                 <a:ea typeface="빙그레 메로나체" panose="020B0503000000000000" pitchFamily="50" charset="-127"/>
               </a:rPr>
-              <a:t>21-02-01(Mon)</a:t>
+              <a:t>21-02-02(Tue)</a:t>
             </a:fld>
             <a:endParaRPr lang="ko-KR" altLang="en-US">
               <a:latin typeface="빙그레 메로나체" panose="020B0503000000000000" pitchFamily="50" charset="-127"/>
@@ -472,7 +472,7 @@
             <a:fld id="{4603488D-D3EA-41C9-A985-B1D359B38FE8}" type="datetimeFigureOut">
               <a:rPr lang="ko-KR" altLang="en-US" smtClean="0"/>
               <a:pPr/>
-              <a:t>21-02-01(Mon)</a:t>
+              <a:t>21-02-02(Tue)</a:t>
             </a:fld>
             <a:endParaRPr lang="ko-KR" altLang="en-US"/>
           </a:p>
@@ -1518,7 +1518,7 @@
                 <a:effectLst/>
                 <a:latin typeface="빙그레 메로나체" panose="020B0503000000000000" pitchFamily="50" charset="-127"/>
               </a:rPr>
-              <a:t>JSX</a:t>
+              <a:t>JSX </a:t>
             </a:r>
             <a:r>
               <a:rPr lang="ko-KR" altLang="en-US" b="0" i="0">
@@ -1528,7 +1528,7 @@
                 <a:effectLst/>
                 <a:latin typeface="빙그레 메로나체" panose="020B0503000000000000" pitchFamily="50" charset="-127"/>
               </a:rPr>
-              <a:t>의 중괄호 안에 유효한 </a:t>
+              <a:t>표현식은 </a:t>
             </a:r>
             <a:r>
               <a:rPr lang="en-US" altLang="ko-KR" b="0" i="0">
@@ -1548,7 +1548,7 @@
                 <a:effectLst/>
                 <a:latin typeface="빙그레 메로나체" panose="020B0503000000000000" pitchFamily="50" charset="-127"/>
               </a:rPr>
-              <a:t>표현식을 넣을 수 있음</a:t>
+              <a:t>객체로 평가</a:t>
             </a:r>
             <a:endParaRPr lang="ko-KR" altLang="en-US"/>
           </a:p>
@@ -2176,6 +2176,26 @@
           <a:bodyPr/>
           <a:lstStyle/>
           <a:p>
+            <a:r>
+              <a:rPr lang="en-US" altLang="ko-KR" b="0" i="0">
+                <a:solidFill>
+                  <a:srgbClr val="000000"/>
+                </a:solidFill>
+                <a:effectLst/>
+                <a:latin typeface="빙그레 메로나체" panose="020B0503000000000000" pitchFamily="50" charset="-127"/>
+              </a:rPr>
+              <a:t>JSX</a:t>
+            </a:r>
+            <a:r>
+              <a:rPr lang="ko-KR" altLang="en-US" b="0" i="0">
+                <a:solidFill>
+                  <a:srgbClr val="000000"/>
+                </a:solidFill>
+                <a:effectLst/>
+                <a:latin typeface="빙그레 메로나체" panose="020B0503000000000000" pitchFamily="50" charset="-127"/>
+              </a:rPr>
+              <a:t>는 객체를 나타냄</a:t>
+            </a:r>
             <a:endParaRPr lang="en-US" altLang="ko-KR" b="0" i="0">
               <a:solidFill>
                 <a:srgbClr val="000000"/>
@@ -7371,7 +7391,7 @@
           <a:p>
             <a:r>
               <a:rPr lang="ko-KR" altLang="en-US"/>
-              <a:t>스벨트 커뮤니티 리소스 다른것들에 비해 적지만 생긴지 얼마안됬지만 많은편</a:t>
+              <a:t>스벨트 커뮤니티 리소스 다른것들에 비해 적지만 빠른 속도로 증가중</a:t>
             </a:r>
           </a:p>
         </p:txBody>
@@ -7821,7 +7841,7 @@
           <a:p>
             <a:fld id="{7DC6197A-B81F-4CAF-8F9E-3C147E2873D6}" type="datetime1">
               <a:rPr lang="ko-KR" altLang="en-US" smtClean="0"/>
-              <a:t>21-02-01(Mon)</a:t>
+              <a:t>21-02-02(Tue)</a:t>
             </a:fld>
             <a:endParaRPr lang="ko-KR" altLang="en-US"/>
           </a:p>
@@ -8040,7 +8060,7 @@
           <a:p>
             <a:fld id="{2E9FEE90-94DC-4A70-8DB6-77140FDC4928}" type="datetime1">
               <a:rPr lang="ko-KR" altLang="en-US" smtClean="0"/>
-              <a:t>21-02-01(Mon)</a:t>
+              <a:t>21-02-02(Tue)</a:t>
             </a:fld>
             <a:endParaRPr lang="ko-KR" altLang="en-US"/>
           </a:p>
@@ -8248,7 +8268,7 @@
           <a:p>
             <a:fld id="{35B46D19-C2B4-4F76-8EC4-654FF4D1B867}" type="datetime1">
               <a:rPr lang="ko-KR" altLang="en-US" smtClean="0"/>
-              <a:t>21-02-01(Mon)</a:t>
+              <a:t>21-02-02(Tue)</a:t>
             </a:fld>
             <a:endParaRPr lang="ko-KR" altLang="en-US"/>
           </a:p>
@@ -8446,7 +8466,7 @@
           <a:p>
             <a:fld id="{C373018D-A7B2-4FBD-B6A9-55243D35BED3}" type="datetime1">
               <a:rPr lang="ko-KR" altLang="en-US" smtClean="0"/>
-              <a:t>21-02-01(Mon)</a:t>
+              <a:t>21-02-02(Tue)</a:t>
             </a:fld>
             <a:endParaRPr lang="ko-KR" altLang="en-US"/>
           </a:p>
@@ -8721,7 +8741,7 @@
           <a:p>
             <a:fld id="{4435D3D0-A066-4F71-AFF5-8B496FFE7BCA}" type="datetime1">
               <a:rPr lang="ko-KR" altLang="en-US" smtClean="0"/>
-              <a:t>21-02-01(Mon)</a:t>
+              <a:t>21-02-02(Tue)</a:t>
             </a:fld>
             <a:endParaRPr lang="ko-KR" altLang="en-US"/>
           </a:p>
@@ -8986,7 +9006,7 @@
           <a:p>
             <a:fld id="{365C1C25-AAFE-4B7A-972A-986C48C551DC}" type="datetime1">
               <a:rPr lang="ko-KR" altLang="en-US" smtClean="0"/>
-              <a:t>21-02-01(Mon)</a:t>
+              <a:t>21-02-02(Tue)</a:t>
             </a:fld>
             <a:endParaRPr lang="ko-KR" altLang="en-US"/>
           </a:p>
@@ -9398,7 +9418,7 @@
           <a:p>
             <a:fld id="{81CD69AD-8091-45FF-A7FD-D5E8A83B14A6}" type="datetime1">
               <a:rPr lang="ko-KR" altLang="en-US" smtClean="0"/>
-              <a:t>21-02-01(Mon)</a:t>
+              <a:t>21-02-02(Tue)</a:t>
             </a:fld>
             <a:endParaRPr lang="ko-KR" altLang="en-US"/>
           </a:p>
@@ -9539,7 +9559,7 @@
           <a:p>
             <a:fld id="{16E1BF7E-2A53-4D85-AD06-DBD10CF13045}" type="datetime1">
               <a:rPr lang="ko-KR" altLang="en-US" smtClean="0"/>
-              <a:t>21-02-01(Mon)</a:t>
+              <a:t>21-02-02(Tue)</a:t>
             </a:fld>
             <a:endParaRPr lang="ko-KR" altLang="en-US"/>
           </a:p>
@@ -9652,7 +9672,7 @@
           <a:p>
             <a:fld id="{D7EEE6D7-F07E-4CE2-AFD1-E0ADDB02E34F}" type="datetime1">
               <a:rPr lang="ko-KR" altLang="en-US" smtClean="0"/>
-              <a:t>21-02-01(Mon)</a:t>
+              <a:t>21-02-02(Tue)</a:t>
             </a:fld>
             <a:endParaRPr lang="ko-KR" altLang="en-US"/>
           </a:p>
@@ -9963,7 +9983,7 @@
           <a:p>
             <a:fld id="{022DB226-797E-4714-A363-EB143067361E}" type="datetime1">
               <a:rPr lang="ko-KR" altLang="en-US" smtClean="0"/>
-              <a:t>21-02-01(Mon)</a:t>
+              <a:t>21-02-02(Tue)</a:t>
             </a:fld>
             <a:endParaRPr lang="ko-KR" altLang="en-US"/>
           </a:p>
@@ -10251,7 +10271,7 @@
           <a:p>
             <a:fld id="{2946DBEB-5FFE-47E0-9C69-4E429AFA7594}" type="datetime1">
               <a:rPr lang="ko-KR" altLang="en-US" smtClean="0"/>
-              <a:t>21-02-01(Mon)</a:t>
+              <a:t>21-02-02(Tue)</a:t>
             </a:fld>
             <a:endParaRPr lang="ko-KR" altLang="en-US"/>
           </a:p>
@@ -10498,7 +10518,7 @@
             <a:fld id="{932790BA-7C09-43EA-8E7D-6E5A6153DBF0}" type="datetime1">
               <a:rPr lang="ko-KR" altLang="en-US" smtClean="0"/>
               <a:pPr/>
-              <a:t>21-02-01(Mon)</a:t>
+              <a:t>21-02-02(Tue)</a:t>
             </a:fld>
             <a:endParaRPr lang="ko-KR" altLang="en-US"/>
           </a:p>
@@ -11300,886 +11320,6 @@
           <a:chExt cx="0" cy="0"/>
         </a:xfrm>
       </p:grpSpPr>
-      <p:sp>
-        <p:nvSpPr>
-          <p:cNvPr id="116" name="사각형: 둥근 모서리 115">
-            <a:extLst>
-              <a:ext uri="{FF2B5EF4-FFF2-40B4-BE49-F238E27FC236}">
-                <a16:creationId xmlns:a16="http://schemas.microsoft.com/office/drawing/2014/main" id="{DE8D05FA-7FE1-46E7-972F-D0764F65E96C}"/>
-              </a:ext>
-            </a:extLst>
-          </p:cNvPr>
-          <p:cNvSpPr/>
-          <p:nvPr/>
-        </p:nvSpPr>
-        <p:spPr>
-          <a:xfrm>
-            <a:off x="3423131" y="4371544"/>
-            <a:ext cx="5345738" cy="1803789"/>
-          </a:xfrm>
-          <a:prstGeom prst="roundRect">
-            <a:avLst/>
-          </a:prstGeom>
-          <a:solidFill>
-            <a:schemeClr val="accent6">
-              <a:lumMod val="20000"/>
-              <a:lumOff val="80000"/>
-            </a:schemeClr>
-          </a:solidFill>
-          <a:ln>
-            <a:noFill/>
-          </a:ln>
-        </p:spPr>
-        <p:style>
-          <a:lnRef idx="2">
-            <a:schemeClr val="accent1">
-              <a:shade val="50000"/>
-            </a:schemeClr>
-          </a:lnRef>
-          <a:fillRef idx="1">
-            <a:schemeClr val="accent1"/>
-          </a:fillRef>
-          <a:effectRef idx="0">
-            <a:schemeClr val="accent1"/>
-          </a:effectRef>
-          <a:fontRef idx="minor">
-            <a:schemeClr val="lt1"/>
-          </a:fontRef>
-        </p:style>
-        <p:txBody>
-          <a:bodyPr rtlCol="0" anchor="ctr"/>
-          <a:lstStyle/>
-          <a:p>
-            <a:pPr algn="ctr"/>
-            <a:endParaRPr lang="ko-KR" altLang="en-US">
-              <a:latin typeface="빙그레 메로나체" panose="020B0503000000000000" pitchFamily="50" charset="-127"/>
-              <a:ea typeface="빙그레 메로나체" panose="020B0503000000000000" pitchFamily="50" charset="-127"/>
-            </a:endParaRPr>
-          </a:p>
-        </p:txBody>
-      </p:sp>
-      <p:sp>
-        <p:nvSpPr>
-          <p:cNvPr id="115" name="사각형: 둥근 모서리 114">
-            <a:extLst>
-              <a:ext uri="{FF2B5EF4-FFF2-40B4-BE49-F238E27FC236}">
-                <a16:creationId xmlns:a16="http://schemas.microsoft.com/office/drawing/2014/main" id="{47E1DF4F-4C44-47B4-AB2F-AA5A66C49202}"/>
-              </a:ext>
-            </a:extLst>
-          </p:cNvPr>
-          <p:cNvSpPr/>
-          <p:nvPr/>
-        </p:nvSpPr>
-        <p:spPr>
-          <a:xfrm>
-            <a:off x="6281742" y="2088460"/>
-            <a:ext cx="5345738" cy="1803789"/>
-          </a:xfrm>
-          <a:prstGeom prst="roundRect">
-            <a:avLst/>
-          </a:prstGeom>
-          <a:solidFill>
-            <a:schemeClr val="accent2">
-              <a:lumMod val="20000"/>
-              <a:lumOff val="80000"/>
-            </a:schemeClr>
-          </a:solidFill>
-          <a:ln>
-            <a:noFill/>
-          </a:ln>
-        </p:spPr>
-        <p:style>
-          <a:lnRef idx="2">
-            <a:schemeClr val="accent1">
-              <a:shade val="50000"/>
-            </a:schemeClr>
-          </a:lnRef>
-          <a:fillRef idx="1">
-            <a:schemeClr val="accent1"/>
-          </a:fillRef>
-          <a:effectRef idx="0">
-            <a:schemeClr val="accent1"/>
-          </a:effectRef>
-          <a:fontRef idx="minor">
-            <a:schemeClr val="lt1"/>
-          </a:fontRef>
-        </p:style>
-        <p:txBody>
-          <a:bodyPr rtlCol="0" anchor="ctr"/>
-          <a:lstStyle/>
-          <a:p>
-            <a:pPr algn="ctr"/>
-            <a:endParaRPr lang="ko-KR" altLang="en-US">
-              <a:latin typeface="빙그레 메로나체" panose="020B0503000000000000" pitchFamily="50" charset="-127"/>
-              <a:ea typeface="빙그레 메로나체" panose="020B0503000000000000" pitchFamily="50" charset="-127"/>
-            </a:endParaRPr>
-          </a:p>
-        </p:txBody>
-      </p:sp>
-      <p:sp>
-        <p:nvSpPr>
-          <p:cNvPr id="4" name="사각형: 둥근 모서리 3">
-            <a:extLst>
-              <a:ext uri="{FF2B5EF4-FFF2-40B4-BE49-F238E27FC236}">
-                <a16:creationId xmlns:a16="http://schemas.microsoft.com/office/drawing/2014/main" id="{87FDBC5C-697A-4DC4-ABAF-82A6255037FA}"/>
-              </a:ext>
-            </a:extLst>
-          </p:cNvPr>
-          <p:cNvSpPr/>
-          <p:nvPr/>
-        </p:nvSpPr>
-        <p:spPr>
-          <a:xfrm>
-            <a:off x="328246" y="2088460"/>
-            <a:ext cx="5345738" cy="1803789"/>
-          </a:xfrm>
-          <a:prstGeom prst="roundRect">
-            <a:avLst/>
-          </a:prstGeom>
-          <a:solidFill>
-            <a:schemeClr val="accent4">
-              <a:lumMod val="20000"/>
-              <a:lumOff val="80000"/>
-            </a:schemeClr>
-          </a:solidFill>
-          <a:ln>
-            <a:noFill/>
-          </a:ln>
-        </p:spPr>
-        <p:style>
-          <a:lnRef idx="2">
-            <a:schemeClr val="accent1">
-              <a:shade val="50000"/>
-            </a:schemeClr>
-          </a:lnRef>
-          <a:fillRef idx="1">
-            <a:schemeClr val="accent1"/>
-          </a:fillRef>
-          <a:effectRef idx="0">
-            <a:schemeClr val="accent1"/>
-          </a:effectRef>
-          <a:fontRef idx="minor">
-            <a:schemeClr val="lt1"/>
-          </a:fontRef>
-        </p:style>
-        <p:txBody>
-          <a:bodyPr rtlCol="0" anchor="ctr"/>
-          <a:lstStyle/>
-          <a:p>
-            <a:pPr algn="ctr"/>
-            <a:endParaRPr lang="ko-KR" altLang="en-US">
-              <a:latin typeface="빙그레 메로나체" panose="020B0503000000000000" pitchFamily="50" charset="-127"/>
-              <a:ea typeface="빙그레 메로나체" panose="020B0503000000000000" pitchFamily="50" charset="-127"/>
-            </a:endParaRPr>
-          </a:p>
-        </p:txBody>
-      </p:sp>
-      <p:grpSp>
-        <p:nvGrpSpPr>
-          <p:cNvPr id="63" name="그룹 62">
-            <a:extLst>
-              <a:ext uri="{FF2B5EF4-FFF2-40B4-BE49-F238E27FC236}">
-                <a16:creationId xmlns:a16="http://schemas.microsoft.com/office/drawing/2014/main" id="{4AEFB4A8-E6F3-464D-865D-D6CE965C0F15}"/>
-              </a:ext>
-            </a:extLst>
-          </p:cNvPr>
-          <p:cNvGrpSpPr/>
-          <p:nvPr/>
-        </p:nvGrpSpPr>
-        <p:grpSpPr>
-          <a:xfrm>
-            <a:off x="6537009" y="2811186"/>
-            <a:ext cx="713866" cy="833772"/>
-            <a:chOff x="763012" y="2493381"/>
-            <a:chExt cx="1158240" cy="1352788"/>
-          </a:xfrm>
-        </p:grpSpPr>
-        <p:pic>
-          <p:nvPicPr>
-            <p:cNvPr id="68" name="Picture 8">
-              <a:extLst>
-                <a:ext uri="{FF2B5EF4-FFF2-40B4-BE49-F238E27FC236}">
-                  <a16:creationId xmlns:a16="http://schemas.microsoft.com/office/drawing/2014/main" id="{8DEC1A31-3985-4427-AA5E-A5A402B6C333}"/>
-                </a:ext>
-              </a:extLst>
-            </p:cNvPr>
-            <p:cNvPicPr>
-              <a:picLocks noChangeAspect="1" noChangeArrowheads="1"/>
-            </p:cNvPicPr>
-            <p:nvPr/>
-          </p:nvPicPr>
-          <p:blipFill>
-            <a:blip r:embed="rId3">
-              <a:extLst>
-                <a:ext uri="{28A0092B-C50C-407E-A947-70E740481C1C}">
-                  <a14:useLocalDpi xmlns:a14="http://schemas.microsoft.com/office/drawing/2010/main" val="0"/>
-                </a:ext>
-              </a:extLst>
-            </a:blip>
-            <a:srcRect/>
-            <a:stretch>
-              <a:fillRect/>
-            </a:stretch>
-          </p:blipFill>
-          <p:spPr bwMode="auto">
-            <a:xfrm>
-              <a:off x="984340" y="2493381"/>
-              <a:ext cx="687168" cy="827360"/>
-            </a:xfrm>
-            <a:prstGeom prst="rect">
-              <a:avLst/>
-            </a:prstGeom>
-            <a:noFill/>
-            <a:extLst>
-              <a:ext uri="{909E8E84-426E-40DD-AFC4-6F175D3DCCD1}">
-                <a14:hiddenFill xmlns:a14="http://schemas.microsoft.com/office/drawing/2010/main">
-                  <a:solidFill>
-                    <a:srgbClr val="FFFFFF"/>
-                  </a:solidFill>
-                </a14:hiddenFill>
-              </a:ext>
-            </a:extLst>
-          </p:spPr>
-        </p:pic>
-        <p:sp>
-          <p:nvSpPr>
-            <p:cNvPr id="69" name="TextBox 68">
-              <a:extLst>
-                <a:ext uri="{FF2B5EF4-FFF2-40B4-BE49-F238E27FC236}">
-                  <a16:creationId xmlns:a16="http://schemas.microsoft.com/office/drawing/2014/main" id="{0AE77898-A670-4AF9-9338-40026AA804B3}"/>
-                </a:ext>
-              </a:extLst>
-            </p:cNvPr>
-            <p:cNvSpPr txBox="1"/>
-            <p:nvPr/>
-          </p:nvSpPr>
-          <p:spPr>
-            <a:xfrm>
-              <a:off x="763012" y="3296868"/>
-              <a:ext cx="1158240" cy="549301"/>
-            </a:xfrm>
-            <a:prstGeom prst="rect">
-              <a:avLst/>
-            </a:prstGeom>
-            <a:noFill/>
-          </p:spPr>
-          <p:txBody>
-            <a:bodyPr wrap="square" rtlCol="0">
-              <a:spAutoFit/>
-            </a:bodyPr>
-            <a:lstStyle/>
-            <a:p>
-              <a:pPr algn="ctr"/>
-              <a:r>
-                <a:rPr lang="en-US" altLang="ko-KR" sz="1600">
-                  <a:ln>
-                    <a:solidFill>
-                      <a:schemeClr val="tx1">
-                        <a:alpha val="30000"/>
-                      </a:schemeClr>
-                    </a:solidFill>
-                  </a:ln>
-                  <a:latin typeface="빙그레 메로나체" panose="020B0503000000000000" pitchFamily="50" charset="-127"/>
-                  <a:ea typeface="빙그레 메로나체" panose="020B0503000000000000" pitchFamily="50" charset="-127"/>
-                </a:rPr>
-                <a:t>Svelte</a:t>
-              </a:r>
-            </a:p>
-          </p:txBody>
-        </p:sp>
-      </p:grpSp>
-      <p:grpSp>
-        <p:nvGrpSpPr>
-          <p:cNvPr id="62" name="그룹 61">
-            <a:extLst>
-              <a:ext uri="{FF2B5EF4-FFF2-40B4-BE49-F238E27FC236}">
-                <a16:creationId xmlns:a16="http://schemas.microsoft.com/office/drawing/2014/main" id="{131E2EAC-3ACC-40EF-8C3F-C0A75FD20C11}"/>
-              </a:ext>
-            </a:extLst>
-          </p:cNvPr>
-          <p:cNvGrpSpPr/>
-          <p:nvPr/>
-        </p:nvGrpSpPr>
-        <p:grpSpPr>
-          <a:xfrm>
-            <a:off x="9254529" y="2821767"/>
-            <a:ext cx="713866" cy="817849"/>
-            <a:chOff x="744283" y="1261143"/>
-            <a:chExt cx="1158240" cy="1326954"/>
-          </a:xfrm>
-        </p:grpSpPr>
-        <p:pic>
-          <p:nvPicPr>
-            <p:cNvPr id="70" name="Picture 2">
-              <a:extLst>
-                <a:ext uri="{FF2B5EF4-FFF2-40B4-BE49-F238E27FC236}">
-                  <a16:creationId xmlns:a16="http://schemas.microsoft.com/office/drawing/2014/main" id="{9EF915F4-89F7-4BD3-9E4B-86B4011407D0}"/>
-                </a:ext>
-              </a:extLst>
-            </p:cNvPr>
-            <p:cNvPicPr>
-              <a:picLocks noChangeAspect="1" noChangeArrowheads="1"/>
-            </p:cNvPicPr>
-            <p:nvPr/>
-          </p:nvPicPr>
-          <p:blipFill rotWithShape="1">
-            <a:blip r:embed="rId4">
-              <a:extLst>
-                <a:ext uri="{BEBA8EAE-BF5A-486C-A8C5-ECC9F3942E4B}">
-                  <a14:imgProps xmlns:a14="http://schemas.microsoft.com/office/drawing/2010/main">
-                    <a14:imgLayer r:embed="rId5">
-                      <a14:imgEffect>
-                        <a14:backgroundRemoval t="10000" b="90000" l="10000" r="90000">
-                          <a14:backgroundMark x1="48828" y1="1768" x2="79375" y2="9282"/>
-                          <a14:backgroundMark x1="89531" y1="38011" x2="90781" y2="78343"/>
-                          <a14:backgroundMark x1="46875" y1="96464" x2="15469" y2="87403"/>
-                          <a14:backgroundMark x1="15469" y1="87403" x2="14063" y2="86630"/>
-                        </a14:backgroundRemoval>
-                      </a14:imgEffect>
-                    </a14:imgLayer>
-                  </a14:imgProps>
-                </a:ext>
-                <a:ext uri="{28A0092B-C50C-407E-A947-70E740481C1C}">
-                  <a14:useLocalDpi xmlns:a14="http://schemas.microsoft.com/office/drawing/2010/main" val="0"/>
-                </a:ext>
-              </a:extLst>
-            </a:blip>
-            <a:srcRect l="17148" t="11093" r="18077" b="13012"/>
-            <a:stretch/>
-          </p:blipFill>
-          <p:spPr bwMode="auto">
-            <a:xfrm>
-              <a:off x="824035" y="1261143"/>
-              <a:ext cx="998736" cy="827360"/>
-            </a:xfrm>
-            <a:prstGeom prst="rect">
-              <a:avLst/>
-            </a:prstGeom>
-            <a:noFill/>
-            <a:extLst>
-              <a:ext uri="{909E8E84-426E-40DD-AFC4-6F175D3DCCD1}">
-                <a14:hiddenFill xmlns:a14="http://schemas.microsoft.com/office/drawing/2010/main">
-                  <a:solidFill>
-                    <a:srgbClr val="FFFFFF"/>
-                  </a:solidFill>
-                </a14:hiddenFill>
-              </a:ext>
-            </a:extLst>
-          </p:spPr>
-        </p:pic>
-        <p:sp>
-          <p:nvSpPr>
-            <p:cNvPr id="71" name="TextBox 70">
-              <a:extLst>
-                <a:ext uri="{FF2B5EF4-FFF2-40B4-BE49-F238E27FC236}">
-                  <a16:creationId xmlns:a16="http://schemas.microsoft.com/office/drawing/2014/main" id="{B368564C-3524-460B-BDBE-57B9110B09F4}"/>
-                </a:ext>
-              </a:extLst>
-            </p:cNvPr>
-            <p:cNvSpPr txBox="1"/>
-            <p:nvPr/>
-          </p:nvSpPr>
-          <p:spPr>
-            <a:xfrm>
-              <a:off x="744283" y="2038796"/>
-              <a:ext cx="1158240" cy="549301"/>
-            </a:xfrm>
-            <a:prstGeom prst="rect">
-              <a:avLst/>
-            </a:prstGeom>
-            <a:noFill/>
-          </p:spPr>
-          <p:txBody>
-            <a:bodyPr wrap="square" rtlCol="0">
-              <a:spAutoFit/>
-            </a:bodyPr>
-            <a:lstStyle/>
-            <a:p>
-              <a:pPr algn="ctr"/>
-              <a:r>
-                <a:rPr lang="en-US" altLang="ko-KR" sz="1600">
-                  <a:ln>
-                    <a:solidFill>
-                      <a:schemeClr val="tx1">
-                        <a:alpha val="30000"/>
-                      </a:schemeClr>
-                    </a:solidFill>
-                  </a:ln>
-                  <a:latin typeface="빙그레 메로나체" panose="020B0503000000000000" pitchFamily="50" charset="-127"/>
-                  <a:ea typeface="빙그레 메로나체" panose="020B0503000000000000" pitchFamily="50" charset="-127"/>
-                </a:rPr>
-                <a:t>React</a:t>
-              </a:r>
-            </a:p>
-          </p:txBody>
-        </p:sp>
-      </p:grpSp>
-      <p:grpSp>
-        <p:nvGrpSpPr>
-          <p:cNvPr id="79" name="그룹 78">
-            <a:extLst>
-              <a:ext uri="{FF2B5EF4-FFF2-40B4-BE49-F238E27FC236}">
-                <a16:creationId xmlns:a16="http://schemas.microsoft.com/office/drawing/2014/main" id="{FCEF8D08-A5CD-4CD2-8D19-79451C0A25DA}"/>
-              </a:ext>
-            </a:extLst>
-          </p:cNvPr>
-          <p:cNvGrpSpPr/>
-          <p:nvPr/>
-        </p:nvGrpSpPr>
-        <p:grpSpPr>
-          <a:xfrm>
-            <a:off x="7849578" y="2847835"/>
-            <a:ext cx="713866" cy="778623"/>
-            <a:chOff x="763710" y="3741680"/>
-            <a:chExt cx="1158240" cy="1263310"/>
-          </a:xfrm>
-        </p:grpSpPr>
-        <p:pic>
-          <p:nvPicPr>
-            <p:cNvPr id="80" name="Picture 6">
-              <a:extLst>
-                <a:ext uri="{FF2B5EF4-FFF2-40B4-BE49-F238E27FC236}">
-                  <a16:creationId xmlns:a16="http://schemas.microsoft.com/office/drawing/2014/main" id="{A140BD52-15FB-45ED-915F-076C1BDC8841}"/>
-                </a:ext>
-              </a:extLst>
-            </p:cNvPr>
-            <p:cNvPicPr>
-              <a:picLocks noChangeAspect="1" noChangeArrowheads="1"/>
-            </p:cNvPicPr>
-            <p:nvPr/>
-          </p:nvPicPr>
-          <p:blipFill>
-            <a:blip r:embed="rId6">
-              <a:extLst>
-                <a:ext uri="{28A0092B-C50C-407E-A947-70E740481C1C}">
-                  <a14:useLocalDpi xmlns:a14="http://schemas.microsoft.com/office/drawing/2010/main" val="0"/>
-                </a:ext>
-              </a:extLst>
-            </a:blip>
-            <a:srcRect/>
-            <a:stretch>
-              <a:fillRect/>
-            </a:stretch>
-          </p:blipFill>
-          <p:spPr bwMode="auto">
-            <a:xfrm>
-              <a:off x="916895" y="3741680"/>
-              <a:ext cx="835342" cy="723906"/>
-            </a:xfrm>
-            <a:prstGeom prst="rect">
-              <a:avLst/>
-            </a:prstGeom>
-            <a:noFill/>
-            <a:extLst>
-              <a:ext uri="{909E8E84-426E-40DD-AFC4-6F175D3DCCD1}">
-                <a14:hiddenFill xmlns:a14="http://schemas.microsoft.com/office/drawing/2010/main">
-                  <a:solidFill>
-                    <a:srgbClr val="FFFFFF"/>
-                  </a:solidFill>
-                </a14:hiddenFill>
-              </a:ext>
-            </a:extLst>
-          </p:spPr>
-        </p:pic>
-        <p:sp>
-          <p:nvSpPr>
-            <p:cNvPr id="81" name="TextBox 80">
-              <a:extLst>
-                <a:ext uri="{FF2B5EF4-FFF2-40B4-BE49-F238E27FC236}">
-                  <a16:creationId xmlns:a16="http://schemas.microsoft.com/office/drawing/2014/main" id="{546F70FE-FDDE-4735-ADC7-B1439C52EC96}"/>
-                </a:ext>
-              </a:extLst>
-            </p:cNvPr>
-            <p:cNvSpPr txBox="1"/>
-            <p:nvPr/>
-          </p:nvSpPr>
-          <p:spPr>
-            <a:xfrm>
-              <a:off x="763710" y="4455689"/>
-              <a:ext cx="1158240" cy="549301"/>
-            </a:xfrm>
-            <a:prstGeom prst="rect">
-              <a:avLst/>
-            </a:prstGeom>
-            <a:noFill/>
-          </p:spPr>
-          <p:txBody>
-            <a:bodyPr wrap="square" rtlCol="0">
-              <a:spAutoFit/>
-            </a:bodyPr>
-            <a:lstStyle/>
-            <a:p>
-              <a:pPr algn="ctr"/>
-              <a:r>
-                <a:rPr lang="en-US" altLang="ko-KR" sz="1600">
-                  <a:ln>
-                    <a:solidFill>
-                      <a:schemeClr val="tx1">
-                        <a:alpha val="30000"/>
-                      </a:schemeClr>
-                    </a:solidFill>
-                  </a:ln>
-                  <a:latin typeface="빙그레 메로나체" panose="020B0503000000000000" pitchFamily="50" charset="-127"/>
-                  <a:ea typeface="빙그레 메로나체" panose="020B0503000000000000" pitchFamily="50" charset="-127"/>
-                </a:rPr>
-                <a:t>Vue</a:t>
-              </a:r>
-            </a:p>
-          </p:txBody>
-        </p:sp>
-      </p:grpSp>
-      <p:grpSp>
-        <p:nvGrpSpPr>
-          <p:cNvPr id="14" name="그룹 13">
-            <a:extLst>
-              <a:ext uri="{FF2B5EF4-FFF2-40B4-BE49-F238E27FC236}">
-                <a16:creationId xmlns:a16="http://schemas.microsoft.com/office/drawing/2014/main" id="{7DB93C81-D25A-4D98-95FA-2D0CF854534A}"/>
-              </a:ext>
-            </a:extLst>
-          </p:cNvPr>
-          <p:cNvGrpSpPr/>
-          <p:nvPr/>
-        </p:nvGrpSpPr>
-        <p:grpSpPr>
-          <a:xfrm>
-            <a:off x="3220629" y="2811981"/>
-            <a:ext cx="713866" cy="817849"/>
-            <a:chOff x="744283" y="1261143"/>
-            <a:chExt cx="1158240" cy="1326954"/>
-          </a:xfrm>
-        </p:grpSpPr>
-        <p:pic>
-          <p:nvPicPr>
-            <p:cNvPr id="15" name="Picture 2">
-              <a:extLst>
-                <a:ext uri="{FF2B5EF4-FFF2-40B4-BE49-F238E27FC236}">
-                  <a16:creationId xmlns:a16="http://schemas.microsoft.com/office/drawing/2014/main" id="{2D61CD36-8B8F-4D33-8E61-C63A0E7F0B90}"/>
-                </a:ext>
-              </a:extLst>
-            </p:cNvPr>
-            <p:cNvPicPr>
-              <a:picLocks noChangeAspect="1" noChangeArrowheads="1"/>
-            </p:cNvPicPr>
-            <p:nvPr/>
-          </p:nvPicPr>
-          <p:blipFill rotWithShape="1">
-            <a:blip r:embed="rId4">
-              <a:extLst>
-                <a:ext uri="{BEBA8EAE-BF5A-486C-A8C5-ECC9F3942E4B}">
-                  <a14:imgProps xmlns:a14="http://schemas.microsoft.com/office/drawing/2010/main">
-                    <a14:imgLayer r:embed="rId5">
-                      <a14:imgEffect>
-                        <a14:backgroundRemoval t="10000" b="90000" l="10000" r="90000">
-                          <a14:backgroundMark x1="48828" y1="1768" x2="79375" y2="9282"/>
-                          <a14:backgroundMark x1="89531" y1="38011" x2="90781" y2="78343"/>
-                          <a14:backgroundMark x1="46875" y1="96464" x2="15469" y2="87403"/>
-                          <a14:backgroundMark x1="15469" y1="87403" x2="14063" y2="86630"/>
-                        </a14:backgroundRemoval>
-                      </a14:imgEffect>
-                    </a14:imgLayer>
-                  </a14:imgProps>
-                </a:ext>
-                <a:ext uri="{28A0092B-C50C-407E-A947-70E740481C1C}">
-                  <a14:useLocalDpi xmlns:a14="http://schemas.microsoft.com/office/drawing/2010/main" val="0"/>
-                </a:ext>
-              </a:extLst>
-            </a:blip>
-            <a:srcRect l="17148" t="11093" r="18077" b="13012"/>
-            <a:stretch/>
-          </p:blipFill>
-          <p:spPr bwMode="auto">
-            <a:xfrm>
-              <a:off x="824035" y="1261143"/>
-              <a:ext cx="998736" cy="827359"/>
-            </a:xfrm>
-            <a:prstGeom prst="rect">
-              <a:avLst/>
-            </a:prstGeom>
-            <a:noFill/>
-            <a:extLst>
-              <a:ext uri="{909E8E84-426E-40DD-AFC4-6F175D3DCCD1}">
-                <a14:hiddenFill xmlns:a14="http://schemas.microsoft.com/office/drawing/2010/main">
-                  <a:solidFill>
-                    <a:srgbClr val="FFFFFF"/>
-                  </a:solidFill>
-                </a14:hiddenFill>
-              </a:ext>
-            </a:extLst>
-          </p:spPr>
-        </p:pic>
-        <p:sp>
-          <p:nvSpPr>
-            <p:cNvPr id="16" name="TextBox 15">
-              <a:extLst>
-                <a:ext uri="{FF2B5EF4-FFF2-40B4-BE49-F238E27FC236}">
-                  <a16:creationId xmlns:a16="http://schemas.microsoft.com/office/drawing/2014/main" id="{F2C1C5A1-61F6-4C2D-B8E0-547096906B30}"/>
-                </a:ext>
-              </a:extLst>
-            </p:cNvPr>
-            <p:cNvSpPr txBox="1"/>
-            <p:nvPr/>
-          </p:nvSpPr>
-          <p:spPr>
-            <a:xfrm>
-              <a:off x="744283" y="2038796"/>
-              <a:ext cx="1158240" cy="549301"/>
-            </a:xfrm>
-            <a:prstGeom prst="rect">
-              <a:avLst/>
-            </a:prstGeom>
-            <a:noFill/>
-          </p:spPr>
-          <p:txBody>
-            <a:bodyPr wrap="square" rtlCol="0">
-              <a:spAutoFit/>
-            </a:bodyPr>
-            <a:lstStyle/>
-            <a:p>
-              <a:pPr algn="ctr"/>
-              <a:r>
-                <a:rPr lang="en-US" altLang="ko-KR" sz="1600">
-                  <a:ln>
-                    <a:solidFill>
-                      <a:schemeClr val="tx1">
-                        <a:alpha val="30000"/>
-                      </a:schemeClr>
-                    </a:solidFill>
-                  </a:ln>
-                  <a:latin typeface="빙그레 메로나체" panose="020B0503000000000000" pitchFamily="50" charset="-127"/>
-                  <a:ea typeface="빙그레 메로나체" panose="020B0503000000000000" pitchFamily="50" charset="-127"/>
-                </a:rPr>
-                <a:t>React</a:t>
-              </a:r>
-            </a:p>
-          </p:txBody>
-        </p:sp>
-      </p:grpSp>
-      <p:grpSp>
-        <p:nvGrpSpPr>
-          <p:cNvPr id="19" name="그룹 18">
-            <a:extLst>
-              <a:ext uri="{FF2B5EF4-FFF2-40B4-BE49-F238E27FC236}">
-                <a16:creationId xmlns:a16="http://schemas.microsoft.com/office/drawing/2014/main" id="{6207ABD9-7B19-4999-956B-88158BC5DF1F}"/>
-              </a:ext>
-            </a:extLst>
-          </p:cNvPr>
-          <p:cNvGrpSpPr/>
-          <p:nvPr/>
-        </p:nvGrpSpPr>
-        <p:grpSpPr>
-          <a:xfrm>
-            <a:off x="1853326" y="2801400"/>
-            <a:ext cx="713866" cy="833772"/>
-            <a:chOff x="763012" y="2493381"/>
-            <a:chExt cx="1158240" cy="1352788"/>
-          </a:xfrm>
-        </p:grpSpPr>
-        <p:pic>
-          <p:nvPicPr>
-            <p:cNvPr id="20" name="Picture 8">
-              <a:extLst>
-                <a:ext uri="{FF2B5EF4-FFF2-40B4-BE49-F238E27FC236}">
-                  <a16:creationId xmlns:a16="http://schemas.microsoft.com/office/drawing/2014/main" id="{C195CC4A-9154-4B8A-A567-57CA9655A80E}"/>
-                </a:ext>
-              </a:extLst>
-            </p:cNvPr>
-            <p:cNvPicPr>
-              <a:picLocks noChangeAspect="1" noChangeArrowheads="1"/>
-            </p:cNvPicPr>
-            <p:nvPr/>
-          </p:nvPicPr>
-          <p:blipFill>
-            <a:blip r:embed="rId3">
-              <a:extLst>
-                <a:ext uri="{28A0092B-C50C-407E-A947-70E740481C1C}">
-                  <a14:useLocalDpi xmlns:a14="http://schemas.microsoft.com/office/drawing/2010/main" val="0"/>
-                </a:ext>
-              </a:extLst>
-            </a:blip>
-            <a:srcRect/>
-            <a:stretch>
-              <a:fillRect/>
-            </a:stretch>
-          </p:blipFill>
-          <p:spPr bwMode="auto">
-            <a:xfrm>
-              <a:off x="984340" y="2493381"/>
-              <a:ext cx="687168" cy="827360"/>
-            </a:xfrm>
-            <a:prstGeom prst="rect">
-              <a:avLst/>
-            </a:prstGeom>
-            <a:noFill/>
-            <a:extLst>
-              <a:ext uri="{909E8E84-426E-40DD-AFC4-6F175D3DCCD1}">
-                <a14:hiddenFill xmlns:a14="http://schemas.microsoft.com/office/drawing/2010/main">
-                  <a:solidFill>
-                    <a:srgbClr val="FFFFFF"/>
-                  </a:solidFill>
-                </a14:hiddenFill>
-              </a:ext>
-            </a:extLst>
-          </p:spPr>
-        </p:pic>
-        <p:sp>
-          <p:nvSpPr>
-            <p:cNvPr id="21" name="TextBox 20">
-              <a:extLst>
-                <a:ext uri="{FF2B5EF4-FFF2-40B4-BE49-F238E27FC236}">
-                  <a16:creationId xmlns:a16="http://schemas.microsoft.com/office/drawing/2014/main" id="{68A0B07E-F18E-4345-8A97-560573AC534F}"/>
-                </a:ext>
-              </a:extLst>
-            </p:cNvPr>
-            <p:cNvSpPr txBox="1"/>
-            <p:nvPr/>
-          </p:nvSpPr>
-          <p:spPr>
-            <a:xfrm>
-              <a:off x="763012" y="3296868"/>
-              <a:ext cx="1158240" cy="549301"/>
-            </a:xfrm>
-            <a:prstGeom prst="rect">
-              <a:avLst/>
-            </a:prstGeom>
-            <a:noFill/>
-          </p:spPr>
-          <p:txBody>
-            <a:bodyPr wrap="square" rtlCol="0">
-              <a:spAutoFit/>
-            </a:bodyPr>
-            <a:lstStyle/>
-            <a:p>
-              <a:pPr algn="ctr"/>
-              <a:r>
-                <a:rPr lang="en-US" altLang="ko-KR" sz="1600">
-                  <a:ln>
-                    <a:solidFill>
-                      <a:schemeClr val="tx1">
-                        <a:alpha val="30000"/>
-                      </a:schemeClr>
-                    </a:solidFill>
-                  </a:ln>
-                  <a:latin typeface="빙그레 메로나체" panose="020B0503000000000000" pitchFamily="50" charset="-127"/>
-                  <a:ea typeface="빙그레 메로나체" panose="020B0503000000000000" pitchFamily="50" charset="-127"/>
-                </a:rPr>
-                <a:t>Svelte</a:t>
-              </a:r>
-            </a:p>
-          </p:txBody>
-        </p:sp>
-      </p:grpSp>
-      <p:grpSp>
-        <p:nvGrpSpPr>
-          <p:cNvPr id="76" name="그룹 75">
-            <a:extLst>
-              <a:ext uri="{FF2B5EF4-FFF2-40B4-BE49-F238E27FC236}">
-                <a16:creationId xmlns:a16="http://schemas.microsoft.com/office/drawing/2014/main" id="{769CB0F1-EFD9-4CE4-959A-F21FE0F8DA3D}"/>
-              </a:ext>
-            </a:extLst>
-          </p:cNvPr>
-          <p:cNvGrpSpPr/>
-          <p:nvPr/>
-        </p:nvGrpSpPr>
-        <p:grpSpPr>
-          <a:xfrm>
-            <a:off x="4301637" y="2786046"/>
-            <a:ext cx="1271815" cy="856872"/>
-            <a:chOff x="284530" y="5847760"/>
-            <a:chExt cx="2063504" cy="1390269"/>
-          </a:xfrm>
-        </p:grpSpPr>
-        <p:pic>
-          <p:nvPicPr>
-            <p:cNvPr id="77" name="Picture 4" descr="Angular - PRESS KIT">
-              <a:extLst>
-                <a:ext uri="{FF2B5EF4-FFF2-40B4-BE49-F238E27FC236}">
-                  <a16:creationId xmlns:a16="http://schemas.microsoft.com/office/drawing/2014/main" id="{E88FC2EA-7A4B-4FE6-9594-777B20238D11}"/>
-                </a:ext>
-              </a:extLst>
-            </p:cNvPr>
-            <p:cNvPicPr>
-              <a:picLocks noChangeAspect="1" noChangeArrowheads="1"/>
-            </p:cNvPicPr>
-            <p:nvPr/>
-          </p:nvPicPr>
-          <p:blipFill rotWithShape="1">
-            <a:blip r:embed="rId7">
-              <a:extLst>
-                <a:ext uri="{28A0092B-C50C-407E-A947-70E740481C1C}">
-                  <a14:useLocalDpi xmlns:a14="http://schemas.microsoft.com/office/drawing/2010/main" val="0"/>
-                </a:ext>
-              </a:extLst>
-            </a:blip>
-            <a:srcRect l="7281" t="9320" r="10639" b="4279"/>
-            <a:stretch/>
-          </p:blipFill>
-          <p:spPr bwMode="auto">
-            <a:xfrm>
-              <a:off x="911856" y="5847760"/>
-              <a:ext cx="785994" cy="827360"/>
-            </a:xfrm>
-            <a:prstGeom prst="rect">
-              <a:avLst/>
-            </a:prstGeom>
-            <a:noFill/>
-            <a:extLst>
-              <a:ext uri="{909E8E84-426E-40DD-AFC4-6F175D3DCCD1}">
-                <a14:hiddenFill xmlns:a14="http://schemas.microsoft.com/office/drawing/2010/main">
-                  <a:solidFill>
-                    <a:srgbClr val="FFFFFF"/>
-                  </a:solidFill>
-                </a14:hiddenFill>
-              </a:ext>
-            </a:extLst>
-          </p:spPr>
-        </p:pic>
-        <p:sp>
-          <p:nvSpPr>
-            <p:cNvPr id="78" name="TextBox 77">
-              <a:extLst>
-                <a:ext uri="{FF2B5EF4-FFF2-40B4-BE49-F238E27FC236}">
-                  <a16:creationId xmlns:a16="http://schemas.microsoft.com/office/drawing/2014/main" id="{3827C5FA-5512-4510-8D20-6F36976FA814}"/>
-                </a:ext>
-              </a:extLst>
-            </p:cNvPr>
-            <p:cNvSpPr txBox="1"/>
-            <p:nvPr/>
-          </p:nvSpPr>
-          <p:spPr>
-            <a:xfrm>
-              <a:off x="284530" y="6688727"/>
-              <a:ext cx="2063504" cy="549302"/>
-            </a:xfrm>
-            <a:prstGeom prst="rect">
-              <a:avLst/>
-            </a:prstGeom>
-            <a:noFill/>
-          </p:spPr>
-          <p:txBody>
-            <a:bodyPr wrap="square" rtlCol="0">
-              <a:spAutoFit/>
-            </a:bodyPr>
-            <a:lstStyle/>
-            <a:p>
-              <a:pPr algn="ctr"/>
-              <a:r>
-                <a:rPr lang="en-US" altLang="ko-KR" sz="1600">
-                  <a:ln>
-                    <a:solidFill>
-                      <a:schemeClr val="tx1">
-                        <a:alpha val="30000"/>
-                      </a:schemeClr>
-                    </a:solidFill>
-                  </a:ln>
-                  <a:latin typeface="빙그레 메로나체" panose="020B0503000000000000" pitchFamily="50" charset="-127"/>
-                  <a:ea typeface="빙그레 메로나체" panose="020B0503000000000000" pitchFamily="50" charset="-127"/>
-                </a:rPr>
-                <a:t>Angular</a:t>
-              </a:r>
-            </a:p>
-          </p:txBody>
-        </p:sp>
-      </p:grpSp>
       <p:grpSp>
         <p:nvGrpSpPr>
           <p:cNvPr id="6" name="그룹 5">
@@ -12429,10 +11569,10 @@
       </p:sp>
       <p:grpSp>
         <p:nvGrpSpPr>
-          <p:cNvPr id="33" name="그룹 32">
+          <p:cNvPr id="2" name="그룹 1">
             <a:extLst>
               <a:ext uri="{FF2B5EF4-FFF2-40B4-BE49-F238E27FC236}">
-                <a16:creationId xmlns:a16="http://schemas.microsoft.com/office/drawing/2014/main" id="{08A875C0-FCCD-480E-86FA-EC93EED4A805}"/>
+                <a16:creationId xmlns:a16="http://schemas.microsoft.com/office/drawing/2014/main" id="{95E94197-7544-494B-985B-B2B69FFB6BCE}"/>
               </a:ext>
             </a:extLst>
           </p:cNvPr>
@@ -12441,65 +11581,542 @@
         </p:nvGrpSpPr>
         <p:grpSpPr>
           <a:xfrm>
-            <a:off x="491966" y="2838049"/>
-            <a:ext cx="713866" cy="778623"/>
-            <a:chOff x="763710" y="3741680"/>
-            <a:chExt cx="1158240" cy="1263310"/>
+            <a:off x="328246" y="2088460"/>
+            <a:ext cx="5345738" cy="1803789"/>
+            <a:chOff x="328246" y="2088460"/>
+            <a:chExt cx="5345738" cy="1803789"/>
           </a:xfrm>
         </p:grpSpPr>
-        <p:pic>
-          <p:nvPicPr>
-            <p:cNvPr id="37" name="Picture 6">
+        <p:sp>
+          <p:nvSpPr>
+            <p:cNvPr id="4" name="사각형: 둥근 모서리 3">
               <a:extLst>
                 <a:ext uri="{FF2B5EF4-FFF2-40B4-BE49-F238E27FC236}">
-                  <a16:creationId xmlns:a16="http://schemas.microsoft.com/office/drawing/2014/main" id="{99898A85-55EA-4F30-9400-2EBE360C7BB0}"/>
+                  <a16:creationId xmlns:a16="http://schemas.microsoft.com/office/drawing/2014/main" id="{87FDBC5C-697A-4DC4-ABAF-82A6255037FA}"/>
                 </a:ext>
               </a:extLst>
             </p:cNvPr>
-            <p:cNvPicPr>
-              <a:picLocks noChangeAspect="1" noChangeArrowheads="1"/>
-            </p:cNvPicPr>
+            <p:cNvSpPr/>
             <p:nvPr/>
-          </p:nvPicPr>
-          <p:blipFill>
-            <a:blip r:embed="rId6">
+          </p:nvSpPr>
+          <p:spPr>
+            <a:xfrm>
+              <a:off x="328246" y="2088460"/>
+              <a:ext cx="5345738" cy="1803789"/>
+            </a:xfrm>
+            <a:prstGeom prst="roundRect">
+              <a:avLst/>
+            </a:prstGeom>
+            <a:solidFill>
+              <a:schemeClr val="accent4">
+                <a:lumMod val="20000"/>
+                <a:lumOff val="80000"/>
+              </a:schemeClr>
+            </a:solidFill>
+            <a:ln>
+              <a:noFill/>
+            </a:ln>
+          </p:spPr>
+          <p:style>
+            <a:lnRef idx="2">
+              <a:schemeClr val="accent1">
+                <a:shade val="50000"/>
+              </a:schemeClr>
+            </a:lnRef>
+            <a:fillRef idx="1">
+              <a:schemeClr val="accent1"/>
+            </a:fillRef>
+            <a:effectRef idx="0">
+              <a:schemeClr val="accent1"/>
+            </a:effectRef>
+            <a:fontRef idx="minor">
+              <a:schemeClr val="lt1"/>
+            </a:fontRef>
+          </p:style>
+          <p:txBody>
+            <a:bodyPr rtlCol="0" anchor="ctr"/>
+            <a:lstStyle/>
+            <a:p>
+              <a:pPr algn="ctr"/>
+              <a:endParaRPr lang="ko-KR" altLang="en-US">
+                <a:latin typeface="빙그레 메로나체" panose="020B0503000000000000" pitchFamily="50" charset="-127"/>
+                <a:ea typeface="빙그레 메로나체" panose="020B0503000000000000" pitchFamily="50" charset="-127"/>
+              </a:endParaRPr>
+            </a:p>
+          </p:txBody>
+        </p:sp>
+        <p:grpSp>
+          <p:nvGrpSpPr>
+            <p:cNvPr id="14" name="그룹 13">
               <a:extLst>
-                <a:ext uri="{28A0092B-C50C-407E-A947-70E740481C1C}">
-                  <a14:useLocalDpi xmlns:a14="http://schemas.microsoft.com/office/drawing/2010/main" val="0"/>
+                <a:ext uri="{FF2B5EF4-FFF2-40B4-BE49-F238E27FC236}">
+                  <a16:creationId xmlns:a16="http://schemas.microsoft.com/office/drawing/2014/main" id="{7DB93C81-D25A-4D98-95FA-2D0CF854534A}"/>
                 </a:ext>
               </a:extLst>
-            </a:blip>
-            <a:srcRect/>
-            <a:stretch>
-              <a:fillRect/>
-            </a:stretch>
-          </p:blipFill>
-          <p:spPr bwMode="auto">
+            </p:cNvPr>
+            <p:cNvGrpSpPr/>
+            <p:nvPr/>
+          </p:nvGrpSpPr>
+          <p:grpSpPr>
             <a:xfrm>
-              <a:off x="916895" y="3741680"/>
-              <a:ext cx="835342" cy="723906"/>
+              <a:off x="3220629" y="2811981"/>
+              <a:ext cx="713866" cy="817849"/>
+              <a:chOff x="744283" y="1261143"/>
+              <a:chExt cx="1158240" cy="1326954"/>
             </a:xfrm>
-            <a:prstGeom prst="rect">
-              <a:avLst/>
-            </a:prstGeom>
-            <a:noFill/>
-            <a:extLst>
-              <a:ext uri="{909E8E84-426E-40DD-AFC4-6F175D3DCCD1}">
-                <a14:hiddenFill xmlns:a14="http://schemas.microsoft.com/office/drawing/2010/main">
-                  <a:solidFill>
-                    <a:srgbClr val="FFFFFF"/>
-                  </a:solidFill>
-                </a14:hiddenFill>
-              </a:ext>
-            </a:extLst>
-          </p:spPr>
-        </p:pic>
+          </p:grpSpPr>
+          <p:pic>
+            <p:nvPicPr>
+              <p:cNvPr id="15" name="Picture 2">
+                <a:extLst>
+                  <a:ext uri="{FF2B5EF4-FFF2-40B4-BE49-F238E27FC236}">
+                    <a16:creationId xmlns:a16="http://schemas.microsoft.com/office/drawing/2014/main" id="{2D61CD36-8B8F-4D33-8E61-C63A0E7F0B90}"/>
+                  </a:ext>
+                </a:extLst>
+              </p:cNvPr>
+              <p:cNvPicPr>
+                <a:picLocks noChangeAspect="1" noChangeArrowheads="1"/>
+              </p:cNvPicPr>
+              <p:nvPr/>
+            </p:nvPicPr>
+            <p:blipFill rotWithShape="1">
+              <a:blip r:embed="rId3">
+                <a:extLst>
+                  <a:ext uri="{BEBA8EAE-BF5A-486C-A8C5-ECC9F3942E4B}">
+                    <a14:imgProps xmlns:a14="http://schemas.microsoft.com/office/drawing/2010/main">
+                      <a14:imgLayer r:embed="rId4">
+                        <a14:imgEffect>
+                          <a14:backgroundRemoval t="10000" b="90000" l="10000" r="90000">
+                            <a14:backgroundMark x1="48828" y1="1768" x2="79375" y2="9282"/>
+                            <a14:backgroundMark x1="89531" y1="38011" x2="90781" y2="78343"/>
+                            <a14:backgroundMark x1="46875" y1="96464" x2="15469" y2="87403"/>
+                            <a14:backgroundMark x1="15469" y1="87403" x2="14063" y2="86630"/>
+                          </a14:backgroundRemoval>
+                        </a14:imgEffect>
+                      </a14:imgLayer>
+                    </a14:imgProps>
+                  </a:ext>
+                  <a:ext uri="{28A0092B-C50C-407E-A947-70E740481C1C}">
+                    <a14:useLocalDpi xmlns:a14="http://schemas.microsoft.com/office/drawing/2010/main" val="0"/>
+                  </a:ext>
+                </a:extLst>
+              </a:blip>
+              <a:srcRect l="17148" t="11093" r="18077" b="13012"/>
+              <a:stretch/>
+            </p:blipFill>
+            <p:spPr bwMode="auto">
+              <a:xfrm>
+                <a:off x="824035" y="1261143"/>
+                <a:ext cx="998736" cy="827359"/>
+              </a:xfrm>
+              <a:prstGeom prst="rect">
+                <a:avLst/>
+              </a:prstGeom>
+              <a:noFill/>
+              <a:extLst>
+                <a:ext uri="{909E8E84-426E-40DD-AFC4-6F175D3DCCD1}">
+                  <a14:hiddenFill xmlns:a14="http://schemas.microsoft.com/office/drawing/2010/main">
+                    <a:solidFill>
+                      <a:srgbClr val="FFFFFF"/>
+                    </a:solidFill>
+                  </a14:hiddenFill>
+                </a:ext>
+              </a:extLst>
+            </p:spPr>
+          </p:pic>
+          <p:sp>
+            <p:nvSpPr>
+              <p:cNvPr id="16" name="TextBox 15">
+                <a:extLst>
+                  <a:ext uri="{FF2B5EF4-FFF2-40B4-BE49-F238E27FC236}">
+                    <a16:creationId xmlns:a16="http://schemas.microsoft.com/office/drawing/2014/main" id="{F2C1C5A1-61F6-4C2D-B8E0-547096906B30}"/>
+                  </a:ext>
+                </a:extLst>
+              </p:cNvPr>
+              <p:cNvSpPr txBox="1"/>
+              <p:nvPr/>
+            </p:nvSpPr>
+            <p:spPr>
+              <a:xfrm>
+                <a:off x="744283" y="2038796"/>
+                <a:ext cx="1158240" cy="549301"/>
+              </a:xfrm>
+              <a:prstGeom prst="rect">
+                <a:avLst/>
+              </a:prstGeom>
+              <a:noFill/>
+            </p:spPr>
+            <p:txBody>
+              <a:bodyPr wrap="square" rtlCol="0">
+                <a:spAutoFit/>
+              </a:bodyPr>
+              <a:lstStyle/>
+              <a:p>
+                <a:pPr algn="ctr"/>
+                <a:r>
+                  <a:rPr lang="en-US" altLang="ko-KR" sz="1600">
+                    <a:ln>
+                      <a:solidFill>
+                        <a:schemeClr val="tx1">
+                          <a:alpha val="30000"/>
+                        </a:schemeClr>
+                      </a:solidFill>
+                    </a:ln>
+                    <a:latin typeface="빙그레 메로나체" panose="020B0503000000000000" pitchFamily="50" charset="-127"/>
+                    <a:ea typeface="빙그레 메로나체" panose="020B0503000000000000" pitchFamily="50" charset="-127"/>
+                  </a:rPr>
+                  <a:t>React</a:t>
+                </a:r>
+              </a:p>
+            </p:txBody>
+          </p:sp>
+        </p:grpSp>
+        <p:grpSp>
+          <p:nvGrpSpPr>
+            <p:cNvPr id="19" name="그룹 18">
+              <a:extLst>
+                <a:ext uri="{FF2B5EF4-FFF2-40B4-BE49-F238E27FC236}">
+                  <a16:creationId xmlns:a16="http://schemas.microsoft.com/office/drawing/2014/main" id="{6207ABD9-7B19-4999-956B-88158BC5DF1F}"/>
+                </a:ext>
+              </a:extLst>
+            </p:cNvPr>
+            <p:cNvGrpSpPr/>
+            <p:nvPr/>
+          </p:nvGrpSpPr>
+          <p:grpSpPr>
+            <a:xfrm>
+              <a:off x="1853326" y="2801400"/>
+              <a:ext cx="713866" cy="833772"/>
+              <a:chOff x="763012" y="2493381"/>
+              <a:chExt cx="1158240" cy="1352788"/>
+            </a:xfrm>
+          </p:grpSpPr>
+          <p:pic>
+            <p:nvPicPr>
+              <p:cNvPr id="20" name="Picture 8">
+                <a:extLst>
+                  <a:ext uri="{FF2B5EF4-FFF2-40B4-BE49-F238E27FC236}">
+                    <a16:creationId xmlns:a16="http://schemas.microsoft.com/office/drawing/2014/main" id="{C195CC4A-9154-4B8A-A567-57CA9655A80E}"/>
+                  </a:ext>
+                </a:extLst>
+              </p:cNvPr>
+              <p:cNvPicPr>
+                <a:picLocks noChangeAspect="1" noChangeArrowheads="1"/>
+              </p:cNvPicPr>
+              <p:nvPr/>
+            </p:nvPicPr>
+            <p:blipFill>
+              <a:blip r:embed="rId5">
+                <a:extLst>
+                  <a:ext uri="{28A0092B-C50C-407E-A947-70E740481C1C}">
+                    <a14:useLocalDpi xmlns:a14="http://schemas.microsoft.com/office/drawing/2010/main" val="0"/>
+                  </a:ext>
+                </a:extLst>
+              </a:blip>
+              <a:srcRect/>
+              <a:stretch>
+                <a:fillRect/>
+              </a:stretch>
+            </p:blipFill>
+            <p:spPr bwMode="auto">
+              <a:xfrm>
+                <a:off x="984340" y="2493381"/>
+                <a:ext cx="687168" cy="827360"/>
+              </a:xfrm>
+              <a:prstGeom prst="rect">
+                <a:avLst/>
+              </a:prstGeom>
+              <a:noFill/>
+              <a:extLst>
+                <a:ext uri="{909E8E84-426E-40DD-AFC4-6F175D3DCCD1}">
+                  <a14:hiddenFill xmlns:a14="http://schemas.microsoft.com/office/drawing/2010/main">
+                    <a:solidFill>
+                      <a:srgbClr val="FFFFFF"/>
+                    </a:solidFill>
+                  </a14:hiddenFill>
+                </a:ext>
+              </a:extLst>
+            </p:spPr>
+          </p:pic>
+          <p:sp>
+            <p:nvSpPr>
+              <p:cNvPr id="21" name="TextBox 20">
+                <a:extLst>
+                  <a:ext uri="{FF2B5EF4-FFF2-40B4-BE49-F238E27FC236}">
+                    <a16:creationId xmlns:a16="http://schemas.microsoft.com/office/drawing/2014/main" id="{68A0B07E-F18E-4345-8A97-560573AC534F}"/>
+                  </a:ext>
+                </a:extLst>
+              </p:cNvPr>
+              <p:cNvSpPr txBox="1"/>
+              <p:nvPr/>
+            </p:nvSpPr>
+            <p:spPr>
+              <a:xfrm>
+                <a:off x="763012" y="3296868"/>
+                <a:ext cx="1158240" cy="549301"/>
+              </a:xfrm>
+              <a:prstGeom prst="rect">
+                <a:avLst/>
+              </a:prstGeom>
+              <a:noFill/>
+            </p:spPr>
+            <p:txBody>
+              <a:bodyPr wrap="square" rtlCol="0">
+                <a:spAutoFit/>
+              </a:bodyPr>
+              <a:lstStyle/>
+              <a:p>
+                <a:pPr algn="ctr"/>
+                <a:r>
+                  <a:rPr lang="en-US" altLang="ko-KR" sz="1600">
+                    <a:ln>
+                      <a:solidFill>
+                        <a:schemeClr val="tx1">
+                          <a:alpha val="30000"/>
+                        </a:schemeClr>
+                      </a:solidFill>
+                    </a:ln>
+                    <a:latin typeface="빙그레 메로나체" panose="020B0503000000000000" pitchFamily="50" charset="-127"/>
+                    <a:ea typeface="빙그레 메로나체" panose="020B0503000000000000" pitchFamily="50" charset="-127"/>
+                  </a:rPr>
+                  <a:t>Svelte</a:t>
+                </a:r>
+              </a:p>
+            </p:txBody>
+          </p:sp>
+        </p:grpSp>
+        <p:grpSp>
+          <p:nvGrpSpPr>
+            <p:cNvPr id="76" name="그룹 75">
+              <a:extLst>
+                <a:ext uri="{FF2B5EF4-FFF2-40B4-BE49-F238E27FC236}">
+                  <a16:creationId xmlns:a16="http://schemas.microsoft.com/office/drawing/2014/main" id="{769CB0F1-EFD9-4CE4-959A-F21FE0F8DA3D}"/>
+                </a:ext>
+              </a:extLst>
+            </p:cNvPr>
+            <p:cNvGrpSpPr/>
+            <p:nvPr/>
+          </p:nvGrpSpPr>
+          <p:grpSpPr>
+            <a:xfrm>
+              <a:off x="4301637" y="2786046"/>
+              <a:ext cx="1271815" cy="856872"/>
+              <a:chOff x="284530" y="5847760"/>
+              <a:chExt cx="2063504" cy="1390269"/>
+            </a:xfrm>
+          </p:grpSpPr>
+          <p:pic>
+            <p:nvPicPr>
+              <p:cNvPr id="77" name="Picture 4" descr="Angular - PRESS KIT">
+                <a:extLst>
+                  <a:ext uri="{FF2B5EF4-FFF2-40B4-BE49-F238E27FC236}">
+                    <a16:creationId xmlns:a16="http://schemas.microsoft.com/office/drawing/2014/main" id="{E88FC2EA-7A4B-4FE6-9594-777B20238D11}"/>
+                  </a:ext>
+                </a:extLst>
+              </p:cNvPr>
+              <p:cNvPicPr>
+                <a:picLocks noChangeAspect="1" noChangeArrowheads="1"/>
+              </p:cNvPicPr>
+              <p:nvPr/>
+            </p:nvPicPr>
+            <p:blipFill rotWithShape="1">
+              <a:blip r:embed="rId6">
+                <a:extLst>
+                  <a:ext uri="{28A0092B-C50C-407E-A947-70E740481C1C}">
+                    <a14:useLocalDpi xmlns:a14="http://schemas.microsoft.com/office/drawing/2010/main" val="0"/>
+                  </a:ext>
+                </a:extLst>
+              </a:blip>
+              <a:srcRect l="7281" t="9320" r="10639" b="4279"/>
+              <a:stretch/>
+            </p:blipFill>
+            <p:spPr bwMode="auto">
+              <a:xfrm>
+                <a:off x="911856" y="5847760"/>
+                <a:ext cx="785994" cy="827360"/>
+              </a:xfrm>
+              <a:prstGeom prst="rect">
+                <a:avLst/>
+              </a:prstGeom>
+              <a:noFill/>
+              <a:extLst>
+                <a:ext uri="{909E8E84-426E-40DD-AFC4-6F175D3DCCD1}">
+                  <a14:hiddenFill xmlns:a14="http://schemas.microsoft.com/office/drawing/2010/main">
+                    <a:solidFill>
+                      <a:srgbClr val="FFFFFF"/>
+                    </a:solidFill>
+                  </a14:hiddenFill>
+                </a:ext>
+              </a:extLst>
+            </p:spPr>
+          </p:pic>
+          <p:sp>
+            <p:nvSpPr>
+              <p:cNvPr id="78" name="TextBox 77">
+                <a:extLst>
+                  <a:ext uri="{FF2B5EF4-FFF2-40B4-BE49-F238E27FC236}">
+                    <a16:creationId xmlns:a16="http://schemas.microsoft.com/office/drawing/2014/main" id="{3827C5FA-5512-4510-8D20-6F36976FA814}"/>
+                  </a:ext>
+                </a:extLst>
+              </p:cNvPr>
+              <p:cNvSpPr txBox="1"/>
+              <p:nvPr/>
+            </p:nvSpPr>
+            <p:spPr>
+              <a:xfrm>
+                <a:off x="284530" y="6688727"/>
+                <a:ext cx="2063504" cy="549302"/>
+              </a:xfrm>
+              <a:prstGeom prst="rect">
+                <a:avLst/>
+              </a:prstGeom>
+              <a:noFill/>
+            </p:spPr>
+            <p:txBody>
+              <a:bodyPr wrap="square" rtlCol="0">
+                <a:spAutoFit/>
+              </a:bodyPr>
+              <a:lstStyle/>
+              <a:p>
+                <a:pPr algn="ctr"/>
+                <a:r>
+                  <a:rPr lang="en-US" altLang="ko-KR" sz="1600">
+                    <a:ln>
+                      <a:solidFill>
+                        <a:schemeClr val="tx1">
+                          <a:alpha val="30000"/>
+                        </a:schemeClr>
+                      </a:solidFill>
+                    </a:ln>
+                    <a:latin typeface="빙그레 메로나체" panose="020B0503000000000000" pitchFamily="50" charset="-127"/>
+                    <a:ea typeface="빙그레 메로나체" panose="020B0503000000000000" pitchFamily="50" charset="-127"/>
+                  </a:rPr>
+                  <a:t>Angular</a:t>
+                </a:r>
+              </a:p>
+            </p:txBody>
+          </p:sp>
+        </p:grpSp>
+        <p:grpSp>
+          <p:nvGrpSpPr>
+            <p:cNvPr id="33" name="그룹 32">
+              <a:extLst>
+                <a:ext uri="{FF2B5EF4-FFF2-40B4-BE49-F238E27FC236}">
+                  <a16:creationId xmlns:a16="http://schemas.microsoft.com/office/drawing/2014/main" id="{08A875C0-FCCD-480E-86FA-EC93EED4A805}"/>
+                </a:ext>
+              </a:extLst>
+            </p:cNvPr>
+            <p:cNvGrpSpPr/>
+            <p:nvPr/>
+          </p:nvGrpSpPr>
+          <p:grpSpPr>
+            <a:xfrm>
+              <a:off x="491966" y="2838049"/>
+              <a:ext cx="713866" cy="778623"/>
+              <a:chOff x="763710" y="3741680"/>
+              <a:chExt cx="1158240" cy="1263310"/>
+            </a:xfrm>
+          </p:grpSpPr>
+          <p:pic>
+            <p:nvPicPr>
+              <p:cNvPr id="37" name="Picture 6">
+                <a:extLst>
+                  <a:ext uri="{FF2B5EF4-FFF2-40B4-BE49-F238E27FC236}">
+                    <a16:creationId xmlns:a16="http://schemas.microsoft.com/office/drawing/2014/main" id="{99898A85-55EA-4F30-9400-2EBE360C7BB0}"/>
+                  </a:ext>
+                </a:extLst>
+              </p:cNvPr>
+              <p:cNvPicPr>
+                <a:picLocks noChangeAspect="1" noChangeArrowheads="1"/>
+              </p:cNvPicPr>
+              <p:nvPr/>
+            </p:nvPicPr>
+            <p:blipFill>
+              <a:blip r:embed="rId7">
+                <a:extLst>
+                  <a:ext uri="{28A0092B-C50C-407E-A947-70E740481C1C}">
+                    <a14:useLocalDpi xmlns:a14="http://schemas.microsoft.com/office/drawing/2010/main" val="0"/>
+                  </a:ext>
+                </a:extLst>
+              </a:blip>
+              <a:srcRect/>
+              <a:stretch>
+                <a:fillRect/>
+              </a:stretch>
+            </p:blipFill>
+            <p:spPr bwMode="auto">
+              <a:xfrm>
+                <a:off x="916895" y="3741680"/>
+                <a:ext cx="835342" cy="723906"/>
+              </a:xfrm>
+              <a:prstGeom prst="rect">
+                <a:avLst/>
+              </a:prstGeom>
+              <a:noFill/>
+              <a:extLst>
+                <a:ext uri="{909E8E84-426E-40DD-AFC4-6F175D3DCCD1}">
+                  <a14:hiddenFill xmlns:a14="http://schemas.microsoft.com/office/drawing/2010/main">
+                    <a:solidFill>
+                      <a:srgbClr val="FFFFFF"/>
+                    </a:solidFill>
+                  </a14:hiddenFill>
+                </a:ext>
+              </a:extLst>
+            </p:spPr>
+          </p:pic>
+          <p:sp>
+            <p:nvSpPr>
+              <p:cNvPr id="38" name="TextBox 37">
+                <a:extLst>
+                  <a:ext uri="{FF2B5EF4-FFF2-40B4-BE49-F238E27FC236}">
+                    <a16:creationId xmlns:a16="http://schemas.microsoft.com/office/drawing/2014/main" id="{31314371-D30B-4580-9493-3776F2C92391}"/>
+                  </a:ext>
+                </a:extLst>
+              </p:cNvPr>
+              <p:cNvSpPr txBox="1"/>
+              <p:nvPr/>
+            </p:nvSpPr>
+            <p:spPr>
+              <a:xfrm>
+                <a:off x="763710" y="4455689"/>
+                <a:ext cx="1158240" cy="549301"/>
+              </a:xfrm>
+              <a:prstGeom prst="rect">
+                <a:avLst/>
+              </a:prstGeom>
+              <a:noFill/>
+            </p:spPr>
+            <p:txBody>
+              <a:bodyPr wrap="square" rtlCol="0">
+                <a:spAutoFit/>
+              </a:bodyPr>
+              <a:lstStyle/>
+              <a:p>
+                <a:pPr algn="ctr"/>
+                <a:r>
+                  <a:rPr lang="en-US" altLang="ko-KR" sz="1600">
+                    <a:ln>
+                      <a:solidFill>
+                        <a:schemeClr val="tx1">
+                          <a:alpha val="30000"/>
+                        </a:schemeClr>
+                      </a:solidFill>
+                    </a:ln>
+                    <a:latin typeface="빙그레 메로나체" panose="020B0503000000000000" pitchFamily="50" charset="-127"/>
+                    <a:ea typeface="빙그레 메로나체" panose="020B0503000000000000" pitchFamily="50" charset="-127"/>
+                  </a:rPr>
+                  <a:t>Vue</a:t>
+                </a:r>
+              </a:p>
+            </p:txBody>
+          </p:sp>
+        </p:grpSp>
         <p:sp>
           <p:nvSpPr>
-            <p:cNvPr id="38" name="TextBox 37">
+            <p:cNvPr id="34" name="TextBox 33">
               <a:extLst>
                 <a:ext uri="{FF2B5EF4-FFF2-40B4-BE49-F238E27FC236}">
-                  <a16:creationId xmlns:a16="http://schemas.microsoft.com/office/drawing/2014/main" id="{31314371-D30B-4580-9493-3776F2C92391}"/>
+                  <a16:creationId xmlns:a16="http://schemas.microsoft.com/office/drawing/2014/main" id="{E81B4866-8BFE-4816-B8B2-25B08081FF08}"/>
                 </a:ext>
               </a:extLst>
             </p:cNvPr>
@@ -12508,8 +12125,8 @@
           </p:nvSpPr>
           <p:spPr>
             <a:xfrm>
-              <a:off x="763710" y="4455689"/>
-              <a:ext cx="1158240" cy="549301"/>
+              <a:off x="1118644" y="2938160"/>
+              <a:ext cx="824842" cy="523220"/>
             </a:xfrm>
             <a:prstGeom prst="rect">
               <a:avLst/>
@@ -12524,7 +12141,7 @@
             <a:p>
               <a:pPr algn="ctr"/>
               <a:r>
-                <a:rPr lang="en-US" altLang="ko-KR" sz="1600">
+                <a:rPr lang="en-US" altLang="ko-KR" sz="2800">
                   <a:ln>
                     <a:solidFill>
                       <a:schemeClr val="tx1">
@@ -12535,267 +12152,17 @@
                   <a:latin typeface="빙그레 메로나체" panose="020B0503000000000000" pitchFamily="50" charset="-127"/>
                   <a:ea typeface="빙그레 메로나체" panose="020B0503000000000000" pitchFamily="50" charset="-127"/>
                 </a:rPr>
-                <a:t>Vue</a:t>
+                <a:t>&gt;</a:t>
               </a:r>
             </a:p>
           </p:txBody>
         </p:sp>
-      </p:grpSp>
-      <p:sp>
-        <p:nvSpPr>
-          <p:cNvPr id="34" name="TextBox 33">
-            <a:extLst>
-              <a:ext uri="{FF2B5EF4-FFF2-40B4-BE49-F238E27FC236}">
-                <a16:creationId xmlns:a16="http://schemas.microsoft.com/office/drawing/2014/main" id="{E81B4866-8BFE-4816-B8B2-25B08081FF08}"/>
-              </a:ext>
-            </a:extLst>
-          </p:cNvPr>
-          <p:cNvSpPr txBox="1"/>
-          <p:nvPr/>
-        </p:nvSpPr>
-        <p:spPr>
-          <a:xfrm>
-            <a:off x="1118644" y="2938160"/>
-            <a:ext cx="824842" cy="523220"/>
-          </a:xfrm>
-          <a:prstGeom prst="rect">
-            <a:avLst/>
-          </a:prstGeom>
-          <a:noFill/>
-        </p:spPr>
-        <p:txBody>
-          <a:bodyPr wrap="square" rtlCol="0">
-            <a:spAutoFit/>
-          </a:bodyPr>
-          <a:lstStyle/>
-          <a:p>
-            <a:pPr algn="ctr"/>
-            <a:r>
-              <a:rPr lang="en-US" altLang="ko-KR" sz="2800">
-                <a:ln>
-                  <a:solidFill>
-                    <a:schemeClr val="tx1">
-                      <a:alpha val="30000"/>
-                    </a:schemeClr>
-                  </a:solidFill>
-                </a:ln>
-                <a:latin typeface="빙그레 메로나체" panose="020B0503000000000000" pitchFamily="50" charset="-127"/>
-                <a:ea typeface="빙그레 메로나체" panose="020B0503000000000000" pitchFamily="50" charset="-127"/>
-              </a:rPr>
-              <a:t>&gt;</a:t>
-            </a:r>
-          </a:p>
-        </p:txBody>
-      </p:sp>
-      <p:sp>
-        <p:nvSpPr>
-          <p:cNvPr id="35" name="TextBox 34">
-            <a:extLst>
-              <a:ext uri="{FF2B5EF4-FFF2-40B4-BE49-F238E27FC236}">
-                <a16:creationId xmlns:a16="http://schemas.microsoft.com/office/drawing/2014/main" id="{63102075-A5B7-43C1-871F-FAAB67878CFF}"/>
-              </a:ext>
-            </a:extLst>
-          </p:cNvPr>
-          <p:cNvSpPr txBox="1"/>
-          <p:nvPr/>
-        </p:nvSpPr>
-        <p:spPr>
-          <a:xfrm>
-            <a:off x="2482977" y="2938160"/>
-            <a:ext cx="824842" cy="523220"/>
-          </a:xfrm>
-          <a:prstGeom prst="rect">
-            <a:avLst/>
-          </a:prstGeom>
-          <a:noFill/>
-        </p:spPr>
-        <p:txBody>
-          <a:bodyPr wrap="square" rtlCol="0">
-            <a:spAutoFit/>
-          </a:bodyPr>
-          <a:lstStyle/>
-          <a:p>
-            <a:pPr algn="ctr"/>
-            <a:r>
-              <a:rPr lang="en-US" altLang="ko-KR" sz="2800">
-                <a:ln>
-                  <a:solidFill>
-                    <a:schemeClr val="tx1">
-                      <a:alpha val="30000"/>
-                    </a:schemeClr>
-                  </a:solidFill>
-                </a:ln>
-                <a:latin typeface="빙그레 메로나체" panose="020B0503000000000000" pitchFamily="50" charset="-127"/>
-                <a:ea typeface="빙그레 메로나체" panose="020B0503000000000000" pitchFamily="50" charset="-127"/>
-              </a:rPr>
-              <a:t>&gt;</a:t>
-            </a:r>
-          </a:p>
-        </p:txBody>
-      </p:sp>
-      <p:sp>
-        <p:nvSpPr>
-          <p:cNvPr id="36" name="TextBox 35">
-            <a:extLst>
-              <a:ext uri="{FF2B5EF4-FFF2-40B4-BE49-F238E27FC236}">
-                <a16:creationId xmlns:a16="http://schemas.microsoft.com/office/drawing/2014/main" id="{B3666FE7-1E25-4EE5-B669-C333D3B78E13}"/>
-              </a:ext>
-            </a:extLst>
-          </p:cNvPr>
-          <p:cNvSpPr txBox="1"/>
-          <p:nvPr/>
-        </p:nvSpPr>
-        <p:spPr>
-          <a:xfrm>
-            <a:off x="3847309" y="2938160"/>
-            <a:ext cx="824842" cy="523220"/>
-          </a:xfrm>
-          <a:prstGeom prst="rect">
-            <a:avLst/>
-          </a:prstGeom>
-          <a:noFill/>
-        </p:spPr>
-        <p:txBody>
-          <a:bodyPr wrap="square" rtlCol="0">
-            <a:spAutoFit/>
-          </a:bodyPr>
-          <a:lstStyle/>
-          <a:p>
-            <a:pPr algn="ctr"/>
-            <a:r>
-              <a:rPr lang="en-US" altLang="ko-KR" sz="2800">
-                <a:ln>
-                  <a:solidFill>
-                    <a:schemeClr val="tx1">
-                      <a:alpha val="30000"/>
-                    </a:schemeClr>
-                  </a:solidFill>
-                </a:ln>
-                <a:latin typeface="빙그레 메로나체" panose="020B0503000000000000" pitchFamily="50" charset="-127"/>
-                <a:ea typeface="빙그레 메로나체" panose="020B0503000000000000" pitchFamily="50" charset="-127"/>
-              </a:rPr>
-              <a:t>=</a:t>
-            </a:r>
-          </a:p>
-        </p:txBody>
-      </p:sp>
-      <p:sp>
-        <p:nvSpPr>
-          <p:cNvPr id="24" name="TextBox 23">
-            <a:extLst>
-              <a:ext uri="{FF2B5EF4-FFF2-40B4-BE49-F238E27FC236}">
-                <a16:creationId xmlns:a16="http://schemas.microsoft.com/office/drawing/2014/main" id="{BF162F9D-5DB3-4C39-8BBF-8B91E9983D52}"/>
-              </a:ext>
-            </a:extLst>
-          </p:cNvPr>
-          <p:cNvSpPr txBox="1"/>
-          <p:nvPr/>
-        </p:nvSpPr>
-        <p:spPr>
-          <a:xfrm>
-            <a:off x="2104610" y="2284539"/>
-            <a:ext cx="1677081" cy="400110"/>
-          </a:xfrm>
-          <a:prstGeom prst="rect">
-            <a:avLst/>
-          </a:prstGeom>
-          <a:noFill/>
-        </p:spPr>
-        <p:txBody>
-          <a:bodyPr wrap="square" rtlCol="0">
-            <a:spAutoFit/>
-          </a:bodyPr>
-          <a:lstStyle/>
-          <a:p>
-            <a:pPr algn="ctr"/>
-            <a:r>
-              <a:rPr lang="en-US" altLang="ko-KR" sz="2000">
-                <a:ln>
-                  <a:solidFill>
-                    <a:schemeClr val="tx1">
-                      <a:alpha val="30000"/>
-                    </a:schemeClr>
-                  </a:solidFill>
-                </a:ln>
-                <a:latin typeface="빙그레 메로나체" panose="020B0503000000000000" pitchFamily="50" charset="-127"/>
-                <a:ea typeface="빙그레 메로나체" panose="020B0503000000000000" pitchFamily="50" charset="-127"/>
-              </a:rPr>
-              <a:t>Speed</a:t>
-            </a:r>
-          </a:p>
-        </p:txBody>
-      </p:sp>
-      <p:grpSp>
-        <p:nvGrpSpPr>
-          <p:cNvPr id="60" name="그룹 59">
-            <a:extLst>
-              <a:ext uri="{FF2B5EF4-FFF2-40B4-BE49-F238E27FC236}">
-                <a16:creationId xmlns:a16="http://schemas.microsoft.com/office/drawing/2014/main" id="{55059E45-216E-43A3-984C-78D3FFA7F50F}"/>
-              </a:ext>
-            </a:extLst>
-          </p:cNvPr>
-          <p:cNvGrpSpPr/>
-          <p:nvPr/>
-        </p:nvGrpSpPr>
-        <p:grpSpPr>
-          <a:xfrm>
-            <a:off x="10339389" y="2795832"/>
-            <a:ext cx="1271815" cy="856872"/>
-            <a:chOff x="284530" y="5847760"/>
-            <a:chExt cx="2063504" cy="1390269"/>
-          </a:xfrm>
-        </p:grpSpPr>
-        <p:pic>
-          <p:nvPicPr>
-            <p:cNvPr id="74" name="Picture 4" descr="Angular - PRESS KIT">
+        <p:sp>
+          <p:nvSpPr>
+            <p:cNvPr id="35" name="TextBox 34">
               <a:extLst>
                 <a:ext uri="{FF2B5EF4-FFF2-40B4-BE49-F238E27FC236}">
-                  <a16:creationId xmlns:a16="http://schemas.microsoft.com/office/drawing/2014/main" id="{D808B518-07EA-47B0-94FE-1F0B3D023C1B}"/>
-                </a:ext>
-              </a:extLst>
-            </p:cNvPr>
-            <p:cNvPicPr>
-              <a:picLocks noChangeAspect="1" noChangeArrowheads="1"/>
-            </p:cNvPicPr>
-            <p:nvPr/>
-          </p:nvPicPr>
-          <p:blipFill rotWithShape="1">
-            <a:blip r:embed="rId7">
-              <a:extLst>
-                <a:ext uri="{28A0092B-C50C-407E-A947-70E740481C1C}">
-                  <a14:useLocalDpi xmlns:a14="http://schemas.microsoft.com/office/drawing/2010/main" val="0"/>
-                </a:ext>
-              </a:extLst>
-            </a:blip>
-            <a:srcRect l="7281" t="9320" r="10639" b="4279"/>
-            <a:stretch/>
-          </p:blipFill>
-          <p:spPr bwMode="auto">
-            <a:xfrm>
-              <a:off x="911856" y="5847760"/>
-              <a:ext cx="785994" cy="827360"/>
-            </a:xfrm>
-            <a:prstGeom prst="rect">
-              <a:avLst/>
-            </a:prstGeom>
-            <a:noFill/>
-            <a:extLst>
-              <a:ext uri="{909E8E84-426E-40DD-AFC4-6F175D3DCCD1}">
-                <a14:hiddenFill xmlns:a14="http://schemas.microsoft.com/office/drawing/2010/main">
-                  <a:solidFill>
-                    <a:srgbClr val="FFFFFF"/>
-                  </a:solidFill>
-                </a14:hiddenFill>
-              </a:ext>
-            </a:extLst>
-          </p:spPr>
-        </p:pic>
-        <p:sp>
-          <p:nvSpPr>
-            <p:cNvPr id="75" name="TextBox 74">
-              <a:extLst>
-                <a:ext uri="{FF2B5EF4-FFF2-40B4-BE49-F238E27FC236}">
-                  <a16:creationId xmlns:a16="http://schemas.microsoft.com/office/drawing/2014/main" id="{559E344E-9838-4678-A31D-CFE0E85AFEC4}"/>
+                  <a16:creationId xmlns:a16="http://schemas.microsoft.com/office/drawing/2014/main" id="{63102075-A5B7-43C1-871F-FAAB67878CFF}"/>
                 </a:ext>
               </a:extLst>
             </p:cNvPr>
@@ -12804,8 +12171,8 @@
           </p:nvSpPr>
           <p:spPr>
             <a:xfrm>
-              <a:off x="284530" y="6688727"/>
-              <a:ext cx="2063504" cy="549302"/>
+              <a:off x="2482977" y="2938160"/>
+              <a:ext cx="824842" cy="523220"/>
             </a:xfrm>
             <a:prstGeom prst="rect">
               <a:avLst/>
@@ -12820,7 +12187,7 @@
             <a:p>
               <a:pPr algn="ctr"/>
               <a:r>
-                <a:rPr lang="en-US" altLang="ko-KR" sz="1600">
+                <a:rPr lang="en-US" altLang="ko-KR" sz="2800">
                   <a:ln>
                     <a:solidFill>
                       <a:schemeClr val="tx1">
@@ -12831,269 +12198,17 @@
                   <a:latin typeface="빙그레 메로나체" panose="020B0503000000000000" pitchFamily="50" charset="-127"/>
                   <a:ea typeface="빙그레 메로나체" panose="020B0503000000000000" pitchFamily="50" charset="-127"/>
                 </a:rPr>
-                <a:t>Angular</a:t>
+                <a:t>&gt;</a:t>
               </a:r>
             </a:p>
           </p:txBody>
         </p:sp>
-      </p:grpSp>
-      <p:sp>
-        <p:nvSpPr>
-          <p:cNvPr id="64" name="TextBox 63">
-            <a:extLst>
-              <a:ext uri="{FF2B5EF4-FFF2-40B4-BE49-F238E27FC236}">
-                <a16:creationId xmlns:a16="http://schemas.microsoft.com/office/drawing/2014/main" id="{DF6590D8-8FC0-4830-9DE5-63A2E82ADFC0}"/>
-              </a:ext>
-            </a:extLst>
-          </p:cNvPr>
-          <p:cNvSpPr txBox="1"/>
-          <p:nvPr/>
-        </p:nvSpPr>
-        <p:spPr>
-          <a:xfrm>
-            <a:off x="7152043" y="2947946"/>
-            <a:ext cx="824842" cy="523220"/>
-          </a:xfrm>
-          <a:prstGeom prst="rect">
-            <a:avLst/>
-          </a:prstGeom>
-          <a:noFill/>
-        </p:spPr>
-        <p:txBody>
-          <a:bodyPr wrap="square" rtlCol="0">
-            <a:spAutoFit/>
-          </a:bodyPr>
-          <a:lstStyle/>
-          <a:p>
-            <a:pPr algn="ctr"/>
-            <a:r>
-              <a:rPr lang="en-US" altLang="ko-KR" sz="2800">
-                <a:ln>
-                  <a:solidFill>
-                    <a:schemeClr val="tx1">
-                      <a:alpha val="30000"/>
-                    </a:schemeClr>
-                  </a:solidFill>
-                </a:ln>
-                <a:latin typeface="빙그레 메로나체" panose="020B0503000000000000" pitchFamily="50" charset="-127"/>
-                <a:ea typeface="빙그레 메로나체" panose="020B0503000000000000" pitchFamily="50" charset="-127"/>
-              </a:rPr>
-              <a:t>&gt;</a:t>
-            </a:r>
-          </a:p>
-        </p:txBody>
-      </p:sp>
-      <p:sp>
-        <p:nvSpPr>
-          <p:cNvPr id="65" name="TextBox 64">
-            <a:extLst>
-              <a:ext uri="{FF2B5EF4-FFF2-40B4-BE49-F238E27FC236}">
-                <a16:creationId xmlns:a16="http://schemas.microsoft.com/office/drawing/2014/main" id="{843B18D6-35B1-40E2-94A3-9A64096125B0}"/>
-              </a:ext>
-            </a:extLst>
-          </p:cNvPr>
-          <p:cNvSpPr txBox="1"/>
-          <p:nvPr/>
-        </p:nvSpPr>
-        <p:spPr>
-          <a:xfrm>
-            <a:off x="8516376" y="2947946"/>
-            <a:ext cx="824842" cy="523220"/>
-          </a:xfrm>
-          <a:prstGeom prst="rect">
-            <a:avLst/>
-          </a:prstGeom>
-          <a:noFill/>
-        </p:spPr>
-        <p:txBody>
-          <a:bodyPr wrap="square" rtlCol="0">
-            <a:spAutoFit/>
-          </a:bodyPr>
-          <a:lstStyle/>
-          <a:p>
-            <a:pPr algn="ctr"/>
-            <a:r>
-              <a:rPr lang="en-US" altLang="ko-KR" sz="2800">
-                <a:ln>
-                  <a:solidFill>
-                    <a:schemeClr val="tx1">
-                      <a:alpha val="30000"/>
-                    </a:schemeClr>
-                  </a:solidFill>
-                </a:ln>
-                <a:latin typeface="빙그레 메로나체" panose="020B0503000000000000" pitchFamily="50" charset="-127"/>
-                <a:ea typeface="빙그레 메로나체" panose="020B0503000000000000" pitchFamily="50" charset="-127"/>
-              </a:rPr>
-              <a:t>&gt;</a:t>
-            </a:r>
-          </a:p>
-        </p:txBody>
-      </p:sp>
-      <p:sp>
-        <p:nvSpPr>
-          <p:cNvPr id="66" name="TextBox 65">
-            <a:extLst>
-              <a:ext uri="{FF2B5EF4-FFF2-40B4-BE49-F238E27FC236}">
-                <a16:creationId xmlns:a16="http://schemas.microsoft.com/office/drawing/2014/main" id="{B990294C-0250-40B3-A93E-D55139BDA7AC}"/>
-              </a:ext>
-            </a:extLst>
-          </p:cNvPr>
-          <p:cNvSpPr txBox="1"/>
-          <p:nvPr/>
-        </p:nvSpPr>
-        <p:spPr>
-          <a:xfrm>
-            <a:off x="9880708" y="2947946"/>
-            <a:ext cx="824842" cy="523220"/>
-          </a:xfrm>
-          <a:prstGeom prst="rect">
-            <a:avLst/>
-          </a:prstGeom>
-          <a:noFill/>
-        </p:spPr>
-        <p:txBody>
-          <a:bodyPr wrap="square" rtlCol="0">
-            <a:spAutoFit/>
-          </a:bodyPr>
-          <a:lstStyle/>
-          <a:p>
-            <a:pPr algn="ctr"/>
-            <a:r>
-              <a:rPr lang="en-US" altLang="ko-KR" sz="2800">
-                <a:ln>
-                  <a:solidFill>
-                    <a:schemeClr val="tx1">
-                      <a:alpha val="30000"/>
-                    </a:schemeClr>
-                  </a:solidFill>
-                </a:ln>
-                <a:latin typeface="빙그레 메로나체" panose="020B0503000000000000" pitchFamily="50" charset="-127"/>
-                <a:ea typeface="빙그레 메로나체" panose="020B0503000000000000" pitchFamily="50" charset="-127"/>
-              </a:rPr>
-              <a:t>&gt;</a:t>
-            </a:r>
-          </a:p>
-        </p:txBody>
-      </p:sp>
-      <p:sp>
-        <p:nvSpPr>
-          <p:cNvPr id="67" name="TextBox 66">
-            <a:extLst>
-              <a:ext uri="{FF2B5EF4-FFF2-40B4-BE49-F238E27FC236}">
-                <a16:creationId xmlns:a16="http://schemas.microsoft.com/office/drawing/2014/main" id="{C9E1D5F9-3CBC-4192-A2DD-172AC919B35C}"/>
-              </a:ext>
-            </a:extLst>
-          </p:cNvPr>
-          <p:cNvSpPr txBox="1"/>
-          <p:nvPr/>
-        </p:nvSpPr>
-        <p:spPr>
-          <a:xfrm>
-            <a:off x="8090256" y="2294325"/>
-            <a:ext cx="1677081" cy="400110"/>
-          </a:xfrm>
-          <a:prstGeom prst="rect">
-            <a:avLst/>
-          </a:prstGeom>
-          <a:noFill/>
-        </p:spPr>
-        <p:txBody>
-          <a:bodyPr wrap="square" rtlCol="0">
-            <a:spAutoFit/>
-          </a:bodyPr>
-          <a:lstStyle/>
-          <a:p>
-            <a:pPr algn="ctr"/>
-            <a:r>
-              <a:rPr lang="en-US" altLang="ko-KR" sz="2000">
-                <a:ln>
-                  <a:solidFill>
-                    <a:schemeClr val="tx1">
-                      <a:alpha val="30000"/>
-                    </a:schemeClr>
-                  </a:solidFill>
-                </a:ln>
-                <a:latin typeface="빙그레 메로나체" panose="020B0503000000000000" pitchFamily="50" charset="-127"/>
-                <a:ea typeface="빙그레 메로나체" panose="020B0503000000000000" pitchFamily="50" charset="-127"/>
-              </a:rPr>
-              <a:t>Startup </a:t>
-            </a:r>
-          </a:p>
-        </p:txBody>
-      </p:sp>
-      <p:grpSp>
-        <p:nvGrpSpPr>
-          <p:cNvPr id="98" name="그룹 97">
-            <a:extLst>
-              <a:ext uri="{FF2B5EF4-FFF2-40B4-BE49-F238E27FC236}">
-                <a16:creationId xmlns:a16="http://schemas.microsoft.com/office/drawing/2014/main" id="{54686F5A-ED50-4C90-B676-934216D3B9CD}"/>
-              </a:ext>
-            </a:extLst>
-          </p:cNvPr>
-          <p:cNvGrpSpPr/>
-          <p:nvPr/>
-        </p:nvGrpSpPr>
-        <p:grpSpPr>
-          <a:xfrm>
-            <a:off x="3671234" y="5092362"/>
-            <a:ext cx="713866" cy="833772"/>
-            <a:chOff x="763012" y="2493381"/>
-            <a:chExt cx="1158240" cy="1352788"/>
-          </a:xfrm>
-        </p:grpSpPr>
-        <p:pic>
-          <p:nvPicPr>
-            <p:cNvPr id="99" name="Picture 8">
+        <p:sp>
+          <p:nvSpPr>
+            <p:cNvPr id="36" name="TextBox 35">
               <a:extLst>
                 <a:ext uri="{FF2B5EF4-FFF2-40B4-BE49-F238E27FC236}">
-                  <a16:creationId xmlns:a16="http://schemas.microsoft.com/office/drawing/2014/main" id="{29045E33-639B-494F-9363-CAE7042B7D98}"/>
-                </a:ext>
-              </a:extLst>
-            </p:cNvPr>
-            <p:cNvPicPr>
-              <a:picLocks noChangeAspect="1" noChangeArrowheads="1"/>
-            </p:cNvPicPr>
-            <p:nvPr/>
-          </p:nvPicPr>
-          <p:blipFill>
-            <a:blip r:embed="rId3">
-              <a:extLst>
-                <a:ext uri="{28A0092B-C50C-407E-A947-70E740481C1C}">
-                  <a14:useLocalDpi xmlns:a14="http://schemas.microsoft.com/office/drawing/2010/main" val="0"/>
-                </a:ext>
-              </a:extLst>
-            </a:blip>
-            <a:srcRect/>
-            <a:stretch>
-              <a:fillRect/>
-            </a:stretch>
-          </p:blipFill>
-          <p:spPr bwMode="auto">
-            <a:xfrm>
-              <a:off x="984340" y="2493381"/>
-              <a:ext cx="687168" cy="827360"/>
-            </a:xfrm>
-            <a:prstGeom prst="rect">
-              <a:avLst/>
-            </a:prstGeom>
-            <a:noFill/>
-            <a:extLst>
-              <a:ext uri="{909E8E84-426E-40DD-AFC4-6F175D3DCCD1}">
-                <a14:hiddenFill xmlns:a14="http://schemas.microsoft.com/office/drawing/2010/main">
-                  <a:solidFill>
-                    <a:srgbClr val="FFFFFF"/>
-                  </a:solidFill>
-                </a14:hiddenFill>
-              </a:ext>
-            </a:extLst>
-          </p:spPr>
-        </p:pic>
-        <p:sp>
-          <p:nvSpPr>
-            <p:cNvPr id="100" name="TextBox 99">
-              <a:extLst>
-                <a:ext uri="{FF2B5EF4-FFF2-40B4-BE49-F238E27FC236}">
-                  <a16:creationId xmlns:a16="http://schemas.microsoft.com/office/drawing/2014/main" id="{245C4F28-FC35-4A94-BECD-7C63C33EC6C7}"/>
+                  <a16:creationId xmlns:a16="http://schemas.microsoft.com/office/drawing/2014/main" id="{B3666FE7-1E25-4EE5-B669-C333D3B78E13}"/>
                 </a:ext>
               </a:extLst>
             </p:cNvPr>
@@ -13102,8 +12217,8 @@
           </p:nvSpPr>
           <p:spPr>
             <a:xfrm>
-              <a:off x="763012" y="3296868"/>
-              <a:ext cx="1158240" cy="549301"/>
+              <a:off x="3847309" y="2938160"/>
+              <a:ext cx="824842" cy="523220"/>
             </a:xfrm>
             <a:prstGeom prst="rect">
               <a:avLst/>
@@ -13118,7 +12233,7 @@
             <a:p>
               <a:pPr algn="ctr"/>
               <a:r>
-                <a:rPr lang="en-US" altLang="ko-KR" sz="1600">
+                <a:rPr lang="en-US" altLang="ko-KR" sz="2800">
                   <a:ln>
                     <a:solidFill>
                       <a:schemeClr val="tx1">
@@ -13129,97 +12244,17 @@
                   <a:latin typeface="빙그레 메로나체" panose="020B0503000000000000" pitchFamily="50" charset="-127"/>
                   <a:ea typeface="빙그레 메로나체" panose="020B0503000000000000" pitchFamily="50" charset="-127"/>
                 </a:rPr>
-                <a:t>Svelte</a:t>
+                <a:t>=</a:t>
               </a:r>
             </a:p>
           </p:txBody>
         </p:sp>
-      </p:grpSp>
-      <p:grpSp>
-        <p:nvGrpSpPr>
-          <p:cNvPr id="101" name="그룹 100">
-            <a:extLst>
-              <a:ext uri="{FF2B5EF4-FFF2-40B4-BE49-F238E27FC236}">
-                <a16:creationId xmlns:a16="http://schemas.microsoft.com/office/drawing/2014/main" id="{0419887A-AC90-469E-A158-BCC22E002AB2}"/>
-              </a:ext>
-            </a:extLst>
-          </p:cNvPr>
-          <p:cNvGrpSpPr/>
-          <p:nvPr/>
-        </p:nvGrpSpPr>
-        <p:grpSpPr>
-          <a:xfrm>
-            <a:off x="6388754" y="5102943"/>
-            <a:ext cx="713866" cy="817849"/>
-            <a:chOff x="744283" y="1261143"/>
-            <a:chExt cx="1158240" cy="1326954"/>
-          </a:xfrm>
-        </p:grpSpPr>
-        <p:pic>
-          <p:nvPicPr>
-            <p:cNvPr id="102" name="Picture 2">
+        <p:sp>
+          <p:nvSpPr>
+            <p:cNvPr id="24" name="TextBox 23">
               <a:extLst>
                 <a:ext uri="{FF2B5EF4-FFF2-40B4-BE49-F238E27FC236}">
-                  <a16:creationId xmlns:a16="http://schemas.microsoft.com/office/drawing/2014/main" id="{6D339409-D37F-4D7B-8567-1D93F8ADA0D0}"/>
-                </a:ext>
-              </a:extLst>
-            </p:cNvPr>
-            <p:cNvPicPr>
-              <a:picLocks noChangeAspect="1" noChangeArrowheads="1"/>
-            </p:cNvPicPr>
-            <p:nvPr/>
-          </p:nvPicPr>
-          <p:blipFill rotWithShape="1">
-            <a:blip r:embed="rId4">
-              <a:extLst>
-                <a:ext uri="{BEBA8EAE-BF5A-486C-A8C5-ECC9F3942E4B}">
-                  <a14:imgProps xmlns:a14="http://schemas.microsoft.com/office/drawing/2010/main">
-                    <a14:imgLayer r:embed="rId5">
-                      <a14:imgEffect>
-                        <a14:backgroundRemoval t="10000" b="90000" l="10000" r="90000">
-                          <a14:backgroundMark x1="48828" y1="1768" x2="79375" y2="9282"/>
-                          <a14:backgroundMark x1="89531" y1="38011" x2="90781" y2="78343"/>
-                          <a14:backgroundMark x1="46875" y1="96464" x2="15469" y2="87403"/>
-                          <a14:backgroundMark x1="15469" y1="87403" x2="14063" y2="86630"/>
-                        </a14:backgroundRemoval>
-                      </a14:imgEffect>
-                    </a14:imgLayer>
-                  </a14:imgProps>
-                </a:ext>
-                <a:ext uri="{28A0092B-C50C-407E-A947-70E740481C1C}">
-                  <a14:useLocalDpi xmlns:a14="http://schemas.microsoft.com/office/drawing/2010/main" val="0"/>
-                </a:ext>
-              </a:extLst>
-            </a:blip>
-            <a:srcRect l="17148" t="11093" r="18077" b="13012"/>
-            <a:stretch/>
-          </p:blipFill>
-          <p:spPr bwMode="auto">
-            <a:xfrm>
-              <a:off x="824035" y="1261143"/>
-              <a:ext cx="998736" cy="827360"/>
-            </a:xfrm>
-            <a:prstGeom prst="rect">
-              <a:avLst/>
-            </a:prstGeom>
-            <a:noFill/>
-            <a:extLst>
-              <a:ext uri="{909E8E84-426E-40DD-AFC4-6F175D3DCCD1}">
-                <a14:hiddenFill xmlns:a14="http://schemas.microsoft.com/office/drawing/2010/main">
-                  <a:solidFill>
-                    <a:srgbClr val="FFFFFF"/>
-                  </a:solidFill>
-                </a14:hiddenFill>
-              </a:ext>
-            </a:extLst>
-          </p:spPr>
-        </p:pic>
-        <p:sp>
-          <p:nvSpPr>
-            <p:cNvPr id="103" name="TextBox 102">
-              <a:extLst>
-                <a:ext uri="{FF2B5EF4-FFF2-40B4-BE49-F238E27FC236}">
-                  <a16:creationId xmlns:a16="http://schemas.microsoft.com/office/drawing/2014/main" id="{B95E6A42-1797-428B-B941-24C26CB4DF3E}"/>
+                  <a16:creationId xmlns:a16="http://schemas.microsoft.com/office/drawing/2014/main" id="{BF162F9D-5DB3-4C39-8BBF-8B91E9983D52}"/>
                 </a:ext>
               </a:extLst>
             </p:cNvPr>
@@ -13228,8 +12263,8 @@
           </p:nvSpPr>
           <p:spPr>
             <a:xfrm>
-              <a:off x="744283" y="2038796"/>
-              <a:ext cx="1158240" cy="549301"/>
+              <a:off x="2104610" y="2284539"/>
+              <a:ext cx="1677081" cy="400110"/>
             </a:xfrm>
             <a:prstGeom prst="rect">
               <a:avLst/>
@@ -13244,7 +12279,7 @@
             <a:p>
               <a:pPr algn="ctr"/>
               <a:r>
-                <a:rPr lang="en-US" altLang="ko-KR" sz="1600">
+                <a:rPr lang="en-US" altLang="ko-KR" sz="2000">
                   <a:ln>
                     <a:solidFill>
                       <a:schemeClr val="tx1">
@@ -13255,7 +12290,7 @@
                   <a:latin typeface="빙그레 메로나체" panose="020B0503000000000000" pitchFamily="50" charset="-127"/>
                   <a:ea typeface="빙그레 메로나체" panose="020B0503000000000000" pitchFamily="50" charset="-127"/>
                 </a:rPr>
-                <a:t>React</a:t>
+                <a:t>Speed</a:t>
               </a:r>
             </a:p>
           </p:txBody>
@@ -13263,10 +12298,10 @@
       </p:grpSp>
       <p:grpSp>
         <p:nvGrpSpPr>
-          <p:cNvPr id="104" name="그룹 103">
+          <p:cNvPr id="3" name="그룹 2">
             <a:extLst>
               <a:ext uri="{FF2B5EF4-FFF2-40B4-BE49-F238E27FC236}">
-                <a16:creationId xmlns:a16="http://schemas.microsoft.com/office/drawing/2014/main" id="{CBE410CD-0AF7-4186-8496-48E19CF071A4}"/>
+                <a16:creationId xmlns:a16="http://schemas.microsoft.com/office/drawing/2014/main" id="{32B99B17-7F96-4835-A530-BE436408978F}"/>
               </a:ext>
             </a:extLst>
           </p:cNvPr>
@@ -13275,65 +12310,542 @@
         </p:nvGrpSpPr>
         <p:grpSpPr>
           <a:xfrm>
-            <a:off x="4983803" y="5129011"/>
-            <a:ext cx="713866" cy="778623"/>
-            <a:chOff x="763710" y="3741680"/>
-            <a:chExt cx="1158240" cy="1263310"/>
+            <a:off x="6281742" y="2088460"/>
+            <a:ext cx="5345738" cy="1803789"/>
+            <a:chOff x="6281742" y="2088460"/>
+            <a:chExt cx="5345738" cy="1803789"/>
           </a:xfrm>
         </p:grpSpPr>
-        <p:pic>
-          <p:nvPicPr>
-            <p:cNvPr id="105" name="Picture 6">
+        <p:sp>
+          <p:nvSpPr>
+            <p:cNvPr id="115" name="사각형: 둥근 모서리 114">
               <a:extLst>
                 <a:ext uri="{FF2B5EF4-FFF2-40B4-BE49-F238E27FC236}">
-                  <a16:creationId xmlns:a16="http://schemas.microsoft.com/office/drawing/2014/main" id="{43875622-4DF1-4D33-AEFE-D63BB9CE921A}"/>
+                  <a16:creationId xmlns:a16="http://schemas.microsoft.com/office/drawing/2014/main" id="{47E1DF4F-4C44-47B4-AB2F-AA5A66C49202}"/>
                 </a:ext>
               </a:extLst>
             </p:cNvPr>
-            <p:cNvPicPr>
-              <a:picLocks noChangeAspect="1" noChangeArrowheads="1"/>
-            </p:cNvPicPr>
+            <p:cNvSpPr/>
             <p:nvPr/>
-          </p:nvPicPr>
-          <p:blipFill>
-            <a:blip r:embed="rId6">
+          </p:nvSpPr>
+          <p:spPr>
+            <a:xfrm>
+              <a:off x="6281742" y="2088460"/>
+              <a:ext cx="5345738" cy="1803789"/>
+            </a:xfrm>
+            <a:prstGeom prst="roundRect">
+              <a:avLst/>
+            </a:prstGeom>
+            <a:solidFill>
+              <a:schemeClr val="accent2">
+                <a:lumMod val="20000"/>
+                <a:lumOff val="80000"/>
+              </a:schemeClr>
+            </a:solidFill>
+            <a:ln>
+              <a:noFill/>
+            </a:ln>
+          </p:spPr>
+          <p:style>
+            <a:lnRef idx="2">
+              <a:schemeClr val="accent1">
+                <a:shade val="50000"/>
+              </a:schemeClr>
+            </a:lnRef>
+            <a:fillRef idx="1">
+              <a:schemeClr val="accent1"/>
+            </a:fillRef>
+            <a:effectRef idx="0">
+              <a:schemeClr val="accent1"/>
+            </a:effectRef>
+            <a:fontRef idx="minor">
+              <a:schemeClr val="lt1"/>
+            </a:fontRef>
+          </p:style>
+          <p:txBody>
+            <a:bodyPr rtlCol="0" anchor="ctr"/>
+            <a:lstStyle/>
+            <a:p>
+              <a:pPr algn="ctr"/>
+              <a:endParaRPr lang="ko-KR" altLang="en-US">
+                <a:latin typeface="빙그레 메로나체" panose="020B0503000000000000" pitchFamily="50" charset="-127"/>
+                <a:ea typeface="빙그레 메로나체" panose="020B0503000000000000" pitchFamily="50" charset="-127"/>
+              </a:endParaRPr>
+            </a:p>
+          </p:txBody>
+        </p:sp>
+        <p:grpSp>
+          <p:nvGrpSpPr>
+            <p:cNvPr id="63" name="그룹 62">
               <a:extLst>
-                <a:ext uri="{28A0092B-C50C-407E-A947-70E740481C1C}">
-                  <a14:useLocalDpi xmlns:a14="http://schemas.microsoft.com/office/drawing/2010/main" val="0"/>
+                <a:ext uri="{FF2B5EF4-FFF2-40B4-BE49-F238E27FC236}">
+                  <a16:creationId xmlns:a16="http://schemas.microsoft.com/office/drawing/2014/main" id="{4AEFB4A8-E6F3-464D-865D-D6CE965C0F15}"/>
                 </a:ext>
               </a:extLst>
-            </a:blip>
-            <a:srcRect/>
-            <a:stretch>
-              <a:fillRect/>
-            </a:stretch>
-          </p:blipFill>
-          <p:spPr bwMode="auto">
+            </p:cNvPr>
+            <p:cNvGrpSpPr/>
+            <p:nvPr/>
+          </p:nvGrpSpPr>
+          <p:grpSpPr>
             <a:xfrm>
-              <a:off x="916895" y="3741680"/>
-              <a:ext cx="835342" cy="723906"/>
+              <a:off x="6537009" y="2811186"/>
+              <a:ext cx="713866" cy="833772"/>
+              <a:chOff x="763012" y="2493381"/>
+              <a:chExt cx="1158240" cy="1352788"/>
             </a:xfrm>
-            <a:prstGeom prst="rect">
-              <a:avLst/>
-            </a:prstGeom>
-            <a:noFill/>
-            <a:extLst>
-              <a:ext uri="{909E8E84-426E-40DD-AFC4-6F175D3DCCD1}">
-                <a14:hiddenFill xmlns:a14="http://schemas.microsoft.com/office/drawing/2010/main">
-                  <a:solidFill>
-                    <a:srgbClr val="FFFFFF"/>
-                  </a:solidFill>
-                </a14:hiddenFill>
-              </a:ext>
-            </a:extLst>
-          </p:spPr>
-        </p:pic>
+          </p:grpSpPr>
+          <p:pic>
+            <p:nvPicPr>
+              <p:cNvPr id="68" name="Picture 8">
+                <a:extLst>
+                  <a:ext uri="{FF2B5EF4-FFF2-40B4-BE49-F238E27FC236}">
+                    <a16:creationId xmlns:a16="http://schemas.microsoft.com/office/drawing/2014/main" id="{8DEC1A31-3985-4427-AA5E-A5A402B6C333}"/>
+                  </a:ext>
+                </a:extLst>
+              </p:cNvPr>
+              <p:cNvPicPr>
+                <a:picLocks noChangeAspect="1" noChangeArrowheads="1"/>
+              </p:cNvPicPr>
+              <p:nvPr/>
+            </p:nvPicPr>
+            <p:blipFill>
+              <a:blip r:embed="rId5">
+                <a:extLst>
+                  <a:ext uri="{28A0092B-C50C-407E-A947-70E740481C1C}">
+                    <a14:useLocalDpi xmlns:a14="http://schemas.microsoft.com/office/drawing/2010/main" val="0"/>
+                  </a:ext>
+                </a:extLst>
+              </a:blip>
+              <a:srcRect/>
+              <a:stretch>
+                <a:fillRect/>
+              </a:stretch>
+            </p:blipFill>
+            <p:spPr bwMode="auto">
+              <a:xfrm>
+                <a:off x="984340" y="2493381"/>
+                <a:ext cx="687168" cy="827360"/>
+              </a:xfrm>
+              <a:prstGeom prst="rect">
+                <a:avLst/>
+              </a:prstGeom>
+              <a:noFill/>
+              <a:extLst>
+                <a:ext uri="{909E8E84-426E-40DD-AFC4-6F175D3DCCD1}">
+                  <a14:hiddenFill xmlns:a14="http://schemas.microsoft.com/office/drawing/2010/main">
+                    <a:solidFill>
+                      <a:srgbClr val="FFFFFF"/>
+                    </a:solidFill>
+                  </a14:hiddenFill>
+                </a:ext>
+              </a:extLst>
+            </p:spPr>
+          </p:pic>
+          <p:sp>
+            <p:nvSpPr>
+              <p:cNvPr id="69" name="TextBox 68">
+                <a:extLst>
+                  <a:ext uri="{FF2B5EF4-FFF2-40B4-BE49-F238E27FC236}">
+                    <a16:creationId xmlns:a16="http://schemas.microsoft.com/office/drawing/2014/main" id="{0AE77898-A670-4AF9-9338-40026AA804B3}"/>
+                  </a:ext>
+                </a:extLst>
+              </p:cNvPr>
+              <p:cNvSpPr txBox="1"/>
+              <p:nvPr/>
+            </p:nvSpPr>
+            <p:spPr>
+              <a:xfrm>
+                <a:off x="763012" y="3296868"/>
+                <a:ext cx="1158240" cy="549301"/>
+              </a:xfrm>
+              <a:prstGeom prst="rect">
+                <a:avLst/>
+              </a:prstGeom>
+              <a:noFill/>
+            </p:spPr>
+            <p:txBody>
+              <a:bodyPr wrap="square" rtlCol="0">
+                <a:spAutoFit/>
+              </a:bodyPr>
+              <a:lstStyle/>
+              <a:p>
+                <a:pPr algn="ctr"/>
+                <a:r>
+                  <a:rPr lang="en-US" altLang="ko-KR" sz="1600">
+                    <a:ln>
+                      <a:solidFill>
+                        <a:schemeClr val="tx1">
+                          <a:alpha val="30000"/>
+                        </a:schemeClr>
+                      </a:solidFill>
+                    </a:ln>
+                    <a:latin typeface="빙그레 메로나체" panose="020B0503000000000000" pitchFamily="50" charset="-127"/>
+                    <a:ea typeface="빙그레 메로나체" panose="020B0503000000000000" pitchFamily="50" charset="-127"/>
+                  </a:rPr>
+                  <a:t>Svelte</a:t>
+                </a:r>
+              </a:p>
+            </p:txBody>
+          </p:sp>
+        </p:grpSp>
+        <p:grpSp>
+          <p:nvGrpSpPr>
+            <p:cNvPr id="62" name="그룹 61">
+              <a:extLst>
+                <a:ext uri="{FF2B5EF4-FFF2-40B4-BE49-F238E27FC236}">
+                  <a16:creationId xmlns:a16="http://schemas.microsoft.com/office/drawing/2014/main" id="{131E2EAC-3ACC-40EF-8C3F-C0A75FD20C11}"/>
+                </a:ext>
+              </a:extLst>
+            </p:cNvPr>
+            <p:cNvGrpSpPr/>
+            <p:nvPr/>
+          </p:nvGrpSpPr>
+          <p:grpSpPr>
+            <a:xfrm>
+              <a:off x="9254529" y="2821767"/>
+              <a:ext cx="713866" cy="817849"/>
+              <a:chOff x="744283" y="1261143"/>
+              <a:chExt cx="1158240" cy="1326954"/>
+            </a:xfrm>
+          </p:grpSpPr>
+          <p:pic>
+            <p:nvPicPr>
+              <p:cNvPr id="70" name="Picture 2">
+                <a:extLst>
+                  <a:ext uri="{FF2B5EF4-FFF2-40B4-BE49-F238E27FC236}">
+                    <a16:creationId xmlns:a16="http://schemas.microsoft.com/office/drawing/2014/main" id="{9EF915F4-89F7-4BD3-9E4B-86B4011407D0}"/>
+                  </a:ext>
+                </a:extLst>
+              </p:cNvPr>
+              <p:cNvPicPr>
+                <a:picLocks noChangeAspect="1" noChangeArrowheads="1"/>
+              </p:cNvPicPr>
+              <p:nvPr/>
+            </p:nvPicPr>
+            <p:blipFill rotWithShape="1">
+              <a:blip r:embed="rId3">
+                <a:extLst>
+                  <a:ext uri="{BEBA8EAE-BF5A-486C-A8C5-ECC9F3942E4B}">
+                    <a14:imgProps xmlns:a14="http://schemas.microsoft.com/office/drawing/2010/main">
+                      <a14:imgLayer r:embed="rId4">
+                        <a14:imgEffect>
+                          <a14:backgroundRemoval t="10000" b="90000" l="10000" r="90000">
+                            <a14:backgroundMark x1="48828" y1="1768" x2="79375" y2="9282"/>
+                            <a14:backgroundMark x1="89531" y1="38011" x2="90781" y2="78343"/>
+                            <a14:backgroundMark x1="46875" y1="96464" x2="15469" y2="87403"/>
+                            <a14:backgroundMark x1="15469" y1="87403" x2="14063" y2="86630"/>
+                          </a14:backgroundRemoval>
+                        </a14:imgEffect>
+                      </a14:imgLayer>
+                    </a14:imgProps>
+                  </a:ext>
+                  <a:ext uri="{28A0092B-C50C-407E-A947-70E740481C1C}">
+                    <a14:useLocalDpi xmlns:a14="http://schemas.microsoft.com/office/drawing/2010/main" val="0"/>
+                  </a:ext>
+                </a:extLst>
+              </a:blip>
+              <a:srcRect l="17148" t="11093" r="18077" b="13012"/>
+              <a:stretch/>
+            </p:blipFill>
+            <p:spPr bwMode="auto">
+              <a:xfrm>
+                <a:off x="824035" y="1261143"/>
+                <a:ext cx="998736" cy="827360"/>
+              </a:xfrm>
+              <a:prstGeom prst="rect">
+                <a:avLst/>
+              </a:prstGeom>
+              <a:noFill/>
+              <a:extLst>
+                <a:ext uri="{909E8E84-426E-40DD-AFC4-6F175D3DCCD1}">
+                  <a14:hiddenFill xmlns:a14="http://schemas.microsoft.com/office/drawing/2010/main">
+                    <a:solidFill>
+                      <a:srgbClr val="FFFFFF"/>
+                    </a:solidFill>
+                  </a14:hiddenFill>
+                </a:ext>
+              </a:extLst>
+            </p:spPr>
+          </p:pic>
+          <p:sp>
+            <p:nvSpPr>
+              <p:cNvPr id="71" name="TextBox 70">
+                <a:extLst>
+                  <a:ext uri="{FF2B5EF4-FFF2-40B4-BE49-F238E27FC236}">
+                    <a16:creationId xmlns:a16="http://schemas.microsoft.com/office/drawing/2014/main" id="{B368564C-3524-460B-BDBE-57B9110B09F4}"/>
+                  </a:ext>
+                </a:extLst>
+              </p:cNvPr>
+              <p:cNvSpPr txBox="1"/>
+              <p:nvPr/>
+            </p:nvSpPr>
+            <p:spPr>
+              <a:xfrm>
+                <a:off x="744283" y="2038796"/>
+                <a:ext cx="1158240" cy="549301"/>
+              </a:xfrm>
+              <a:prstGeom prst="rect">
+                <a:avLst/>
+              </a:prstGeom>
+              <a:noFill/>
+            </p:spPr>
+            <p:txBody>
+              <a:bodyPr wrap="square" rtlCol="0">
+                <a:spAutoFit/>
+              </a:bodyPr>
+              <a:lstStyle/>
+              <a:p>
+                <a:pPr algn="ctr"/>
+                <a:r>
+                  <a:rPr lang="en-US" altLang="ko-KR" sz="1600">
+                    <a:ln>
+                      <a:solidFill>
+                        <a:schemeClr val="tx1">
+                          <a:alpha val="30000"/>
+                        </a:schemeClr>
+                      </a:solidFill>
+                    </a:ln>
+                    <a:latin typeface="빙그레 메로나체" panose="020B0503000000000000" pitchFamily="50" charset="-127"/>
+                    <a:ea typeface="빙그레 메로나체" panose="020B0503000000000000" pitchFamily="50" charset="-127"/>
+                  </a:rPr>
+                  <a:t>React</a:t>
+                </a:r>
+              </a:p>
+            </p:txBody>
+          </p:sp>
+        </p:grpSp>
+        <p:grpSp>
+          <p:nvGrpSpPr>
+            <p:cNvPr id="79" name="그룹 78">
+              <a:extLst>
+                <a:ext uri="{FF2B5EF4-FFF2-40B4-BE49-F238E27FC236}">
+                  <a16:creationId xmlns:a16="http://schemas.microsoft.com/office/drawing/2014/main" id="{FCEF8D08-A5CD-4CD2-8D19-79451C0A25DA}"/>
+                </a:ext>
+              </a:extLst>
+            </p:cNvPr>
+            <p:cNvGrpSpPr/>
+            <p:nvPr/>
+          </p:nvGrpSpPr>
+          <p:grpSpPr>
+            <a:xfrm>
+              <a:off x="7849578" y="2847835"/>
+              <a:ext cx="713866" cy="778623"/>
+              <a:chOff x="763710" y="3741680"/>
+              <a:chExt cx="1158240" cy="1263310"/>
+            </a:xfrm>
+          </p:grpSpPr>
+          <p:pic>
+            <p:nvPicPr>
+              <p:cNvPr id="80" name="Picture 6">
+                <a:extLst>
+                  <a:ext uri="{FF2B5EF4-FFF2-40B4-BE49-F238E27FC236}">
+                    <a16:creationId xmlns:a16="http://schemas.microsoft.com/office/drawing/2014/main" id="{A140BD52-15FB-45ED-915F-076C1BDC8841}"/>
+                  </a:ext>
+                </a:extLst>
+              </p:cNvPr>
+              <p:cNvPicPr>
+                <a:picLocks noChangeAspect="1" noChangeArrowheads="1"/>
+              </p:cNvPicPr>
+              <p:nvPr/>
+            </p:nvPicPr>
+            <p:blipFill>
+              <a:blip r:embed="rId7">
+                <a:extLst>
+                  <a:ext uri="{28A0092B-C50C-407E-A947-70E740481C1C}">
+                    <a14:useLocalDpi xmlns:a14="http://schemas.microsoft.com/office/drawing/2010/main" val="0"/>
+                  </a:ext>
+                </a:extLst>
+              </a:blip>
+              <a:srcRect/>
+              <a:stretch>
+                <a:fillRect/>
+              </a:stretch>
+            </p:blipFill>
+            <p:spPr bwMode="auto">
+              <a:xfrm>
+                <a:off x="916895" y="3741680"/>
+                <a:ext cx="835342" cy="723906"/>
+              </a:xfrm>
+              <a:prstGeom prst="rect">
+                <a:avLst/>
+              </a:prstGeom>
+              <a:noFill/>
+              <a:extLst>
+                <a:ext uri="{909E8E84-426E-40DD-AFC4-6F175D3DCCD1}">
+                  <a14:hiddenFill xmlns:a14="http://schemas.microsoft.com/office/drawing/2010/main">
+                    <a:solidFill>
+                      <a:srgbClr val="FFFFFF"/>
+                    </a:solidFill>
+                  </a14:hiddenFill>
+                </a:ext>
+              </a:extLst>
+            </p:spPr>
+          </p:pic>
+          <p:sp>
+            <p:nvSpPr>
+              <p:cNvPr id="81" name="TextBox 80">
+                <a:extLst>
+                  <a:ext uri="{FF2B5EF4-FFF2-40B4-BE49-F238E27FC236}">
+                    <a16:creationId xmlns:a16="http://schemas.microsoft.com/office/drawing/2014/main" id="{546F70FE-FDDE-4735-ADC7-B1439C52EC96}"/>
+                  </a:ext>
+                </a:extLst>
+              </p:cNvPr>
+              <p:cNvSpPr txBox="1"/>
+              <p:nvPr/>
+            </p:nvSpPr>
+            <p:spPr>
+              <a:xfrm>
+                <a:off x="763710" y="4455689"/>
+                <a:ext cx="1158240" cy="549301"/>
+              </a:xfrm>
+              <a:prstGeom prst="rect">
+                <a:avLst/>
+              </a:prstGeom>
+              <a:noFill/>
+            </p:spPr>
+            <p:txBody>
+              <a:bodyPr wrap="square" rtlCol="0">
+                <a:spAutoFit/>
+              </a:bodyPr>
+              <a:lstStyle/>
+              <a:p>
+                <a:pPr algn="ctr"/>
+                <a:r>
+                  <a:rPr lang="en-US" altLang="ko-KR" sz="1600">
+                    <a:ln>
+                      <a:solidFill>
+                        <a:schemeClr val="tx1">
+                          <a:alpha val="30000"/>
+                        </a:schemeClr>
+                      </a:solidFill>
+                    </a:ln>
+                    <a:latin typeface="빙그레 메로나체" panose="020B0503000000000000" pitchFamily="50" charset="-127"/>
+                    <a:ea typeface="빙그레 메로나체" panose="020B0503000000000000" pitchFamily="50" charset="-127"/>
+                  </a:rPr>
+                  <a:t>Vue</a:t>
+                </a:r>
+              </a:p>
+            </p:txBody>
+          </p:sp>
+        </p:grpSp>
+        <p:grpSp>
+          <p:nvGrpSpPr>
+            <p:cNvPr id="60" name="그룹 59">
+              <a:extLst>
+                <a:ext uri="{FF2B5EF4-FFF2-40B4-BE49-F238E27FC236}">
+                  <a16:creationId xmlns:a16="http://schemas.microsoft.com/office/drawing/2014/main" id="{55059E45-216E-43A3-984C-78D3FFA7F50F}"/>
+                </a:ext>
+              </a:extLst>
+            </p:cNvPr>
+            <p:cNvGrpSpPr/>
+            <p:nvPr/>
+          </p:nvGrpSpPr>
+          <p:grpSpPr>
+            <a:xfrm>
+              <a:off x="10339389" y="2795832"/>
+              <a:ext cx="1271815" cy="856872"/>
+              <a:chOff x="284530" y="5847760"/>
+              <a:chExt cx="2063504" cy="1390269"/>
+            </a:xfrm>
+          </p:grpSpPr>
+          <p:pic>
+            <p:nvPicPr>
+              <p:cNvPr id="74" name="Picture 4" descr="Angular - PRESS KIT">
+                <a:extLst>
+                  <a:ext uri="{FF2B5EF4-FFF2-40B4-BE49-F238E27FC236}">
+                    <a16:creationId xmlns:a16="http://schemas.microsoft.com/office/drawing/2014/main" id="{D808B518-07EA-47B0-94FE-1F0B3D023C1B}"/>
+                  </a:ext>
+                </a:extLst>
+              </p:cNvPr>
+              <p:cNvPicPr>
+                <a:picLocks noChangeAspect="1" noChangeArrowheads="1"/>
+              </p:cNvPicPr>
+              <p:nvPr/>
+            </p:nvPicPr>
+            <p:blipFill rotWithShape="1">
+              <a:blip r:embed="rId6">
+                <a:extLst>
+                  <a:ext uri="{28A0092B-C50C-407E-A947-70E740481C1C}">
+                    <a14:useLocalDpi xmlns:a14="http://schemas.microsoft.com/office/drawing/2010/main" val="0"/>
+                  </a:ext>
+                </a:extLst>
+              </a:blip>
+              <a:srcRect l="7281" t="9320" r="10639" b="4279"/>
+              <a:stretch/>
+            </p:blipFill>
+            <p:spPr bwMode="auto">
+              <a:xfrm>
+                <a:off x="911856" y="5847760"/>
+                <a:ext cx="785994" cy="827360"/>
+              </a:xfrm>
+              <a:prstGeom prst="rect">
+                <a:avLst/>
+              </a:prstGeom>
+              <a:noFill/>
+              <a:extLst>
+                <a:ext uri="{909E8E84-426E-40DD-AFC4-6F175D3DCCD1}">
+                  <a14:hiddenFill xmlns:a14="http://schemas.microsoft.com/office/drawing/2010/main">
+                    <a:solidFill>
+                      <a:srgbClr val="FFFFFF"/>
+                    </a:solidFill>
+                  </a14:hiddenFill>
+                </a:ext>
+              </a:extLst>
+            </p:spPr>
+          </p:pic>
+          <p:sp>
+            <p:nvSpPr>
+              <p:cNvPr id="75" name="TextBox 74">
+                <a:extLst>
+                  <a:ext uri="{FF2B5EF4-FFF2-40B4-BE49-F238E27FC236}">
+                    <a16:creationId xmlns:a16="http://schemas.microsoft.com/office/drawing/2014/main" id="{559E344E-9838-4678-A31D-CFE0E85AFEC4}"/>
+                  </a:ext>
+                </a:extLst>
+              </p:cNvPr>
+              <p:cNvSpPr txBox="1"/>
+              <p:nvPr/>
+            </p:nvSpPr>
+            <p:spPr>
+              <a:xfrm>
+                <a:off x="284530" y="6688727"/>
+                <a:ext cx="2063504" cy="549302"/>
+              </a:xfrm>
+              <a:prstGeom prst="rect">
+                <a:avLst/>
+              </a:prstGeom>
+              <a:noFill/>
+            </p:spPr>
+            <p:txBody>
+              <a:bodyPr wrap="square" rtlCol="0">
+                <a:spAutoFit/>
+              </a:bodyPr>
+              <a:lstStyle/>
+              <a:p>
+                <a:pPr algn="ctr"/>
+                <a:r>
+                  <a:rPr lang="en-US" altLang="ko-KR" sz="1600">
+                    <a:ln>
+                      <a:solidFill>
+                        <a:schemeClr val="tx1">
+                          <a:alpha val="30000"/>
+                        </a:schemeClr>
+                      </a:solidFill>
+                    </a:ln>
+                    <a:latin typeface="빙그레 메로나체" panose="020B0503000000000000" pitchFamily="50" charset="-127"/>
+                    <a:ea typeface="빙그레 메로나체" panose="020B0503000000000000" pitchFamily="50" charset="-127"/>
+                  </a:rPr>
+                  <a:t>Angular</a:t>
+                </a:r>
+              </a:p>
+            </p:txBody>
+          </p:sp>
+        </p:grpSp>
         <p:sp>
           <p:nvSpPr>
-            <p:cNvPr id="106" name="TextBox 105">
+            <p:cNvPr id="64" name="TextBox 63">
               <a:extLst>
                 <a:ext uri="{FF2B5EF4-FFF2-40B4-BE49-F238E27FC236}">
-                  <a16:creationId xmlns:a16="http://schemas.microsoft.com/office/drawing/2014/main" id="{904F0125-091C-463E-BD7A-0145C072ED0F}"/>
+                  <a16:creationId xmlns:a16="http://schemas.microsoft.com/office/drawing/2014/main" id="{DF6590D8-8FC0-4830-9DE5-63A2E82ADFC0}"/>
                 </a:ext>
               </a:extLst>
             </p:cNvPr>
@@ -13342,8 +12854,8 @@
           </p:nvSpPr>
           <p:spPr>
             <a:xfrm>
-              <a:off x="763710" y="4455689"/>
-              <a:ext cx="1158240" cy="549301"/>
+              <a:off x="7152043" y="2947946"/>
+              <a:ext cx="824842" cy="523220"/>
             </a:xfrm>
             <a:prstGeom prst="rect">
               <a:avLst/>
@@ -13358,7 +12870,7 @@
             <a:p>
               <a:pPr algn="ctr"/>
               <a:r>
-                <a:rPr lang="en-US" altLang="ko-KR" sz="1600">
+                <a:rPr lang="en-US" altLang="ko-KR" sz="2800">
                   <a:ln>
                     <a:solidFill>
                       <a:schemeClr val="tx1">
@@ -13369,83 +12881,17 @@
                   <a:latin typeface="빙그레 메로나체" panose="020B0503000000000000" pitchFamily="50" charset="-127"/>
                   <a:ea typeface="빙그레 메로나체" panose="020B0503000000000000" pitchFamily="50" charset="-127"/>
                 </a:rPr>
-                <a:t>Vue</a:t>
+                <a:t>&gt;</a:t>
               </a:r>
             </a:p>
           </p:txBody>
         </p:sp>
-      </p:grpSp>
-      <p:grpSp>
-        <p:nvGrpSpPr>
-          <p:cNvPr id="107" name="그룹 106">
-            <a:extLst>
-              <a:ext uri="{FF2B5EF4-FFF2-40B4-BE49-F238E27FC236}">
-                <a16:creationId xmlns:a16="http://schemas.microsoft.com/office/drawing/2014/main" id="{598FAAAF-DC4F-4C37-8805-9A81EE163759}"/>
-              </a:ext>
-            </a:extLst>
-          </p:cNvPr>
-          <p:cNvGrpSpPr/>
-          <p:nvPr/>
-        </p:nvGrpSpPr>
-        <p:grpSpPr>
-          <a:xfrm>
-            <a:off x="7473614" y="5077008"/>
-            <a:ext cx="1271815" cy="856872"/>
-            <a:chOff x="284530" y="5847760"/>
-            <a:chExt cx="2063504" cy="1390269"/>
-          </a:xfrm>
-        </p:grpSpPr>
-        <p:pic>
-          <p:nvPicPr>
-            <p:cNvPr id="108" name="Picture 4" descr="Angular - PRESS KIT">
+        <p:sp>
+          <p:nvSpPr>
+            <p:cNvPr id="65" name="TextBox 64">
               <a:extLst>
                 <a:ext uri="{FF2B5EF4-FFF2-40B4-BE49-F238E27FC236}">
-                  <a16:creationId xmlns:a16="http://schemas.microsoft.com/office/drawing/2014/main" id="{E88A91DA-F20B-47A2-B0AD-B59BB0AC2B2F}"/>
-                </a:ext>
-              </a:extLst>
-            </p:cNvPr>
-            <p:cNvPicPr>
-              <a:picLocks noChangeAspect="1" noChangeArrowheads="1"/>
-            </p:cNvPicPr>
-            <p:nvPr/>
-          </p:nvPicPr>
-          <p:blipFill rotWithShape="1">
-            <a:blip r:embed="rId7">
-              <a:extLst>
-                <a:ext uri="{28A0092B-C50C-407E-A947-70E740481C1C}">
-                  <a14:useLocalDpi xmlns:a14="http://schemas.microsoft.com/office/drawing/2010/main" val="0"/>
-                </a:ext>
-              </a:extLst>
-            </a:blip>
-            <a:srcRect l="7281" t="9320" r="10639" b="4279"/>
-            <a:stretch/>
-          </p:blipFill>
-          <p:spPr bwMode="auto">
-            <a:xfrm>
-              <a:off x="911856" y="5847760"/>
-              <a:ext cx="785994" cy="827360"/>
-            </a:xfrm>
-            <a:prstGeom prst="rect">
-              <a:avLst/>
-            </a:prstGeom>
-            <a:noFill/>
-            <a:extLst>
-              <a:ext uri="{909E8E84-426E-40DD-AFC4-6F175D3DCCD1}">
-                <a14:hiddenFill xmlns:a14="http://schemas.microsoft.com/office/drawing/2010/main">
-                  <a:solidFill>
-                    <a:srgbClr val="FFFFFF"/>
-                  </a:solidFill>
-                </a14:hiddenFill>
-              </a:ext>
-            </a:extLst>
-          </p:spPr>
-        </p:pic>
-        <p:sp>
-          <p:nvSpPr>
-            <p:cNvPr id="109" name="TextBox 108">
-              <a:extLst>
-                <a:ext uri="{FF2B5EF4-FFF2-40B4-BE49-F238E27FC236}">
-                  <a16:creationId xmlns:a16="http://schemas.microsoft.com/office/drawing/2014/main" id="{0588920E-79E4-4834-B0A0-614D713C1317}"/>
+                  <a16:creationId xmlns:a16="http://schemas.microsoft.com/office/drawing/2014/main" id="{843B18D6-35B1-40E2-94A3-9A64096125B0}"/>
                 </a:ext>
               </a:extLst>
             </p:cNvPr>
@@ -13454,8 +12900,8 @@
           </p:nvSpPr>
           <p:spPr>
             <a:xfrm>
-              <a:off x="284530" y="6688727"/>
-              <a:ext cx="2063504" cy="549302"/>
+              <a:off x="8516376" y="2947946"/>
+              <a:ext cx="824842" cy="523220"/>
             </a:xfrm>
             <a:prstGeom prst="rect">
               <a:avLst/>
@@ -13470,7 +12916,7 @@
             <a:p>
               <a:pPr algn="ctr"/>
               <a:r>
-                <a:rPr lang="en-US" altLang="ko-KR" sz="1600">
+                <a:rPr lang="en-US" altLang="ko-KR" sz="2800">
                   <a:ln>
                     <a:solidFill>
                       <a:schemeClr val="tx1">
@@ -13481,196 +12927,833 @@
                   <a:latin typeface="빙그레 메로나체" panose="020B0503000000000000" pitchFamily="50" charset="-127"/>
                   <a:ea typeface="빙그레 메로나체" panose="020B0503000000000000" pitchFamily="50" charset="-127"/>
                 </a:rPr>
-                <a:t>Angular</a:t>
+                <a:t>&gt;</a:t>
+              </a:r>
+            </a:p>
+          </p:txBody>
+        </p:sp>
+        <p:sp>
+          <p:nvSpPr>
+            <p:cNvPr id="66" name="TextBox 65">
+              <a:extLst>
+                <a:ext uri="{FF2B5EF4-FFF2-40B4-BE49-F238E27FC236}">
+                  <a16:creationId xmlns:a16="http://schemas.microsoft.com/office/drawing/2014/main" id="{B990294C-0250-40B3-A93E-D55139BDA7AC}"/>
+                </a:ext>
+              </a:extLst>
+            </p:cNvPr>
+            <p:cNvSpPr txBox="1"/>
+            <p:nvPr/>
+          </p:nvSpPr>
+          <p:spPr>
+            <a:xfrm>
+              <a:off x="9880708" y="2947946"/>
+              <a:ext cx="824842" cy="523220"/>
+            </a:xfrm>
+            <a:prstGeom prst="rect">
+              <a:avLst/>
+            </a:prstGeom>
+            <a:noFill/>
+          </p:spPr>
+          <p:txBody>
+            <a:bodyPr wrap="square" rtlCol="0">
+              <a:spAutoFit/>
+            </a:bodyPr>
+            <a:lstStyle/>
+            <a:p>
+              <a:pPr algn="ctr"/>
+              <a:r>
+                <a:rPr lang="en-US" altLang="ko-KR" sz="2800">
+                  <a:ln>
+                    <a:solidFill>
+                      <a:schemeClr val="tx1">
+                        <a:alpha val="30000"/>
+                      </a:schemeClr>
+                    </a:solidFill>
+                  </a:ln>
+                  <a:latin typeface="빙그레 메로나체" panose="020B0503000000000000" pitchFamily="50" charset="-127"/>
+                  <a:ea typeface="빙그레 메로나체" panose="020B0503000000000000" pitchFamily="50" charset="-127"/>
+                </a:rPr>
+                <a:t>&gt;</a:t>
+              </a:r>
+            </a:p>
+          </p:txBody>
+        </p:sp>
+        <p:sp>
+          <p:nvSpPr>
+            <p:cNvPr id="67" name="TextBox 66">
+              <a:extLst>
+                <a:ext uri="{FF2B5EF4-FFF2-40B4-BE49-F238E27FC236}">
+                  <a16:creationId xmlns:a16="http://schemas.microsoft.com/office/drawing/2014/main" id="{C9E1D5F9-3CBC-4192-A2DD-172AC919B35C}"/>
+                </a:ext>
+              </a:extLst>
+            </p:cNvPr>
+            <p:cNvSpPr txBox="1"/>
+            <p:nvPr/>
+          </p:nvSpPr>
+          <p:spPr>
+            <a:xfrm>
+              <a:off x="8090256" y="2294325"/>
+              <a:ext cx="1677081" cy="400110"/>
+            </a:xfrm>
+            <a:prstGeom prst="rect">
+              <a:avLst/>
+            </a:prstGeom>
+            <a:noFill/>
+          </p:spPr>
+          <p:txBody>
+            <a:bodyPr wrap="square" rtlCol="0">
+              <a:spAutoFit/>
+            </a:bodyPr>
+            <a:lstStyle/>
+            <a:p>
+              <a:pPr algn="ctr"/>
+              <a:r>
+                <a:rPr lang="en-US" altLang="ko-KR" sz="2000">
+                  <a:ln>
+                    <a:solidFill>
+                      <a:schemeClr val="tx1">
+                        <a:alpha val="30000"/>
+                      </a:schemeClr>
+                    </a:solidFill>
+                  </a:ln>
+                  <a:latin typeface="빙그레 메로나체" panose="020B0503000000000000" pitchFamily="50" charset="-127"/>
+                  <a:ea typeface="빙그레 메로나체" panose="020B0503000000000000" pitchFamily="50" charset="-127"/>
+                </a:rPr>
+                <a:t>Startup </a:t>
               </a:r>
             </a:p>
           </p:txBody>
         </p:sp>
       </p:grpSp>
-      <p:sp>
-        <p:nvSpPr>
-          <p:cNvPr id="110" name="TextBox 109">
+      <p:grpSp>
+        <p:nvGrpSpPr>
+          <p:cNvPr id="7" name="그룹 6">
             <a:extLst>
               <a:ext uri="{FF2B5EF4-FFF2-40B4-BE49-F238E27FC236}">
-                <a16:creationId xmlns:a16="http://schemas.microsoft.com/office/drawing/2014/main" id="{556DDD13-5AF7-49F3-9DEA-7DD1C2120493}"/>
+                <a16:creationId xmlns:a16="http://schemas.microsoft.com/office/drawing/2014/main" id="{68ECD5E5-BB18-4DDC-B0A0-CFE9B60793E3}"/>
               </a:ext>
             </a:extLst>
           </p:cNvPr>
-          <p:cNvSpPr txBox="1"/>
+          <p:cNvGrpSpPr/>
           <p:nvPr/>
-        </p:nvSpPr>
-        <p:spPr>
+        </p:nvGrpSpPr>
+        <p:grpSpPr>
           <a:xfrm>
-            <a:off x="4286268" y="5229122"/>
-            <a:ext cx="824842" cy="523220"/>
+            <a:off x="3423131" y="4371544"/>
+            <a:ext cx="5345738" cy="1803789"/>
+            <a:chOff x="3423131" y="4371544"/>
+            <a:chExt cx="5345738" cy="1803789"/>
           </a:xfrm>
-          <a:prstGeom prst="rect">
-            <a:avLst/>
-          </a:prstGeom>
-          <a:noFill/>
-        </p:spPr>
-        <p:txBody>
-          <a:bodyPr wrap="square" rtlCol="0">
-            <a:spAutoFit/>
-          </a:bodyPr>
-          <a:lstStyle/>
-          <a:p>
-            <a:pPr algn="ctr"/>
-            <a:r>
-              <a:rPr lang="en-US" altLang="ko-KR" sz="2800">
-                <a:ln>
-                  <a:solidFill>
-                    <a:schemeClr val="tx1">
-                      <a:alpha val="30000"/>
-                    </a:schemeClr>
-                  </a:solidFill>
-                </a:ln>
-                <a:latin typeface="빙그레 메로나체" panose="020B0503000000000000" pitchFamily="50" charset="-127"/>
-                <a:ea typeface="빙그레 메로나체" panose="020B0503000000000000" pitchFamily="50" charset="-127"/>
-              </a:rPr>
-              <a:t>&gt;</a:t>
-            </a:r>
-          </a:p>
-        </p:txBody>
-      </p:sp>
-      <p:sp>
-        <p:nvSpPr>
-          <p:cNvPr id="111" name="TextBox 110">
-            <a:extLst>
-              <a:ext uri="{FF2B5EF4-FFF2-40B4-BE49-F238E27FC236}">
-                <a16:creationId xmlns:a16="http://schemas.microsoft.com/office/drawing/2014/main" id="{17B61746-CB7A-421D-B50C-5469079CC5EC}"/>
-              </a:ext>
-            </a:extLst>
-          </p:cNvPr>
-          <p:cNvSpPr txBox="1"/>
-          <p:nvPr/>
-        </p:nvSpPr>
-        <p:spPr>
-          <a:xfrm>
-            <a:off x="5650601" y="5229122"/>
-            <a:ext cx="824842" cy="523220"/>
-          </a:xfrm>
-          <a:prstGeom prst="rect">
-            <a:avLst/>
-          </a:prstGeom>
-          <a:noFill/>
-        </p:spPr>
-        <p:txBody>
-          <a:bodyPr wrap="square" rtlCol="0">
-            <a:spAutoFit/>
-          </a:bodyPr>
-          <a:lstStyle/>
-          <a:p>
-            <a:pPr algn="ctr"/>
-            <a:r>
-              <a:rPr lang="en-US" altLang="ko-KR" sz="2800">
-                <a:ln>
-                  <a:solidFill>
-                    <a:schemeClr val="tx1">
-                      <a:alpha val="30000"/>
-                    </a:schemeClr>
-                  </a:solidFill>
-                </a:ln>
-                <a:latin typeface="빙그레 메로나체" panose="020B0503000000000000" pitchFamily="50" charset="-127"/>
-                <a:ea typeface="빙그레 메로나체" panose="020B0503000000000000" pitchFamily="50" charset="-127"/>
-              </a:rPr>
-              <a:t>&gt;</a:t>
-            </a:r>
-          </a:p>
-        </p:txBody>
-      </p:sp>
-      <p:sp>
-        <p:nvSpPr>
-          <p:cNvPr id="112" name="TextBox 111">
-            <a:extLst>
-              <a:ext uri="{FF2B5EF4-FFF2-40B4-BE49-F238E27FC236}">
-                <a16:creationId xmlns:a16="http://schemas.microsoft.com/office/drawing/2014/main" id="{3A8AD17A-C442-45F6-8A8B-75332F206B81}"/>
-              </a:ext>
-            </a:extLst>
-          </p:cNvPr>
-          <p:cNvSpPr txBox="1"/>
-          <p:nvPr/>
-        </p:nvSpPr>
-        <p:spPr>
-          <a:xfrm>
-            <a:off x="7014933" y="5229122"/>
-            <a:ext cx="824842" cy="523220"/>
-          </a:xfrm>
-          <a:prstGeom prst="rect">
-            <a:avLst/>
-          </a:prstGeom>
-          <a:noFill/>
-        </p:spPr>
-        <p:txBody>
-          <a:bodyPr wrap="square" rtlCol="0">
-            <a:spAutoFit/>
-          </a:bodyPr>
-          <a:lstStyle/>
-          <a:p>
-            <a:pPr algn="ctr"/>
-            <a:r>
-              <a:rPr lang="en-US" altLang="ko-KR" sz="2800">
-                <a:ln>
-                  <a:solidFill>
-                    <a:schemeClr val="tx1">
-                      <a:alpha val="30000"/>
-                    </a:schemeClr>
-                  </a:solidFill>
-                </a:ln>
-                <a:latin typeface="빙그레 메로나체" panose="020B0503000000000000" pitchFamily="50" charset="-127"/>
-                <a:ea typeface="빙그레 메로나체" panose="020B0503000000000000" pitchFamily="50" charset="-127"/>
-              </a:rPr>
-              <a:t>&gt;</a:t>
-            </a:r>
-          </a:p>
-        </p:txBody>
-      </p:sp>
-      <p:sp>
-        <p:nvSpPr>
-          <p:cNvPr id="113" name="TextBox 112">
-            <a:extLst>
-              <a:ext uri="{FF2B5EF4-FFF2-40B4-BE49-F238E27FC236}">
-                <a16:creationId xmlns:a16="http://schemas.microsoft.com/office/drawing/2014/main" id="{E4812A57-4153-4D52-AC48-D67CE6B800B2}"/>
-              </a:ext>
-            </a:extLst>
-          </p:cNvPr>
-          <p:cNvSpPr txBox="1"/>
-          <p:nvPr/>
-        </p:nvSpPr>
-        <p:spPr>
-          <a:xfrm>
-            <a:off x="5224481" y="4575501"/>
-            <a:ext cx="1677081" cy="400110"/>
-          </a:xfrm>
-          <a:prstGeom prst="rect">
-            <a:avLst/>
-          </a:prstGeom>
-          <a:noFill/>
-        </p:spPr>
-        <p:txBody>
-          <a:bodyPr wrap="square" rtlCol="0">
-            <a:spAutoFit/>
-          </a:bodyPr>
-          <a:lstStyle/>
-          <a:p>
-            <a:pPr algn="ctr"/>
-            <a:r>
-              <a:rPr lang="en-US" altLang="ko-KR" sz="2000">
-                <a:ln>
-                  <a:solidFill>
-                    <a:schemeClr val="tx1">
-                      <a:alpha val="30000"/>
-                    </a:schemeClr>
-                  </a:solidFill>
-                </a:ln>
-                <a:latin typeface="빙그레 메로나체" panose="020B0503000000000000" pitchFamily="50" charset="-127"/>
-                <a:ea typeface="빙그레 메로나체" panose="020B0503000000000000" pitchFamily="50" charset="-127"/>
-              </a:rPr>
-              <a:t>Memory </a:t>
-            </a:r>
-          </a:p>
-        </p:txBody>
-      </p:sp>
+        </p:grpSpPr>
+        <p:sp>
+          <p:nvSpPr>
+            <p:cNvPr id="116" name="사각형: 둥근 모서리 115">
+              <a:extLst>
+                <a:ext uri="{FF2B5EF4-FFF2-40B4-BE49-F238E27FC236}">
+                  <a16:creationId xmlns:a16="http://schemas.microsoft.com/office/drawing/2014/main" id="{DE8D05FA-7FE1-46E7-972F-D0764F65E96C}"/>
+                </a:ext>
+              </a:extLst>
+            </p:cNvPr>
+            <p:cNvSpPr/>
+            <p:nvPr/>
+          </p:nvSpPr>
+          <p:spPr>
+            <a:xfrm>
+              <a:off x="3423131" y="4371544"/>
+              <a:ext cx="5345738" cy="1803789"/>
+            </a:xfrm>
+            <a:prstGeom prst="roundRect">
+              <a:avLst/>
+            </a:prstGeom>
+            <a:solidFill>
+              <a:schemeClr val="accent6">
+                <a:lumMod val="20000"/>
+                <a:lumOff val="80000"/>
+              </a:schemeClr>
+            </a:solidFill>
+            <a:ln>
+              <a:noFill/>
+            </a:ln>
+          </p:spPr>
+          <p:style>
+            <a:lnRef idx="2">
+              <a:schemeClr val="accent1">
+                <a:shade val="50000"/>
+              </a:schemeClr>
+            </a:lnRef>
+            <a:fillRef idx="1">
+              <a:schemeClr val="accent1"/>
+            </a:fillRef>
+            <a:effectRef idx="0">
+              <a:schemeClr val="accent1"/>
+            </a:effectRef>
+            <a:fontRef idx="minor">
+              <a:schemeClr val="lt1"/>
+            </a:fontRef>
+          </p:style>
+          <p:txBody>
+            <a:bodyPr rtlCol="0" anchor="ctr"/>
+            <a:lstStyle/>
+            <a:p>
+              <a:pPr algn="ctr"/>
+              <a:endParaRPr lang="ko-KR" altLang="en-US">
+                <a:latin typeface="빙그레 메로나체" panose="020B0503000000000000" pitchFamily="50" charset="-127"/>
+                <a:ea typeface="빙그레 메로나체" panose="020B0503000000000000" pitchFamily="50" charset="-127"/>
+              </a:endParaRPr>
+            </a:p>
+          </p:txBody>
+        </p:sp>
+        <p:grpSp>
+          <p:nvGrpSpPr>
+            <p:cNvPr id="98" name="그룹 97">
+              <a:extLst>
+                <a:ext uri="{FF2B5EF4-FFF2-40B4-BE49-F238E27FC236}">
+                  <a16:creationId xmlns:a16="http://schemas.microsoft.com/office/drawing/2014/main" id="{54686F5A-ED50-4C90-B676-934216D3B9CD}"/>
+                </a:ext>
+              </a:extLst>
+            </p:cNvPr>
+            <p:cNvGrpSpPr/>
+            <p:nvPr/>
+          </p:nvGrpSpPr>
+          <p:grpSpPr>
+            <a:xfrm>
+              <a:off x="3671234" y="5092362"/>
+              <a:ext cx="713866" cy="833772"/>
+              <a:chOff x="763012" y="2493381"/>
+              <a:chExt cx="1158240" cy="1352788"/>
+            </a:xfrm>
+          </p:grpSpPr>
+          <p:pic>
+            <p:nvPicPr>
+              <p:cNvPr id="99" name="Picture 8">
+                <a:extLst>
+                  <a:ext uri="{FF2B5EF4-FFF2-40B4-BE49-F238E27FC236}">
+                    <a16:creationId xmlns:a16="http://schemas.microsoft.com/office/drawing/2014/main" id="{29045E33-639B-494F-9363-CAE7042B7D98}"/>
+                  </a:ext>
+                </a:extLst>
+              </p:cNvPr>
+              <p:cNvPicPr>
+                <a:picLocks noChangeAspect="1" noChangeArrowheads="1"/>
+              </p:cNvPicPr>
+              <p:nvPr/>
+            </p:nvPicPr>
+            <p:blipFill>
+              <a:blip r:embed="rId5">
+                <a:extLst>
+                  <a:ext uri="{28A0092B-C50C-407E-A947-70E740481C1C}">
+                    <a14:useLocalDpi xmlns:a14="http://schemas.microsoft.com/office/drawing/2010/main" val="0"/>
+                  </a:ext>
+                </a:extLst>
+              </a:blip>
+              <a:srcRect/>
+              <a:stretch>
+                <a:fillRect/>
+              </a:stretch>
+            </p:blipFill>
+            <p:spPr bwMode="auto">
+              <a:xfrm>
+                <a:off x="984340" y="2493381"/>
+                <a:ext cx="687168" cy="827360"/>
+              </a:xfrm>
+              <a:prstGeom prst="rect">
+                <a:avLst/>
+              </a:prstGeom>
+              <a:noFill/>
+              <a:extLst>
+                <a:ext uri="{909E8E84-426E-40DD-AFC4-6F175D3DCCD1}">
+                  <a14:hiddenFill xmlns:a14="http://schemas.microsoft.com/office/drawing/2010/main">
+                    <a:solidFill>
+                      <a:srgbClr val="FFFFFF"/>
+                    </a:solidFill>
+                  </a14:hiddenFill>
+                </a:ext>
+              </a:extLst>
+            </p:spPr>
+          </p:pic>
+          <p:sp>
+            <p:nvSpPr>
+              <p:cNvPr id="100" name="TextBox 99">
+                <a:extLst>
+                  <a:ext uri="{FF2B5EF4-FFF2-40B4-BE49-F238E27FC236}">
+                    <a16:creationId xmlns:a16="http://schemas.microsoft.com/office/drawing/2014/main" id="{245C4F28-FC35-4A94-BECD-7C63C33EC6C7}"/>
+                  </a:ext>
+                </a:extLst>
+              </p:cNvPr>
+              <p:cNvSpPr txBox="1"/>
+              <p:nvPr/>
+            </p:nvSpPr>
+            <p:spPr>
+              <a:xfrm>
+                <a:off x="763012" y="3296868"/>
+                <a:ext cx="1158240" cy="549301"/>
+              </a:xfrm>
+              <a:prstGeom prst="rect">
+                <a:avLst/>
+              </a:prstGeom>
+              <a:noFill/>
+            </p:spPr>
+            <p:txBody>
+              <a:bodyPr wrap="square" rtlCol="0">
+                <a:spAutoFit/>
+              </a:bodyPr>
+              <a:lstStyle/>
+              <a:p>
+                <a:pPr algn="ctr"/>
+                <a:r>
+                  <a:rPr lang="en-US" altLang="ko-KR" sz="1600">
+                    <a:ln>
+                      <a:solidFill>
+                        <a:schemeClr val="tx1">
+                          <a:alpha val="30000"/>
+                        </a:schemeClr>
+                      </a:solidFill>
+                    </a:ln>
+                    <a:latin typeface="빙그레 메로나체" panose="020B0503000000000000" pitchFamily="50" charset="-127"/>
+                    <a:ea typeface="빙그레 메로나체" panose="020B0503000000000000" pitchFamily="50" charset="-127"/>
+                  </a:rPr>
+                  <a:t>Svelte</a:t>
+                </a:r>
+              </a:p>
+            </p:txBody>
+          </p:sp>
+        </p:grpSp>
+        <p:grpSp>
+          <p:nvGrpSpPr>
+            <p:cNvPr id="101" name="그룹 100">
+              <a:extLst>
+                <a:ext uri="{FF2B5EF4-FFF2-40B4-BE49-F238E27FC236}">
+                  <a16:creationId xmlns:a16="http://schemas.microsoft.com/office/drawing/2014/main" id="{0419887A-AC90-469E-A158-BCC22E002AB2}"/>
+                </a:ext>
+              </a:extLst>
+            </p:cNvPr>
+            <p:cNvGrpSpPr/>
+            <p:nvPr/>
+          </p:nvGrpSpPr>
+          <p:grpSpPr>
+            <a:xfrm>
+              <a:off x="6388754" y="5102943"/>
+              <a:ext cx="713866" cy="817849"/>
+              <a:chOff x="744283" y="1261143"/>
+              <a:chExt cx="1158240" cy="1326954"/>
+            </a:xfrm>
+          </p:grpSpPr>
+          <p:pic>
+            <p:nvPicPr>
+              <p:cNvPr id="102" name="Picture 2">
+                <a:extLst>
+                  <a:ext uri="{FF2B5EF4-FFF2-40B4-BE49-F238E27FC236}">
+                    <a16:creationId xmlns:a16="http://schemas.microsoft.com/office/drawing/2014/main" id="{6D339409-D37F-4D7B-8567-1D93F8ADA0D0}"/>
+                  </a:ext>
+                </a:extLst>
+              </p:cNvPr>
+              <p:cNvPicPr>
+                <a:picLocks noChangeAspect="1" noChangeArrowheads="1"/>
+              </p:cNvPicPr>
+              <p:nvPr/>
+            </p:nvPicPr>
+            <p:blipFill rotWithShape="1">
+              <a:blip r:embed="rId3">
+                <a:extLst>
+                  <a:ext uri="{BEBA8EAE-BF5A-486C-A8C5-ECC9F3942E4B}">
+                    <a14:imgProps xmlns:a14="http://schemas.microsoft.com/office/drawing/2010/main">
+                      <a14:imgLayer r:embed="rId4">
+                        <a14:imgEffect>
+                          <a14:backgroundRemoval t="10000" b="90000" l="10000" r="90000">
+                            <a14:backgroundMark x1="48828" y1="1768" x2="79375" y2="9282"/>
+                            <a14:backgroundMark x1="89531" y1="38011" x2="90781" y2="78343"/>
+                            <a14:backgroundMark x1="46875" y1="96464" x2="15469" y2="87403"/>
+                            <a14:backgroundMark x1="15469" y1="87403" x2="14063" y2="86630"/>
+                          </a14:backgroundRemoval>
+                        </a14:imgEffect>
+                      </a14:imgLayer>
+                    </a14:imgProps>
+                  </a:ext>
+                  <a:ext uri="{28A0092B-C50C-407E-A947-70E740481C1C}">
+                    <a14:useLocalDpi xmlns:a14="http://schemas.microsoft.com/office/drawing/2010/main" val="0"/>
+                  </a:ext>
+                </a:extLst>
+              </a:blip>
+              <a:srcRect l="17148" t="11093" r="18077" b="13012"/>
+              <a:stretch/>
+            </p:blipFill>
+            <p:spPr bwMode="auto">
+              <a:xfrm>
+                <a:off x="824035" y="1261143"/>
+                <a:ext cx="998736" cy="827360"/>
+              </a:xfrm>
+              <a:prstGeom prst="rect">
+                <a:avLst/>
+              </a:prstGeom>
+              <a:noFill/>
+              <a:extLst>
+                <a:ext uri="{909E8E84-426E-40DD-AFC4-6F175D3DCCD1}">
+                  <a14:hiddenFill xmlns:a14="http://schemas.microsoft.com/office/drawing/2010/main">
+                    <a:solidFill>
+                      <a:srgbClr val="FFFFFF"/>
+                    </a:solidFill>
+                  </a14:hiddenFill>
+                </a:ext>
+              </a:extLst>
+            </p:spPr>
+          </p:pic>
+          <p:sp>
+            <p:nvSpPr>
+              <p:cNvPr id="103" name="TextBox 102">
+                <a:extLst>
+                  <a:ext uri="{FF2B5EF4-FFF2-40B4-BE49-F238E27FC236}">
+                    <a16:creationId xmlns:a16="http://schemas.microsoft.com/office/drawing/2014/main" id="{B95E6A42-1797-428B-B941-24C26CB4DF3E}"/>
+                  </a:ext>
+                </a:extLst>
+              </p:cNvPr>
+              <p:cNvSpPr txBox="1"/>
+              <p:nvPr/>
+            </p:nvSpPr>
+            <p:spPr>
+              <a:xfrm>
+                <a:off x="744283" y="2038796"/>
+                <a:ext cx="1158240" cy="549301"/>
+              </a:xfrm>
+              <a:prstGeom prst="rect">
+                <a:avLst/>
+              </a:prstGeom>
+              <a:noFill/>
+            </p:spPr>
+            <p:txBody>
+              <a:bodyPr wrap="square" rtlCol="0">
+                <a:spAutoFit/>
+              </a:bodyPr>
+              <a:lstStyle/>
+              <a:p>
+                <a:pPr algn="ctr"/>
+                <a:r>
+                  <a:rPr lang="en-US" altLang="ko-KR" sz="1600">
+                    <a:ln>
+                      <a:solidFill>
+                        <a:schemeClr val="tx1">
+                          <a:alpha val="30000"/>
+                        </a:schemeClr>
+                      </a:solidFill>
+                    </a:ln>
+                    <a:latin typeface="빙그레 메로나체" panose="020B0503000000000000" pitchFamily="50" charset="-127"/>
+                    <a:ea typeface="빙그레 메로나체" panose="020B0503000000000000" pitchFamily="50" charset="-127"/>
+                  </a:rPr>
+                  <a:t>React</a:t>
+                </a:r>
+              </a:p>
+            </p:txBody>
+          </p:sp>
+        </p:grpSp>
+        <p:grpSp>
+          <p:nvGrpSpPr>
+            <p:cNvPr id="104" name="그룹 103">
+              <a:extLst>
+                <a:ext uri="{FF2B5EF4-FFF2-40B4-BE49-F238E27FC236}">
+                  <a16:creationId xmlns:a16="http://schemas.microsoft.com/office/drawing/2014/main" id="{CBE410CD-0AF7-4186-8496-48E19CF071A4}"/>
+                </a:ext>
+              </a:extLst>
+            </p:cNvPr>
+            <p:cNvGrpSpPr/>
+            <p:nvPr/>
+          </p:nvGrpSpPr>
+          <p:grpSpPr>
+            <a:xfrm>
+              <a:off x="4983803" y="5129011"/>
+              <a:ext cx="713866" cy="778623"/>
+              <a:chOff x="763710" y="3741680"/>
+              <a:chExt cx="1158240" cy="1263310"/>
+            </a:xfrm>
+          </p:grpSpPr>
+          <p:pic>
+            <p:nvPicPr>
+              <p:cNvPr id="105" name="Picture 6">
+                <a:extLst>
+                  <a:ext uri="{FF2B5EF4-FFF2-40B4-BE49-F238E27FC236}">
+                    <a16:creationId xmlns:a16="http://schemas.microsoft.com/office/drawing/2014/main" id="{43875622-4DF1-4D33-AEFE-D63BB9CE921A}"/>
+                  </a:ext>
+                </a:extLst>
+              </p:cNvPr>
+              <p:cNvPicPr>
+                <a:picLocks noChangeAspect="1" noChangeArrowheads="1"/>
+              </p:cNvPicPr>
+              <p:nvPr/>
+            </p:nvPicPr>
+            <p:blipFill>
+              <a:blip r:embed="rId7">
+                <a:extLst>
+                  <a:ext uri="{28A0092B-C50C-407E-A947-70E740481C1C}">
+                    <a14:useLocalDpi xmlns:a14="http://schemas.microsoft.com/office/drawing/2010/main" val="0"/>
+                  </a:ext>
+                </a:extLst>
+              </a:blip>
+              <a:srcRect/>
+              <a:stretch>
+                <a:fillRect/>
+              </a:stretch>
+            </p:blipFill>
+            <p:spPr bwMode="auto">
+              <a:xfrm>
+                <a:off x="916895" y="3741680"/>
+                <a:ext cx="835342" cy="723906"/>
+              </a:xfrm>
+              <a:prstGeom prst="rect">
+                <a:avLst/>
+              </a:prstGeom>
+              <a:noFill/>
+              <a:extLst>
+                <a:ext uri="{909E8E84-426E-40DD-AFC4-6F175D3DCCD1}">
+                  <a14:hiddenFill xmlns:a14="http://schemas.microsoft.com/office/drawing/2010/main">
+                    <a:solidFill>
+                      <a:srgbClr val="FFFFFF"/>
+                    </a:solidFill>
+                  </a14:hiddenFill>
+                </a:ext>
+              </a:extLst>
+            </p:spPr>
+          </p:pic>
+          <p:sp>
+            <p:nvSpPr>
+              <p:cNvPr id="106" name="TextBox 105">
+                <a:extLst>
+                  <a:ext uri="{FF2B5EF4-FFF2-40B4-BE49-F238E27FC236}">
+                    <a16:creationId xmlns:a16="http://schemas.microsoft.com/office/drawing/2014/main" id="{904F0125-091C-463E-BD7A-0145C072ED0F}"/>
+                  </a:ext>
+                </a:extLst>
+              </p:cNvPr>
+              <p:cNvSpPr txBox="1"/>
+              <p:nvPr/>
+            </p:nvSpPr>
+            <p:spPr>
+              <a:xfrm>
+                <a:off x="763710" y="4455689"/>
+                <a:ext cx="1158240" cy="549301"/>
+              </a:xfrm>
+              <a:prstGeom prst="rect">
+                <a:avLst/>
+              </a:prstGeom>
+              <a:noFill/>
+            </p:spPr>
+            <p:txBody>
+              <a:bodyPr wrap="square" rtlCol="0">
+                <a:spAutoFit/>
+              </a:bodyPr>
+              <a:lstStyle/>
+              <a:p>
+                <a:pPr algn="ctr"/>
+                <a:r>
+                  <a:rPr lang="en-US" altLang="ko-KR" sz="1600">
+                    <a:ln>
+                      <a:solidFill>
+                        <a:schemeClr val="tx1">
+                          <a:alpha val="30000"/>
+                        </a:schemeClr>
+                      </a:solidFill>
+                    </a:ln>
+                    <a:latin typeface="빙그레 메로나체" panose="020B0503000000000000" pitchFamily="50" charset="-127"/>
+                    <a:ea typeface="빙그레 메로나체" panose="020B0503000000000000" pitchFamily="50" charset="-127"/>
+                  </a:rPr>
+                  <a:t>Vue</a:t>
+                </a:r>
+              </a:p>
+            </p:txBody>
+          </p:sp>
+        </p:grpSp>
+        <p:grpSp>
+          <p:nvGrpSpPr>
+            <p:cNvPr id="107" name="그룹 106">
+              <a:extLst>
+                <a:ext uri="{FF2B5EF4-FFF2-40B4-BE49-F238E27FC236}">
+                  <a16:creationId xmlns:a16="http://schemas.microsoft.com/office/drawing/2014/main" id="{598FAAAF-DC4F-4C37-8805-9A81EE163759}"/>
+                </a:ext>
+              </a:extLst>
+            </p:cNvPr>
+            <p:cNvGrpSpPr/>
+            <p:nvPr/>
+          </p:nvGrpSpPr>
+          <p:grpSpPr>
+            <a:xfrm>
+              <a:off x="7473614" y="5077008"/>
+              <a:ext cx="1271815" cy="856872"/>
+              <a:chOff x="284530" y="5847760"/>
+              <a:chExt cx="2063504" cy="1390269"/>
+            </a:xfrm>
+          </p:grpSpPr>
+          <p:pic>
+            <p:nvPicPr>
+              <p:cNvPr id="108" name="Picture 4" descr="Angular - PRESS KIT">
+                <a:extLst>
+                  <a:ext uri="{FF2B5EF4-FFF2-40B4-BE49-F238E27FC236}">
+                    <a16:creationId xmlns:a16="http://schemas.microsoft.com/office/drawing/2014/main" id="{E88A91DA-F20B-47A2-B0AD-B59BB0AC2B2F}"/>
+                  </a:ext>
+                </a:extLst>
+              </p:cNvPr>
+              <p:cNvPicPr>
+                <a:picLocks noChangeAspect="1" noChangeArrowheads="1"/>
+              </p:cNvPicPr>
+              <p:nvPr/>
+            </p:nvPicPr>
+            <p:blipFill rotWithShape="1">
+              <a:blip r:embed="rId6">
+                <a:extLst>
+                  <a:ext uri="{28A0092B-C50C-407E-A947-70E740481C1C}">
+                    <a14:useLocalDpi xmlns:a14="http://schemas.microsoft.com/office/drawing/2010/main" val="0"/>
+                  </a:ext>
+                </a:extLst>
+              </a:blip>
+              <a:srcRect l="7281" t="9320" r="10639" b="4279"/>
+              <a:stretch/>
+            </p:blipFill>
+            <p:spPr bwMode="auto">
+              <a:xfrm>
+                <a:off x="911856" y="5847760"/>
+                <a:ext cx="785994" cy="827360"/>
+              </a:xfrm>
+              <a:prstGeom prst="rect">
+                <a:avLst/>
+              </a:prstGeom>
+              <a:noFill/>
+              <a:extLst>
+                <a:ext uri="{909E8E84-426E-40DD-AFC4-6F175D3DCCD1}">
+                  <a14:hiddenFill xmlns:a14="http://schemas.microsoft.com/office/drawing/2010/main">
+                    <a:solidFill>
+                      <a:srgbClr val="FFFFFF"/>
+                    </a:solidFill>
+                  </a14:hiddenFill>
+                </a:ext>
+              </a:extLst>
+            </p:spPr>
+          </p:pic>
+          <p:sp>
+            <p:nvSpPr>
+              <p:cNvPr id="109" name="TextBox 108">
+                <a:extLst>
+                  <a:ext uri="{FF2B5EF4-FFF2-40B4-BE49-F238E27FC236}">
+                    <a16:creationId xmlns:a16="http://schemas.microsoft.com/office/drawing/2014/main" id="{0588920E-79E4-4834-B0A0-614D713C1317}"/>
+                  </a:ext>
+                </a:extLst>
+              </p:cNvPr>
+              <p:cNvSpPr txBox="1"/>
+              <p:nvPr/>
+            </p:nvSpPr>
+            <p:spPr>
+              <a:xfrm>
+                <a:off x="284530" y="6688727"/>
+                <a:ext cx="2063504" cy="549302"/>
+              </a:xfrm>
+              <a:prstGeom prst="rect">
+                <a:avLst/>
+              </a:prstGeom>
+              <a:noFill/>
+            </p:spPr>
+            <p:txBody>
+              <a:bodyPr wrap="square" rtlCol="0">
+                <a:spAutoFit/>
+              </a:bodyPr>
+              <a:lstStyle/>
+              <a:p>
+                <a:pPr algn="ctr"/>
+                <a:r>
+                  <a:rPr lang="en-US" altLang="ko-KR" sz="1600">
+                    <a:ln>
+                      <a:solidFill>
+                        <a:schemeClr val="tx1">
+                          <a:alpha val="30000"/>
+                        </a:schemeClr>
+                      </a:solidFill>
+                    </a:ln>
+                    <a:latin typeface="빙그레 메로나체" panose="020B0503000000000000" pitchFamily="50" charset="-127"/>
+                    <a:ea typeface="빙그레 메로나체" panose="020B0503000000000000" pitchFamily="50" charset="-127"/>
+                  </a:rPr>
+                  <a:t>Angular</a:t>
+                </a:r>
+              </a:p>
+            </p:txBody>
+          </p:sp>
+        </p:grpSp>
+        <p:sp>
+          <p:nvSpPr>
+            <p:cNvPr id="110" name="TextBox 109">
+              <a:extLst>
+                <a:ext uri="{FF2B5EF4-FFF2-40B4-BE49-F238E27FC236}">
+                  <a16:creationId xmlns:a16="http://schemas.microsoft.com/office/drawing/2014/main" id="{556DDD13-5AF7-49F3-9DEA-7DD1C2120493}"/>
+                </a:ext>
+              </a:extLst>
+            </p:cNvPr>
+            <p:cNvSpPr txBox="1"/>
+            <p:nvPr/>
+          </p:nvSpPr>
+          <p:spPr>
+            <a:xfrm>
+              <a:off x="4286268" y="5229122"/>
+              <a:ext cx="824842" cy="523220"/>
+            </a:xfrm>
+            <a:prstGeom prst="rect">
+              <a:avLst/>
+            </a:prstGeom>
+            <a:noFill/>
+          </p:spPr>
+          <p:txBody>
+            <a:bodyPr wrap="square" rtlCol="0">
+              <a:spAutoFit/>
+            </a:bodyPr>
+            <a:lstStyle/>
+            <a:p>
+              <a:pPr algn="ctr"/>
+              <a:r>
+                <a:rPr lang="en-US" altLang="ko-KR" sz="2800">
+                  <a:ln>
+                    <a:solidFill>
+                      <a:schemeClr val="tx1">
+                        <a:alpha val="30000"/>
+                      </a:schemeClr>
+                    </a:solidFill>
+                  </a:ln>
+                  <a:latin typeface="빙그레 메로나체" panose="020B0503000000000000" pitchFamily="50" charset="-127"/>
+                  <a:ea typeface="빙그레 메로나체" panose="020B0503000000000000" pitchFamily="50" charset="-127"/>
+                </a:rPr>
+                <a:t>&gt;</a:t>
+              </a:r>
+            </a:p>
+          </p:txBody>
+        </p:sp>
+        <p:sp>
+          <p:nvSpPr>
+            <p:cNvPr id="111" name="TextBox 110">
+              <a:extLst>
+                <a:ext uri="{FF2B5EF4-FFF2-40B4-BE49-F238E27FC236}">
+                  <a16:creationId xmlns:a16="http://schemas.microsoft.com/office/drawing/2014/main" id="{17B61746-CB7A-421D-B50C-5469079CC5EC}"/>
+                </a:ext>
+              </a:extLst>
+            </p:cNvPr>
+            <p:cNvSpPr txBox="1"/>
+            <p:nvPr/>
+          </p:nvSpPr>
+          <p:spPr>
+            <a:xfrm>
+              <a:off x="5650601" y="5229122"/>
+              <a:ext cx="824842" cy="523220"/>
+            </a:xfrm>
+            <a:prstGeom prst="rect">
+              <a:avLst/>
+            </a:prstGeom>
+            <a:noFill/>
+          </p:spPr>
+          <p:txBody>
+            <a:bodyPr wrap="square" rtlCol="0">
+              <a:spAutoFit/>
+            </a:bodyPr>
+            <a:lstStyle/>
+            <a:p>
+              <a:pPr algn="ctr"/>
+              <a:r>
+                <a:rPr lang="en-US" altLang="ko-KR" sz="2800">
+                  <a:ln>
+                    <a:solidFill>
+                      <a:schemeClr val="tx1">
+                        <a:alpha val="30000"/>
+                      </a:schemeClr>
+                    </a:solidFill>
+                  </a:ln>
+                  <a:latin typeface="빙그레 메로나체" panose="020B0503000000000000" pitchFamily="50" charset="-127"/>
+                  <a:ea typeface="빙그레 메로나체" panose="020B0503000000000000" pitchFamily="50" charset="-127"/>
+                </a:rPr>
+                <a:t>&gt;</a:t>
+              </a:r>
+            </a:p>
+          </p:txBody>
+        </p:sp>
+        <p:sp>
+          <p:nvSpPr>
+            <p:cNvPr id="112" name="TextBox 111">
+              <a:extLst>
+                <a:ext uri="{FF2B5EF4-FFF2-40B4-BE49-F238E27FC236}">
+                  <a16:creationId xmlns:a16="http://schemas.microsoft.com/office/drawing/2014/main" id="{3A8AD17A-C442-45F6-8A8B-75332F206B81}"/>
+                </a:ext>
+              </a:extLst>
+            </p:cNvPr>
+            <p:cNvSpPr txBox="1"/>
+            <p:nvPr/>
+          </p:nvSpPr>
+          <p:spPr>
+            <a:xfrm>
+              <a:off x="7014933" y="5229122"/>
+              <a:ext cx="824842" cy="523220"/>
+            </a:xfrm>
+            <a:prstGeom prst="rect">
+              <a:avLst/>
+            </a:prstGeom>
+            <a:noFill/>
+          </p:spPr>
+          <p:txBody>
+            <a:bodyPr wrap="square" rtlCol="0">
+              <a:spAutoFit/>
+            </a:bodyPr>
+            <a:lstStyle/>
+            <a:p>
+              <a:pPr algn="ctr"/>
+              <a:r>
+                <a:rPr lang="en-US" altLang="ko-KR" sz="2800">
+                  <a:ln>
+                    <a:solidFill>
+                      <a:schemeClr val="tx1">
+                        <a:alpha val="30000"/>
+                      </a:schemeClr>
+                    </a:solidFill>
+                  </a:ln>
+                  <a:latin typeface="빙그레 메로나체" panose="020B0503000000000000" pitchFamily="50" charset="-127"/>
+                  <a:ea typeface="빙그레 메로나체" panose="020B0503000000000000" pitchFamily="50" charset="-127"/>
+                </a:rPr>
+                <a:t>&gt;</a:t>
+              </a:r>
+            </a:p>
+          </p:txBody>
+        </p:sp>
+        <p:sp>
+          <p:nvSpPr>
+            <p:cNvPr id="113" name="TextBox 112">
+              <a:extLst>
+                <a:ext uri="{FF2B5EF4-FFF2-40B4-BE49-F238E27FC236}">
+                  <a16:creationId xmlns:a16="http://schemas.microsoft.com/office/drawing/2014/main" id="{E4812A57-4153-4D52-AC48-D67CE6B800B2}"/>
+                </a:ext>
+              </a:extLst>
+            </p:cNvPr>
+            <p:cNvSpPr txBox="1"/>
+            <p:nvPr/>
+          </p:nvSpPr>
+          <p:spPr>
+            <a:xfrm>
+              <a:off x="5224481" y="4575501"/>
+              <a:ext cx="1677081" cy="400110"/>
+            </a:xfrm>
+            <a:prstGeom prst="rect">
+              <a:avLst/>
+            </a:prstGeom>
+            <a:noFill/>
+          </p:spPr>
+          <p:txBody>
+            <a:bodyPr wrap="square" rtlCol="0">
+              <a:spAutoFit/>
+            </a:bodyPr>
+            <a:lstStyle/>
+            <a:p>
+              <a:pPr algn="ctr"/>
+              <a:r>
+                <a:rPr lang="en-US" altLang="ko-KR" sz="2000">
+                  <a:ln>
+                    <a:solidFill>
+                      <a:schemeClr val="tx1">
+                        <a:alpha val="30000"/>
+                      </a:schemeClr>
+                    </a:solidFill>
+                  </a:ln>
+                  <a:latin typeface="빙그레 메로나체" panose="020B0503000000000000" pitchFamily="50" charset="-127"/>
+                  <a:ea typeface="빙그레 메로나체" panose="020B0503000000000000" pitchFamily="50" charset="-127"/>
+                </a:rPr>
+                <a:t>Memory </a:t>
+              </a:r>
+            </a:p>
+          </p:txBody>
+        </p:sp>
+      </p:grpSp>
     </p:spTree>
     <p:extLst>
       <p:ext uri="{BB962C8B-B14F-4D97-AF65-F5344CB8AC3E}">

--- a/210201_React.pptx
+++ b/210201_React.pptx
@@ -5379,59 +5379,6 @@
             </a:endParaRPr>
           </a:p>
           <a:p>
-            <a:endParaRPr lang="en-US" altLang="ko-KR" b="0" i="0">
-              <a:solidFill>
-                <a:srgbClr val="222426"/>
-              </a:solidFill>
-              <a:effectLst/>
-            </a:endParaRPr>
-          </a:p>
-          <a:p>
-            <a:r>
-              <a:rPr lang="ko-KR" altLang="en-US" b="0" i="0">
-                <a:solidFill>
-                  <a:srgbClr val="222426"/>
-                </a:solidFill>
-                <a:effectLst/>
-              </a:rPr>
-              <a:t>웹페이지에서는 페이지를 보여주기 위한 수 많은 자바스크립트 파일을 서버에 요청 </a:t>
-            </a:r>
-            <a:r>
-              <a:rPr lang="en-US" altLang="ko-KR" b="0" i="0">
-                <a:solidFill>
-                  <a:srgbClr val="222426"/>
-                </a:solidFill>
-                <a:effectLst/>
-              </a:rPr>
-              <a:t>- </a:t>
-            </a:r>
-            <a:r>
-              <a:rPr lang="ko-KR" altLang="en-US" b="0" i="0">
-                <a:solidFill>
-                  <a:srgbClr val="222426"/>
-                </a:solidFill>
-                <a:effectLst/>
-              </a:rPr>
-              <a:t>서버와 여러번 통신 </a:t>
-            </a:r>
-            <a:r>
-              <a:rPr lang="en-US" altLang="ko-KR" b="0" i="0">
-                <a:solidFill>
-                  <a:srgbClr val="222426"/>
-                </a:solidFill>
-                <a:effectLst/>
-              </a:rPr>
-              <a:t>- </a:t>
-            </a:r>
-            <a:r>
-              <a:rPr lang="ko-KR" altLang="en-US" b="0" i="0">
-                <a:solidFill>
-                  <a:srgbClr val="222426"/>
-                </a:solidFill>
-                <a:effectLst/>
-              </a:rPr>
-              <a:t>비효율</a:t>
-            </a:r>
             <a:endParaRPr lang="en-US" altLang="ko-KR" b="0" i="0">
               <a:solidFill>
                 <a:srgbClr val="222426"/>
@@ -40253,132 +40200,6 @@
           </a:p>
         </p:txBody>
       </p:sp>
-      <p:sp>
-        <p:nvSpPr>
-          <p:cNvPr id="6" name="슬라이드 번호 개체 틀 5">
-            <a:extLst>
-              <a:ext uri="{FF2B5EF4-FFF2-40B4-BE49-F238E27FC236}">
-                <a16:creationId xmlns:a16="http://schemas.microsoft.com/office/drawing/2014/main" id="{60BB1EEC-2CE0-4A53-94FF-AB309AB632BB}"/>
-              </a:ext>
-            </a:extLst>
-          </p:cNvPr>
-          <p:cNvSpPr>
-            <a:spLocks noGrp="1"/>
-          </p:cNvSpPr>
-          <p:nvPr>
-            <p:ph type="sldNum" sz="quarter" idx="12"/>
-          </p:nvPr>
-        </p:nvSpPr>
-        <p:spPr/>
-        <p:txBody>
-          <a:bodyPr/>
-          <a:lstStyle/>
-          <a:p>
-            <a:pPr algn="ctr"/>
-            <a:fld id="{4AE1E1EF-90A0-4171-8CF9-B3BC5042A8FC}" type="slidenum">
-              <a:rPr lang="ko-KR" altLang="en-US" smtClean="0"/>
-              <a:pPr algn="ctr"/>
-              <a:t>42</a:t>
-            </a:fld>
-            <a:endParaRPr lang="ko-KR" altLang="en-US"/>
-          </a:p>
-        </p:txBody>
-      </p:sp>
-      <p:sp>
-        <p:nvSpPr>
-          <p:cNvPr id="7" name="TextBox 6">
-            <a:extLst>
-              <a:ext uri="{FF2B5EF4-FFF2-40B4-BE49-F238E27FC236}">
-                <a16:creationId xmlns:a16="http://schemas.microsoft.com/office/drawing/2014/main" id="{187BCD44-0BE8-4084-A9EE-E0E118B2044A}"/>
-              </a:ext>
-            </a:extLst>
-          </p:cNvPr>
-          <p:cNvSpPr txBox="1"/>
-          <p:nvPr/>
-        </p:nvSpPr>
-        <p:spPr>
-          <a:xfrm>
-            <a:off x="582516" y="6127918"/>
-            <a:ext cx="10656712" cy="307777"/>
-          </a:xfrm>
-          <a:prstGeom prst="rect">
-            <a:avLst/>
-          </a:prstGeom>
-          <a:noFill/>
-        </p:spPr>
-        <p:txBody>
-          <a:bodyPr wrap="square">
-            <a:spAutoFit/>
-          </a:bodyPr>
-          <a:lstStyle/>
-          <a:p>
-            <a:r>
-              <a:rPr lang="en-US" altLang="ko-KR" sz="1400">
-                <a:ln>
-                  <a:solidFill>
-                    <a:schemeClr val="tx1">
-                      <a:alpha val="30000"/>
-                    </a:schemeClr>
-                  </a:solidFill>
-                </a:ln>
-                <a:latin typeface="빙그레 메로나체" panose="020B0503000000000000" pitchFamily="50" charset="-127"/>
-                <a:ea typeface="빙그레 메로나체" panose="020B0503000000000000" pitchFamily="50" charset="-127"/>
-              </a:rPr>
-              <a:t>* expression : any valid set of literals, variables, operators, and expressions that evaluates to a single value.</a:t>
-            </a:r>
-          </a:p>
-        </p:txBody>
-      </p:sp>
-      <p:sp>
-        <p:nvSpPr>
-          <p:cNvPr id="8" name="TextBox 7">
-            <a:extLst>
-              <a:ext uri="{FF2B5EF4-FFF2-40B4-BE49-F238E27FC236}">
-                <a16:creationId xmlns:a16="http://schemas.microsoft.com/office/drawing/2014/main" id="{D46A6CCE-B802-43A6-9923-3BA8094A3E3D}"/>
-              </a:ext>
-            </a:extLst>
-          </p:cNvPr>
-          <p:cNvSpPr txBox="1"/>
-          <p:nvPr/>
-        </p:nvSpPr>
-        <p:spPr>
-          <a:xfrm>
-            <a:off x="0" y="6562722"/>
-            <a:ext cx="7608858" cy="307777"/>
-          </a:xfrm>
-          <a:prstGeom prst="rect">
-            <a:avLst/>
-          </a:prstGeom>
-          <a:noFill/>
-        </p:spPr>
-        <p:txBody>
-          <a:bodyPr wrap="square" rtlCol="0">
-            <a:spAutoFit/>
-          </a:bodyPr>
-          <a:lstStyle/>
-          <a:p>
-            <a:r>
-              <a:rPr lang="en-US" altLang="ko-KR" sz="1400">
-                <a:ln>
-                  <a:solidFill>
-                    <a:schemeClr val="tx1">
-                      <a:alpha val="30000"/>
-                    </a:schemeClr>
-                  </a:solidFill>
-                </a:ln>
-                <a:solidFill>
-                  <a:schemeClr val="bg1">
-                    <a:lumMod val="65000"/>
-                  </a:schemeClr>
-                </a:solidFill>
-                <a:latin typeface="빙그레 메로나체" panose="020B0503000000000000" pitchFamily="50" charset="-127"/>
-                <a:ea typeface="빙그레 메로나체" panose="020B0503000000000000" pitchFamily="50" charset="-127"/>
-              </a:rPr>
-              <a:t>source : https://2019.stateofjs.com/front-end-frameworks/</a:t>
-            </a:r>
-          </a:p>
-        </p:txBody>
-      </p:sp>
     </p:spTree>
     <p:extLst>
       <p:ext uri="{BB962C8B-B14F-4D97-AF65-F5344CB8AC3E}">

--- a/210201_React.pptx
+++ b/210201_React.pptx
@@ -6588,6 +6588,14 @@
               </a:rPr>
               <a:t>)</a:t>
             </a:r>
+          </a:p>
+          <a:p>
+            <a:endParaRPr lang="en-US" altLang="ko-KR" b="0" i="0">
+              <a:solidFill>
+                <a:srgbClr val="212529"/>
+              </a:solidFill>
+              <a:effectLst/>
+            </a:endParaRPr>
           </a:p>
         </p:txBody>
       </p:sp>
@@ -39800,6 +39808,56 @@
           </a:p>
         </p:txBody>
       </p:sp>
+      <p:sp>
+        <p:nvSpPr>
+          <p:cNvPr id="9" name="TextBox 8">
+            <a:extLst>
+              <a:ext uri="{FF2B5EF4-FFF2-40B4-BE49-F238E27FC236}">
+                <a16:creationId xmlns:a16="http://schemas.microsoft.com/office/drawing/2014/main" id="{68DF131A-051B-4A7B-A176-9316FAD642E4}"/>
+              </a:ext>
+            </a:extLst>
+          </p:cNvPr>
+          <p:cNvSpPr txBox="1"/>
+          <p:nvPr/>
+        </p:nvSpPr>
+        <p:spPr>
+          <a:xfrm>
+            <a:off x="0" y="6562722"/>
+            <a:ext cx="7608858" cy="307777"/>
+          </a:xfrm>
+          <a:prstGeom prst="rect">
+            <a:avLst/>
+          </a:prstGeom>
+          <a:noFill/>
+        </p:spPr>
+        <p:txBody>
+          <a:bodyPr wrap="square" rtlCol="0">
+            <a:spAutoFit/>
+          </a:bodyPr>
+          <a:lstStyle/>
+          <a:p>
+            <a:r>
+              <a:rPr lang="en-US" altLang="ko-KR" sz="1400">
+                <a:ln>
+                  <a:solidFill>
+                    <a:schemeClr val="tx1">
+                      <a:alpha val="30000"/>
+                    </a:schemeClr>
+                  </a:solidFill>
+                </a:ln>
+                <a:solidFill>
+                  <a:schemeClr val="bg1">
+                    <a:lumMod val="65000"/>
+                  </a:schemeClr>
+                </a:solidFill>
+                <a:latin typeface="빙그레 메로나체" panose="020B0503000000000000" pitchFamily="50" charset="-127"/>
+                <a:ea typeface="빙그레 메로나체" panose="020B0503000000000000" pitchFamily="50" charset="-127"/>
+              </a:rPr>
+              <a:t>source : https://projects.wojtekmaj.pl/react-lifecycle-methods-diagram/</a:t>
+            </a:r>
+          </a:p>
+        </p:txBody>
+      </p:sp>
     </p:spTree>
     <p:extLst>
       <p:ext uri="{BB962C8B-B14F-4D97-AF65-F5344CB8AC3E}">
@@ -40058,8 +40116,8 @@
         </p:blipFill>
         <p:spPr bwMode="auto">
           <a:xfrm>
-            <a:off x="2839448" y="1393493"/>
-            <a:ext cx="7326917" cy="5276566"/>
+            <a:off x="3007571" y="1442377"/>
+            <a:ext cx="6990672" cy="5034414"/>
           </a:xfrm>
           <a:prstGeom prst="rect">
             <a:avLst/>
@@ -40125,6 +40183,56 @@
               <a:t>Hooks</a:t>
             </a:r>
             <a:endParaRPr lang="ko-KR" altLang="en-US" sz="2400"/>
+          </a:p>
+        </p:txBody>
+      </p:sp>
+      <p:sp>
+        <p:nvSpPr>
+          <p:cNvPr id="9" name="TextBox 8">
+            <a:extLst>
+              <a:ext uri="{FF2B5EF4-FFF2-40B4-BE49-F238E27FC236}">
+                <a16:creationId xmlns:a16="http://schemas.microsoft.com/office/drawing/2014/main" id="{18D9242F-0F10-4BDA-838D-F0CEC1E192E7}"/>
+              </a:ext>
+            </a:extLst>
+          </p:cNvPr>
+          <p:cNvSpPr txBox="1"/>
+          <p:nvPr/>
+        </p:nvSpPr>
+        <p:spPr>
+          <a:xfrm>
+            <a:off x="0" y="6562722"/>
+            <a:ext cx="10732168" cy="307777"/>
+          </a:xfrm>
+          <a:prstGeom prst="rect">
+            <a:avLst/>
+          </a:prstGeom>
+          <a:noFill/>
+        </p:spPr>
+        <p:txBody>
+          <a:bodyPr wrap="square" rtlCol="0">
+            <a:spAutoFit/>
+          </a:bodyPr>
+          <a:lstStyle/>
+          <a:p>
+            <a:r>
+              <a:rPr lang="en-US" altLang="ko-KR" sz="1400">
+                <a:ln>
+                  <a:solidFill>
+                    <a:schemeClr val="tx1">
+                      <a:alpha val="30000"/>
+                    </a:schemeClr>
+                  </a:solidFill>
+                </a:ln>
+                <a:solidFill>
+                  <a:schemeClr val="bg1">
+                    <a:lumMod val="65000"/>
+                  </a:schemeClr>
+                </a:solidFill>
+                <a:latin typeface="빙그레 메로나체" panose="020B0503000000000000" pitchFamily="50" charset="-127"/>
+                <a:ea typeface="빙그레 메로나체" panose="020B0503000000000000" pitchFamily="50" charset="-127"/>
+              </a:rPr>
+              <a:t>source : https://medium.com/@galmargalit/react-function-components-hooks-lifecycle-diagram-14f76e0a5988</a:t>
+            </a:r>
           </a:p>
         </p:txBody>
       </p:sp>
